--- a/E-Waste_Tracking_and_management/PPT/PID_0000_TG08003219_PresentationRound.pptx
+++ b/E-Waste_Tracking_and_management/PPT/PID_0000_TG08003219_PresentationRound.pptx
@@ -5,21 +5,22 @@
     <p:sldMasterId id="2147483652" r:id="rId1"/>
   </p:sldMasterIdLst>
   <p:notesMasterIdLst>
-    <p:notesMasterId r:id="rId14"/>
+    <p:notesMasterId r:id="rId15"/>
   </p:notesMasterIdLst>
   <p:sldIdLst>
     <p:sldId id="735" r:id="rId2"/>
     <p:sldId id="736" r:id="rId3"/>
     <p:sldId id="737" r:id="rId4"/>
     <p:sldId id="738" r:id="rId5"/>
-    <p:sldId id="739" r:id="rId6"/>
-    <p:sldId id="741" r:id="rId7"/>
-    <p:sldId id="742" r:id="rId8"/>
-    <p:sldId id="743" r:id="rId9"/>
-    <p:sldId id="744" r:id="rId10"/>
-    <p:sldId id="745" r:id="rId11"/>
-    <p:sldId id="740" r:id="rId12"/>
-    <p:sldId id="746" r:id="rId13"/>
+    <p:sldId id="747" r:id="rId6"/>
+    <p:sldId id="739" r:id="rId7"/>
+    <p:sldId id="741" r:id="rId8"/>
+    <p:sldId id="742" r:id="rId9"/>
+    <p:sldId id="743" r:id="rId10"/>
+    <p:sldId id="744" r:id="rId11"/>
+    <p:sldId id="745" r:id="rId12"/>
+    <p:sldId id="740" r:id="rId13"/>
+    <p:sldId id="746" r:id="rId14"/>
   </p:sldIdLst>
   <p:sldSz cx="9144000" cy="5143500" type="screen16x9"/>
   <p:notesSz cx="6858000" cy="9144000"/>
@@ -219,7 +220,7 @@
           <a:p>
             <a:fld id="{D9EDC9C4-A5A9-47A1-92BC-326DCF573043}" type="datetimeFigureOut">
               <a:rPr lang="en-US" smtClean="0"/>
-              <a:t>11/30/2024</a:t>
+              <a:t>12/1/2024</a:t>
             </a:fld>
             <a:endParaRPr lang="en-US"/>
           </a:p>
@@ -28848,6 +28849,410 @@
           <a:lstStyle/>
           <a:p>
             <a:r>
+              <a:rPr lang="en-US" dirty="0">
+                <a:latin typeface="Calibri" panose="020F0502020204030204" pitchFamily="34" charset="0"/>
+              </a:rPr>
+              <a:t>Assumptions</a:t>
+            </a:r>
+            <a:endParaRPr lang="en-IN" dirty="0"/>
+          </a:p>
+        </p:txBody>
+      </p:sp>
+      <p:sp>
+        <p:nvSpPr>
+          <p:cNvPr id="3" name="Content Placeholder 2">
+            <a:extLst>
+              <a:ext uri="{FF2B5EF4-FFF2-40B4-BE49-F238E27FC236}">
+                <a16:creationId xmlns:a16="http://schemas.microsoft.com/office/drawing/2014/main" id="{E9BCFC67-F5AA-8E05-39EC-73CBF3865066}"/>
+              </a:ext>
+            </a:extLst>
+          </p:cNvPr>
+          <p:cNvSpPr>
+            <a:spLocks noGrp="1"/>
+          </p:cNvSpPr>
+          <p:nvPr>
+            <p:ph idx="1"/>
+          </p:nvPr>
+        </p:nvSpPr>
+        <p:spPr/>
+        <p:txBody>
+          <a:bodyPr>
+            <a:normAutofit fontScale="62500" lnSpcReduction="20000"/>
+          </a:bodyPr>
+          <a:lstStyle/>
+          <a:p>
+            <a:pPr algn="l"/>
+            <a:r>
+              <a:rPr lang="en-GB" sz="2200" b="1" i="0" dirty="0">
+                <a:solidFill>
+                  <a:schemeClr val="tx1"/>
+                </a:solidFill>
+                <a:effectLst/>
+                <a:latin typeface="ui-sans-serif"/>
+              </a:rPr>
+              <a:t>Assumptions for the E-Waste Tracking and Management System:</a:t>
+            </a:r>
+          </a:p>
+          <a:p>
+            <a:pPr algn="l">
+              <a:buFont typeface="+mj-lt"/>
+              <a:buAutoNum type="arabicPeriod"/>
+            </a:pPr>
+            <a:r>
+              <a:rPr lang="en-GB" b="1" i="0" dirty="0">
+                <a:solidFill>
+                  <a:schemeClr val="tx1"/>
+                </a:solidFill>
+                <a:effectLst/>
+                <a:latin typeface="ui-sans-serif"/>
+              </a:rPr>
+              <a:t>Availability of Data</a:t>
+            </a:r>
+            <a:r>
+              <a:rPr lang="en-GB" b="0" i="0" dirty="0">
+                <a:solidFill>
+                  <a:schemeClr val="tx1"/>
+                </a:solidFill>
+                <a:effectLst/>
+                <a:latin typeface="ui-sans-serif"/>
+              </a:rPr>
+              <a:t>: Assumes access to accurate, real-time data from IoT sensors and vendors for monitoring and tracking e-waste.</a:t>
+            </a:r>
+          </a:p>
+          <a:p>
+            <a:pPr algn="l">
+              <a:buFont typeface="+mj-lt"/>
+              <a:buAutoNum type="arabicPeriod"/>
+            </a:pPr>
+            <a:r>
+              <a:rPr lang="en-GB" b="1" i="0" dirty="0">
+                <a:solidFill>
+                  <a:schemeClr val="tx1"/>
+                </a:solidFill>
+                <a:effectLst/>
+                <a:latin typeface="ui-sans-serif"/>
+              </a:rPr>
+              <a:t>User Participation</a:t>
+            </a:r>
+            <a:r>
+              <a:rPr lang="en-GB" b="0" i="0" dirty="0">
+                <a:solidFill>
+                  <a:schemeClr val="tx1"/>
+                </a:solidFill>
+                <a:effectLst/>
+                <a:latin typeface="ui-sans-serif"/>
+              </a:rPr>
+              <a:t>: Assumes active user participation in the system for waste reporting, scheduling pickups, and engaging in recycling efforts.</a:t>
+            </a:r>
+          </a:p>
+          <a:p>
+            <a:pPr algn="l">
+              <a:buFont typeface="+mj-lt"/>
+              <a:buAutoNum type="arabicPeriod"/>
+            </a:pPr>
+            <a:r>
+              <a:rPr lang="en-GB" b="1" i="0" dirty="0">
+                <a:solidFill>
+                  <a:schemeClr val="tx1"/>
+                </a:solidFill>
+                <a:effectLst/>
+                <a:latin typeface="ui-sans-serif"/>
+              </a:rPr>
+              <a:t>Recycling Vendor Cooperation</a:t>
+            </a:r>
+            <a:r>
+              <a:rPr lang="en-GB" b="0" i="0" dirty="0">
+                <a:solidFill>
+                  <a:schemeClr val="tx1"/>
+                </a:solidFill>
+                <a:effectLst/>
+                <a:latin typeface="ui-sans-serif"/>
+              </a:rPr>
+              <a:t>: Assumes collaboration with certified recycling vendors who will provide real-time updates on recycling progress and material purity.</a:t>
+            </a:r>
+          </a:p>
+          <a:p>
+            <a:pPr algn="l">
+              <a:buFont typeface="+mj-lt"/>
+              <a:buAutoNum type="arabicPeriod"/>
+            </a:pPr>
+            <a:r>
+              <a:rPr lang="en-GB" b="1" i="0" dirty="0">
+                <a:solidFill>
+                  <a:schemeClr val="tx1"/>
+                </a:solidFill>
+                <a:effectLst/>
+                <a:latin typeface="ui-sans-serif"/>
+              </a:rPr>
+              <a:t>Technology Integration</a:t>
+            </a:r>
+            <a:r>
+              <a:rPr lang="en-GB" b="0" i="0" dirty="0">
+                <a:solidFill>
+                  <a:schemeClr val="tx1"/>
+                </a:solidFill>
+                <a:effectLst/>
+                <a:latin typeface="ui-sans-serif"/>
+              </a:rPr>
+              <a:t>: Assumes that IoT devices, AI models, and blockchain can be effectively integrated and function seamlessly within the system.</a:t>
+            </a:r>
+          </a:p>
+          <a:p>
+            <a:pPr algn="l">
+              <a:buFont typeface="+mj-lt"/>
+              <a:buAutoNum type="arabicPeriod"/>
+            </a:pPr>
+            <a:r>
+              <a:rPr lang="en-GB" b="1" i="0" dirty="0">
+                <a:solidFill>
+                  <a:schemeClr val="tx1"/>
+                </a:solidFill>
+                <a:effectLst/>
+                <a:latin typeface="ui-sans-serif"/>
+              </a:rPr>
+              <a:t>Cloud Infrastructure Stability</a:t>
+            </a:r>
+            <a:r>
+              <a:rPr lang="en-GB" b="0" i="0" dirty="0">
+                <a:solidFill>
+                  <a:schemeClr val="tx1"/>
+                </a:solidFill>
+                <a:effectLst/>
+                <a:latin typeface="ui-sans-serif"/>
+              </a:rPr>
+              <a:t>: Assumes the cloud infrastructure (AWS, Google Cloud) will handle the scalability and reliability needs of the system.</a:t>
+            </a:r>
+          </a:p>
+          <a:p>
+            <a:pPr algn="l">
+              <a:buFont typeface="+mj-lt"/>
+              <a:buAutoNum type="arabicPeriod"/>
+            </a:pPr>
+            <a:r>
+              <a:rPr lang="en-GB" b="1" i="0" dirty="0">
+                <a:solidFill>
+                  <a:schemeClr val="tx1"/>
+                </a:solidFill>
+                <a:effectLst/>
+                <a:latin typeface="ui-sans-serif"/>
+              </a:rPr>
+              <a:t>Regulatory Compliance</a:t>
+            </a:r>
+            <a:r>
+              <a:rPr lang="en-GB" b="0" i="0" dirty="0">
+                <a:solidFill>
+                  <a:schemeClr val="tx1"/>
+                </a:solidFill>
+                <a:effectLst/>
+                <a:latin typeface="ui-sans-serif"/>
+              </a:rPr>
+              <a:t>: Assumes the system will meet all necessary environmental and data privacy regulations.</a:t>
+            </a:r>
+          </a:p>
+          <a:p>
+            <a:pPr algn="l">
+              <a:buFont typeface="+mj-lt"/>
+              <a:buAutoNum type="arabicPeriod"/>
+            </a:pPr>
+            <a:r>
+              <a:rPr lang="en-GB" b="1" i="0" dirty="0">
+                <a:solidFill>
+                  <a:schemeClr val="tx1"/>
+                </a:solidFill>
+                <a:effectLst/>
+                <a:latin typeface="ui-sans-serif"/>
+              </a:rPr>
+              <a:t>Data Security</a:t>
+            </a:r>
+            <a:r>
+              <a:rPr lang="en-GB" b="0" i="0" dirty="0">
+                <a:solidFill>
+                  <a:schemeClr val="tx1"/>
+                </a:solidFill>
+                <a:effectLst/>
+                <a:latin typeface="ui-sans-serif"/>
+              </a:rPr>
+              <a:t>: Assumes that the implemented security measures (e.g., encryption, authentication) will be sufficient to protect user and system data.</a:t>
+            </a:r>
+          </a:p>
+          <a:p>
+            <a:pPr algn="l"/>
+            <a:r>
+              <a:rPr lang="en-GB" sz="2200" b="1" i="0" dirty="0">
+                <a:solidFill>
+                  <a:schemeClr val="tx1"/>
+                </a:solidFill>
+                <a:effectLst/>
+                <a:latin typeface="ui-sans-serif"/>
+              </a:rPr>
+              <a:t>Predicted Outcome:</a:t>
+            </a:r>
+          </a:p>
+          <a:p>
+            <a:pPr algn="l">
+              <a:buFont typeface="+mj-lt"/>
+              <a:buAutoNum type="arabicPeriod"/>
+            </a:pPr>
+            <a:r>
+              <a:rPr lang="en-GB" b="1" i="0" dirty="0">
+                <a:solidFill>
+                  <a:schemeClr val="tx1"/>
+                </a:solidFill>
+                <a:effectLst/>
+                <a:latin typeface="ui-sans-serif"/>
+              </a:rPr>
+              <a:t>Increased E-Waste Recycling</a:t>
+            </a:r>
+            <a:r>
+              <a:rPr lang="en-GB" b="0" i="0" dirty="0">
+                <a:solidFill>
+                  <a:schemeClr val="tx1"/>
+                </a:solidFill>
+                <a:effectLst/>
+                <a:latin typeface="ui-sans-serif"/>
+              </a:rPr>
+              <a:t>: The system is expected to significantly increase the percentage of e-waste being properly recycled.</a:t>
+            </a:r>
+          </a:p>
+          <a:p>
+            <a:pPr algn="l">
+              <a:buFont typeface="+mj-lt"/>
+              <a:buAutoNum type="arabicPeriod"/>
+            </a:pPr>
+            <a:r>
+              <a:rPr lang="en-GB" b="1" i="0" dirty="0">
+                <a:solidFill>
+                  <a:schemeClr val="tx1"/>
+                </a:solidFill>
+                <a:effectLst/>
+                <a:latin typeface="ui-sans-serif"/>
+              </a:rPr>
+              <a:t>Efficiency in Collection and Segregation</a:t>
+            </a:r>
+            <a:r>
+              <a:rPr lang="en-GB" b="0" i="0" dirty="0">
+                <a:solidFill>
+                  <a:schemeClr val="tx1"/>
+                </a:solidFill>
+                <a:effectLst/>
+                <a:latin typeface="ui-sans-serif"/>
+              </a:rPr>
+              <a:t>: With AI and real-time monitoring, the system will optimize waste collection routes and ensure better segregation at source.</a:t>
+            </a:r>
+          </a:p>
+          <a:p>
+            <a:pPr algn="l">
+              <a:buFont typeface="+mj-lt"/>
+              <a:buAutoNum type="arabicPeriod"/>
+            </a:pPr>
+            <a:r>
+              <a:rPr lang="en-GB" b="1" i="0" dirty="0">
+                <a:solidFill>
+                  <a:schemeClr val="tx1"/>
+                </a:solidFill>
+                <a:effectLst/>
+                <a:latin typeface="ui-sans-serif"/>
+              </a:rPr>
+              <a:t>Enhanced User Engagement</a:t>
+            </a:r>
+            <a:r>
+              <a:rPr lang="en-GB" b="0" i="0" dirty="0">
+                <a:solidFill>
+                  <a:schemeClr val="tx1"/>
+                </a:solidFill>
+                <a:effectLst/>
+                <a:latin typeface="ui-sans-serif"/>
+              </a:rPr>
+              <a:t>: The mobile/web interface and community forums will lead to higher user engagement and awareness about responsible e-waste management.</a:t>
+            </a:r>
+          </a:p>
+          <a:p>
+            <a:pPr algn="l">
+              <a:buFont typeface="+mj-lt"/>
+              <a:buAutoNum type="arabicPeriod"/>
+            </a:pPr>
+            <a:r>
+              <a:rPr lang="en-GB" b="1" i="0" dirty="0">
+                <a:solidFill>
+                  <a:schemeClr val="tx1"/>
+                </a:solidFill>
+                <a:effectLst/>
+                <a:latin typeface="ui-sans-serif"/>
+              </a:rPr>
+              <a:t>Sustainable Circular Economy</a:t>
+            </a:r>
+            <a:r>
+              <a:rPr lang="en-GB" b="0" i="0" dirty="0">
+                <a:solidFill>
+                  <a:schemeClr val="tx1"/>
+                </a:solidFill>
+                <a:effectLst/>
+                <a:latin typeface="ui-sans-serif"/>
+              </a:rPr>
+              <a:t>: Through reverse supply chain tracking, the system will promote a circular economy, enabling the reuse of recycled materials in production processes.</a:t>
+            </a:r>
+          </a:p>
+          <a:p>
+            <a:endParaRPr lang="en-IN" dirty="0">
+              <a:solidFill>
+                <a:schemeClr val="tx1"/>
+              </a:solidFill>
+            </a:endParaRPr>
+          </a:p>
+        </p:txBody>
+      </p:sp>
+    </p:spTree>
+    <p:extLst>
+      <p:ext uri="{BB962C8B-B14F-4D97-AF65-F5344CB8AC3E}">
+        <p14:creationId xmlns:p14="http://schemas.microsoft.com/office/powerpoint/2010/main" val="4115636624"/>
+      </p:ext>
+    </p:extLst>
+  </p:cSld>
+  <p:clrMapOvr>
+    <a:masterClrMapping/>
+  </p:clrMapOvr>
+</p:sld>
+</file>
+
+<file path=ppt/slides/slide11.xml><?xml version="1.0" encoding="utf-8"?>
+<p:sld xmlns:a="http://schemas.openxmlformats.org/drawingml/2006/main" xmlns:r="http://schemas.openxmlformats.org/officeDocument/2006/relationships" xmlns:p="http://schemas.openxmlformats.org/presentationml/2006/main">
+  <p:cSld>
+    <p:spTree>
+      <p:nvGrpSpPr>
+        <p:cNvPr id="1" name=""/>
+        <p:cNvGrpSpPr/>
+        <p:nvPr/>
+      </p:nvGrpSpPr>
+      <p:grpSpPr>
+        <a:xfrm>
+          <a:off x="0" y="0"/>
+          <a:ext cx="0" cy="0"/>
+          <a:chOff x="0" y="0"/>
+          <a:chExt cx="0" cy="0"/>
+        </a:xfrm>
+      </p:grpSpPr>
+      <p:sp>
+        <p:nvSpPr>
+          <p:cNvPr id="2" name="Title 1">
+            <a:extLst>
+              <a:ext uri="{FF2B5EF4-FFF2-40B4-BE49-F238E27FC236}">
+                <a16:creationId xmlns:a16="http://schemas.microsoft.com/office/drawing/2014/main" id="{8F7C98D4-CF48-00EA-1E5E-14178BC62886}"/>
+              </a:ext>
+            </a:extLst>
+          </p:cNvPr>
+          <p:cNvSpPr>
+            <a:spLocks noGrp="1"/>
+          </p:cNvSpPr>
+          <p:nvPr>
+            <p:ph type="title"/>
+          </p:nvPr>
+        </p:nvSpPr>
+        <p:spPr/>
+        <p:txBody>
+          <a:bodyPr/>
+          <a:lstStyle/>
+          <a:p>
+            <a:r>
               <a:rPr lang="en-IN" dirty="0"/>
               <a:t>References</a:t>
             </a:r>
@@ -28892,7 +29297,7 @@
 </p:sld>
 </file>
 
-<file path=ppt/slides/slide11.xml><?xml version="1.0" encoding="utf-8"?>
+<file path=ppt/slides/slide12.xml><?xml version="1.0" encoding="utf-8"?>
 <p:sld xmlns:a="http://schemas.openxmlformats.org/drawingml/2006/main" xmlns:r="http://schemas.openxmlformats.org/officeDocument/2006/relationships" xmlns:p="http://schemas.openxmlformats.org/presentationml/2006/main">
   <p:cSld>
     <p:spTree>
@@ -28972,7 +29377,7 @@
 </p:sld>
 </file>
 
-<file path=ppt/slides/slide12.xml><?xml version="1.0" encoding="utf-8"?>
+<file path=ppt/slides/slide13.xml><?xml version="1.0" encoding="utf-8"?>
 <p:sld xmlns:a="http://schemas.openxmlformats.org/drawingml/2006/main" xmlns:r="http://schemas.openxmlformats.org/officeDocument/2006/relationships" xmlns:p="http://schemas.openxmlformats.org/presentationml/2006/main">
   <p:cSld>
     <p:spTree>
@@ -29167,7 +29572,391 @@
           <a:bodyPr/>
           <a:lstStyle/>
           <a:p>
-            <a:endParaRPr lang="en-IN"/>
+            <a:r>
+              <a:rPr lang="en-GB" b="1" i="0" dirty="0">
+                <a:solidFill>
+                  <a:schemeClr val="tx1"/>
+                </a:solidFill>
+                <a:effectLst/>
+                <a:latin typeface="ui-sans-serif"/>
+              </a:rPr>
+              <a:t>E-waste management</a:t>
+            </a:r>
+            <a:r>
+              <a:rPr lang="en-GB" b="0" i="0" dirty="0">
+                <a:solidFill>
+                  <a:schemeClr val="tx1"/>
+                </a:solidFill>
+                <a:effectLst/>
+                <a:latin typeface="ui-sans-serif"/>
+              </a:rPr>
+              <a:t> is a critical global issue, with only </a:t>
+            </a:r>
+            <a:r>
+              <a:rPr lang="en-GB" b="1" i="0" dirty="0">
+                <a:solidFill>
+                  <a:schemeClr val="tx1"/>
+                </a:solidFill>
+                <a:effectLst/>
+                <a:latin typeface="ui-sans-serif"/>
+              </a:rPr>
+              <a:t>20% of e-waste</a:t>
+            </a:r>
+            <a:r>
+              <a:rPr lang="en-GB" b="0" i="0" dirty="0">
+                <a:solidFill>
+                  <a:schemeClr val="tx1"/>
+                </a:solidFill>
+                <a:effectLst/>
+                <a:latin typeface="ui-sans-serif"/>
+              </a:rPr>
+              <a:t> properly recycled, causing severe </a:t>
+            </a:r>
+            <a:r>
+              <a:rPr lang="en-GB" b="1" i="0" dirty="0">
+                <a:solidFill>
+                  <a:schemeClr val="tx1"/>
+                </a:solidFill>
+                <a:effectLst/>
+                <a:latin typeface="ui-sans-serif"/>
+              </a:rPr>
+              <a:t>environmental and health risks</a:t>
+            </a:r>
+            <a:r>
+              <a:rPr lang="en-GB" b="0" i="0" dirty="0">
+                <a:solidFill>
+                  <a:schemeClr val="tx1"/>
+                </a:solidFill>
+                <a:effectLst/>
+                <a:latin typeface="ui-sans-serif"/>
+              </a:rPr>
+              <a:t>. This challenge proposes a </a:t>
+            </a:r>
+            <a:r>
+              <a:rPr lang="en-GB" b="1" i="0" dirty="0">
+                <a:solidFill>
+                  <a:schemeClr val="tx1"/>
+                </a:solidFill>
+                <a:effectLst/>
+                <a:latin typeface="ui-sans-serif"/>
+              </a:rPr>
+              <a:t>comprehensive system</a:t>
+            </a:r>
+            <a:r>
+              <a:rPr lang="en-GB" b="0" i="0" dirty="0">
+                <a:solidFill>
+                  <a:schemeClr val="tx1"/>
+                </a:solidFill>
+                <a:effectLst/>
+                <a:latin typeface="ui-sans-serif"/>
+              </a:rPr>
+              <a:t> integrating </a:t>
+            </a:r>
+            <a:r>
+              <a:rPr lang="en-GB" b="1" i="0" dirty="0">
+                <a:solidFill>
+                  <a:schemeClr val="tx1"/>
+                </a:solidFill>
+                <a:effectLst/>
+                <a:latin typeface="ui-sans-serif"/>
+              </a:rPr>
+              <a:t>IoT</a:t>
+            </a:r>
+            <a:r>
+              <a:rPr lang="en-GB" b="0" i="0" dirty="0">
+                <a:solidFill>
+                  <a:schemeClr val="tx1"/>
+                </a:solidFill>
+                <a:effectLst/>
+                <a:latin typeface="ui-sans-serif"/>
+              </a:rPr>
+              <a:t>, </a:t>
+            </a:r>
+            <a:r>
+              <a:rPr lang="en-GB" b="1" i="0" dirty="0">
+                <a:solidFill>
+                  <a:schemeClr val="tx1"/>
+                </a:solidFill>
+                <a:effectLst/>
+                <a:latin typeface="ui-sans-serif"/>
+              </a:rPr>
+              <a:t>GPS</a:t>
+            </a:r>
+            <a:r>
+              <a:rPr lang="en-GB" b="0" i="0" dirty="0">
+                <a:solidFill>
+                  <a:schemeClr val="tx1"/>
+                </a:solidFill>
+                <a:effectLst/>
+                <a:latin typeface="ui-sans-serif"/>
+              </a:rPr>
+              <a:t>, and </a:t>
+            </a:r>
+            <a:r>
+              <a:rPr lang="en-GB" b="1" i="0" dirty="0">
+                <a:solidFill>
+                  <a:schemeClr val="tx1"/>
+                </a:solidFill>
+                <a:effectLst/>
+                <a:latin typeface="ui-sans-serif"/>
+              </a:rPr>
+              <a:t>blockchain</a:t>
+            </a:r>
+            <a:r>
+              <a:rPr lang="en-GB" b="0" i="0" dirty="0">
+                <a:solidFill>
+                  <a:schemeClr val="tx1"/>
+                </a:solidFill>
+                <a:effectLst/>
+                <a:latin typeface="ui-sans-serif"/>
+              </a:rPr>
+              <a:t> for </a:t>
+            </a:r>
+            <a:r>
+              <a:rPr lang="en-GB" b="1" i="0" dirty="0">
+                <a:solidFill>
+                  <a:schemeClr val="tx1"/>
+                </a:solidFill>
+                <a:effectLst/>
+                <a:latin typeface="ui-sans-serif"/>
+              </a:rPr>
+              <a:t>real-time tracking</a:t>
+            </a:r>
+            <a:r>
+              <a:rPr lang="en-GB" b="0" i="0" dirty="0">
+                <a:solidFill>
+                  <a:schemeClr val="tx1"/>
+                </a:solidFill>
+                <a:effectLst/>
+                <a:latin typeface="ui-sans-serif"/>
+              </a:rPr>
+              <a:t>, </a:t>
+            </a:r>
+            <a:r>
+              <a:rPr lang="en-GB" b="1" i="0" dirty="0">
+                <a:solidFill>
+                  <a:schemeClr val="tx1"/>
+                </a:solidFill>
+                <a:effectLst/>
+                <a:latin typeface="ui-sans-serif"/>
+              </a:rPr>
+              <a:t>AI</a:t>
+            </a:r>
+            <a:r>
+              <a:rPr lang="en-GB" b="0" i="0" dirty="0">
+                <a:solidFill>
+                  <a:schemeClr val="tx1"/>
+                </a:solidFill>
+                <a:effectLst/>
+                <a:latin typeface="ui-sans-serif"/>
+              </a:rPr>
+              <a:t> for </a:t>
+            </a:r>
+            <a:r>
+              <a:rPr lang="en-GB" b="1" i="0" dirty="0">
+                <a:solidFill>
+                  <a:schemeClr val="tx1"/>
+                </a:solidFill>
+                <a:effectLst/>
+                <a:latin typeface="ui-sans-serif"/>
+              </a:rPr>
+              <a:t>efficient segregation</a:t>
+            </a:r>
+            <a:r>
+              <a:rPr lang="en-GB" b="0" i="0" dirty="0">
+                <a:solidFill>
+                  <a:schemeClr val="tx1"/>
+                </a:solidFill>
+                <a:effectLst/>
+                <a:latin typeface="ui-sans-serif"/>
+              </a:rPr>
+              <a:t>, and collaboration with </a:t>
+            </a:r>
+            <a:r>
+              <a:rPr lang="en-GB" b="1" i="0" dirty="0">
+                <a:solidFill>
+                  <a:schemeClr val="tx1"/>
+                </a:solidFill>
+                <a:effectLst/>
+                <a:latin typeface="ui-sans-serif"/>
+              </a:rPr>
+              <a:t>certified vendors</a:t>
+            </a:r>
+            <a:r>
+              <a:rPr lang="en-GB" b="0" i="0" dirty="0">
+                <a:solidFill>
+                  <a:schemeClr val="tx1"/>
+                </a:solidFill>
+                <a:effectLst/>
+                <a:latin typeface="ui-sans-serif"/>
+              </a:rPr>
+              <a:t> for </a:t>
+            </a:r>
+            <a:r>
+              <a:rPr lang="en-GB" b="1" i="0" dirty="0">
+                <a:solidFill>
+                  <a:schemeClr val="tx1"/>
+                </a:solidFill>
+                <a:effectLst/>
+                <a:latin typeface="ui-sans-serif"/>
+              </a:rPr>
+              <a:t>responsible recycling</a:t>
+            </a:r>
+            <a:r>
+              <a:rPr lang="en-GB" b="0" i="0" dirty="0">
+                <a:solidFill>
+                  <a:schemeClr val="tx1"/>
+                </a:solidFill>
+                <a:effectLst/>
+                <a:latin typeface="ui-sans-serif"/>
+              </a:rPr>
+              <a:t>. The system also ensures </a:t>
+            </a:r>
+            <a:r>
+              <a:rPr lang="en-GB" b="1" i="0" dirty="0">
+                <a:solidFill>
+                  <a:schemeClr val="tx1"/>
+                </a:solidFill>
+                <a:effectLst/>
+                <a:latin typeface="ui-sans-serif"/>
+              </a:rPr>
+              <a:t>reverse supply chain tracking</a:t>
+            </a:r>
+            <a:r>
+              <a:rPr lang="en-GB" b="0" i="0" dirty="0">
+                <a:solidFill>
+                  <a:schemeClr val="tx1"/>
+                </a:solidFill>
+                <a:effectLst/>
+                <a:latin typeface="ui-sans-serif"/>
+              </a:rPr>
+              <a:t> to promote a </a:t>
+            </a:r>
+            <a:r>
+              <a:rPr lang="en-GB" b="1" i="0" dirty="0">
+                <a:solidFill>
+                  <a:schemeClr val="tx1"/>
+                </a:solidFill>
+                <a:effectLst/>
+                <a:latin typeface="ui-sans-serif"/>
+              </a:rPr>
+              <a:t>circular economy</a:t>
+            </a:r>
+            <a:r>
+              <a:rPr lang="en-GB" b="0" i="0" dirty="0">
+                <a:solidFill>
+                  <a:schemeClr val="tx1"/>
+                </a:solidFill>
+                <a:effectLst/>
+                <a:latin typeface="ui-sans-serif"/>
+              </a:rPr>
+              <a:t> while prioritizing </a:t>
+            </a:r>
+            <a:r>
+              <a:rPr lang="en-GB" b="1" i="0" dirty="0">
+                <a:solidFill>
+                  <a:schemeClr val="tx1"/>
+                </a:solidFill>
+                <a:effectLst/>
+                <a:latin typeface="ui-sans-serif"/>
+              </a:rPr>
+              <a:t>data privacy</a:t>
+            </a:r>
+            <a:r>
+              <a:rPr lang="en-GB" b="0" i="0" dirty="0">
+                <a:solidFill>
+                  <a:schemeClr val="tx1"/>
+                </a:solidFill>
+                <a:effectLst/>
+                <a:latin typeface="ui-sans-serif"/>
+              </a:rPr>
+              <a:t> and </a:t>
+            </a:r>
+            <a:r>
+              <a:rPr lang="en-GB" b="1" i="0" dirty="0">
+                <a:solidFill>
+                  <a:schemeClr val="tx1"/>
+                </a:solidFill>
+                <a:effectLst/>
+                <a:latin typeface="ui-sans-serif"/>
+              </a:rPr>
+              <a:t>security</a:t>
+            </a:r>
+            <a:r>
+              <a:rPr lang="en-GB" b="0" i="0" dirty="0">
+                <a:solidFill>
+                  <a:schemeClr val="tx1"/>
+                </a:solidFill>
+                <a:effectLst/>
+                <a:latin typeface="ui-sans-serif"/>
+              </a:rPr>
+              <a:t>. By leveraging </a:t>
+            </a:r>
+            <a:r>
+              <a:rPr lang="en-GB" b="1" i="0" dirty="0">
+                <a:solidFill>
+                  <a:schemeClr val="tx1"/>
+                </a:solidFill>
+                <a:effectLst/>
+                <a:latin typeface="ui-sans-serif"/>
+              </a:rPr>
+              <a:t>advanced technologies</a:t>
+            </a:r>
+            <a:r>
+              <a:rPr lang="en-GB" b="0" i="0" dirty="0">
+                <a:solidFill>
+                  <a:schemeClr val="tx1"/>
+                </a:solidFill>
+                <a:effectLst/>
+                <a:latin typeface="ui-sans-serif"/>
+              </a:rPr>
+              <a:t>, this solution aims to revolutionize </a:t>
+            </a:r>
+            <a:r>
+              <a:rPr lang="en-GB" b="1" i="0" dirty="0">
+                <a:solidFill>
+                  <a:schemeClr val="tx1"/>
+                </a:solidFill>
+                <a:effectLst/>
+                <a:latin typeface="ui-sans-serif"/>
+              </a:rPr>
+              <a:t>e-waste management</a:t>
+            </a:r>
+            <a:r>
+              <a:rPr lang="en-GB" b="0" i="0" dirty="0">
+                <a:solidFill>
+                  <a:schemeClr val="tx1"/>
+                </a:solidFill>
+                <a:effectLst/>
+                <a:latin typeface="ui-sans-serif"/>
+              </a:rPr>
+              <a:t> for a </a:t>
+            </a:r>
+            <a:r>
+              <a:rPr lang="en-GB" b="1" i="0" dirty="0">
+                <a:solidFill>
+                  <a:schemeClr val="tx1"/>
+                </a:solidFill>
+                <a:effectLst/>
+                <a:latin typeface="ui-sans-serif"/>
+              </a:rPr>
+              <a:t>sustainable future</a:t>
+            </a:r>
+            <a:r>
+              <a:rPr lang="en-GB" b="0" i="0" dirty="0">
+                <a:solidFill>
+                  <a:schemeClr val="tx1"/>
+                </a:solidFill>
+                <a:effectLst/>
+                <a:latin typeface="ui-sans-serif"/>
+              </a:rPr>
+              <a:t>.</a:t>
+            </a:r>
+            <a:endParaRPr lang="en-IN" dirty="0">
+              <a:solidFill>
+                <a:schemeClr val="tx1"/>
+              </a:solidFill>
+            </a:endParaRPr>
           </a:p>
         </p:txBody>
       </p:sp>
@@ -29247,10 +30036,342 @@
         </p:nvSpPr>
         <p:spPr/>
         <p:txBody>
-          <a:bodyPr/>
+          <a:bodyPr>
+            <a:normAutofit lnSpcReduction="10000"/>
+          </a:bodyPr>
           <a:lstStyle/>
           <a:p>
-            <a:endParaRPr lang="en-IN"/>
+            <a:pPr marL="0" indent="0" algn="l">
+              <a:buNone/>
+            </a:pPr>
+            <a:r>
+              <a:rPr lang="en-GB" b="1" i="0" dirty="0">
+                <a:solidFill>
+                  <a:schemeClr val="tx1"/>
+                </a:solidFill>
+                <a:effectLst/>
+                <a:latin typeface="ui-sans-serif"/>
+              </a:rPr>
+              <a:t>Concept:</a:t>
+            </a:r>
+          </a:p>
+          <a:p>
+            <a:pPr algn="l"/>
+            <a:r>
+              <a:rPr lang="en-GB" b="0" i="0" dirty="0">
+                <a:solidFill>
+                  <a:schemeClr val="tx1"/>
+                </a:solidFill>
+                <a:effectLst/>
+                <a:latin typeface="ui-sans-serif"/>
+              </a:rPr>
+              <a:t>The concept revolves around addressing the growing issue of e-waste management by leveraging advanced technologies such as </a:t>
+            </a:r>
+            <a:r>
+              <a:rPr lang="en-GB" b="1" i="0" dirty="0">
+                <a:solidFill>
+                  <a:schemeClr val="tx1"/>
+                </a:solidFill>
+                <a:effectLst/>
+                <a:latin typeface="ui-sans-serif"/>
+              </a:rPr>
+              <a:t>IoT</a:t>
+            </a:r>
+            <a:r>
+              <a:rPr lang="en-GB" b="0" i="0" dirty="0">
+                <a:solidFill>
+                  <a:schemeClr val="tx1"/>
+                </a:solidFill>
+                <a:effectLst/>
+                <a:latin typeface="ui-sans-serif"/>
+              </a:rPr>
+              <a:t>, </a:t>
+            </a:r>
+            <a:r>
+              <a:rPr lang="en-GB" b="1" i="0" dirty="0">
+                <a:solidFill>
+                  <a:schemeClr val="tx1"/>
+                </a:solidFill>
+                <a:effectLst/>
+                <a:latin typeface="ui-sans-serif"/>
+              </a:rPr>
+              <a:t>blockchain</a:t>
+            </a:r>
+            <a:r>
+              <a:rPr lang="en-GB" b="0" i="0" dirty="0">
+                <a:solidFill>
+                  <a:schemeClr val="tx1"/>
+                </a:solidFill>
+                <a:effectLst/>
+                <a:latin typeface="ui-sans-serif"/>
+              </a:rPr>
+              <a:t>, and </a:t>
+            </a:r>
+            <a:r>
+              <a:rPr lang="en-GB" b="1" i="0" dirty="0">
+                <a:solidFill>
+                  <a:schemeClr val="tx1"/>
+                </a:solidFill>
+                <a:effectLst/>
+                <a:latin typeface="ui-sans-serif"/>
+              </a:rPr>
+              <a:t>AI</a:t>
+            </a:r>
+            <a:r>
+              <a:rPr lang="en-GB" b="0" i="0" dirty="0">
+                <a:solidFill>
+                  <a:schemeClr val="tx1"/>
+                </a:solidFill>
+                <a:effectLst/>
+                <a:latin typeface="ui-sans-serif"/>
+              </a:rPr>
+              <a:t>. The system aims to provide a transparent and efficient way to monitor, segregate, and recycle e-waste, ensuring traceability and promoting sustainability.</a:t>
+            </a:r>
+          </a:p>
+          <a:p>
+            <a:pPr marL="0" indent="0" algn="l">
+              <a:buNone/>
+            </a:pPr>
+            <a:r>
+              <a:rPr lang="en-GB" b="1" i="0" dirty="0">
+                <a:solidFill>
+                  <a:schemeClr val="tx1"/>
+                </a:solidFill>
+                <a:effectLst/>
+                <a:latin typeface="ui-sans-serif"/>
+              </a:rPr>
+              <a:t>Solution:</a:t>
+            </a:r>
+          </a:p>
+          <a:p>
+            <a:pPr algn="l"/>
+            <a:r>
+              <a:rPr lang="en-GB" b="0" i="0" dirty="0">
+                <a:solidFill>
+                  <a:schemeClr val="tx1"/>
+                </a:solidFill>
+                <a:effectLst/>
+                <a:latin typeface="ui-sans-serif"/>
+              </a:rPr>
+              <a:t>The solution involves creating a comprehensive e-waste management system that:</a:t>
+            </a:r>
+          </a:p>
+          <a:p>
+            <a:pPr lvl="1">
+              <a:buFont typeface="+mj-lt"/>
+              <a:buAutoNum type="arabicPeriod"/>
+            </a:pPr>
+            <a:r>
+              <a:rPr lang="en-GB" b="1" i="0" dirty="0">
+                <a:solidFill>
+                  <a:schemeClr val="tx1"/>
+                </a:solidFill>
+                <a:effectLst/>
+                <a:latin typeface="ui-sans-serif"/>
+              </a:rPr>
+              <a:t>Tracks e-waste</a:t>
+            </a:r>
+            <a:r>
+              <a:rPr lang="en-GB" b="0" i="0" dirty="0">
+                <a:solidFill>
+                  <a:schemeClr val="tx1"/>
+                </a:solidFill>
+                <a:effectLst/>
+                <a:latin typeface="ui-sans-serif"/>
+              </a:rPr>
+              <a:t> from generation to recycling using </a:t>
+            </a:r>
+            <a:r>
+              <a:rPr lang="en-GB" b="1" i="0" dirty="0">
+                <a:solidFill>
+                  <a:schemeClr val="tx1"/>
+                </a:solidFill>
+                <a:effectLst/>
+                <a:latin typeface="ui-sans-serif"/>
+              </a:rPr>
+              <a:t>IoT and blockchain</a:t>
+            </a:r>
+            <a:r>
+              <a:rPr lang="en-GB" b="0" i="0" dirty="0">
+                <a:solidFill>
+                  <a:schemeClr val="tx1"/>
+                </a:solidFill>
+                <a:effectLst/>
+                <a:latin typeface="ui-sans-serif"/>
+              </a:rPr>
+              <a:t>.</a:t>
+            </a:r>
+          </a:p>
+          <a:p>
+            <a:pPr lvl="1">
+              <a:buFont typeface="+mj-lt"/>
+              <a:buAutoNum type="arabicPeriod"/>
+            </a:pPr>
+            <a:r>
+              <a:rPr lang="en-GB" b="1" i="0" dirty="0">
+                <a:solidFill>
+                  <a:schemeClr val="tx1"/>
+                </a:solidFill>
+                <a:effectLst/>
+                <a:latin typeface="ui-sans-serif"/>
+              </a:rPr>
+              <a:t>Automates waste segregation</a:t>
+            </a:r>
+            <a:r>
+              <a:rPr lang="en-GB" b="0" i="0" dirty="0">
+                <a:solidFill>
+                  <a:schemeClr val="tx1"/>
+                </a:solidFill>
+                <a:effectLst/>
+                <a:latin typeface="ui-sans-serif"/>
+              </a:rPr>
+              <a:t> through </a:t>
+            </a:r>
+            <a:r>
+              <a:rPr lang="en-GB" b="1" i="0" dirty="0">
+                <a:solidFill>
+                  <a:schemeClr val="tx1"/>
+                </a:solidFill>
+                <a:effectLst/>
+                <a:latin typeface="ui-sans-serif"/>
+              </a:rPr>
+              <a:t>AI-driven classification</a:t>
+            </a:r>
+            <a:r>
+              <a:rPr lang="en-GB" b="0" i="0" dirty="0">
+                <a:solidFill>
+                  <a:schemeClr val="tx1"/>
+                </a:solidFill>
+                <a:effectLst/>
+                <a:latin typeface="ui-sans-serif"/>
+              </a:rPr>
+              <a:t>.</a:t>
+            </a:r>
+          </a:p>
+          <a:p>
+            <a:pPr lvl="1">
+              <a:buFont typeface="+mj-lt"/>
+              <a:buAutoNum type="arabicPeriod"/>
+            </a:pPr>
+            <a:r>
+              <a:rPr lang="en-GB" b="0" i="0" dirty="0">
+                <a:solidFill>
+                  <a:schemeClr val="tx1"/>
+                </a:solidFill>
+                <a:effectLst/>
+                <a:latin typeface="ui-sans-serif"/>
+              </a:rPr>
+              <a:t>Provides </a:t>
+            </a:r>
+            <a:r>
+              <a:rPr lang="en-GB" b="1" i="0" dirty="0">
+                <a:solidFill>
+                  <a:schemeClr val="tx1"/>
+                </a:solidFill>
+                <a:effectLst/>
+                <a:latin typeface="ui-sans-serif"/>
+              </a:rPr>
+              <a:t>real-time updates</a:t>
+            </a:r>
+            <a:r>
+              <a:rPr lang="en-GB" b="0" i="0" dirty="0">
+                <a:solidFill>
+                  <a:schemeClr val="tx1"/>
+                </a:solidFill>
+                <a:effectLst/>
+                <a:latin typeface="ui-sans-serif"/>
+              </a:rPr>
+              <a:t> on recycling metrics, including material purity and quantity.</a:t>
+            </a:r>
+          </a:p>
+          <a:p>
+            <a:pPr lvl="1">
+              <a:buFont typeface="+mj-lt"/>
+              <a:buAutoNum type="arabicPeriod"/>
+            </a:pPr>
+            <a:r>
+              <a:rPr lang="en-GB" b="0" i="0" dirty="0">
+                <a:solidFill>
+                  <a:schemeClr val="tx1"/>
+                </a:solidFill>
+                <a:effectLst/>
+                <a:latin typeface="ui-sans-serif"/>
+              </a:rPr>
+              <a:t>Ensures </a:t>
+            </a:r>
+            <a:r>
+              <a:rPr lang="en-GB" b="1" i="0" dirty="0">
+                <a:solidFill>
+                  <a:schemeClr val="tx1"/>
+                </a:solidFill>
+                <a:effectLst/>
+                <a:latin typeface="ui-sans-serif"/>
+              </a:rPr>
+              <a:t>data privacy and security</a:t>
+            </a:r>
+            <a:r>
+              <a:rPr lang="en-GB" b="0" i="0" dirty="0">
+                <a:solidFill>
+                  <a:schemeClr val="tx1"/>
+                </a:solidFill>
+                <a:effectLst/>
+                <a:latin typeface="ui-sans-serif"/>
+              </a:rPr>
+              <a:t> throughout the process.</a:t>
+            </a:r>
+          </a:p>
+          <a:p>
+            <a:pPr lvl="1">
+              <a:buFont typeface="+mj-lt"/>
+              <a:buAutoNum type="arabicPeriod"/>
+            </a:pPr>
+            <a:r>
+              <a:rPr lang="en-GB" b="0" i="0" dirty="0">
+                <a:solidFill>
+                  <a:schemeClr val="tx1"/>
+                </a:solidFill>
+                <a:effectLst/>
+                <a:latin typeface="ui-sans-serif"/>
+              </a:rPr>
+              <a:t>Promotes </a:t>
+            </a:r>
+            <a:r>
+              <a:rPr lang="en-GB" b="1" i="0" dirty="0">
+                <a:solidFill>
+                  <a:schemeClr val="tx1"/>
+                </a:solidFill>
+                <a:effectLst/>
+                <a:latin typeface="ui-sans-serif"/>
+              </a:rPr>
+              <a:t>a circular economy</a:t>
+            </a:r>
+            <a:r>
+              <a:rPr lang="en-GB" b="0" i="0" dirty="0">
+                <a:solidFill>
+                  <a:schemeClr val="tx1"/>
+                </a:solidFill>
+                <a:effectLst/>
+                <a:latin typeface="ui-sans-serif"/>
+              </a:rPr>
+              <a:t> by tracing recycled materials back to production or consumers.</a:t>
+            </a:r>
+          </a:p>
+          <a:p>
+            <a:pPr marL="342891" lvl="1" indent="0">
+              <a:buNone/>
+            </a:pPr>
+            <a:br>
+              <a:rPr lang="en-GB" dirty="0">
+                <a:solidFill>
+                  <a:schemeClr val="tx1"/>
+                </a:solidFill>
+              </a:rPr>
+            </a:br>
+            <a:endParaRPr lang="en-IN" dirty="0">
+              <a:solidFill>
+                <a:schemeClr val="tx1"/>
+              </a:solidFill>
+            </a:endParaRPr>
           </a:p>
         </p:txBody>
       </p:sp>
@@ -29331,10 +30452,302 @@
         </p:nvSpPr>
         <p:spPr/>
         <p:txBody>
-          <a:bodyPr/>
+          <a:bodyPr>
+            <a:normAutofit/>
+          </a:bodyPr>
           <a:lstStyle/>
           <a:p>
-            <a:endParaRPr lang="en-IN"/>
+            <a:pPr algn="l"/>
+            <a:r>
+              <a:rPr lang="en-GB" b="1" i="0" dirty="0">
+                <a:solidFill>
+                  <a:schemeClr val="tx1"/>
+                </a:solidFill>
+                <a:effectLst/>
+                <a:latin typeface="ui-sans-serif"/>
+              </a:rPr>
+              <a:t>Pros of the Solution:</a:t>
+            </a:r>
+          </a:p>
+          <a:p>
+            <a:pPr lvl="1">
+              <a:buFont typeface="+mj-lt"/>
+              <a:buAutoNum type="arabicPeriod"/>
+            </a:pPr>
+            <a:r>
+              <a:rPr lang="en-GB" b="1" i="0" dirty="0">
+                <a:solidFill>
+                  <a:schemeClr val="tx1"/>
+                </a:solidFill>
+                <a:effectLst/>
+                <a:latin typeface="ui-sans-serif"/>
+              </a:rPr>
+              <a:t>Real-Time Monitoring</a:t>
+            </a:r>
+            <a:r>
+              <a:rPr lang="en-GB" b="0" i="0" dirty="0">
+                <a:solidFill>
+                  <a:schemeClr val="tx1"/>
+                </a:solidFill>
+                <a:effectLst/>
+                <a:latin typeface="ui-sans-serif"/>
+              </a:rPr>
+              <a:t>: Accurate tracking of e-waste lifecycle using IoT and blockchain.</a:t>
+            </a:r>
+          </a:p>
+          <a:p>
+            <a:pPr lvl="1">
+              <a:buFont typeface="+mj-lt"/>
+              <a:buAutoNum type="arabicPeriod"/>
+            </a:pPr>
+            <a:r>
+              <a:rPr lang="en-GB" b="1" i="0" dirty="0">
+                <a:solidFill>
+                  <a:schemeClr val="tx1"/>
+                </a:solidFill>
+                <a:effectLst/>
+                <a:latin typeface="ui-sans-serif"/>
+              </a:rPr>
+              <a:t>Efficient Segregation</a:t>
+            </a:r>
+            <a:r>
+              <a:rPr lang="en-GB" b="0" i="0" dirty="0">
+                <a:solidFill>
+                  <a:schemeClr val="tx1"/>
+                </a:solidFill>
+                <a:effectLst/>
+                <a:latin typeface="ui-sans-serif"/>
+              </a:rPr>
+              <a:t>: AI ensures automated and precise classification of e-waste.</a:t>
+            </a:r>
+          </a:p>
+          <a:p>
+            <a:pPr lvl="1">
+              <a:buFont typeface="+mj-lt"/>
+              <a:buAutoNum type="arabicPeriod"/>
+            </a:pPr>
+            <a:r>
+              <a:rPr lang="en-GB" b="1" i="0" dirty="0">
+                <a:solidFill>
+                  <a:schemeClr val="tx1"/>
+                </a:solidFill>
+                <a:effectLst/>
+                <a:latin typeface="ui-sans-serif"/>
+              </a:rPr>
+              <a:t>Sustainability</a:t>
+            </a:r>
+            <a:r>
+              <a:rPr lang="en-GB" b="0" i="0" dirty="0">
+                <a:solidFill>
+                  <a:schemeClr val="tx1"/>
+                </a:solidFill>
+                <a:effectLst/>
+                <a:latin typeface="ui-sans-serif"/>
+              </a:rPr>
+              <a:t>: Supports a circular economy by tracing recycled materials back into production.</a:t>
+            </a:r>
+          </a:p>
+          <a:p>
+            <a:pPr lvl="1">
+              <a:buFont typeface="+mj-lt"/>
+              <a:buAutoNum type="arabicPeriod"/>
+            </a:pPr>
+            <a:r>
+              <a:rPr lang="en-GB" b="1" i="0" dirty="0">
+                <a:solidFill>
+                  <a:schemeClr val="tx1"/>
+                </a:solidFill>
+                <a:effectLst/>
+                <a:latin typeface="ui-sans-serif"/>
+              </a:rPr>
+              <a:t>Transparency</a:t>
+            </a:r>
+            <a:r>
+              <a:rPr lang="en-GB" b="0" i="0" dirty="0">
+                <a:solidFill>
+                  <a:schemeClr val="tx1"/>
+                </a:solidFill>
+                <a:effectLst/>
+                <a:latin typeface="ui-sans-serif"/>
+              </a:rPr>
+              <a:t>: Blockchain ensures accountability and prevents data tampering.</a:t>
+            </a:r>
+          </a:p>
+          <a:p>
+            <a:pPr lvl="1">
+              <a:buFont typeface="+mj-lt"/>
+              <a:buAutoNum type="arabicPeriod"/>
+            </a:pPr>
+            <a:r>
+              <a:rPr lang="en-GB" b="1" i="0" dirty="0">
+                <a:solidFill>
+                  <a:schemeClr val="tx1"/>
+                </a:solidFill>
+                <a:effectLst/>
+                <a:latin typeface="ui-sans-serif"/>
+              </a:rPr>
+              <a:t>User Engagement</a:t>
+            </a:r>
+            <a:r>
+              <a:rPr lang="en-GB" b="0" i="0" dirty="0">
+                <a:solidFill>
+                  <a:schemeClr val="tx1"/>
+                </a:solidFill>
+                <a:effectLst/>
+                <a:latin typeface="ui-sans-serif"/>
+              </a:rPr>
+              <a:t>: Intuitive platforms encourage participation in responsible e-waste disposal.</a:t>
+            </a:r>
+          </a:p>
+          <a:p>
+            <a:pPr algn="l"/>
+            <a:r>
+              <a:rPr lang="en-GB" b="1" i="0" dirty="0">
+                <a:solidFill>
+                  <a:schemeClr val="tx1"/>
+                </a:solidFill>
+                <a:effectLst/>
+                <a:latin typeface="ui-sans-serif"/>
+              </a:rPr>
+              <a:t>Cons of the Solution:</a:t>
+            </a:r>
+          </a:p>
+          <a:p>
+            <a:pPr lvl="1">
+              <a:buFont typeface="+mj-lt"/>
+              <a:buAutoNum type="arabicPeriod"/>
+            </a:pPr>
+            <a:r>
+              <a:rPr lang="en-GB" b="1" i="0" dirty="0">
+                <a:solidFill>
+                  <a:schemeClr val="tx1"/>
+                </a:solidFill>
+                <a:effectLst/>
+                <a:latin typeface="ui-sans-serif"/>
+              </a:rPr>
+              <a:t>High Initial Cost</a:t>
+            </a:r>
+            <a:r>
+              <a:rPr lang="en-GB" b="0" i="0" dirty="0">
+                <a:solidFill>
+                  <a:schemeClr val="tx1"/>
+                </a:solidFill>
+                <a:effectLst/>
+                <a:latin typeface="ui-sans-serif"/>
+              </a:rPr>
+              <a:t>: Implementation of IoT, blockchain, and AI requires significant investment.</a:t>
+            </a:r>
+          </a:p>
+          <a:p>
+            <a:pPr lvl="1">
+              <a:buFont typeface="+mj-lt"/>
+              <a:buAutoNum type="arabicPeriod"/>
+            </a:pPr>
+            <a:r>
+              <a:rPr lang="en-GB" b="1" i="0" dirty="0">
+                <a:solidFill>
+                  <a:schemeClr val="tx1"/>
+                </a:solidFill>
+                <a:effectLst/>
+                <a:latin typeface="ui-sans-serif"/>
+              </a:rPr>
+              <a:t>Technical Complexity</a:t>
+            </a:r>
+            <a:r>
+              <a:rPr lang="en-GB" b="0" i="0" dirty="0">
+                <a:solidFill>
+                  <a:schemeClr val="tx1"/>
+                </a:solidFill>
+                <a:effectLst/>
+                <a:latin typeface="ui-sans-serif"/>
+              </a:rPr>
+              <a:t>: Advanced technologies demand specialized expertise.</a:t>
+            </a:r>
+          </a:p>
+          <a:p>
+            <a:pPr lvl="1">
+              <a:buFont typeface="+mj-lt"/>
+              <a:buAutoNum type="arabicPeriod"/>
+            </a:pPr>
+            <a:r>
+              <a:rPr lang="en-GB" b="1" i="0" dirty="0">
+                <a:solidFill>
+                  <a:schemeClr val="tx1"/>
+                </a:solidFill>
+                <a:effectLst/>
+                <a:latin typeface="ui-sans-serif"/>
+              </a:rPr>
+              <a:t>Data Privacy Concerns</a:t>
+            </a:r>
+            <a:r>
+              <a:rPr lang="en-GB" b="0" i="0" dirty="0">
+                <a:solidFill>
+                  <a:schemeClr val="tx1"/>
+                </a:solidFill>
+                <a:effectLst/>
+                <a:latin typeface="ui-sans-serif"/>
+              </a:rPr>
+              <a:t>: Managing sensitive data securely can be challenging.</a:t>
+            </a:r>
+          </a:p>
+          <a:p>
+            <a:pPr lvl="1">
+              <a:buFont typeface="+mj-lt"/>
+              <a:buAutoNum type="arabicPeriod"/>
+            </a:pPr>
+            <a:r>
+              <a:rPr lang="en-GB" b="1" i="0" dirty="0">
+                <a:solidFill>
+                  <a:schemeClr val="tx1"/>
+                </a:solidFill>
+                <a:effectLst/>
+                <a:latin typeface="ui-sans-serif"/>
+              </a:rPr>
+              <a:t>Dependency on Vendors</a:t>
+            </a:r>
+            <a:r>
+              <a:rPr lang="en-GB" b="0" i="0" dirty="0">
+                <a:solidFill>
+                  <a:schemeClr val="tx1"/>
+                </a:solidFill>
+                <a:effectLst/>
+                <a:latin typeface="ui-sans-serif"/>
+              </a:rPr>
+              <a:t>: Collaboration with certified recycling vendors is critical for success.</a:t>
+            </a:r>
+          </a:p>
+          <a:p>
+            <a:pPr lvl="1">
+              <a:buFont typeface="+mj-lt"/>
+              <a:buAutoNum type="arabicPeriod"/>
+            </a:pPr>
+            <a:r>
+              <a:rPr lang="en-GB" b="1" i="0" dirty="0">
+                <a:solidFill>
+                  <a:schemeClr val="tx1"/>
+                </a:solidFill>
+                <a:effectLst/>
+                <a:latin typeface="ui-sans-serif"/>
+              </a:rPr>
+              <a:t>Scalability Issues</a:t>
+            </a:r>
+            <a:r>
+              <a:rPr lang="en-GB" b="0" i="0" dirty="0">
+                <a:solidFill>
+                  <a:schemeClr val="tx1"/>
+                </a:solidFill>
+                <a:effectLst/>
+                <a:latin typeface="ui-sans-serif"/>
+              </a:rPr>
+              <a:t>: Handling large-scale systems as e-waste volumes increase may pose challenges.</a:t>
+            </a:r>
+          </a:p>
+          <a:p>
+            <a:endParaRPr lang="en-IN" dirty="0">
+              <a:solidFill>
+                <a:schemeClr val="tx1"/>
+              </a:solidFill>
+            </a:endParaRPr>
           </a:p>
         </p:txBody>
       </p:sp>
@@ -29356,7 +30769,13 @@
   <p:cSld>
     <p:spTree>
       <p:nvGrpSpPr>
-        <p:cNvPr id="1" name=""/>
+        <p:cNvPr id="1" name="">
+          <a:extLst>
+            <a:ext uri="{FF2B5EF4-FFF2-40B4-BE49-F238E27FC236}">
+              <a16:creationId xmlns:a16="http://schemas.microsoft.com/office/drawing/2014/main" id="{4ECF49EE-CFDD-D46E-1DCA-1FC03D88AFD1}"/>
+            </a:ext>
+          </a:extLst>
+        </p:cNvPr>
         <p:cNvGrpSpPr/>
         <p:nvPr/>
       </p:nvGrpSpPr>
@@ -29373,7 +30792,7 @@
           <p:cNvPr id="2" name="Title 1">
             <a:extLst>
               <a:ext uri="{FF2B5EF4-FFF2-40B4-BE49-F238E27FC236}">
-                <a16:creationId xmlns:a16="http://schemas.microsoft.com/office/drawing/2014/main" id="{8F7C98D4-CF48-00EA-1E5E-14178BC62886}"/>
+                <a16:creationId xmlns:a16="http://schemas.microsoft.com/office/drawing/2014/main" id="{840C62B5-7A1D-A401-E1B9-2ED1F61F95FC}"/>
               </a:ext>
             </a:extLst>
           </p:cNvPr>
@@ -29401,7 +30820,7 @@
           <p:cNvPr id="3" name="Content Placeholder 2">
             <a:extLst>
               <a:ext uri="{FF2B5EF4-FFF2-40B4-BE49-F238E27FC236}">
-                <a16:creationId xmlns:a16="http://schemas.microsoft.com/office/drawing/2014/main" id="{E9BCFC67-F5AA-8E05-39EC-73CBF3865066}"/>
+                <a16:creationId xmlns:a16="http://schemas.microsoft.com/office/drawing/2014/main" id="{6ED4C5CA-71BA-6B93-3A51-E8DFDA5A97E0}"/>
               </a:ext>
             </a:extLst>
           </p:cNvPr>
@@ -29412,19 +30831,953 @@
             <p:ph idx="1"/>
           </p:nvPr>
         </p:nvSpPr>
-        <p:spPr/>
+        <p:spPr>
+          <a:xfrm>
+            <a:off x="348000" y="878400"/>
+            <a:ext cx="4412686" cy="3806550"/>
+          </a:xfrm>
+        </p:spPr>
         <p:txBody>
-          <a:bodyPr/>
+          <a:bodyPr>
+            <a:noAutofit/>
+          </a:bodyPr>
           <a:lstStyle/>
           <a:p>
-            <a:endParaRPr lang="en-IN"/>
+            <a:pPr algn="l">
+              <a:buFont typeface="+mj-lt"/>
+              <a:buAutoNum type="arabicPeriod"/>
+            </a:pPr>
+            <a:r>
+              <a:rPr lang="en-GB" sz="1100" b="1" i="0" dirty="0">
+                <a:solidFill>
+                  <a:schemeClr val="tx1"/>
+                </a:solidFill>
+                <a:effectLst/>
+                <a:latin typeface="ui-sans-serif"/>
+              </a:rPr>
+              <a:t>IoT (Internet of Things)</a:t>
+            </a:r>
+            <a:r>
+              <a:rPr lang="en-GB" sz="1100" b="0" i="0" dirty="0">
+                <a:solidFill>
+                  <a:schemeClr val="tx1"/>
+                </a:solidFill>
+                <a:effectLst/>
+                <a:latin typeface="ui-sans-serif"/>
+              </a:rPr>
+              <a:t>:</a:t>
+            </a:r>
+          </a:p>
+          <a:p>
+            <a:pPr marL="742950" lvl="1" indent="-285750" algn="l">
+              <a:buFont typeface="+mj-lt"/>
+              <a:buAutoNum type="arabicPeriod"/>
+            </a:pPr>
+            <a:r>
+              <a:rPr lang="en-GB" sz="1100" b="1" i="0" dirty="0">
+                <a:solidFill>
+                  <a:schemeClr val="tx1"/>
+                </a:solidFill>
+                <a:effectLst/>
+                <a:latin typeface="ui-sans-serif"/>
+              </a:rPr>
+              <a:t>Tracking and Monitoring</a:t>
+            </a:r>
+            <a:r>
+              <a:rPr lang="en-GB" sz="1100" b="0" i="0" dirty="0">
+                <a:solidFill>
+                  <a:schemeClr val="tx1"/>
+                </a:solidFill>
+                <a:effectLst/>
+                <a:latin typeface="ui-sans-serif"/>
+              </a:rPr>
+              <a:t>: IoT devices (sensors, GPS) are used to monitor e-waste from generation to disposal, ensuring real-time tracking and location-based updates.</a:t>
+            </a:r>
+          </a:p>
+          <a:p>
+            <a:pPr marL="742950" lvl="1" indent="-285750" algn="l">
+              <a:buFont typeface="+mj-lt"/>
+              <a:buAutoNum type="arabicPeriod"/>
+            </a:pPr>
+            <a:r>
+              <a:rPr lang="en-GB" sz="1100" b="1" i="0" dirty="0">
+                <a:solidFill>
+                  <a:schemeClr val="tx1"/>
+                </a:solidFill>
+                <a:effectLst/>
+                <a:latin typeface="ui-sans-serif"/>
+              </a:rPr>
+              <a:t>Data Collection</a:t>
+            </a:r>
+            <a:r>
+              <a:rPr lang="en-GB" sz="1100" b="0" i="0" dirty="0">
+                <a:solidFill>
+                  <a:schemeClr val="tx1"/>
+                </a:solidFill>
+                <a:effectLst/>
+                <a:latin typeface="ui-sans-serif"/>
+              </a:rPr>
+              <a:t>: IoT enables data collection on various e-waste parameters such as type, weight, and condition of the e-waste, which is then transmitted to the central platform.</a:t>
+            </a:r>
+          </a:p>
+          <a:p>
+            <a:pPr algn="l">
+              <a:buFont typeface="+mj-lt"/>
+              <a:buAutoNum type="arabicPeriod"/>
+            </a:pPr>
+            <a:r>
+              <a:rPr lang="en-GB" sz="1100" b="1" i="0" dirty="0">
+                <a:solidFill>
+                  <a:schemeClr val="tx1"/>
+                </a:solidFill>
+                <a:effectLst/>
+                <a:latin typeface="ui-sans-serif"/>
+              </a:rPr>
+              <a:t>Blockchain</a:t>
+            </a:r>
+            <a:r>
+              <a:rPr lang="en-GB" sz="1100" b="0" i="0" dirty="0">
+                <a:solidFill>
+                  <a:schemeClr val="tx1"/>
+                </a:solidFill>
+                <a:effectLst/>
+                <a:latin typeface="ui-sans-serif"/>
+              </a:rPr>
+              <a:t>:</a:t>
+            </a:r>
+          </a:p>
+          <a:p>
+            <a:pPr marL="742950" lvl="1" indent="-285750" algn="l">
+              <a:buFont typeface="+mj-lt"/>
+              <a:buAutoNum type="arabicPeriod"/>
+            </a:pPr>
+            <a:r>
+              <a:rPr lang="en-GB" sz="1100" b="1" i="0" dirty="0">
+                <a:solidFill>
+                  <a:schemeClr val="tx1"/>
+                </a:solidFill>
+                <a:effectLst/>
+                <a:latin typeface="ui-sans-serif"/>
+              </a:rPr>
+              <a:t>Data Security</a:t>
+            </a:r>
+            <a:r>
+              <a:rPr lang="en-GB" sz="1100" b="0" i="0" dirty="0">
+                <a:solidFill>
+                  <a:schemeClr val="tx1"/>
+                </a:solidFill>
+                <a:effectLst/>
+                <a:latin typeface="ui-sans-serif"/>
+              </a:rPr>
+              <a:t>: Blockchain ensures that data related to e-waste collection, recycling, and disposal is immutable and secure, preventing tampering.</a:t>
+            </a:r>
+          </a:p>
+          <a:p>
+            <a:pPr marL="742950" lvl="1" indent="-285750" algn="l">
+              <a:buFont typeface="+mj-lt"/>
+              <a:buAutoNum type="arabicPeriod"/>
+            </a:pPr>
+            <a:r>
+              <a:rPr lang="en-GB" sz="1100" b="1" i="0" dirty="0">
+                <a:solidFill>
+                  <a:schemeClr val="tx1"/>
+                </a:solidFill>
+                <a:effectLst/>
+                <a:latin typeface="ui-sans-serif"/>
+              </a:rPr>
+              <a:t>Traceability</a:t>
+            </a:r>
+            <a:r>
+              <a:rPr lang="en-GB" sz="1100" b="0" i="0" dirty="0">
+                <a:solidFill>
+                  <a:schemeClr val="tx1"/>
+                </a:solidFill>
+                <a:effectLst/>
+                <a:latin typeface="ui-sans-serif"/>
+              </a:rPr>
+              <a:t>: All actions performed on the e-waste are recorded on the blockchain ledger, providing transparency and traceability from generation to recycling.</a:t>
+            </a:r>
+          </a:p>
+          <a:p>
+            <a:pPr marL="742950" lvl="1" indent="-285750" algn="l">
+              <a:buFont typeface="+mj-lt"/>
+              <a:buAutoNum type="arabicPeriod"/>
+            </a:pPr>
+            <a:r>
+              <a:rPr lang="en-GB" sz="1100" b="1" i="0" dirty="0">
+                <a:solidFill>
+                  <a:schemeClr val="tx1"/>
+                </a:solidFill>
+                <a:effectLst/>
+                <a:latin typeface="ui-sans-serif"/>
+              </a:rPr>
+              <a:t>Smart Contracts</a:t>
+            </a:r>
+            <a:r>
+              <a:rPr lang="en-GB" sz="1100" b="0" i="0" dirty="0">
+                <a:solidFill>
+                  <a:schemeClr val="tx1"/>
+                </a:solidFill>
+                <a:effectLst/>
+                <a:latin typeface="ui-sans-serif"/>
+              </a:rPr>
+              <a:t>: Used to automate agreements between stakeholders (e.g., recycling vendors), ensuring compliance with regulations.</a:t>
+            </a:r>
+          </a:p>
+          <a:p>
+            <a:pPr algn="l">
+              <a:buFont typeface="+mj-lt"/>
+              <a:buAutoNum type="arabicPeriod"/>
+            </a:pPr>
+            <a:r>
+              <a:rPr lang="en-GB" sz="1100" b="1" i="0" dirty="0">
+                <a:solidFill>
+                  <a:schemeClr val="tx1"/>
+                </a:solidFill>
+                <a:effectLst/>
+                <a:latin typeface="ui-sans-serif"/>
+              </a:rPr>
+              <a:t>AI (Artificial Intelligence)</a:t>
+            </a:r>
+            <a:r>
+              <a:rPr lang="en-GB" sz="1100" b="0" i="0" dirty="0">
+                <a:solidFill>
+                  <a:schemeClr val="tx1"/>
+                </a:solidFill>
+                <a:effectLst/>
+                <a:latin typeface="ui-sans-serif"/>
+              </a:rPr>
+              <a:t>:</a:t>
+            </a:r>
+          </a:p>
+          <a:p>
+            <a:pPr marL="742950" lvl="1" indent="-285750" algn="l">
+              <a:buFont typeface="+mj-lt"/>
+              <a:buAutoNum type="arabicPeriod"/>
+            </a:pPr>
+            <a:r>
+              <a:rPr lang="en-GB" sz="1100" b="1" i="0" dirty="0">
+                <a:solidFill>
+                  <a:schemeClr val="tx1"/>
+                </a:solidFill>
+                <a:effectLst/>
+                <a:latin typeface="ui-sans-serif"/>
+              </a:rPr>
+              <a:t>Automated Classification</a:t>
+            </a:r>
+            <a:r>
+              <a:rPr lang="en-GB" sz="1100" b="0" i="0" dirty="0">
+                <a:solidFill>
+                  <a:schemeClr val="tx1"/>
+                </a:solidFill>
+                <a:effectLst/>
+                <a:latin typeface="ui-sans-serif"/>
+              </a:rPr>
+              <a:t>: AI algorithms automatically classify e-waste based on material type, hazard levels, and recycling potential.</a:t>
+            </a:r>
+          </a:p>
+          <a:p>
+            <a:pPr marL="742950" lvl="1" indent="-285750" algn="l">
+              <a:buFont typeface="+mj-lt"/>
+              <a:buAutoNum type="arabicPeriod"/>
+            </a:pPr>
+            <a:r>
+              <a:rPr lang="en-GB" sz="1100" b="1" i="0" dirty="0">
+                <a:solidFill>
+                  <a:schemeClr val="tx1"/>
+                </a:solidFill>
+                <a:effectLst/>
+                <a:latin typeface="ui-sans-serif"/>
+              </a:rPr>
+              <a:t>Predictive Analytics</a:t>
+            </a:r>
+            <a:r>
+              <a:rPr lang="en-GB" sz="1100" b="0" i="0" dirty="0">
+                <a:solidFill>
+                  <a:schemeClr val="tx1"/>
+                </a:solidFill>
+                <a:effectLst/>
+                <a:latin typeface="ui-sans-serif"/>
+              </a:rPr>
+              <a:t>: Machine learning models analyse trends in e-waste generation and recycling, offering insights for optimization and future improvements.</a:t>
+            </a:r>
+          </a:p>
+          <a:p>
+            <a:pPr algn="l">
+              <a:buFont typeface="+mj-lt"/>
+              <a:buAutoNum type="arabicPeriod"/>
+            </a:pPr>
+            <a:r>
+              <a:rPr lang="en-GB" sz="1100" b="1" i="0" dirty="0">
+                <a:solidFill>
+                  <a:schemeClr val="tx1"/>
+                </a:solidFill>
+                <a:effectLst/>
+                <a:latin typeface="ui-sans-serif"/>
+              </a:rPr>
+              <a:t>Mobile/Web Interface</a:t>
+            </a:r>
+            <a:r>
+              <a:rPr lang="en-GB" sz="1100" b="0" i="0" dirty="0">
+                <a:solidFill>
+                  <a:schemeClr val="tx1"/>
+                </a:solidFill>
+                <a:effectLst/>
+                <a:latin typeface="ui-sans-serif"/>
+              </a:rPr>
+              <a:t>:</a:t>
+            </a:r>
+          </a:p>
+          <a:p>
+            <a:pPr marL="742950" lvl="1" indent="-285750" algn="l">
+              <a:buFont typeface="+mj-lt"/>
+              <a:buAutoNum type="arabicPeriod"/>
+            </a:pPr>
+            <a:r>
+              <a:rPr lang="en-GB" sz="1100" b="1" i="0" dirty="0">
+                <a:solidFill>
+                  <a:schemeClr val="tx1"/>
+                </a:solidFill>
+                <a:effectLst/>
+                <a:latin typeface="ui-sans-serif"/>
+              </a:rPr>
+              <a:t>User Engagement</a:t>
+            </a:r>
+            <a:r>
+              <a:rPr lang="en-GB" sz="1100" b="0" i="0" dirty="0">
+                <a:solidFill>
+                  <a:schemeClr val="tx1"/>
+                </a:solidFill>
+                <a:effectLst/>
+                <a:latin typeface="ui-sans-serif"/>
+              </a:rPr>
+              <a:t>: An intuitive mobile/web platform allows users to schedule pickups, report e-waste, and track recycling progress.</a:t>
+            </a:r>
+          </a:p>
+          <a:p>
+            <a:pPr marL="742950" lvl="1" indent="-285750" algn="l">
+              <a:buFont typeface="+mj-lt"/>
+              <a:buAutoNum type="arabicPeriod"/>
+            </a:pPr>
+            <a:r>
+              <a:rPr lang="en-GB" sz="1100" b="1" i="0" dirty="0">
+                <a:solidFill>
+                  <a:schemeClr val="tx1"/>
+                </a:solidFill>
+                <a:effectLst/>
+                <a:latin typeface="ui-sans-serif"/>
+              </a:rPr>
+              <a:t>Community Interaction</a:t>
+            </a:r>
+            <a:r>
+              <a:rPr lang="en-GB" sz="1100" b="0" i="0" dirty="0">
+                <a:solidFill>
+                  <a:schemeClr val="tx1"/>
+                </a:solidFill>
+                <a:effectLst/>
+                <a:latin typeface="ui-sans-serif"/>
+              </a:rPr>
+              <a:t>: The platform includes community forums for knowledge-sharing and collaboration on best practices for e-waste disposal.</a:t>
+            </a:r>
+          </a:p>
+          <a:p>
+            <a:endParaRPr lang="en-IN" sz="1100" dirty="0">
+              <a:solidFill>
+                <a:schemeClr val="tx1"/>
+              </a:solidFill>
+            </a:endParaRPr>
+          </a:p>
+        </p:txBody>
+      </p:sp>
+      <p:graphicFrame>
+        <p:nvGraphicFramePr>
+          <p:cNvPr id="4" name="Table 3">
+            <a:extLst>
+              <a:ext uri="{FF2B5EF4-FFF2-40B4-BE49-F238E27FC236}">
+                <a16:creationId xmlns:a16="http://schemas.microsoft.com/office/drawing/2014/main" id="{5379FD32-A834-3DAE-800C-55947C3DC845}"/>
+              </a:ext>
+            </a:extLst>
+          </p:cNvPr>
+          <p:cNvGraphicFramePr>
+            <a:graphicFrameLocks noGrp="1"/>
+          </p:cNvGraphicFramePr>
+          <p:nvPr>
+            <p:extLst>
+              <p:ext uri="{D42A27DB-BD31-4B8C-83A1-F6EECF244321}">
+                <p14:modId xmlns:p14="http://schemas.microsoft.com/office/powerpoint/2010/main" val="4111921939"/>
+              </p:ext>
+            </p:extLst>
+          </p:nvPr>
+        </p:nvGraphicFramePr>
+        <p:xfrm>
+          <a:off x="5043126" y="715866"/>
+          <a:ext cx="3839274" cy="3985640"/>
+        </p:xfrm>
+        <a:graphic>
+          <a:graphicData uri="http://schemas.openxmlformats.org/drawingml/2006/table">
+            <a:tbl>
+              <a:tblPr>
+                <a:tableStyleId>{5940675A-B579-460E-94D1-54222C63F5DA}</a:tableStyleId>
+              </a:tblPr>
+              <a:tblGrid>
+                <a:gridCol w="1919637">
+                  <a:extLst>
+                    <a:ext uri="{9D8B030D-6E8A-4147-A177-3AD203B41FA5}">
+                      <a16:colId xmlns:a16="http://schemas.microsoft.com/office/drawing/2014/main" val="4173543661"/>
+                    </a:ext>
+                  </a:extLst>
+                </a:gridCol>
+                <a:gridCol w="1919637">
+                  <a:extLst>
+                    <a:ext uri="{9D8B030D-6E8A-4147-A177-3AD203B41FA5}">
+                      <a16:colId xmlns:a16="http://schemas.microsoft.com/office/drawing/2014/main" val="879341844"/>
+                    </a:ext>
+                  </a:extLst>
+                </a:gridCol>
+              </a:tblGrid>
+              <a:tr h="210949">
+                <a:tc>
+                  <a:txBody>
+                    <a:bodyPr/>
+                    <a:lstStyle/>
+                    <a:p>
+                      <a:pPr fontAlgn="b"/>
+                      <a:r>
+                        <a:rPr lang="en-IN" sz="1000" b="1">
+                          <a:effectLst/>
+                        </a:rPr>
+                        <a:t>Component</a:t>
+                      </a:r>
+                    </a:p>
+                  </a:txBody>
+                  <a:tcPr marL="63285" marR="63285" marT="31642" marB="31642" anchor="b"/>
+                </a:tc>
+                <a:tc>
+                  <a:txBody>
+                    <a:bodyPr/>
+                    <a:lstStyle/>
+                    <a:p>
+                      <a:pPr fontAlgn="b"/>
+                      <a:r>
+                        <a:rPr lang="en-IN" sz="1000" b="1">
+                          <a:effectLst/>
+                        </a:rPr>
+                        <a:t>Technology &amp; Purpose</a:t>
+                      </a:r>
+                    </a:p>
+                  </a:txBody>
+                  <a:tcPr marL="63285" marR="63285" marT="31642" marB="31642" anchor="b"/>
+                </a:tc>
+                <a:extLst>
+                  <a:ext uri="{0D108BD9-81ED-4DB2-BD59-A6C34878D82A}">
+                    <a16:rowId xmlns:a16="http://schemas.microsoft.com/office/drawing/2014/main" val="1289528064"/>
+                  </a:ext>
+                </a:extLst>
+              </a:tr>
+              <a:tr h="358614">
+                <a:tc>
+                  <a:txBody>
+                    <a:bodyPr/>
+                    <a:lstStyle/>
+                    <a:p>
+                      <a:pPr fontAlgn="base"/>
+                      <a:r>
+                        <a:rPr lang="en-IN" sz="1000" b="1">
+                          <a:effectLst/>
+                        </a:rPr>
+                        <a:t>Frontend</a:t>
+                      </a:r>
+                      <a:endParaRPr lang="en-IN" sz="1000">
+                        <a:effectLst/>
+                      </a:endParaRPr>
+                    </a:p>
+                  </a:txBody>
+                  <a:tcPr marL="63285" marR="63285" marT="31642" marB="31642" anchor="ctr"/>
+                </a:tc>
+                <a:tc>
+                  <a:txBody>
+                    <a:bodyPr/>
+                    <a:lstStyle/>
+                    <a:p>
+                      <a:pPr fontAlgn="base"/>
+                      <a:r>
+                        <a:rPr lang="en-GB" sz="1000">
+                          <a:effectLst/>
+                        </a:rPr>
+                        <a:t>React.js / Angular: Dynamic UI for web applications.</a:t>
+                      </a:r>
+                    </a:p>
+                  </a:txBody>
+                  <a:tcPr marL="63285" marR="63285" marT="31642" marB="31642" anchor="ctr"/>
+                </a:tc>
+                <a:extLst>
+                  <a:ext uri="{0D108BD9-81ED-4DB2-BD59-A6C34878D82A}">
+                    <a16:rowId xmlns:a16="http://schemas.microsoft.com/office/drawing/2014/main" val="1023159921"/>
+                  </a:ext>
+                </a:extLst>
+              </a:tr>
+              <a:tr h="358614">
+                <a:tc>
+                  <a:txBody>
+                    <a:bodyPr/>
+                    <a:lstStyle/>
+                    <a:p>
+                      <a:pPr fontAlgn="base"/>
+                      <a:r>
+                        <a:rPr lang="en-IN" sz="1000" b="1">
+                          <a:effectLst/>
+                        </a:rPr>
+                        <a:t>Mobile App</a:t>
+                      </a:r>
+                      <a:endParaRPr lang="en-IN" sz="1000">
+                        <a:effectLst/>
+                      </a:endParaRPr>
+                    </a:p>
+                  </a:txBody>
+                  <a:tcPr marL="63285" marR="63285" marT="31642" marB="31642" anchor="ctr"/>
+                </a:tc>
+                <a:tc>
+                  <a:txBody>
+                    <a:bodyPr/>
+                    <a:lstStyle/>
+                    <a:p>
+                      <a:pPr fontAlgn="base"/>
+                      <a:r>
+                        <a:rPr lang="en-GB" sz="1000" dirty="0">
+                          <a:effectLst/>
+                        </a:rPr>
+                        <a:t>React Native: Cross-platform mobile app.</a:t>
+                      </a:r>
+                    </a:p>
+                  </a:txBody>
+                  <a:tcPr marL="63285" marR="63285" marT="31642" marB="31642" anchor="ctr"/>
+                </a:tc>
+                <a:extLst>
+                  <a:ext uri="{0D108BD9-81ED-4DB2-BD59-A6C34878D82A}">
+                    <a16:rowId xmlns:a16="http://schemas.microsoft.com/office/drawing/2014/main" val="1127865421"/>
+                  </a:ext>
+                </a:extLst>
+              </a:tr>
+              <a:tr h="358614">
+                <a:tc>
+                  <a:txBody>
+                    <a:bodyPr/>
+                    <a:lstStyle/>
+                    <a:p>
+                      <a:pPr fontAlgn="base"/>
+                      <a:r>
+                        <a:rPr lang="en-IN" sz="1000" b="1">
+                          <a:effectLst/>
+                        </a:rPr>
+                        <a:t>Backend</a:t>
+                      </a:r>
+                      <a:endParaRPr lang="en-IN" sz="1000">
+                        <a:effectLst/>
+                      </a:endParaRPr>
+                    </a:p>
+                  </a:txBody>
+                  <a:tcPr marL="63285" marR="63285" marT="31642" marB="31642" anchor="ctr"/>
+                </a:tc>
+                <a:tc>
+                  <a:txBody>
+                    <a:bodyPr/>
+                    <a:lstStyle/>
+                    <a:p>
+                      <a:pPr fontAlgn="base"/>
+                      <a:r>
+                        <a:rPr lang="en-GB" sz="1000">
+                          <a:effectLst/>
+                        </a:rPr>
+                        <a:t>Node.js (Express) / Django: Scalable backend for requests and APIs.</a:t>
+                      </a:r>
+                    </a:p>
+                  </a:txBody>
+                  <a:tcPr marL="63285" marR="63285" marT="31642" marB="31642" anchor="ctr"/>
+                </a:tc>
+                <a:extLst>
+                  <a:ext uri="{0D108BD9-81ED-4DB2-BD59-A6C34878D82A}">
+                    <a16:rowId xmlns:a16="http://schemas.microsoft.com/office/drawing/2014/main" val="2492279257"/>
+                  </a:ext>
+                </a:extLst>
+              </a:tr>
+              <a:tr h="506278">
+                <a:tc>
+                  <a:txBody>
+                    <a:bodyPr/>
+                    <a:lstStyle/>
+                    <a:p>
+                      <a:pPr fontAlgn="base"/>
+                      <a:r>
+                        <a:rPr lang="en-IN" sz="1000" b="1">
+                          <a:effectLst/>
+                        </a:rPr>
+                        <a:t>Database</a:t>
+                      </a:r>
+                      <a:endParaRPr lang="en-IN" sz="1000">
+                        <a:effectLst/>
+                      </a:endParaRPr>
+                    </a:p>
+                  </a:txBody>
+                  <a:tcPr marL="63285" marR="63285" marT="31642" marB="31642" anchor="ctr"/>
+                </a:tc>
+                <a:tc>
+                  <a:txBody>
+                    <a:bodyPr/>
+                    <a:lstStyle/>
+                    <a:p>
+                      <a:pPr fontAlgn="base"/>
+                      <a:r>
+                        <a:rPr lang="en-GB" sz="1000">
+                          <a:effectLst/>
+                        </a:rPr>
+                        <a:t>PostgreSQL / MongoDB: Data storage for structured and unstructured data.</a:t>
+                      </a:r>
+                    </a:p>
+                  </a:txBody>
+                  <a:tcPr marL="63285" marR="63285" marT="31642" marB="31642" anchor="ctr"/>
+                </a:tc>
+                <a:extLst>
+                  <a:ext uri="{0D108BD9-81ED-4DB2-BD59-A6C34878D82A}">
+                    <a16:rowId xmlns:a16="http://schemas.microsoft.com/office/drawing/2014/main" val="2535717030"/>
+                  </a:ext>
+                </a:extLst>
+              </a:tr>
+              <a:tr h="506278">
+                <a:tc>
+                  <a:txBody>
+                    <a:bodyPr/>
+                    <a:lstStyle/>
+                    <a:p>
+                      <a:pPr fontAlgn="base"/>
+                      <a:r>
+                        <a:rPr lang="en-IN" sz="1000" b="1">
+                          <a:effectLst/>
+                        </a:rPr>
+                        <a:t>Blockchain</a:t>
+                      </a:r>
+                      <a:endParaRPr lang="en-IN" sz="1000">
+                        <a:effectLst/>
+                      </a:endParaRPr>
+                    </a:p>
+                  </a:txBody>
+                  <a:tcPr marL="63285" marR="63285" marT="31642" marB="31642" anchor="ctr"/>
+                </a:tc>
+                <a:tc>
+                  <a:txBody>
+                    <a:bodyPr/>
+                    <a:lstStyle/>
+                    <a:p>
+                      <a:pPr fontAlgn="base"/>
+                      <a:r>
+                        <a:rPr lang="en-GB" sz="1000">
+                          <a:effectLst/>
+                        </a:rPr>
+                        <a:t>Ethereum / Hyperledger: Transparency and traceability with smart contracts.</a:t>
+                      </a:r>
+                    </a:p>
+                  </a:txBody>
+                  <a:tcPr marL="63285" marR="63285" marT="31642" marB="31642" anchor="ctr"/>
+                </a:tc>
+                <a:extLst>
+                  <a:ext uri="{0D108BD9-81ED-4DB2-BD59-A6C34878D82A}">
+                    <a16:rowId xmlns:a16="http://schemas.microsoft.com/office/drawing/2014/main" val="660053986"/>
+                  </a:ext>
+                </a:extLst>
+              </a:tr>
+              <a:tr h="358614">
+                <a:tc>
+                  <a:txBody>
+                    <a:bodyPr/>
+                    <a:lstStyle/>
+                    <a:p>
+                      <a:pPr fontAlgn="base"/>
+                      <a:r>
+                        <a:rPr lang="en-IN" sz="1000" b="1">
+                          <a:effectLst/>
+                        </a:rPr>
+                        <a:t>IoT</a:t>
+                      </a:r>
+                      <a:endParaRPr lang="en-IN" sz="1000">
+                        <a:effectLst/>
+                      </a:endParaRPr>
+                    </a:p>
+                  </a:txBody>
+                  <a:tcPr marL="63285" marR="63285" marT="31642" marB="31642" anchor="ctr"/>
+                </a:tc>
+                <a:tc>
+                  <a:txBody>
+                    <a:bodyPr/>
+                    <a:lstStyle/>
+                    <a:p>
+                      <a:pPr fontAlgn="base"/>
+                      <a:r>
+                        <a:rPr lang="en-IN" sz="1000">
+                          <a:effectLst/>
+                        </a:rPr>
+                        <a:t>Raspberry Pi / Arduino: Collect real-time e-waste data.</a:t>
+                      </a:r>
+                    </a:p>
+                  </a:txBody>
+                  <a:tcPr marL="63285" marR="63285" marT="31642" marB="31642" anchor="ctr"/>
+                </a:tc>
+                <a:extLst>
+                  <a:ext uri="{0D108BD9-81ED-4DB2-BD59-A6C34878D82A}">
+                    <a16:rowId xmlns:a16="http://schemas.microsoft.com/office/drawing/2014/main" val="1659068344"/>
+                  </a:ext>
+                </a:extLst>
+              </a:tr>
+              <a:tr h="358614">
+                <a:tc>
+                  <a:txBody>
+                    <a:bodyPr/>
+                    <a:lstStyle/>
+                    <a:p>
+                      <a:pPr fontAlgn="base"/>
+                      <a:r>
+                        <a:rPr lang="en-IN" sz="1000" b="1">
+                          <a:effectLst/>
+                        </a:rPr>
+                        <a:t>Cloud</a:t>
+                      </a:r>
+                      <a:endParaRPr lang="en-IN" sz="1000">
+                        <a:effectLst/>
+                      </a:endParaRPr>
+                    </a:p>
+                  </a:txBody>
+                  <a:tcPr marL="63285" marR="63285" marT="31642" marB="31642" anchor="ctr"/>
+                </a:tc>
+                <a:tc>
+                  <a:txBody>
+                    <a:bodyPr/>
+                    <a:lstStyle/>
+                    <a:p>
+                      <a:pPr fontAlgn="base"/>
+                      <a:r>
+                        <a:rPr lang="en-GB" sz="1000">
+                          <a:effectLst/>
+                        </a:rPr>
+                        <a:t>AWS / Google Cloud: Scalable cloud storage and computing.</a:t>
+                      </a:r>
+                    </a:p>
+                  </a:txBody>
+                  <a:tcPr marL="63285" marR="63285" marT="31642" marB="31642" anchor="ctr"/>
+                </a:tc>
+                <a:extLst>
+                  <a:ext uri="{0D108BD9-81ED-4DB2-BD59-A6C34878D82A}">
+                    <a16:rowId xmlns:a16="http://schemas.microsoft.com/office/drawing/2014/main" val="3224326058"/>
+                  </a:ext>
+                </a:extLst>
+              </a:tr>
+              <a:tr h="358614">
+                <a:tc>
+                  <a:txBody>
+                    <a:bodyPr/>
+                    <a:lstStyle/>
+                    <a:p>
+                      <a:pPr fontAlgn="base"/>
+                      <a:r>
+                        <a:rPr lang="en-IN" sz="1000" b="1">
+                          <a:effectLst/>
+                        </a:rPr>
+                        <a:t>Real-Time</a:t>
+                      </a:r>
+                      <a:endParaRPr lang="en-IN" sz="1000">
+                        <a:effectLst/>
+                      </a:endParaRPr>
+                    </a:p>
+                  </a:txBody>
+                  <a:tcPr marL="63285" marR="63285" marT="31642" marB="31642" anchor="ctr"/>
+                </a:tc>
+                <a:tc>
+                  <a:txBody>
+                    <a:bodyPr/>
+                    <a:lstStyle/>
+                    <a:p>
+                      <a:pPr fontAlgn="base"/>
+                      <a:r>
+                        <a:rPr lang="en-IN" sz="1000">
+                          <a:effectLst/>
+                        </a:rPr>
+                        <a:t>Firebase / WebSocket: Real-time notifications.</a:t>
+                      </a:r>
+                    </a:p>
+                  </a:txBody>
+                  <a:tcPr marL="63285" marR="63285" marT="31642" marB="31642" anchor="ctr"/>
+                </a:tc>
+                <a:extLst>
+                  <a:ext uri="{0D108BD9-81ED-4DB2-BD59-A6C34878D82A}">
+                    <a16:rowId xmlns:a16="http://schemas.microsoft.com/office/drawing/2014/main" val="143567248"/>
+                  </a:ext>
+                </a:extLst>
+              </a:tr>
+              <a:tr h="358614">
+                <a:tc>
+                  <a:txBody>
+                    <a:bodyPr/>
+                    <a:lstStyle/>
+                    <a:p>
+                      <a:pPr fontAlgn="base"/>
+                      <a:r>
+                        <a:rPr lang="en-IN" sz="1000" b="1">
+                          <a:effectLst/>
+                        </a:rPr>
+                        <a:t>AI &amp; ML</a:t>
+                      </a:r>
+                      <a:endParaRPr lang="en-IN" sz="1000">
+                        <a:effectLst/>
+                      </a:endParaRPr>
+                    </a:p>
+                  </a:txBody>
+                  <a:tcPr marL="63285" marR="63285" marT="31642" marB="31642" anchor="ctr"/>
+                </a:tc>
+                <a:tc>
+                  <a:txBody>
+                    <a:bodyPr/>
+                    <a:lstStyle/>
+                    <a:p>
+                      <a:pPr fontAlgn="base"/>
+                      <a:r>
+                        <a:rPr lang="en-GB" sz="1000" dirty="0">
+                          <a:effectLst/>
+                        </a:rPr>
+                        <a:t>TensorFlow / </a:t>
+                      </a:r>
+                      <a:r>
+                        <a:rPr lang="en-GB" sz="1000" dirty="0" err="1">
+                          <a:effectLst/>
+                        </a:rPr>
+                        <a:t>PyTorch</a:t>
+                      </a:r>
+                      <a:r>
+                        <a:rPr lang="en-GB" sz="1000" dirty="0">
+                          <a:effectLst/>
+                        </a:rPr>
+                        <a:t>: AI for classification and optimization.</a:t>
+                      </a:r>
+                    </a:p>
+                  </a:txBody>
+                  <a:tcPr marL="63285" marR="63285" marT="31642" marB="31642" anchor="ctr"/>
+                </a:tc>
+                <a:extLst>
+                  <a:ext uri="{0D108BD9-81ED-4DB2-BD59-A6C34878D82A}">
+                    <a16:rowId xmlns:a16="http://schemas.microsoft.com/office/drawing/2014/main" val="2956782236"/>
+                  </a:ext>
+                </a:extLst>
+              </a:tr>
+            </a:tbl>
+          </a:graphicData>
+        </a:graphic>
+      </p:graphicFrame>
+      <p:sp>
+        <p:nvSpPr>
+          <p:cNvPr id="5" name="Rectangle 1">
+            <a:extLst>
+              <a:ext uri="{FF2B5EF4-FFF2-40B4-BE49-F238E27FC236}">
+                <a16:creationId xmlns:a16="http://schemas.microsoft.com/office/drawing/2014/main" id="{201FED47-8509-FBD6-DB33-E7A09E7244E2}"/>
+              </a:ext>
+            </a:extLst>
+          </p:cNvPr>
+          <p:cNvSpPr>
+            <a:spLocks noChangeArrowheads="1"/>
+          </p:cNvSpPr>
+          <p:nvPr/>
+        </p:nvSpPr>
+        <p:spPr bwMode="auto">
+          <a:xfrm>
+            <a:off x="2652713" y="735013"/>
+            <a:ext cx="9144000" cy="0"/>
+          </a:xfrm>
+          <a:prstGeom prst="rect">
+            <a:avLst/>
+          </a:prstGeom>
+          <a:noFill/>
+          <a:ln>
+            <a:noFill/>
+          </a:ln>
+          <a:effectLst/>
+          <a:extLst>
+            <a:ext uri="{909E8E84-426E-40DD-AFC4-6F175D3DCCD1}">
+              <a14:hiddenFill xmlns:a14="http://schemas.microsoft.com/office/drawing/2010/main">
+                <a:solidFill>
+                  <a:schemeClr val="accent1"/>
+                </a:solidFill>
+              </a14:hiddenFill>
+            </a:ext>
+            <a:ext uri="{91240B29-F687-4F45-9708-019B960494DF}">
+              <a14:hiddenLine xmlns:a14="http://schemas.microsoft.com/office/drawing/2010/main" w="9525">
+                <a:solidFill>
+                  <a:schemeClr val="tx1"/>
+                </a:solidFill>
+                <a:miter lim="800000"/>
+                <a:headEnd/>
+                <a:tailEnd/>
+              </a14:hiddenLine>
+            </a:ext>
+            <a:ext uri="{AF507438-7753-43E0-B8FC-AC1667EBCBE1}">
+              <a14:hiddenEffects xmlns:a14="http://schemas.microsoft.com/office/drawing/2010/main">
+                <a:effectLst>
+                  <a:outerShdw dist="35921" dir="2700000" algn="ctr" rotWithShape="0">
+                    <a:schemeClr val="bg2"/>
+                  </a:outerShdw>
+                </a:effectLst>
+              </a14:hiddenEffects>
+            </a:ext>
+          </a:extLst>
+        </p:spPr>
+        <p:txBody>
+          <a:bodyPr vert="horz" wrap="none" lIns="91440" tIns="45720" rIns="91440" bIns="45720" numCol="1" anchor="ctr" anchorCtr="0" compatLnSpc="1">
+            <a:prstTxWarp prst="textNoShape">
+              <a:avLst/>
+            </a:prstTxWarp>
+            <a:spAutoFit/>
+          </a:bodyPr>
+          <a:lstStyle/>
+          <a:p>
+            <a:pPr marL="0" marR="0" lvl="0" indent="0" algn="l" defTabSz="914400" rtl="0" eaLnBrk="0" fontAlgn="base" latinLnBrk="0" hangingPunct="0">
+              <a:lnSpc>
+                <a:spcPct val="100000"/>
+              </a:lnSpc>
+              <a:spcBef>
+                <a:spcPct val="0"/>
+              </a:spcBef>
+              <a:spcAft>
+                <a:spcPct val="0"/>
+              </a:spcAft>
+              <a:buClrTx/>
+              <a:buSzTx/>
+              <a:buFontTx/>
+              <a:buNone/>
+              <a:tabLst/>
+            </a:pPr>
+            <a:br>
+              <a:rPr kumimoji="0" lang="en-US" altLang="en-US" sz="1800" b="0" i="0" u="none" strike="noStrike" cap="none" normalizeH="0" baseline="0">
+                <a:ln>
+                  <a:noFill/>
+                </a:ln>
+                <a:solidFill>
+                  <a:schemeClr val="tx1"/>
+                </a:solidFill>
+                <a:effectLst/>
+                <a:latin typeface="Arial" panose="020B0604020202020204" pitchFamily="34" charset="0"/>
+              </a:rPr>
+            </a:br>
+            <a:endParaRPr kumimoji="0" lang="en-US" altLang="en-US" sz="1800" b="0" i="0" u="none" strike="noStrike" cap="none" normalizeH="0" baseline="0">
+              <a:ln>
+                <a:noFill/>
+              </a:ln>
+              <a:solidFill>
+                <a:schemeClr val="tx1"/>
+              </a:solidFill>
+              <a:effectLst/>
+              <a:latin typeface="Arial" panose="020B0604020202020204" pitchFamily="34" charset="0"/>
+            </a:endParaRPr>
           </a:p>
         </p:txBody>
       </p:sp>
     </p:spTree>
     <p:extLst>
       <p:ext uri="{BB962C8B-B14F-4D97-AF65-F5344CB8AC3E}">
-        <p14:creationId xmlns:p14="http://schemas.microsoft.com/office/powerpoint/2010/main" val="2906993622"/>
+        <p14:creationId xmlns:p14="http://schemas.microsoft.com/office/powerpoint/2010/main" val="141791531"/>
       </p:ext>
     </p:extLst>
   </p:cSld>
@@ -29474,7 +31827,7 @@
           <a:p>
             <a:r>
               <a:rPr lang="en-IN" dirty="0"/>
-              <a:t>Implementation Plan</a:t>
+              <a:t>Technical Description</a:t>
             </a:r>
           </a:p>
         </p:txBody>
@@ -29495,19 +31848,466 @@
             <p:ph idx="1"/>
           </p:nvPr>
         </p:nvSpPr>
-        <p:spPr/>
+        <p:spPr>
+          <a:xfrm>
+            <a:off x="348000" y="1051200"/>
+            <a:ext cx="4855371" cy="3806550"/>
+          </a:xfrm>
+        </p:spPr>
         <p:txBody>
-          <a:bodyPr/>
+          <a:bodyPr>
+            <a:normAutofit/>
+          </a:bodyPr>
           <a:lstStyle/>
           <a:p>
-            <a:endParaRPr lang="en-IN"/>
+            <a:pPr algn="l">
+              <a:buFont typeface="+mj-lt"/>
+              <a:buAutoNum type="arabicPeriod"/>
+            </a:pPr>
+            <a:r>
+              <a:rPr lang="en-GB" sz="1400" b="1" i="0" dirty="0">
+                <a:solidFill>
+                  <a:schemeClr val="tx1"/>
+                </a:solidFill>
+                <a:effectLst/>
+                <a:latin typeface="ui-sans-serif"/>
+              </a:rPr>
+              <a:t>Recycling Vendors</a:t>
+            </a:r>
+            <a:r>
+              <a:rPr lang="en-GB" sz="1400" b="0" i="0" dirty="0">
+                <a:solidFill>
+                  <a:schemeClr val="tx1"/>
+                </a:solidFill>
+                <a:effectLst/>
+                <a:latin typeface="ui-sans-serif"/>
+              </a:rPr>
+              <a:t>: Interacts via the </a:t>
+            </a:r>
+            <a:r>
+              <a:rPr lang="en-GB" sz="1400" b="1" i="0" dirty="0">
+                <a:solidFill>
+                  <a:schemeClr val="tx1"/>
+                </a:solidFill>
+                <a:effectLst/>
+                <a:latin typeface="ui-sans-serif"/>
+              </a:rPr>
+              <a:t>Vendor API</a:t>
+            </a:r>
+            <a:r>
+              <a:rPr lang="en-GB" sz="1400" b="0" i="0" dirty="0">
+                <a:solidFill>
+                  <a:schemeClr val="tx1"/>
+                </a:solidFill>
+                <a:effectLst/>
+                <a:latin typeface="ui-sans-serif"/>
+              </a:rPr>
+              <a:t> and shares data through the </a:t>
+            </a:r>
+            <a:r>
+              <a:rPr lang="en-GB" sz="1400" b="1" i="0" dirty="0">
+                <a:solidFill>
+                  <a:schemeClr val="tx1"/>
+                </a:solidFill>
+                <a:effectLst/>
+                <a:latin typeface="ui-sans-serif"/>
+              </a:rPr>
+              <a:t>Metrics Service</a:t>
+            </a:r>
+            <a:r>
+              <a:rPr lang="en-GB" sz="1400" b="0" i="0" dirty="0">
+                <a:solidFill>
+                  <a:schemeClr val="tx1"/>
+                </a:solidFill>
+                <a:effectLst/>
+                <a:latin typeface="ui-sans-serif"/>
+              </a:rPr>
+              <a:t> for tracking e-waste.</a:t>
+            </a:r>
+          </a:p>
+          <a:p>
+            <a:pPr algn="l">
+              <a:buFont typeface="+mj-lt"/>
+              <a:buAutoNum type="arabicPeriod"/>
+            </a:pPr>
+            <a:r>
+              <a:rPr lang="en-GB" sz="1400" b="1" i="0" dirty="0">
+                <a:solidFill>
+                  <a:schemeClr val="tx1"/>
+                </a:solidFill>
+                <a:effectLst/>
+                <a:latin typeface="ui-sans-serif"/>
+              </a:rPr>
+              <a:t>Reverse Supply Chain</a:t>
+            </a:r>
+            <a:r>
+              <a:rPr lang="en-GB" sz="1400" b="0" i="0" dirty="0">
+                <a:solidFill>
+                  <a:schemeClr val="tx1"/>
+                </a:solidFill>
+                <a:effectLst/>
+                <a:latin typeface="ui-sans-serif"/>
+              </a:rPr>
+              <a:t>: Uses the </a:t>
+            </a:r>
+            <a:r>
+              <a:rPr lang="en-GB" sz="1400" b="1" i="0" dirty="0">
+                <a:solidFill>
+                  <a:schemeClr val="tx1"/>
+                </a:solidFill>
+                <a:effectLst/>
+                <a:latin typeface="ui-sans-serif"/>
+              </a:rPr>
+              <a:t>Tracking Service</a:t>
+            </a:r>
+            <a:r>
+              <a:rPr lang="en-GB" sz="1400" b="0" i="0" dirty="0">
+                <a:solidFill>
+                  <a:schemeClr val="tx1"/>
+                </a:solidFill>
+                <a:effectLst/>
+                <a:latin typeface="ui-sans-serif"/>
+              </a:rPr>
+              <a:t> to trace recycled materials back to production.</a:t>
+            </a:r>
+          </a:p>
+          <a:p>
+            <a:pPr algn="l">
+              <a:buFont typeface="+mj-lt"/>
+              <a:buAutoNum type="arabicPeriod"/>
+            </a:pPr>
+            <a:r>
+              <a:rPr lang="en-GB" sz="1400" b="1" i="0" dirty="0">
+                <a:solidFill>
+                  <a:schemeClr val="tx1"/>
+                </a:solidFill>
+                <a:effectLst/>
+                <a:latin typeface="ui-sans-serif"/>
+              </a:rPr>
+              <a:t>AWS Cloud</a:t>
+            </a:r>
+            <a:r>
+              <a:rPr lang="en-GB" sz="1400" b="0" i="0" dirty="0">
+                <a:solidFill>
+                  <a:schemeClr val="tx1"/>
+                </a:solidFill>
+                <a:effectLst/>
+                <a:latin typeface="ui-sans-serif"/>
+              </a:rPr>
+              <a:t>: </a:t>
+            </a:r>
+            <a:r>
+              <a:rPr lang="en-GB" sz="1400" b="1" i="0" dirty="0">
+                <a:solidFill>
+                  <a:schemeClr val="tx1"/>
+                </a:solidFill>
+                <a:effectLst/>
+                <a:latin typeface="ui-sans-serif"/>
+              </a:rPr>
+              <a:t>AWS S3</a:t>
+            </a:r>
+            <a:r>
+              <a:rPr lang="en-GB" sz="1400" b="0" i="0" dirty="0">
+                <a:solidFill>
+                  <a:schemeClr val="tx1"/>
+                </a:solidFill>
+                <a:effectLst/>
+                <a:latin typeface="ui-sans-serif"/>
+              </a:rPr>
+              <a:t> stores data, and </a:t>
+            </a:r>
+            <a:r>
+              <a:rPr lang="en-GB" sz="1400" b="1" i="0" dirty="0">
+                <a:solidFill>
+                  <a:schemeClr val="tx1"/>
+                </a:solidFill>
+                <a:effectLst/>
+                <a:latin typeface="ui-sans-serif"/>
+              </a:rPr>
+              <a:t>AWS Lambda</a:t>
+            </a:r>
+            <a:r>
+              <a:rPr lang="en-GB" sz="1400" b="0" i="0" dirty="0">
+                <a:solidFill>
+                  <a:schemeClr val="tx1"/>
+                </a:solidFill>
+                <a:effectLst/>
+                <a:latin typeface="ui-sans-serif"/>
+              </a:rPr>
+              <a:t> executes backend functions dynamically.</a:t>
+            </a:r>
+          </a:p>
+          <a:p>
+            <a:pPr algn="l">
+              <a:buFont typeface="+mj-lt"/>
+              <a:buAutoNum type="arabicPeriod"/>
+            </a:pPr>
+            <a:r>
+              <a:rPr lang="en-GB" sz="1400" b="1" i="0" dirty="0">
+                <a:solidFill>
+                  <a:schemeClr val="tx1"/>
+                </a:solidFill>
+                <a:effectLst/>
+                <a:latin typeface="ui-sans-serif"/>
+              </a:rPr>
+              <a:t>Backend</a:t>
+            </a:r>
+            <a:r>
+              <a:rPr lang="en-GB" sz="1400" b="0" i="0" dirty="0">
+                <a:solidFill>
+                  <a:schemeClr val="tx1"/>
+                </a:solidFill>
+                <a:effectLst/>
+                <a:latin typeface="ui-sans-serif"/>
+              </a:rPr>
+              <a:t>: </a:t>
+            </a:r>
+            <a:r>
+              <a:rPr lang="en-GB" sz="1400" b="1" i="0" dirty="0">
+                <a:solidFill>
+                  <a:schemeClr val="tx1"/>
+                </a:solidFill>
+                <a:effectLst/>
+                <a:latin typeface="ui-sans-serif"/>
+              </a:rPr>
+              <a:t>API Server</a:t>
+            </a:r>
+            <a:r>
+              <a:rPr lang="en-GB" sz="1400" b="0" i="0" dirty="0">
+                <a:solidFill>
+                  <a:schemeClr val="tx1"/>
+                </a:solidFill>
+                <a:effectLst/>
+                <a:latin typeface="ui-sans-serif"/>
+              </a:rPr>
+              <a:t> connects frontend and backend, with services for real-time updates, data analytics, and AI classification of e-waste.</a:t>
+            </a:r>
+          </a:p>
+          <a:p>
+            <a:pPr algn="l">
+              <a:buFont typeface="+mj-lt"/>
+              <a:buAutoNum type="arabicPeriod"/>
+            </a:pPr>
+            <a:r>
+              <a:rPr lang="en-GB" sz="1400" b="1" i="0" dirty="0">
+                <a:solidFill>
+                  <a:schemeClr val="tx1"/>
+                </a:solidFill>
+                <a:effectLst/>
+                <a:latin typeface="ui-sans-serif"/>
+              </a:rPr>
+              <a:t>Frontend</a:t>
+            </a:r>
+            <a:r>
+              <a:rPr lang="en-GB" sz="1400" b="0" i="0" dirty="0">
+                <a:solidFill>
+                  <a:schemeClr val="tx1"/>
+                </a:solidFill>
+                <a:effectLst/>
+                <a:latin typeface="ui-sans-serif"/>
+              </a:rPr>
+              <a:t>: Provides </a:t>
+            </a:r>
+            <a:r>
+              <a:rPr lang="en-GB" sz="1400" b="1" i="0" dirty="0">
+                <a:solidFill>
+                  <a:schemeClr val="tx1"/>
+                </a:solidFill>
+                <a:effectLst/>
+                <a:latin typeface="ui-sans-serif"/>
+              </a:rPr>
+              <a:t>Web</a:t>
+            </a:r>
+            <a:r>
+              <a:rPr lang="en-GB" sz="1400" b="0" i="0" dirty="0">
+                <a:solidFill>
+                  <a:schemeClr val="tx1"/>
+                </a:solidFill>
+                <a:effectLst/>
+                <a:latin typeface="ui-sans-serif"/>
+              </a:rPr>
+              <a:t> and </a:t>
+            </a:r>
+            <a:r>
+              <a:rPr lang="en-GB" sz="1400" b="1" i="0" dirty="0">
+                <a:solidFill>
+                  <a:schemeClr val="tx1"/>
+                </a:solidFill>
+                <a:effectLst/>
+                <a:latin typeface="ui-sans-serif"/>
+              </a:rPr>
+              <a:t>Mobile Interfaces</a:t>
+            </a:r>
+            <a:r>
+              <a:rPr lang="en-GB" sz="1400" b="0" i="0" dirty="0">
+                <a:solidFill>
+                  <a:schemeClr val="tx1"/>
+                </a:solidFill>
+                <a:effectLst/>
+                <a:latin typeface="ui-sans-serif"/>
+              </a:rPr>
+              <a:t> for user interaction.</a:t>
+            </a:r>
+          </a:p>
+          <a:p>
+            <a:pPr algn="l">
+              <a:buFont typeface="+mj-lt"/>
+              <a:buAutoNum type="arabicPeriod"/>
+            </a:pPr>
+            <a:r>
+              <a:rPr lang="en-GB" sz="1400" b="1" i="0" dirty="0">
+                <a:solidFill>
+                  <a:schemeClr val="tx1"/>
+                </a:solidFill>
+                <a:effectLst/>
+                <a:latin typeface="ui-sans-serif"/>
+              </a:rPr>
+              <a:t>User Engagement</a:t>
+            </a:r>
+            <a:r>
+              <a:rPr lang="en-GB" sz="1400" b="0" i="0" dirty="0">
+                <a:solidFill>
+                  <a:schemeClr val="tx1"/>
+                </a:solidFill>
+                <a:effectLst/>
+                <a:latin typeface="ui-sans-serif"/>
+              </a:rPr>
+              <a:t>: Includes </a:t>
+            </a:r>
+            <a:r>
+              <a:rPr lang="en-GB" sz="1400" b="1" i="0" dirty="0">
+                <a:solidFill>
+                  <a:schemeClr val="tx1"/>
+                </a:solidFill>
+                <a:effectLst/>
+                <a:latin typeface="ui-sans-serif"/>
+              </a:rPr>
+              <a:t>Community Forums</a:t>
+            </a:r>
+            <a:r>
+              <a:rPr lang="en-GB" sz="1400" b="0" i="0" dirty="0">
+                <a:solidFill>
+                  <a:schemeClr val="tx1"/>
+                </a:solidFill>
+                <a:effectLst/>
+                <a:latin typeface="ui-sans-serif"/>
+              </a:rPr>
+              <a:t> to promote knowledge sharing.</a:t>
+            </a:r>
+          </a:p>
+          <a:p>
+            <a:pPr algn="l">
+              <a:buFont typeface="+mj-lt"/>
+              <a:buAutoNum type="arabicPeriod"/>
+            </a:pPr>
+            <a:r>
+              <a:rPr lang="en-GB" sz="1400" b="1" i="0" dirty="0">
+                <a:solidFill>
+                  <a:schemeClr val="tx1"/>
+                </a:solidFill>
+                <a:effectLst/>
+                <a:latin typeface="ui-sans-serif"/>
+              </a:rPr>
+              <a:t>Data Management</a:t>
+            </a:r>
+            <a:r>
+              <a:rPr lang="en-GB" sz="1400" b="0" i="0" dirty="0">
+                <a:solidFill>
+                  <a:schemeClr val="tx1"/>
+                </a:solidFill>
+                <a:effectLst/>
+                <a:latin typeface="ui-sans-serif"/>
+              </a:rPr>
+              <a:t>: Uses </a:t>
+            </a:r>
+            <a:r>
+              <a:rPr lang="en-GB" sz="1400" b="1" i="0" dirty="0">
+                <a:solidFill>
+                  <a:schemeClr val="tx1"/>
+                </a:solidFill>
+                <a:effectLst/>
+                <a:latin typeface="ui-sans-serif"/>
+              </a:rPr>
+              <a:t>PostgreSQL</a:t>
+            </a:r>
+            <a:r>
+              <a:rPr lang="en-GB" sz="1400" b="0" i="0" dirty="0">
+                <a:solidFill>
+                  <a:schemeClr val="tx1"/>
+                </a:solidFill>
+                <a:effectLst/>
+                <a:latin typeface="ui-sans-serif"/>
+              </a:rPr>
+              <a:t> for structured data and </a:t>
+            </a:r>
+            <a:r>
+              <a:rPr lang="en-GB" sz="1400" b="1" i="0" dirty="0">
+                <a:solidFill>
+                  <a:schemeClr val="tx1"/>
+                </a:solidFill>
+                <a:effectLst/>
+                <a:latin typeface="ui-sans-serif"/>
+              </a:rPr>
+              <a:t>MongoDB</a:t>
+            </a:r>
+            <a:r>
+              <a:rPr lang="en-GB" sz="1400" b="0" i="0" dirty="0">
+                <a:solidFill>
+                  <a:schemeClr val="tx1"/>
+                </a:solidFill>
+                <a:effectLst/>
+                <a:latin typeface="ui-sans-serif"/>
+              </a:rPr>
+              <a:t> for unstructured data storage.</a:t>
+            </a:r>
           </a:p>
         </p:txBody>
       </p:sp>
+      <p:pic>
+        <p:nvPicPr>
+          <p:cNvPr id="4" name="Picture 3">
+            <a:extLst>
+              <a:ext uri="{FF2B5EF4-FFF2-40B4-BE49-F238E27FC236}">
+                <a16:creationId xmlns:a16="http://schemas.microsoft.com/office/drawing/2014/main" id="{E8F50EB7-FCCB-3670-7874-5FA7DBF74591}"/>
+              </a:ext>
+            </a:extLst>
+          </p:cNvPr>
+          <p:cNvPicPr>
+            <a:picLocks noChangeAspect="1"/>
+          </p:cNvPicPr>
+          <p:nvPr/>
+        </p:nvPicPr>
+        <p:blipFill>
+          <a:blip r:embed="rId2">
+            <a:extLst>
+              <a:ext uri="{28A0092B-C50C-407E-A947-70E740481C1C}">
+                <a14:useLocalDpi xmlns:a14="http://schemas.microsoft.com/office/drawing/2010/main" val="0"/>
+              </a:ext>
+            </a:extLst>
+          </a:blip>
+          <a:srcRect/>
+          <a:stretch>
+            <a:fillRect/>
+          </a:stretch>
+        </p:blipFill>
+        <p:spPr bwMode="auto">
+          <a:xfrm>
+            <a:off x="5859109" y="958307"/>
+            <a:ext cx="2936891" cy="3992336"/>
+          </a:xfrm>
+          <a:prstGeom prst="rect">
+            <a:avLst/>
+          </a:prstGeom>
+          <a:noFill/>
+          <a:ln>
+            <a:noFill/>
+          </a:ln>
+        </p:spPr>
+      </p:pic>
     </p:spTree>
     <p:extLst>
       <p:ext uri="{BB962C8B-B14F-4D97-AF65-F5344CB8AC3E}">
-        <p14:creationId xmlns:p14="http://schemas.microsoft.com/office/powerpoint/2010/main" val="1503041079"/>
+        <p14:creationId xmlns:p14="http://schemas.microsoft.com/office/powerpoint/2010/main" val="2906993622"/>
       </p:ext>
     </p:extLst>
   </p:cSld>
@@ -29556,10 +32356,9 @@
           <a:lstStyle/>
           <a:p>
             <a:r>
-              <a:rPr lang="en-US" dirty="0"/>
-              <a:t>Validation / Testing / Analysis</a:t>
-            </a:r>
-            <a:endParaRPr lang="en-IN" dirty="0"/>
+              <a:rPr lang="en-IN" dirty="0"/>
+              <a:t>Implementation Plan</a:t>
+            </a:r>
           </a:p>
         </p:txBody>
       </p:sp>
@@ -29579,19 +32378,604 @@
             <p:ph idx="1"/>
           </p:nvPr>
         </p:nvSpPr>
-        <p:spPr/>
+        <p:spPr>
+          <a:xfrm>
+            <a:off x="348000" y="878400"/>
+            <a:ext cx="8534400" cy="3979350"/>
+          </a:xfrm>
+        </p:spPr>
         <p:txBody>
-          <a:bodyPr/>
+          <a:bodyPr numCol="2">
+            <a:noAutofit/>
+          </a:bodyPr>
           <a:lstStyle/>
           <a:p>
-            <a:endParaRPr lang="en-IN"/>
+            <a:pPr algn="l"/>
+            <a:r>
+              <a:rPr lang="en-IN" sz="1200" b="1" i="0" dirty="0">
+                <a:solidFill>
+                  <a:schemeClr val="tx1"/>
+                </a:solidFill>
+                <a:effectLst/>
+                <a:latin typeface="ui-sans-serif"/>
+              </a:rPr>
+              <a:t>Planning:</a:t>
+            </a:r>
+          </a:p>
+          <a:p>
+            <a:pPr algn="l">
+              <a:buFont typeface="Arial" panose="020B0604020202020204" pitchFamily="34" charset="0"/>
+              <a:buChar char="•"/>
+            </a:pPr>
+            <a:r>
+              <a:rPr lang="en-IN" sz="1200" b="1" i="0" dirty="0">
+                <a:solidFill>
+                  <a:schemeClr val="tx1"/>
+                </a:solidFill>
+                <a:effectLst/>
+                <a:latin typeface="ui-sans-serif"/>
+              </a:rPr>
+              <a:t>Define Objectives</a:t>
+            </a:r>
+            <a:r>
+              <a:rPr lang="en-IN" sz="1200" b="0" i="0" dirty="0">
+                <a:solidFill>
+                  <a:schemeClr val="tx1"/>
+                </a:solidFill>
+                <a:effectLst/>
+                <a:latin typeface="ui-sans-serif"/>
+              </a:rPr>
+              <a:t>: Set the goals for e-waste tracking (e.g., real-time monitoring, efficient recycling).</a:t>
+            </a:r>
+          </a:p>
+          <a:p>
+            <a:pPr algn="l">
+              <a:buFont typeface="Arial" panose="020B0604020202020204" pitchFamily="34" charset="0"/>
+              <a:buChar char="•"/>
+            </a:pPr>
+            <a:r>
+              <a:rPr lang="en-IN" sz="1200" b="1" i="0" dirty="0">
+                <a:solidFill>
+                  <a:schemeClr val="tx1"/>
+                </a:solidFill>
+                <a:effectLst/>
+                <a:latin typeface="ui-sans-serif"/>
+              </a:rPr>
+              <a:t>Identify Technologies</a:t>
+            </a:r>
+            <a:r>
+              <a:rPr lang="en-IN" sz="1200" b="0" i="0" dirty="0">
+                <a:solidFill>
+                  <a:schemeClr val="tx1"/>
+                </a:solidFill>
+                <a:effectLst/>
+                <a:latin typeface="ui-sans-serif"/>
+              </a:rPr>
+              <a:t>: Decide on technologies (IoT, AI, Blockchain, Cloud).</a:t>
+            </a:r>
+          </a:p>
+          <a:p>
+            <a:pPr algn="l">
+              <a:buFont typeface="Arial" panose="020B0604020202020204" pitchFamily="34" charset="0"/>
+              <a:buChar char="•"/>
+            </a:pPr>
+            <a:r>
+              <a:rPr lang="en-IN" sz="1200" b="1" i="0" dirty="0">
+                <a:solidFill>
+                  <a:schemeClr val="tx1"/>
+                </a:solidFill>
+                <a:effectLst/>
+                <a:latin typeface="ui-sans-serif"/>
+              </a:rPr>
+              <a:t>Set Ethical Guidelines</a:t>
+            </a:r>
+            <a:r>
+              <a:rPr lang="en-IN" sz="1200" b="0" i="0" dirty="0">
+                <a:solidFill>
+                  <a:schemeClr val="tx1"/>
+                </a:solidFill>
+                <a:effectLst/>
+                <a:latin typeface="ui-sans-serif"/>
+              </a:rPr>
+              <a:t>: Establish data privacy and security standards with stakeholders.</a:t>
+            </a:r>
+          </a:p>
+          <a:p>
+            <a:pPr algn="l"/>
+            <a:r>
+              <a:rPr lang="en-IN" sz="1200" b="1" i="0" dirty="0">
+                <a:solidFill>
+                  <a:schemeClr val="tx1"/>
+                </a:solidFill>
+                <a:effectLst/>
+                <a:latin typeface="ui-sans-serif"/>
+              </a:rPr>
+              <a:t>Data Collection:</a:t>
+            </a:r>
+          </a:p>
+          <a:p>
+            <a:pPr algn="l">
+              <a:buFont typeface="Arial" panose="020B0604020202020204" pitchFamily="34" charset="0"/>
+              <a:buChar char="•"/>
+            </a:pPr>
+            <a:r>
+              <a:rPr lang="en-IN" sz="1200" b="1" i="0" dirty="0">
+                <a:solidFill>
+                  <a:schemeClr val="tx1"/>
+                </a:solidFill>
+                <a:effectLst/>
+                <a:latin typeface="ui-sans-serif"/>
+              </a:rPr>
+              <a:t>Gather Data</a:t>
+            </a:r>
+            <a:r>
+              <a:rPr lang="en-IN" sz="1200" b="0" i="0" dirty="0">
+                <a:solidFill>
+                  <a:schemeClr val="tx1"/>
+                </a:solidFill>
+                <a:effectLst/>
+                <a:latin typeface="ui-sans-serif"/>
+              </a:rPr>
+              <a:t>: Collect e-waste data from sensors, vendors, and public databases.</a:t>
+            </a:r>
+          </a:p>
+          <a:p>
+            <a:pPr algn="l">
+              <a:buFont typeface="Arial" panose="020B0604020202020204" pitchFamily="34" charset="0"/>
+              <a:buChar char="•"/>
+            </a:pPr>
+            <a:r>
+              <a:rPr lang="en-IN" sz="1200" b="1" i="0" dirty="0">
+                <a:solidFill>
+                  <a:schemeClr val="tx1"/>
+                </a:solidFill>
+                <a:effectLst/>
+                <a:latin typeface="ui-sans-serif"/>
+              </a:rPr>
+              <a:t>Categorize Data</a:t>
+            </a:r>
+            <a:r>
+              <a:rPr lang="en-IN" sz="1200" b="0" i="0" dirty="0">
+                <a:solidFill>
+                  <a:schemeClr val="tx1"/>
+                </a:solidFill>
+                <a:effectLst/>
+                <a:latin typeface="ui-sans-serif"/>
+              </a:rPr>
+              <a:t>: Classify e-waste into categories (e.g., materials, hazardous levels) and annotate data for training.</a:t>
+            </a:r>
+          </a:p>
+          <a:p>
+            <a:pPr algn="l"/>
+            <a:r>
+              <a:rPr lang="en-IN" sz="1200" b="1" i="0" dirty="0">
+                <a:solidFill>
+                  <a:schemeClr val="tx1"/>
+                </a:solidFill>
+                <a:effectLst/>
+                <a:latin typeface="ui-sans-serif"/>
+              </a:rPr>
+              <a:t>Preprocessing:</a:t>
+            </a:r>
+          </a:p>
+          <a:p>
+            <a:pPr algn="l">
+              <a:buFont typeface="Arial" panose="020B0604020202020204" pitchFamily="34" charset="0"/>
+              <a:buChar char="•"/>
+            </a:pPr>
+            <a:r>
+              <a:rPr lang="en-IN" sz="1200" b="1" i="0" dirty="0">
+                <a:solidFill>
+                  <a:schemeClr val="tx1"/>
+                </a:solidFill>
+                <a:effectLst/>
+                <a:latin typeface="ui-sans-serif"/>
+              </a:rPr>
+              <a:t>Clean Data</a:t>
+            </a:r>
+            <a:r>
+              <a:rPr lang="en-IN" sz="1200" b="0" i="0" dirty="0">
+                <a:solidFill>
+                  <a:schemeClr val="tx1"/>
+                </a:solidFill>
+                <a:effectLst/>
+                <a:latin typeface="ui-sans-serif"/>
+              </a:rPr>
+              <a:t>: Remove inconsistencies and irrelevant information.</a:t>
+            </a:r>
+          </a:p>
+          <a:p>
+            <a:pPr algn="l">
+              <a:buFont typeface="Arial" panose="020B0604020202020204" pitchFamily="34" charset="0"/>
+              <a:buChar char="•"/>
+            </a:pPr>
+            <a:r>
+              <a:rPr lang="en-IN" sz="1200" b="1" i="0" dirty="0">
+                <a:solidFill>
+                  <a:schemeClr val="tx1"/>
+                </a:solidFill>
+                <a:effectLst/>
+                <a:latin typeface="ui-sans-serif"/>
+              </a:rPr>
+              <a:t>Normalize and Split</a:t>
+            </a:r>
+            <a:r>
+              <a:rPr lang="en-IN" sz="1200" b="0" i="0" dirty="0">
+                <a:solidFill>
+                  <a:schemeClr val="tx1"/>
+                </a:solidFill>
+                <a:effectLst/>
+                <a:latin typeface="ui-sans-serif"/>
+              </a:rPr>
+              <a:t>: Prepare data by normalizing values and splitting into training, validation, and testing datasets (e.g., 70% training, 20% validation, 10% testing).</a:t>
+            </a:r>
+          </a:p>
+          <a:p>
+            <a:pPr algn="l">
+              <a:buFont typeface="Arial" panose="020B0604020202020204" pitchFamily="34" charset="0"/>
+              <a:buChar char="•"/>
+            </a:pPr>
+            <a:endParaRPr lang="en-IN" sz="1200" b="0" i="0" dirty="0">
+              <a:solidFill>
+                <a:schemeClr val="tx1"/>
+              </a:solidFill>
+              <a:effectLst/>
+              <a:latin typeface="ui-sans-serif"/>
+            </a:endParaRPr>
+          </a:p>
+          <a:p>
+            <a:pPr algn="l">
+              <a:buFont typeface="Arial" panose="020B0604020202020204" pitchFamily="34" charset="0"/>
+              <a:buChar char="•"/>
+            </a:pPr>
+            <a:endParaRPr lang="en-IN" sz="1200" b="0" i="0" dirty="0">
+              <a:solidFill>
+                <a:schemeClr val="tx1"/>
+              </a:solidFill>
+              <a:effectLst/>
+              <a:latin typeface="ui-sans-serif"/>
+            </a:endParaRPr>
+          </a:p>
+          <a:p>
+            <a:pPr algn="l"/>
+            <a:r>
+              <a:rPr lang="en-IN" sz="1200" b="1" i="0" dirty="0">
+                <a:solidFill>
+                  <a:schemeClr val="tx1"/>
+                </a:solidFill>
+                <a:effectLst/>
+                <a:latin typeface="ui-sans-serif"/>
+              </a:rPr>
+              <a:t>Model Training:</a:t>
+            </a:r>
+          </a:p>
+          <a:p>
+            <a:pPr algn="l">
+              <a:buFont typeface="Arial" panose="020B0604020202020204" pitchFamily="34" charset="0"/>
+              <a:buChar char="•"/>
+            </a:pPr>
+            <a:r>
+              <a:rPr lang="en-IN" sz="1200" b="1" i="0" dirty="0">
+                <a:solidFill>
+                  <a:schemeClr val="tx1"/>
+                </a:solidFill>
+                <a:effectLst/>
+                <a:latin typeface="ui-sans-serif"/>
+              </a:rPr>
+              <a:t>Real-Time Monitoring</a:t>
+            </a:r>
+            <a:r>
+              <a:rPr lang="en-IN" sz="1200" b="0" i="0" dirty="0">
+                <a:solidFill>
+                  <a:schemeClr val="tx1"/>
+                </a:solidFill>
+                <a:effectLst/>
+                <a:latin typeface="ui-sans-serif"/>
+              </a:rPr>
+              <a:t>: Train models for detecting e-waste condition using IoT data.</a:t>
+            </a:r>
+          </a:p>
+          <a:p>
+            <a:pPr algn="l">
+              <a:buFont typeface="Arial" panose="020B0604020202020204" pitchFamily="34" charset="0"/>
+              <a:buChar char="•"/>
+            </a:pPr>
+            <a:r>
+              <a:rPr lang="en-IN" sz="1200" b="1" i="0" dirty="0">
+                <a:solidFill>
+                  <a:schemeClr val="tx1"/>
+                </a:solidFill>
+                <a:effectLst/>
+                <a:latin typeface="ui-sans-serif"/>
+              </a:rPr>
+              <a:t>Classification Service</a:t>
+            </a:r>
+            <a:r>
+              <a:rPr lang="en-IN" sz="1200" b="0" i="0" dirty="0">
+                <a:solidFill>
+                  <a:schemeClr val="tx1"/>
+                </a:solidFill>
+                <a:effectLst/>
+                <a:latin typeface="ui-sans-serif"/>
+              </a:rPr>
+              <a:t>: Fine-tune AI models for automated waste classification.</a:t>
+            </a:r>
+          </a:p>
+          <a:p>
+            <a:pPr algn="l">
+              <a:buFont typeface="Arial" panose="020B0604020202020204" pitchFamily="34" charset="0"/>
+              <a:buChar char="•"/>
+            </a:pPr>
+            <a:r>
+              <a:rPr lang="en-IN" sz="1200" b="1" i="0" dirty="0">
+                <a:solidFill>
+                  <a:schemeClr val="tx1"/>
+                </a:solidFill>
+                <a:effectLst/>
+                <a:latin typeface="ui-sans-serif"/>
+              </a:rPr>
+              <a:t>Blockchain Integration</a:t>
+            </a:r>
+            <a:r>
+              <a:rPr lang="en-IN" sz="1200" b="0" i="0" dirty="0">
+                <a:solidFill>
+                  <a:schemeClr val="tx1"/>
+                </a:solidFill>
+                <a:effectLst/>
+                <a:latin typeface="ui-sans-serif"/>
+              </a:rPr>
+              <a:t>: Implement smart contracts to track e-waste lifecycle.</a:t>
+            </a:r>
+          </a:p>
+          <a:p>
+            <a:pPr algn="l">
+              <a:buFont typeface="Arial" panose="020B0604020202020204" pitchFamily="34" charset="0"/>
+              <a:buChar char="•"/>
+            </a:pPr>
+            <a:r>
+              <a:rPr lang="en-IN" sz="1200" b="1" i="0" dirty="0">
+                <a:solidFill>
+                  <a:schemeClr val="tx1"/>
+                </a:solidFill>
+                <a:effectLst/>
+                <a:latin typeface="ui-sans-serif"/>
+              </a:rPr>
+              <a:t>Train Models</a:t>
+            </a:r>
+            <a:r>
+              <a:rPr lang="en-IN" sz="1200" b="0" i="0" dirty="0">
+                <a:solidFill>
+                  <a:schemeClr val="tx1"/>
+                </a:solidFill>
+                <a:effectLst/>
+                <a:latin typeface="ui-sans-serif"/>
+              </a:rPr>
+              <a:t>: Use GPUs/TPUs to train models and validate using performance metrics (accuracy, F1-score).</a:t>
+            </a:r>
+          </a:p>
+          <a:p>
+            <a:pPr algn="l"/>
+            <a:r>
+              <a:rPr lang="en-IN" sz="1200" b="1" i="0" dirty="0">
+                <a:solidFill>
+                  <a:schemeClr val="tx1"/>
+                </a:solidFill>
+                <a:effectLst/>
+                <a:latin typeface="ui-sans-serif"/>
+              </a:rPr>
+              <a:t>Deployment:</a:t>
+            </a:r>
+          </a:p>
+          <a:p>
+            <a:pPr algn="l">
+              <a:buFont typeface="Arial" panose="020B0604020202020204" pitchFamily="34" charset="0"/>
+              <a:buChar char="•"/>
+            </a:pPr>
+            <a:r>
+              <a:rPr lang="en-IN" sz="1200" b="1" i="0" dirty="0">
+                <a:solidFill>
+                  <a:schemeClr val="tx1"/>
+                </a:solidFill>
+                <a:effectLst/>
+                <a:latin typeface="ui-sans-serif"/>
+              </a:rPr>
+              <a:t>Deploy Models</a:t>
+            </a:r>
+            <a:r>
+              <a:rPr lang="en-IN" sz="1200" b="0" i="0" dirty="0">
+                <a:solidFill>
+                  <a:schemeClr val="tx1"/>
+                </a:solidFill>
+                <a:effectLst/>
+                <a:latin typeface="ui-sans-serif"/>
+              </a:rPr>
+              <a:t>: Use </a:t>
+            </a:r>
+            <a:r>
+              <a:rPr lang="en-IN" sz="1200" b="1" i="0" dirty="0">
+                <a:solidFill>
+                  <a:schemeClr val="tx1"/>
+                </a:solidFill>
+                <a:effectLst/>
+                <a:latin typeface="ui-sans-serif"/>
+              </a:rPr>
+              <a:t>TensorFlow</a:t>
+            </a:r>
+            <a:r>
+              <a:rPr lang="en-IN" sz="1200" b="0" i="0" dirty="0">
+                <a:solidFill>
+                  <a:schemeClr val="tx1"/>
+                </a:solidFill>
+                <a:effectLst/>
+                <a:latin typeface="ui-sans-serif"/>
+              </a:rPr>
+              <a:t> or </a:t>
+            </a:r>
+            <a:r>
+              <a:rPr lang="en-IN" sz="1200" b="1" i="0" dirty="0" err="1">
+                <a:solidFill>
+                  <a:schemeClr val="tx1"/>
+                </a:solidFill>
+                <a:effectLst/>
+                <a:latin typeface="ui-sans-serif"/>
+              </a:rPr>
+              <a:t>PyTorch</a:t>
+            </a:r>
+            <a:r>
+              <a:rPr lang="en-IN" sz="1200" b="0" i="0" dirty="0">
+                <a:solidFill>
+                  <a:schemeClr val="tx1"/>
+                </a:solidFill>
+                <a:effectLst/>
+                <a:latin typeface="ui-sans-serif"/>
+              </a:rPr>
+              <a:t> to deploy models on cloud infrastructure (AWS, Google Cloud).</a:t>
+            </a:r>
+          </a:p>
+          <a:p>
+            <a:pPr algn="l">
+              <a:buFont typeface="Arial" panose="020B0604020202020204" pitchFamily="34" charset="0"/>
+              <a:buChar char="•"/>
+            </a:pPr>
+            <a:r>
+              <a:rPr lang="en-IN" sz="1200" b="1" i="0" dirty="0">
+                <a:solidFill>
+                  <a:schemeClr val="tx1"/>
+                </a:solidFill>
+                <a:effectLst/>
+                <a:latin typeface="ui-sans-serif"/>
+              </a:rPr>
+              <a:t>Scalability</a:t>
+            </a:r>
+            <a:r>
+              <a:rPr lang="en-IN" sz="1200" b="0" i="0" dirty="0">
+                <a:solidFill>
+                  <a:schemeClr val="tx1"/>
+                </a:solidFill>
+                <a:effectLst/>
+                <a:latin typeface="ui-sans-serif"/>
+              </a:rPr>
+              <a:t>: Ensure the system can scale using services like </a:t>
+            </a:r>
+            <a:r>
+              <a:rPr lang="en-IN" sz="1200" b="1" i="0" dirty="0">
+                <a:solidFill>
+                  <a:schemeClr val="tx1"/>
+                </a:solidFill>
+                <a:effectLst/>
+                <a:latin typeface="ui-sans-serif"/>
+              </a:rPr>
+              <a:t>AWS Lambda</a:t>
+            </a:r>
+            <a:r>
+              <a:rPr lang="en-IN" sz="1200" b="0" i="0" dirty="0">
+                <a:solidFill>
+                  <a:schemeClr val="tx1"/>
+                </a:solidFill>
+                <a:effectLst/>
+                <a:latin typeface="ui-sans-serif"/>
+              </a:rPr>
+              <a:t> or </a:t>
+            </a:r>
+            <a:r>
+              <a:rPr lang="en-IN" sz="1200" b="1" i="0" dirty="0">
+                <a:solidFill>
+                  <a:schemeClr val="tx1"/>
+                </a:solidFill>
+                <a:effectLst/>
+                <a:latin typeface="ui-sans-serif"/>
+              </a:rPr>
+              <a:t>Kubernetes</a:t>
+            </a:r>
+            <a:r>
+              <a:rPr lang="en-IN" sz="1200" b="0" i="0" dirty="0">
+                <a:solidFill>
+                  <a:schemeClr val="tx1"/>
+                </a:solidFill>
+                <a:effectLst/>
+                <a:latin typeface="ui-sans-serif"/>
+              </a:rPr>
+              <a:t>.</a:t>
+            </a:r>
+          </a:p>
+          <a:p>
+            <a:pPr algn="l"/>
+            <a:r>
+              <a:rPr lang="en-IN" sz="1200" b="1" i="0" dirty="0">
+                <a:solidFill>
+                  <a:schemeClr val="tx1"/>
+                </a:solidFill>
+                <a:effectLst/>
+                <a:latin typeface="ui-sans-serif"/>
+              </a:rPr>
+              <a:t>Continuous Improvement:</a:t>
+            </a:r>
+          </a:p>
+          <a:p>
+            <a:pPr algn="l">
+              <a:buFont typeface="Arial" panose="020B0604020202020204" pitchFamily="34" charset="0"/>
+              <a:buChar char="•"/>
+            </a:pPr>
+            <a:r>
+              <a:rPr lang="en-IN" sz="1200" b="1" i="0" dirty="0">
+                <a:solidFill>
+                  <a:schemeClr val="tx1"/>
+                </a:solidFill>
+                <a:effectLst/>
+                <a:latin typeface="ui-sans-serif"/>
+              </a:rPr>
+              <a:t>Retrain Models</a:t>
+            </a:r>
+            <a:r>
+              <a:rPr lang="en-IN" sz="1200" b="0" i="0" dirty="0">
+                <a:solidFill>
+                  <a:schemeClr val="tx1"/>
+                </a:solidFill>
+                <a:effectLst/>
+                <a:latin typeface="ui-sans-serif"/>
+              </a:rPr>
+              <a:t>: Continuously update models using feedback and new data.</a:t>
+            </a:r>
+          </a:p>
+          <a:p>
+            <a:pPr algn="l">
+              <a:buFont typeface="Arial" panose="020B0604020202020204" pitchFamily="34" charset="0"/>
+              <a:buChar char="•"/>
+            </a:pPr>
+            <a:r>
+              <a:rPr lang="en-IN" sz="1200" b="1" i="0" dirty="0">
+                <a:solidFill>
+                  <a:schemeClr val="tx1"/>
+                </a:solidFill>
+                <a:effectLst/>
+                <a:latin typeface="ui-sans-serif"/>
+              </a:rPr>
+              <a:t>Monitor Performance</a:t>
+            </a:r>
+            <a:r>
+              <a:rPr lang="en-IN" sz="1200" b="0" i="0" dirty="0">
+                <a:solidFill>
+                  <a:schemeClr val="tx1"/>
+                </a:solidFill>
+                <a:effectLst/>
+                <a:latin typeface="ui-sans-serif"/>
+              </a:rPr>
+              <a:t>: Track system performance and optimize based on usage metrics.</a:t>
+            </a:r>
+          </a:p>
+          <a:p>
+            <a:endParaRPr lang="en-IN" sz="1200" dirty="0">
+              <a:solidFill>
+                <a:schemeClr val="tx1"/>
+              </a:solidFill>
+            </a:endParaRPr>
           </a:p>
         </p:txBody>
       </p:sp>
     </p:spTree>
     <p:extLst>
       <p:ext uri="{BB962C8B-B14F-4D97-AF65-F5344CB8AC3E}">
-        <p14:creationId xmlns:p14="http://schemas.microsoft.com/office/powerpoint/2010/main" val="2288670748"/>
+        <p14:creationId xmlns:p14="http://schemas.microsoft.com/office/powerpoint/2010/main" val="1503041079"/>
       </p:ext>
     </p:extLst>
   </p:cSld>
@@ -29640,10 +33024,8 @@
           <a:lstStyle/>
           <a:p>
             <a:r>
-              <a:rPr lang="en-US" dirty="0">
-                <a:latin typeface="Calibri" panose="020F0502020204030204" pitchFamily="34" charset="0"/>
-              </a:rPr>
-              <a:t>Cost Estimate</a:t>
+              <a:rPr lang="en-US" dirty="0"/>
+              <a:t>Validation / Testing / Analysis</a:t>
             </a:r>
             <a:endParaRPr lang="en-IN" dirty="0"/>
           </a:p>
@@ -29667,17 +33049,231 @@
         </p:nvSpPr>
         <p:spPr/>
         <p:txBody>
-          <a:bodyPr/>
+          <a:bodyPr>
+            <a:normAutofit/>
+          </a:bodyPr>
           <a:lstStyle/>
           <a:p>
-            <a:endParaRPr lang="en-IN"/>
+            <a:pPr algn="l">
+              <a:buFont typeface="+mj-lt"/>
+              <a:buAutoNum type="arabicPeriod"/>
+            </a:pPr>
+            <a:r>
+              <a:rPr lang="en-GB" b="1" i="0" dirty="0">
+                <a:solidFill>
+                  <a:schemeClr val="tx1"/>
+                </a:solidFill>
+                <a:effectLst/>
+                <a:latin typeface="ui-sans-serif"/>
+              </a:rPr>
+              <a:t>Unit Testing</a:t>
+            </a:r>
+            <a:r>
+              <a:rPr lang="en-GB" b="0" i="0" dirty="0">
+                <a:solidFill>
+                  <a:schemeClr val="tx1"/>
+                </a:solidFill>
+                <a:effectLst/>
+                <a:latin typeface="ui-sans-serif"/>
+              </a:rPr>
+              <a:t>: Test individual components (IoT, AI, blockchain) for correct functionality.</a:t>
+            </a:r>
+          </a:p>
+          <a:p>
+            <a:pPr algn="l">
+              <a:buFont typeface="+mj-lt"/>
+              <a:buAutoNum type="arabicPeriod"/>
+            </a:pPr>
+            <a:r>
+              <a:rPr lang="en-GB" b="1" i="0" dirty="0">
+                <a:solidFill>
+                  <a:schemeClr val="tx1"/>
+                </a:solidFill>
+                <a:effectLst/>
+                <a:latin typeface="ui-sans-serif"/>
+              </a:rPr>
+              <a:t>Integration Testing</a:t>
+            </a:r>
+            <a:r>
+              <a:rPr lang="en-GB" b="0" i="0" dirty="0">
+                <a:solidFill>
+                  <a:schemeClr val="tx1"/>
+                </a:solidFill>
+                <a:effectLst/>
+                <a:latin typeface="ui-sans-serif"/>
+              </a:rPr>
+              <a:t>: Ensure smooth interaction between frontend, backend, and cloud systems.</a:t>
+            </a:r>
+          </a:p>
+          <a:p>
+            <a:pPr algn="l">
+              <a:buFont typeface="+mj-lt"/>
+              <a:buAutoNum type="arabicPeriod"/>
+            </a:pPr>
+            <a:r>
+              <a:rPr lang="en-GB" b="1" i="0" dirty="0">
+                <a:solidFill>
+                  <a:schemeClr val="tx1"/>
+                </a:solidFill>
+                <a:effectLst/>
+                <a:latin typeface="ui-sans-serif"/>
+              </a:rPr>
+              <a:t>Model Evaluation</a:t>
+            </a:r>
+            <a:r>
+              <a:rPr lang="en-GB" b="0" i="0" dirty="0">
+                <a:solidFill>
+                  <a:schemeClr val="tx1"/>
+                </a:solidFill>
+                <a:effectLst/>
+                <a:latin typeface="ui-sans-serif"/>
+              </a:rPr>
+              <a:t>: Measure AI model accuracy (precision, recall, F1-score) for waste classification.</a:t>
+            </a:r>
+          </a:p>
+          <a:p>
+            <a:pPr algn="l">
+              <a:buFont typeface="+mj-lt"/>
+              <a:buAutoNum type="arabicPeriod"/>
+            </a:pPr>
+            <a:r>
+              <a:rPr lang="en-GB" b="1" i="0" dirty="0">
+                <a:solidFill>
+                  <a:schemeClr val="tx1"/>
+                </a:solidFill>
+                <a:effectLst/>
+                <a:latin typeface="ui-sans-serif"/>
+              </a:rPr>
+              <a:t>End-to-End Testing</a:t>
+            </a:r>
+            <a:r>
+              <a:rPr lang="en-GB" b="0" i="0" dirty="0">
+                <a:solidFill>
+                  <a:schemeClr val="tx1"/>
+                </a:solidFill>
+                <a:effectLst/>
+                <a:latin typeface="ui-sans-serif"/>
+              </a:rPr>
+              <a:t>: Simulate the full data flow from e-waste collection to recycling.</a:t>
+            </a:r>
+          </a:p>
+          <a:p>
+            <a:pPr algn="l">
+              <a:buFont typeface="+mj-lt"/>
+              <a:buAutoNum type="arabicPeriod"/>
+            </a:pPr>
+            <a:r>
+              <a:rPr lang="en-GB" b="1" i="0" dirty="0">
+                <a:solidFill>
+                  <a:schemeClr val="tx1"/>
+                </a:solidFill>
+                <a:effectLst/>
+                <a:latin typeface="ui-sans-serif"/>
+              </a:rPr>
+              <a:t>User Testing</a:t>
+            </a:r>
+            <a:r>
+              <a:rPr lang="en-GB" b="0" i="0" dirty="0">
+                <a:solidFill>
+                  <a:schemeClr val="tx1"/>
+                </a:solidFill>
+                <a:effectLst/>
+                <a:latin typeface="ui-sans-serif"/>
+              </a:rPr>
+              <a:t>: Validate ease of use and performance with real users.</a:t>
+            </a:r>
+          </a:p>
+          <a:p>
+            <a:pPr algn="l">
+              <a:buFont typeface="+mj-lt"/>
+              <a:buAutoNum type="arabicPeriod"/>
+            </a:pPr>
+            <a:r>
+              <a:rPr lang="en-GB" b="1" i="0" dirty="0">
+                <a:solidFill>
+                  <a:schemeClr val="tx1"/>
+                </a:solidFill>
+                <a:effectLst/>
+                <a:latin typeface="ui-sans-serif"/>
+              </a:rPr>
+              <a:t>Performance Testing</a:t>
+            </a:r>
+            <a:r>
+              <a:rPr lang="en-GB" b="0" i="0" dirty="0">
+                <a:solidFill>
+                  <a:schemeClr val="tx1"/>
+                </a:solidFill>
+                <a:effectLst/>
+                <a:latin typeface="ui-sans-serif"/>
+              </a:rPr>
+              <a:t>: Stress-test system for scalability and response time under load.</a:t>
+            </a:r>
+          </a:p>
+          <a:p>
+            <a:pPr algn="l">
+              <a:buFont typeface="+mj-lt"/>
+              <a:buAutoNum type="arabicPeriod"/>
+            </a:pPr>
+            <a:r>
+              <a:rPr lang="en-GB" b="1" i="0" dirty="0">
+                <a:solidFill>
+                  <a:schemeClr val="tx1"/>
+                </a:solidFill>
+                <a:effectLst/>
+                <a:latin typeface="ui-sans-serif"/>
+              </a:rPr>
+              <a:t>Security Testing</a:t>
+            </a:r>
+            <a:r>
+              <a:rPr lang="en-GB" b="0" i="0" dirty="0">
+                <a:solidFill>
+                  <a:schemeClr val="tx1"/>
+                </a:solidFill>
+                <a:effectLst/>
+                <a:latin typeface="ui-sans-serif"/>
+              </a:rPr>
+              <a:t>: Assess data privacy, blockchain security, and overall system vulnerability.</a:t>
+            </a:r>
+          </a:p>
+          <a:p>
+            <a:pPr algn="l">
+              <a:buFont typeface="+mj-lt"/>
+              <a:buAutoNum type="arabicPeriod"/>
+            </a:pPr>
+            <a:r>
+              <a:rPr lang="en-GB" b="1" i="0" dirty="0">
+                <a:solidFill>
+                  <a:schemeClr val="tx1"/>
+                </a:solidFill>
+                <a:effectLst/>
+                <a:latin typeface="ui-sans-serif"/>
+              </a:rPr>
+              <a:t>Continuous Monitoring</a:t>
+            </a:r>
+            <a:r>
+              <a:rPr lang="en-GB" b="0" i="0" dirty="0">
+                <a:solidFill>
+                  <a:schemeClr val="tx1"/>
+                </a:solidFill>
+                <a:effectLst/>
+                <a:latin typeface="ui-sans-serif"/>
+              </a:rPr>
+              <a:t>: Monitor system performance post-deployment and improve based on feedback.</a:t>
+            </a:r>
+          </a:p>
+          <a:p>
+            <a:endParaRPr lang="en-IN" dirty="0">
+              <a:solidFill>
+                <a:schemeClr val="tx1"/>
+              </a:solidFill>
+            </a:endParaRPr>
           </a:p>
         </p:txBody>
       </p:sp>
     </p:spTree>
     <p:extLst>
       <p:ext uri="{BB962C8B-B14F-4D97-AF65-F5344CB8AC3E}">
-        <p14:creationId xmlns:p14="http://schemas.microsoft.com/office/powerpoint/2010/main" val="3120119541"/>
+        <p14:creationId xmlns:p14="http://schemas.microsoft.com/office/powerpoint/2010/main" val="2288670748"/>
       </p:ext>
     </p:extLst>
   </p:cSld>
@@ -29729,41 +33325,442 @@
               <a:rPr lang="en-US" dirty="0">
                 <a:latin typeface="Calibri" panose="020F0502020204030204" pitchFamily="34" charset="0"/>
               </a:rPr>
-              <a:t>Assumptions</a:t>
+              <a:t>Cost Estimate</a:t>
             </a:r>
             <a:endParaRPr lang="en-IN" dirty="0"/>
           </a:p>
         </p:txBody>
       </p:sp>
-      <p:sp>
-        <p:nvSpPr>
-          <p:cNvPr id="3" name="Content Placeholder 2">
+      <p:graphicFrame>
+        <p:nvGraphicFramePr>
+          <p:cNvPr id="4" name="Content Placeholder 3">
             <a:extLst>
               <a:ext uri="{FF2B5EF4-FFF2-40B4-BE49-F238E27FC236}">
-                <a16:creationId xmlns:a16="http://schemas.microsoft.com/office/drawing/2014/main" id="{E9BCFC67-F5AA-8E05-39EC-73CBF3865066}"/>
+                <a16:creationId xmlns:a16="http://schemas.microsoft.com/office/drawing/2014/main" id="{4C1EBE04-BCA4-73CC-24B2-3D90651CE3B7}"/>
               </a:ext>
             </a:extLst>
           </p:cNvPr>
-          <p:cNvSpPr>
-            <a:spLocks noGrp="1"/>
-          </p:cNvSpPr>
+          <p:cNvGraphicFramePr>
+            <a:graphicFrameLocks noGrp="1"/>
+          </p:cNvGraphicFramePr>
           <p:nvPr>
             <p:ph idx="1"/>
+            <p:extLst>
+              <p:ext uri="{D42A27DB-BD31-4B8C-83A1-F6EECF244321}">
+                <p14:modId xmlns:p14="http://schemas.microsoft.com/office/powerpoint/2010/main" val="3416442404"/>
+              </p:ext>
+            </p:extLst>
           </p:nvPr>
-        </p:nvSpPr>
-        <p:spPr/>
-        <p:txBody>
-          <a:bodyPr/>
-          <a:lstStyle/>
-          <a:p>
-            <a:endParaRPr lang="en-IN"/>
-          </a:p>
-        </p:txBody>
-      </p:sp>
+        </p:nvGraphicFramePr>
+        <p:xfrm>
+          <a:off x="1841183" y="1582737"/>
+          <a:ext cx="5547360" cy="2743200"/>
+        </p:xfrm>
+        <a:graphic>
+          <a:graphicData uri="http://schemas.openxmlformats.org/drawingml/2006/table">
+            <a:tbl>
+              <a:tblPr>
+                <a:tableStyleId>{5940675A-B579-460E-94D1-54222C63F5DA}</a:tableStyleId>
+              </a:tblPr>
+              <a:tblGrid>
+                <a:gridCol w="2773680">
+                  <a:extLst>
+                    <a:ext uri="{9D8B030D-6E8A-4147-A177-3AD203B41FA5}">
+                      <a16:colId xmlns:a16="http://schemas.microsoft.com/office/drawing/2014/main" val="950135619"/>
+                    </a:ext>
+                  </a:extLst>
+                </a:gridCol>
+                <a:gridCol w="2773680">
+                  <a:extLst>
+                    <a:ext uri="{9D8B030D-6E8A-4147-A177-3AD203B41FA5}">
+                      <a16:colId xmlns:a16="http://schemas.microsoft.com/office/drawing/2014/main" val="3448304833"/>
+                    </a:ext>
+                  </a:extLst>
+                </a:gridCol>
+              </a:tblGrid>
+              <a:tr h="0">
+                <a:tc>
+                  <a:txBody>
+                    <a:bodyPr/>
+                    <a:lstStyle/>
+                    <a:p>
+                      <a:pPr fontAlgn="b"/>
+                      <a:r>
+                        <a:rPr lang="en-IN" b="1" dirty="0">
+                          <a:effectLst/>
+                        </a:rPr>
+                        <a:t>Category</a:t>
+                      </a:r>
+                    </a:p>
+                  </a:txBody>
+                  <a:tcPr anchor="b"/>
+                </a:tc>
+                <a:tc>
+                  <a:txBody>
+                    <a:bodyPr/>
+                    <a:lstStyle/>
+                    <a:p>
+                      <a:pPr fontAlgn="b"/>
+                      <a:r>
+                        <a:rPr lang="en-IN" b="1">
+                          <a:effectLst/>
+                        </a:rPr>
+                        <a:t>Estimated Cost</a:t>
+                      </a:r>
+                    </a:p>
+                  </a:txBody>
+                  <a:tcPr anchor="b"/>
+                </a:tc>
+                <a:extLst>
+                  <a:ext uri="{0D108BD9-81ED-4DB2-BD59-A6C34878D82A}">
+                    <a16:rowId xmlns:a16="http://schemas.microsoft.com/office/drawing/2014/main" val="954606068"/>
+                  </a:ext>
+                </a:extLst>
+              </a:tr>
+              <a:tr h="0">
+                <a:tc>
+                  <a:txBody>
+                    <a:bodyPr/>
+                    <a:lstStyle/>
+                    <a:p>
+                      <a:pPr fontAlgn="base"/>
+                      <a:r>
+                        <a:rPr lang="en-IN" b="1">
+                          <a:effectLst/>
+                        </a:rPr>
+                        <a:t>Development Costs</a:t>
+                      </a:r>
+                      <a:endParaRPr lang="en-IN">
+                        <a:effectLst/>
+                      </a:endParaRPr>
+                    </a:p>
+                  </a:txBody>
+                  <a:tcPr anchor="ctr"/>
+                </a:tc>
+                <a:tc>
+                  <a:txBody>
+                    <a:bodyPr/>
+                    <a:lstStyle/>
+                    <a:p>
+                      <a:pPr fontAlgn="base"/>
+                      <a:r>
+                        <a:rPr lang="en-IN">
+                          <a:effectLst/>
+                        </a:rPr>
+                        <a:t>$50,000</a:t>
+                      </a:r>
+                    </a:p>
+                  </a:txBody>
+                  <a:tcPr anchor="ctr"/>
+                </a:tc>
+                <a:extLst>
+                  <a:ext uri="{0D108BD9-81ED-4DB2-BD59-A6C34878D82A}">
+                    <a16:rowId xmlns:a16="http://schemas.microsoft.com/office/drawing/2014/main" val="3054479862"/>
+                  </a:ext>
+                </a:extLst>
+              </a:tr>
+              <a:tr h="0">
+                <a:tc>
+                  <a:txBody>
+                    <a:bodyPr/>
+                    <a:lstStyle/>
+                    <a:p>
+                      <a:pPr fontAlgn="base"/>
+                      <a:r>
+                        <a:rPr lang="en-IN" b="1">
+                          <a:effectLst/>
+                        </a:rPr>
+                        <a:t>Cloud Infrastructure</a:t>
+                      </a:r>
+                      <a:endParaRPr lang="en-IN">
+                        <a:effectLst/>
+                      </a:endParaRPr>
+                    </a:p>
+                  </a:txBody>
+                  <a:tcPr anchor="ctr"/>
+                </a:tc>
+                <a:tc>
+                  <a:txBody>
+                    <a:bodyPr/>
+                    <a:lstStyle/>
+                    <a:p>
+                      <a:pPr fontAlgn="base"/>
+                      <a:r>
+                        <a:rPr lang="en-IN">
+                          <a:effectLst/>
+                        </a:rPr>
+                        <a:t>$20,000/year</a:t>
+                      </a:r>
+                    </a:p>
+                  </a:txBody>
+                  <a:tcPr anchor="ctr"/>
+                </a:tc>
+                <a:extLst>
+                  <a:ext uri="{0D108BD9-81ED-4DB2-BD59-A6C34878D82A}">
+                    <a16:rowId xmlns:a16="http://schemas.microsoft.com/office/drawing/2014/main" val="1646100359"/>
+                  </a:ext>
+                </a:extLst>
+              </a:tr>
+              <a:tr h="0">
+                <a:tc>
+                  <a:txBody>
+                    <a:bodyPr/>
+                    <a:lstStyle/>
+                    <a:p>
+                      <a:pPr fontAlgn="base"/>
+                      <a:r>
+                        <a:rPr lang="en-IN" b="1">
+                          <a:effectLst/>
+                        </a:rPr>
+                        <a:t>IoT Devices</a:t>
+                      </a:r>
+                      <a:endParaRPr lang="en-IN">
+                        <a:effectLst/>
+                      </a:endParaRPr>
+                    </a:p>
+                  </a:txBody>
+                  <a:tcPr anchor="ctr"/>
+                </a:tc>
+                <a:tc>
+                  <a:txBody>
+                    <a:bodyPr/>
+                    <a:lstStyle/>
+                    <a:p>
+                      <a:pPr fontAlgn="base"/>
+                      <a:r>
+                        <a:rPr lang="en-IN">
+                          <a:effectLst/>
+                        </a:rPr>
+                        <a:t>$5,000</a:t>
+                      </a:r>
+                    </a:p>
+                  </a:txBody>
+                  <a:tcPr anchor="ctr"/>
+                </a:tc>
+                <a:extLst>
+                  <a:ext uri="{0D108BD9-81ED-4DB2-BD59-A6C34878D82A}">
+                    <a16:rowId xmlns:a16="http://schemas.microsoft.com/office/drawing/2014/main" val="2380421744"/>
+                  </a:ext>
+                </a:extLst>
+              </a:tr>
+              <a:tr h="0">
+                <a:tc>
+                  <a:txBody>
+                    <a:bodyPr/>
+                    <a:lstStyle/>
+                    <a:p>
+                      <a:pPr fontAlgn="base"/>
+                      <a:r>
+                        <a:rPr lang="en-IN" b="1">
+                          <a:effectLst/>
+                        </a:rPr>
+                        <a:t>Blockchain Implementation</a:t>
+                      </a:r>
+                      <a:endParaRPr lang="en-IN">
+                        <a:effectLst/>
+                      </a:endParaRPr>
+                    </a:p>
+                  </a:txBody>
+                  <a:tcPr anchor="ctr"/>
+                </a:tc>
+                <a:tc>
+                  <a:txBody>
+                    <a:bodyPr/>
+                    <a:lstStyle/>
+                    <a:p>
+                      <a:pPr fontAlgn="base"/>
+                      <a:r>
+                        <a:rPr lang="en-IN">
+                          <a:effectLst/>
+                        </a:rPr>
+                        <a:t>$10,000</a:t>
+                      </a:r>
+                    </a:p>
+                  </a:txBody>
+                  <a:tcPr anchor="ctr"/>
+                </a:tc>
+                <a:extLst>
+                  <a:ext uri="{0D108BD9-81ED-4DB2-BD59-A6C34878D82A}">
+                    <a16:rowId xmlns:a16="http://schemas.microsoft.com/office/drawing/2014/main" val="1295463846"/>
+                  </a:ext>
+                </a:extLst>
+              </a:tr>
+              <a:tr h="0">
+                <a:tc>
+                  <a:txBody>
+                    <a:bodyPr/>
+                    <a:lstStyle/>
+                    <a:p>
+                      <a:pPr fontAlgn="base"/>
+                      <a:r>
+                        <a:rPr lang="en-IN" b="1">
+                          <a:effectLst/>
+                        </a:rPr>
+                        <a:t>AI Model Training &amp; Tuning</a:t>
+                      </a:r>
+                      <a:endParaRPr lang="en-IN">
+                        <a:effectLst/>
+                      </a:endParaRPr>
+                    </a:p>
+                  </a:txBody>
+                  <a:tcPr anchor="ctr"/>
+                </a:tc>
+                <a:tc>
+                  <a:txBody>
+                    <a:bodyPr/>
+                    <a:lstStyle/>
+                    <a:p>
+                      <a:pPr fontAlgn="base"/>
+                      <a:r>
+                        <a:rPr lang="en-IN">
+                          <a:effectLst/>
+                        </a:rPr>
+                        <a:t>$15,000</a:t>
+                      </a:r>
+                    </a:p>
+                  </a:txBody>
+                  <a:tcPr anchor="ctr"/>
+                </a:tc>
+                <a:extLst>
+                  <a:ext uri="{0D108BD9-81ED-4DB2-BD59-A6C34878D82A}">
+                    <a16:rowId xmlns:a16="http://schemas.microsoft.com/office/drawing/2014/main" val="904818162"/>
+                  </a:ext>
+                </a:extLst>
+              </a:tr>
+              <a:tr h="0">
+                <a:tc>
+                  <a:txBody>
+                    <a:bodyPr/>
+                    <a:lstStyle/>
+                    <a:p>
+                      <a:pPr fontAlgn="base"/>
+                      <a:r>
+                        <a:rPr lang="en-IN" b="1">
+                          <a:effectLst/>
+                        </a:rPr>
+                        <a:t>Testing &amp; Validation</a:t>
+                      </a:r>
+                      <a:endParaRPr lang="en-IN">
+                        <a:effectLst/>
+                      </a:endParaRPr>
+                    </a:p>
+                  </a:txBody>
+                  <a:tcPr anchor="ctr"/>
+                </a:tc>
+                <a:tc>
+                  <a:txBody>
+                    <a:bodyPr/>
+                    <a:lstStyle/>
+                    <a:p>
+                      <a:pPr fontAlgn="base"/>
+                      <a:r>
+                        <a:rPr lang="en-IN">
+                          <a:effectLst/>
+                        </a:rPr>
+                        <a:t>$8,000</a:t>
+                      </a:r>
+                    </a:p>
+                  </a:txBody>
+                  <a:tcPr anchor="ctr"/>
+                </a:tc>
+                <a:extLst>
+                  <a:ext uri="{0D108BD9-81ED-4DB2-BD59-A6C34878D82A}">
+                    <a16:rowId xmlns:a16="http://schemas.microsoft.com/office/drawing/2014/main" val="1421004416"/>
+                  </a:ext>
+                </a:extLst>
+              </a:tr>
+              <a:tr h="0">
+                <a:tc>
+                  <a:txBody>
+                    <a:bodyPr/>
+                    <a:lstStyle/>
+                    <a:p>
+                      <a:pPr fontAlgn="base"/>
+                      <a:r>
+                        <a:rPr lang="en-IN" b="1">
+                          <a:effectLst/>
+                        </a:rPr>
+                        <a:t>Maintenance &amp; Support</a:t>
+                      </a:r>
+                      <a:endParaRPr lang="en-IN">
+                        <a:effectLst/>
+                      </a:endParaRPr>
+                    </a:p>
+                  </a:txBody>
+                  <a:tcPr anchor="ctr"/>
+                </a:tc>
+                <a:tc>
+                  <a:txBody>
+                    <a:bodyPr/>
+                    <a:lstStyle/>
+                    <a:p>
+                      <a:pPr fontAlgn="base"/>
+                      <a:r>
+                        <a:rPr lang="en-IN">
+                          <a:effectLst/>
+                        </a:rPr>
+                        <a:t>$15,000/year</a:t>
+                      </a:r>
+                    </a:p>
+                  </a:txBody>
+                  <a:tcPr anchor="ctr"/>
+                </a:tc>
+                <a:extLst>
+                  <a:ext uri="{0D108BD9-81ED-4DB2-BD59-A6C34878D82A}">
+                    <a16:rowId xmlns:a16="http://schemas.microsoft.com/office/drawing/2014/main" val="686694372"/>
+                  </a:ext>
+                </a:extLst>
+              </a:tr>
+              <a:tr h="0">
+                <a:tc>
+                  <a:txBody>
+                    <a:bodyPr/>
+                    <a:lstStyle/>
+                    <a:p>
+                      <a:pPr fontAlgn="base"/>
+                      <a:r>
+                        <a:rPr lang="en-IN" b="1">
+                          <a:effectLst/>
+                        </a:rPr>
+                        <a:t>Security &amp; Compliance</a:t>
+                      </a:r>
+                      <a:endParaRPr lang="en-IN">
+                        <a:effectLst/>
+                      </a:endParaRPr>
+                    </a:p>
+                  </a:txBody>
+                  <a:tcPr anchor="ctr"/>
+                </a:tc>
+                <a:tc>
+                  <a:txBody>
+                    <a:bodyPr/>
+                    <a:lstStyle/>
+                    <a:p>
+                      <a:pPr fontAlgn="base"/>
+                      <a:r>
+                        <a:rPr lang="en-IN" dirty="0">
+                          <a:effectLst/>
+                        </a:rPr>
+                        <a:t>$5,000</a:t>
+                      </a:r>
+                    </a:p>
+                  </a:txBody>
+                  <a:tcPr anchor="ctr"/>
+                </a:tc>
+                <a:extLst>
+                  <a:ext uri="{0D108BD9-81ED-4DB2-BD59-A6C34878D82A}">
+                    <a16:rowId xmlns:a16="http://schemas.microsoft.com/office/drawing/2014/main" val="2795842612"/>
+                  </a:ext>
+                </a:extLst>
+              </a:tr>
+            </a:tbl>
+          </a:graphicData>
+        </a:graphic>
+      </p:graphicFrame>
     </p:spTree>
     <p:extLst>
       <p:ext uri="{BB962C8B-B14F-4D97-AF65-F5344CB8AC3E}">
-        <p14:creationId xmlns:p14="http://schemas.microsoft.com/office/powerpoint/2010/main" val="4115636624"/>
+        <p14:creationId xmlns:p14="http://schemas.microsoft.com/office/powerpoint/2010/main" val="3120119541"/>
       </p:ext>
     </p:extLst>
   </p:cSld>

--- a/E-Waste_Tracking_and_management/PPT/PID_0000_TG08003219_PresentationRound.pptx
+++ b/E-Waste_Tracking_and_management/PPT/PID_0000_TG08003219_PresentationRound.pptx
@@ -1,26 +1,28 @@
 
 <file path=ppt/presentation.xml><?xml version="1.0" encoding="utf-8"?>
-<p:presentation xmlns:a="http://schemas.openxmlformats.org/drawingml/2006/main" xmlns:r="http://schemas.openxmlformats.org/officeDocument/2006/relationships" xmlns:p="http://schemas.openxmlformats.org/presentationml/2006/main" saveSubsetFonts="1">
+<p:presentation xmlns:a="http://schemas.openxmlformats.org/drawingml/2006/main" xmlns:r="http://schemas.openxmlformats.org/officeDocument/2006/relationships" xmlns:p="http://schemas.openxmlformats.org/presentationml/2006/main" showSpecialPlsOnTitleSld="0" saveSubsetFonts="1">
   <p:sldMasterIdLst>
     <p:sldMasterId id="2147483652" r:id="rId1"/>
   </p:sldMasterIdLst>
   <p:notesMasterIdLst>
-    <p:notesMasterId r:id="rId15"/>
+    <p:notesMasterId r:id="rId17"/>
   </p:notesMasterIdLst>
   <p:sldIdLst>
     <p:sldId id="735" r:id="rId2"/>
     <p:sldId id="736" r:id="rId3"/>
     <p:sldId id="737" r:id="rId4"/>
-    <p:sldId id="738" r:id="rId5"/>
-    <p:sldId id="747" r:id="rId6"/>
+    <p:sldId id="750" r:id="rId5"/>
+    <p:sldId id="738" r:id="rId6"/>
     <p:sldId id="739" r:id="rId7"/>
-    <p:sldId id="741" r:id="rId8"/>
-    <p:sldId id="742" r:id="rId9"/>
-    <p:sldId id="743" r:id="rId10"/>
-    <p:sldId id="744" r:id="rId11"/>
-    <p:sldId id="745" r:id="rId12"/>
-    <p:sldId id="740" r:id="rId13"/>
-    <p:sldId id="746" r:id="rId14"/>
+    <p:sldId id="747" r:id="rId8"/>
+    <p:sldId id="751" r:id="rId9"/>
+    <p:sldId id="741" r:id="rId10"/>
+    <p:sldId id="742" r:id="rId11"/>
+    <p:sldId id="743" r:id="rId12"/>
+    <p:sldId id="744" r:id="rId13"/>
+    <p:sldId id="749" r:id="rId14"/>
+    <p:sldId id="745" r:id="rId15"/>
+    <p:sldId id="740" r:id="rId16"/>
   </p:sldIdLst>
   <p:sldSz cx="9144000" cy="5143500" type="screen16x9"/>
   <p:notesSz cx="6858000" cy="9144000"/>
@@ -220,7 +222,7 @@
           <a:p>
             <a:fld id="{D9EDC9C4-A5A9-47A1-92BC-326DCF573043}" type="datetimeFigureOut">
               <a:rPr lang="en-US" smtClean="0"/>
-              <a:t>12/1/2024</a:t>
+              <a:t>12/2/2024</a:t>
             </a:fld>
             <a:endParaRPr lang="en-US"/>
           </a:p>
@@ -27717,6 +27719,7 @@
     <p:sldLayoutId id="2147483679" r:id="rId27"/>
     <p:sldLayoutId id="2147483681" r:id="rId28"/>
   </p:sldLayoutIdLst>
+  <p:hf hdr="0"/>
   <p:txStyles>
     <p:titleStyle>
       <a:lvl1pPr algn="l" defTabSz="685783" rtl="0" eaLnBrk="1" latinLnBrk="0" hangingPunct="1">
@@ -28112,7 +28115,6 @@
                   <a:srgbClr val="222222"/>
                 </a:solidFill>
                 <a:effectLst/>
-                <a:latin typeface="Open Sans" panose="020B0606030504020204" pitchFamily="34" charset="0"/>
               </a:rPr>
               <a:t>E-Waste Tracking and Management</a:t>
             </a:r>
@@ -28849,10 +28851,8 @@
           <a:lstStyle/>
           <a:p>
             <a:r>
-              <a:rPr lang="en-US" dirty="0">
-                <a:latin typeface="Calibri" panose="020F0502020204030204" pitchFamily="34" charset="0"/>
-              </a:rPr>
-              <a:t>Assumptions</a:t>
+              <a:rPr lang="en-US" dirty="0"/>
+              <a:t>Validation / Testing / Analysis</a:t>
             </a:r>
             <a:endParaRPr lang="en-IN" dirty="0"/>
           </a:p>
@@ -28877,26 +28877,37 @@
         <p:spPr/>
         <p:txBody>
           <a:bodyPr>
-            <a:normAutofit fontScale="62500" lnSpcReduction="20000"/>
+            <a:normAutofit/>
           </a:bodyPr>
           <a:lstStyle/>
           <a:p>
-            <a:pPr algn="l"/>
-            <a:r>
-              <a:rPr lang="en-GB" sz="2200" b="1" i="0" dirty="0">
+            <a:pPr marL="400050" indent="-400050" algn="l">
+              <a:buFont typeface="+mj-lt"/>
+              <a:buAutoNum type="romanLcPeriod"/>
+            </a:pPr>
+            <a:r>
+              <a:rPr lang="en-GB" b="1" i="0" dirty="0">
                 <a:solidFill>
                   <a:schemeClr val="tx1"/>
                 </a:solidFill>
                 <a:effectLst/>
-                <a:latin typeface="ui-sans-serif"/>
               </a:rPr>
-              <a:t>Assumptions for the E-Waste Tracking and Management System:</a:t>
-            </a:r>
-          </a:p>
-          <a:p>
-            <a:pPr algn="l">
+              <a:t>Unit Testing</a:t>
+            </a:r>
+            <a:r>
+              <a:rPr lang="en-GB" b="0" i="0" dirty="0">
+                <a:solidFill>
+                  <a:schemeClr val="tx1"/>
+                </a:solidFill>
+                <a:effectLst/>
+              </a:rPr>
+              <a:t>: Test individual components (AI, blockchain) for correct functionality.</a:t>
+            </a:r>
+          </a:p>
+          <a:p>
+            <a:pPr marL="400050" indent="-400050" algn="l">
               <a:buFont typeface="+mj-lt"/>
-              <a:buAutoNum type="arabicPeriod"/>
+              <a:buAutoNum type="romanLcPeriod"/>
             </a:pPr>
             <a:r>
               <a:rPr lang="en-GB" b="1" i="0" dirty="0">
@@ -28904,9 +28915,8 @@
                   <a:schemeClr val="tx1"/>
                 </a:solidFill>
                 <a:effectLst/>
-                <a:latin typeface="ui-sans-serif"/>
               </a:rPr>
-              <a:t>Availability of Data</a:t>
+              <a:t>Integration Testing</a:t>
             </a:r>
             <a:r>
               <a:rPr lang="en-GB" b="0" i="0" dirty="0">
@@ -28914,15 +28924,14 @@
                   <a:schemeClr val="tx1"/>
                 </a:solidFill>
                 <a:effectLst/>
-                <a:latin typeface="ui-sans-serif"/>
               </a:rPr>
-              <a:t>: Assumes access to accurate, real-time data from IoT sensors and vendors for monitoring and tracking e-waste.</a:t>
-            </a:r>
-          </a:p>
-          <a:p>
-            <a:pPr algn="l">
+              <a:t>: Ensure smooth interaction between frontend, backend, and cloud systems.</a:t>
+            </a:r>
+          </a:p>
+          <a:p>
+            <a:pPr marL="400050" indent="-400050" algn="l">
               <a:buFont typeface="+mj-lt"/>
-              <a:buAutoNum type="arabicPeriod"/>
+              <a:buAutoNum type="romanLcPeriod"/>
             </a:pPr>
             <a:r>
               <a:rPr lang="en-GB" b="1" i="0" dirty="0">
@@ -28930,9 +28939,8 @@
                   <a:schemeClr val="tx1"/>
                 </a:solidFill>
                 <a:effectLst/>
-                <a:latin typeface="ui-sans-serif"/>
               </a:rPr>
-              <a:t>User Participation</a:t>
+              <a:t>Model Evaluation</a:t>
             </a:r>
             <a:r>
               <a:rPr lang="en-GB" b="0" i="0" dirty="0">
@@ -28940,15 +28948,14 @@
                   <a:schemeClr val="tx1"/>
                 </a:solidFill>
                 <a:effectLst/>
-                <a:latin typeface="ui-sans-serif"/>
               </a:rPr>
-              <a:t>: Assumes active user participation in the system for waste reporting, scheduling pickups, and engaging in recycling efforts.</a:t>
-            </a:r>
-          </a:p>
-          <a:p>
-            <a:pPr algn="l">
+              <a:t>: Measure AI model accuracy (precision, recall, F1-score) for waste classification.</a:t>
+            </a:r>
+          </a:p>
+          <a:p>
+            <a:pPr marL="400050" indent="-400050" algn="l">
               <a:buFont typeface="+mj-lt"/>
-              <a:buAutoNum type="arabicPeriod"/>
+              <a:buAutoNum type="romanLcPeriod"/>
             </a:pPr>
             <a:r>
               <a:rPr lang="en-GB" b="1" i="0" dirty="0">
@@ -28956,9 +28963,8 @@
                   <a:schemeClr val="tx1"/>
                 </a:solidFill>
                 <a:effectLst/>
-                <a:latin typeface="ui-sans-serif"/>
               </a:rPr>
-              <a:t>Recycling Vendor Cooperation</a:t>
+              <a:t>End-to-End Testing</a:t>
             </a:r>
             <a:r>
               <a:rPr lang="en-GB" b="0" i="0" dirty="0">
@@ -28966,15 +28972,14 @@
                   <a:schemeClr val="tx1"/>
                 </a:solidFill>
                 <a:effectLst/>
-                <a:latin typeface="ui-sans-serif"/>
               </a:rPr>
-              <a:t>: Assumes collaboration with certified recycling vendors who will provide real-time updates on recycling progress and material purity.</a:t>
-            </a:r>
-          </a:p>
-          <a:p>
-            <a:pPr algn="l">
+              <a:t>: Simulate the full data flow from e-waste collection to recycling.</a:t>
+            </a:r>
+          </a:p>
+          <a:p>
+            <a:pPr marL="400050" indent="-400050" algn="l">
               <a:buFont typeface="+mj-lt"/>
-              <a:buAutoNum type="arabicPeriod"/>
+              <a:buAutoNum type="romanLcPeriod"/>
             </a:pPr>
             <a:r>
               <a:rPr lang="en-GB" b="1" i="0" dirty="0">
@@ -28982,9 +28987,8 @@
                   <a:schemeClr val="tx1"/>
                 </a:solidFill>
                 <a:effectLst/>
-                <a:latin typeface="ui-sans-serif"/>
               </a:rPr>
-              <a:t>Technology Integration</a:t>
+              <a:t>User Testing</a:t>
             </a:r>
             <a:r>
               <a:rPr lang="en-GB" b="0" i="0" dirty="0">
@@ -28992,15 +28996,14 @@
                   <a:schemeClr val="tx1"/>
                 </a:solidFill>
                 <a:effectLst/>
-                <a:latin typeface="ui-sans-serif"/>
               </a:rPr>
-              <a:t>: Assumes that IoT devices, AI models, and blockchain can be effectively integrated and function seamlessly within the system.</a:t>
-            </a:r>
-          </a:p>
-          <a:p>
-            <a:pPr algn="l">
+              <a:t>: Validate ease of use and performance with real users.</a:t>
+            </a:r>
+          </a:p>
+          <a:p>
+            <a:pPr marL="400050" indent="-400050" algn="l">
               <a:buFont typeface="+mj-lt"/>
-              <a:buAutoNum type="arabicPeriod"/>
+              <a:buAutoNum type="romanLcPeriod"/>
             </a:pPr>
             <a:r>
               <a:rPr lang="en-GB" b="1" i="0" dirty="0">
@@ -29008,9 +29011,8 @@
                   <a:schemeClr val="tx1"/>
                 </a:solidFill>
                 <a:effectLst/>
-                <a:latin typeface="ui-sans-serif"/>
               </a:rPr>
-              <a:t>Cloud Infrastructure Stability</a:t>
+              <a:t>Performance Testing</a:t>
             </a:r>
             <a:r>
               <a:rPr lang="en-GB" b="0" i="0" dirty="0">
@@ -29018,15 +29020,14 @@
                   <a:schemeClr val="tx1"/>
                 </a:solidFill>
                 <a:effectLst/>
-                <a:latin typeface="ui-sans-serif"/>
               </a:rPr>
-              <a:t>: Assumes the cloud infrastructure (AWS, Google Cloud) will handle the scalability and reliability needs of the system.</a:t>
-            </a:r>
-          </a:p>
-          <a:p>
-            <a:pPr algn="l">
+              <a:t>: Stress-test system for scalability and response time under load.</a:t>
+            </a:r>
+          </a:p>
+          <a:p>
+            <a:pPr marL="400050" indent="-400050" algn="l">
               <a:buFont typeface="+mj-lt"/>
-              <a:buAutoNum type="arabicPeriod"/>
+              <a:buAutoNum type="romanLcPeriod"/>
             </a:pPr>
             <a:r>
               <a:rPr lang="en-GB" b="1" i="0" dirty="0">
@@ -29034,9 +29035,8 @@
                   <a:schemeClr val="tx1"/>
                 </a:solidFill>
                 <a:effectLst/>
-                <a:latin typeface="ui-sans-serif"/>
               </a:rPr>
-              <a:t>Regulatory Compliance</a:t>
+              <a:t>Security Testing</a:t>
             </a:r>
             <a:r>
               <a:rPr lang="en-GB" b="0" i="0" dirty="0">
@@ -29044,15 +29044,14 @@
                   <a:schemeClr val="tx1"/>
                 </a:solidFill>
                 <a:effectLst/>
-                <a:latin typeface="ui-sans-serif"/>
               </a:rPr>
-              <a:t>: Assumes the system will meet all necessary environmental and data privacy regulations.</a:t>
-            </a:r>
-          </a:p>
-          <a:p>
-            <a:pPr algn="l">
+              <a:t>: Assess data privacy, blockchain security, and overall system vulnerability.</a:t>
+            </a:r>
+          </a:p>
+          <a:p>
+            <a:pPr marL="400050" indent="-400050" algn="l">
               <a:buFont typeface="+mj-lt"/>
-              <a:buAutoNum type="arabicPeriod"/>
+              <a:buAutoNum type="romanLcPeriod"/>
             </a:pPr>
             <a:r>
               <a:rPr lang="en-GB" b="1" i="0" dirty="0">
@@ -29060,9 +29059,8 @@
                   <a:schemeClr val="tx1"/>
                 </a:solidFill>
                 <a:effectLst/>
-                <a:latin typeface="ui-sans-serif"/>
               </a:rPr>
-              <a:t>Data Security</a:t>
+              <a:t>Continuous Monitoring</a:t>
             </a:r>
             <a:r>
               <a:rPr lang="en-GB" b="0" i="0" dirty="0">
@@ -29070,129 +29068,15 @@
                   <a:schemeClr val="tx1"/>
                 </a:solidFill>
                 <a:effectLst/>
-                <a:latin typeface="ui-sans-serif"/>
               </a:rPr>
-              <a:t>: Assumes that the implemented security measures (e.g., encryption, authentication) will be sufficient to protect user and system data.</a:t>
-            </a:r>
-          </a:p>
-          <a:p>
-            <a:pPr algn="l"/>
-            <a:r>
-              <a:rPr lang="en-GB" sz="2200" b="1" i="0" dirty="0">
-                <a:solidFill>
-                  <a:schemeClr val="tx1"/>
-                </a:solidFill>
-                <a:effectLst/>
-                <a:latin typeface="ui-sans-serif"/>
-              </a:rPr>
-              <a:t>Predicted Outcome:</a:t>
-            </a:r>
-          </a:p>
-          <a:p>
-            <a:pPr algn="l">
+              <a:t>: Monitor system performance post-deployment and improve based on feedback.</a:t>
+            </a:r>
+          </a:p>
+          <a:p>
+            <a:pPr marL="400050" indent="-400050">
               <a:buFont typeface="+mj-lt"/>
-              <a:buAutoNum type="arabicPeriod"/>
+              <a:buAutoNum type="romanLcPeriod"/>
             </a:pPr>
-            <a:r>
-              <a:rPr lang="en-GB" b="1" i="0" dirty="0">
-                <a:solidFill>
-                  <a:schemeClr val="tx1"/>
-                </a:solidFill>
-                <a:effectLst/>
-                <a:latin typeface="ui-sans-serif"/>
-              </a:rPr>
-              <a:t>Increased E-Waste Recycling</a:t>
-            </a:r>
-            <a:r>
-              <a:rPr lang="en-GB" b="0" i="0" dirty="0">
-                <a:solidFill>
-                  <a:schemeClr val="tx1"/>
-                </a:solidFill>
-                <a:effectLst/>
-                <a:latin typeface="ui-sans-serif"/>
-              </a:rPr>
-              <a:t>: The system is expected to significantly increase the percentage of e-waste being properly recycled.</a:t>
-            </a:r>
-          </a:p>
-          <a:p>
-            <a:pPr algn="l">
-              <a:buFont typeface="+mj-lt"/>
-              <a:buAutoNum type="arabicPeriod"/>
-            </a:pPr>
-            <a:r>
-              <a:rPr lang="en-GB" b="1" i="0" dirty="0">
-                <a:solidFill>
-                  <a:schemeClr val="tx1"/>
-                </a:solidFill>
-                <a:effectLst/>
-                <a:latin typeface="ui-sans-serif"/>
-              </a:rPr>
-              <a:t>Efficiency in Collection and Segregation</a:t>
-            </a:r>
-            <a:r>
-              <a:rPr lang="en-GB" b="0" i="0" dirty="0">
-                <a:solidFill>
-                  <a:schemeClr val="tx1"/>
-                </a:solidFill>
-                <a:effectLst/>
-                <a:latin typeface="ui-sans-serif"/>
-              </a:rPr>
-              <a:t>: With AI and real-time monitoring, the system will optimize waste collection routes and ensure better segregation at source.</a:t>
-            </a:r>
-          </a:p>
-          <a:p>
-            <a:pPr algn="l">
-              <a:buFont typeface="+mj-lt"/>
-              <a:buAutoNum type="arabicPeriod"/>
-            </a:pPr>
-            <a:r>
-              <a:rPr lang="en-GB" b="1" i="0" dirty="0">
-                <a:solidFill>
-                  <a:schemeClr val="tx1"/>
-                </a:solidFill>
-                <a:effectLst/>
-                <a:latin typeface="ui-sans-serif"/>
-              </a:rPr>
-              <a:t>Enhanced User Engagement</a:t>
-            </a:r>
-            <a:r>
-              <a:rPr lang="en-GB" b="0" i="0" dirty="0">
-                <a:solidFill>
-                  <a:schemeClr val="tx1"/>
-                </a:solidFill>
-                <a:effectLst/>
-                <a:latin typeface="ui-sans-serif"/>
-              </a:rPr>
-              <a:t>: The mobile/web interface and community forums will lead to higher user engagement and awareness about responsible e-waste management.</a:t>
-            </a:r>
-          </a:p>
-          <a:p>
-            <a:pPr algn="l">
-              <a:buFont typeface="+mj-lt"/>
-              <a:buAutoNum type="arabicPeriod"/>
-            </a:pPr>
-            <a:r>
-              <a:rPr lang="en-GB" b="1" i="0" dirty="0">
-                <a:solidFill>
-                  <a:schemeClr val="tx1"/>
-                </a:solidFill>
-                <a:effectLst/>
-                <a:latin typeface="ui-sans-serif"/>
-              </a:rPr>
-              <a:t>Sustainable Circular Economy</a:t>
-            </a:r>
-            <a:r>
-              <a:rPr lang="en-GB" b="0" i="0" dirty="0">
-                <a:solidFill>
-                  <a:schemeClr val="tx1"/>
-                </a:solidFill>
-                <a:effectLst/>
-                <a:latin typeface="ui-sans-serif"/>
-              </a:rPr>
-              <a:t>: Through reverse supply chain tracking, the system will promote a circular economy, enabling the reuse of recycled materials in production processes.</a:t>
-            </a:r>
-          </a:p>
-          <a:p>
             <a:endParaRPr lang="en-IN" dirty="0">
               <a:solidFill>
                 <a:schemeClr val="tx1"/>
@@ -29204,7 +29088,7 @@
     </p:spTree>
     <p:extLst>
       <p:ext uri="{BB962C8B-B14F-4D97-AF65-F5344CB8AC3E}">
-        <p14:creationId xmlns:p14="http://schemas.microsoft.com/office/powerpoint/2010/main" val="4115636624"/>
+        <p14:creationId xmlns:p14="http://schemas.microsoft.com/office/powerpoint/2010/main" val="2288670748"/>
       </p:ext>
     </p:extLst>
   </p:cSld>
@@ -29253,6 +29137,1416 @@
           <a:lstStyle/>
           <a:p>
             <a:r>
+              <a:rPr lang="en-US" dirty="0">
+                <a:latin typeface="Calibri" panose="020F0502020204030204" pitchFamily="34" charset="0"/>
+              </a:rPr>
+              <a:t>Cost Estimate</a:t>
+            </a:r>
+            <a:endParaRPr lang="en-IN" dirty="0"/>
+          </a:p>
+        </p:txBody>
+      </p:sp>
+      <p:graphicFrame>
+        <p:nvGraphicFramePr>
+          <p:cNvPr id="6" name="Content Placeholder 5">
+            <a:extLst>
+              <a:ext uri="{FF2B5EF4-FFF2-40B4-BE49-F238E27FC236}">
+                <a16:creationId xmlns:a16="http://schemas.microsoft.com/office/drawing/2014/main" id="{138DDF1B-FC5D-4282-1861-C28C932F4F15}"/>
+              </a:ext>
+            </a:extLst>
+          </p:cNvPr>
+          <p:cNvGraphicFramePr>
+            <a:graphicFrameLocks noGrp="1"/>
+          </p:cNvGraphicFramePr>
+          <p:nvPr>
+            <p:ph idx="1"/>
+            <p:extLst>
+              <p:ext uri="{D42A27DB-BD31-4B8C-83A1-F6EECF244321}">
+                <p14:modId xmlns:p14="http://schemas.microsoft.com/office/powerpoint/2010/main" val="698403112"/>
+              </p:ext>
+            </p:extLst>
+          </p:nvPr>
+        </p:nvGraphicFramePr>
+        <p:xfrm>
+          <a:off x="419100" y="1011439"/>
+          <a:ext cx="8275320" cy="3885981"/>
+        </p:xfrm>
+        <a:graphic>
+          <a:graphicData uri="http://schemas.openxmlformats.org/drawingml/2006/table">
+            <a:tbl>
+              <a:tblPr>
+                <a:tableStyleId>{5940675A-B579-460E-94D1-54222C63F5DA}</a:tableStyleId>
+              </a:tblPr>
+              <a:tblGrid>
+                <a:gridCol w="2758440">
+                  <a:extLst>
+                    <a:ext uri="{9D8B030D-6E8A-4147-A177-3AD203B41FA5}">
+                      <a16:colId xmlns:a16="http://schemas.microsoft.com/office/drawing/2014/main" val="1419939408"/>
+                    </a:ext>
+                  </a:extLst>
+                </a:gridCol>
+                <a:gridCol w="2758440">
+                  <a:extLst>
+                    <a:ext uri="{9D8B030D-6E8A-4147-A177-3AD203B41FA5}">
+                      <a16:colId xmlns:a16="http://schemas.microsoft.com/office/drawing/2014/main" val="2220036162"/>
+                    </a:ext>
+                  </a:extLst>
+                </a:gridCol>
+                <a:gridCol w="2758440">
+                  <a:extLst>
+                    <a:ext uri="{9D8B030D-6E8A-4147-A177-3AD203B41FA5}">
+                      <a16:colId xmlns:a16="http://schemas.microsoft.com/office/drawing/2014/main" val="1502683955"/>
+                    </a:ext>
+                  </a:extLst>
+                </a:gridCol>
+              </a:tblGrid>
+              <a:tr h="258918">
+                <a:tc>
+                  <a:txBody>
+                    <a:bodyPr/>
+                    <a:lstStyle/>
+                    <a:p>
+                      <a:pPr fontAlgn="b"/>
+                      <a:r>
+                        <a:rPr lang="en-IN" sz="1400" b="1">
+                          <a:effectLst/>
+                          <a:latin typeface="+mn-lt"/>
+                        </a:rPr>
+                        <a:t>Item</a:t>
+                      </a:r>
+                    </a:p>
+                  </a:txBody>
+                  <a:tcPr marL="70064" marR="70064" marT="35032" marB="35032" anchor="b"/>
+                </a:tc>
+                <a:tc>
+                  <a:txBody>
+                    <a:bodyPr/>
+                    <a:lstStyle/>
+                    <a:p>
+                      <a:pPr fontAlgn="b"/>
+                      <a:r>
+                        <a:rPr lang="en-IN" sz="1400" b="1">
+                          <a:effectLst/>
+                          <a:latin typeface="+mn-lt"/>
+                        </a:rPr>
+                        <a:t>Tool/Service</a:t>
+                      </a:r>
+                    </a:p>
+                  </a:txBody>
+                  <a:tcPr marL="70064" marR="70064" marT="35032" marB="35032" anchor="b"/>
+                </a:tc>
+                <a:tc>
+                  <a:txBody>
+                    <a:bodyPr/>
+                    <a:lstStyle/>
+                    <a:p>
+                      <a:pPr fontAlgn="b"/>
+                      <a:r>
+                        <a:rPr lang="en-IN" sz="1400" b="1">
+                          <a:effectLst/>
+                          <a:latin typeface="+mn-lt"/>
+                        </a:rPr>
+                        <a:t>Estimated Cost (₹)</a:t>
+                      </a:r>
+                    </a:p>
+                  </a:txBody>
+                  <a:tcPr marL="70064" marR="70064" marT="35032" marB="35032" anchor="b"/>
+                </a:tc>
+                <a:extLst>
+                  <a:ext uri="{0D108BD9-81ED-4DB2-BD59-A6C34878D82A}">
+                    <a16:rowId xmlns:a16="http://schemas.microsoft.com/office/drawing/2014/main" val="2199842952"/>
+                  </a:ext>
+                </a:extLst>
+              </a:tr>
+              <a:tr h="362703">
+                <a:tc>
+                  <a:txBody>
+                    <a:bodyPr/>
+                    <a:lstStyle/>
+                    <a:p>
+                      <a:pPr fontAlgn="base"/>
+                      <a:r>
+                        <a:rPr lang="en-IN" sz="1400" b="1">
+                          <a:effectLst/>
+                          <a:latin typeface="+mn-lt"/>
+                        </a:rPr>
+                        <a:t>Frontend Development</a:t>
+                      </a:r>
+                      <a:endParaRPr lang="en-IN" sz="1400">
+                        <a:effectLst/>
+                        <a:latin typeface="+mn-lt"/>
+                      </a:endParaRPr>
+                    </a:p>
+                  </a:txBody>
+                  <a:tcPr marL="70064" marR="70064" marT="35032" marB="35032" anchor="ctr"/>
+                </a:tc>
+                <a:tc>
+                  <a:txBody>
+                    <a:bodyPr/>
+                    <a:lstStyle/>
+                    <a:p>
+                      <a:pPr fontAlgn="base"/>
+                      <a:r>
+                        <a:rPr lang="en-GB" sz="1400">
+                          <a:effectLst/>
+                          <a:latin typeface="+mn-lt"/>
+                        </a:rPr>
+                        <a:t>Free tools like </a:t>
+                      </a:r>
+                      <a:r>
+                        <a:rPr lang="en-GB" sz="1400" b="1">
+                          <a:effectLst/>
+                          <a:latin typeface="+mn-lt"/>
+                        </a:rPr>
+                        <a:t>React.js</a:t>
+                      </a:r>
+                      <a:endParaRPr lang="en-GB" sz="1400">
+                        <a:effectLst/>
+                        <a:latin typeface="+mn-lt"/>
+                      </a:endParaRPr>
+                    </a:p>
+                  </a:txBody>
+                  <a:tcPr marL="70064" marR="70064" marT="35032" marB="35032" anchor="ctr"/>
+                </a:tc>
+                <a:tc>
+                  <a:txBody>
+                    <a:bodyPr/>
+                    <a:lstStyle/>
+                    <a:p>
+                      <a:pPr fontAlgn="base"/>
+                      <a:r>
+                        <a:rPr lang="en-IN" sz="1400">
+                          <a:effectLst/>
+                          <a:latin typeface="+mn-lt"/>
+                        </a:rPr>
+                        <a:t>0</a:t>
+                      </a:r>
+                    </a:p>
+                  </a:txBody>
+                  <a:tcPr marL="70064" marR="70064" marT="35032" marB="35032" anchor="ctr"/>
+                </a:tc>
+                <a:extLst>
+                  <a:ext uri="{0D108BD9-81ED-4DB2-BD59-A6C34878D82A}">
+                    <a16:rowId xmlns:a16="http://schemas.microsoft.com/office/drawing/2014/main" val="3828407616"/>
+                  </a:ext>
+                </a:extLst>
+              </a:tr>
+              <a:tr h="362703">
+                <a:tc>
+                  <a:txBody>
+                    <a:bodyPr/>
+                    <a:lstStyle/>
+                    <a:p>
+                      <a:pPr fontAlgn="base"/>
+                      <a:r>
+                        <a:rPr lang="en-IN" sz="1400" b="1">
+                          <a:effectLst/>
+                          <a:latin typeface="+mn-lt"/>
+                        </a:rPr>
+                        <a:t>Backend Development</a:t>
+                      </a:r>
+                      <a:endParaRPr lang="en-IN" sz="1400">
+                        <a:effectLst/>
+                        <a:latin typeface="+mn-lt"/>
+                      </a:endParaRPr>
+                    </a:p>
+                  </a:txBody>
+                  <a:tcPr marL="70064" marR="70064" marT="35032" marB="35032" anchor="ctr"/>
+                </a:tc>
+                <a:tc>
+                  <a:txBody>
+                    <a:bodyPr/>
+                    <a:lstStyle/>
+                    <a:p>
+                      <a:pPr fontAlgn="base"/>
+                      <a:r>
+                        <a:rPr lang="en-GB" sz="1400">
+                          <a:effectLst/>
+                          <a:latin typeface="+mn-lt"/>
+                        </a:rPr>
+                        <a:t>Free tools like </a:t>
+                      </a:r>
+                      <a:r>
+                        <a:rPr lang="en-GB" sz="1400" b="1">
+                          <a:effectLst/>
+                          <a:latin typeface="+mn-lt"/>
+                        </a:rPr>
+                        <a:t>Node.js/Django</a:t>
+                      </a:r>
+                      <a:endParaRPr lang="en-GB" sz="1400">
+                        <a:effectLst/>
+                        <a:latin typeface="+mn-lt"/>
+                      </a:endParaRPr>
+                    </a:p>
+                  </a:txBody>
+                  <a:tcPr marL="70064" marR="70064" marT="35032" marB="35032" anchor="ctr"/>
+                </a:tc>
+                <a:tc>
+                  <a:txBody>
+                    <a:bodyPr/>
+                    <a:lstStyle/>
+                    <a:p>
+                      <a:pPr fontAlgn="base"/>
+                      <a:r>
+                        <a:rPr lang="en-IN" sz="1400">
+                          <a:effectLst/>
+                          <a:latin typeface="+mn-lt"/>
+                        </a:rPr>
+                        <a:t>0</a:t>
+                      </a:r>
+                    </a:p>
+                  </a:txBody>
+                  <a:tcPr marL="70064" marR="70064" marT="35032" marB="35032" anchor="ctr"/>
+                </a:tc>
+                <a:extLst>
+                  <a:ext uri="{0D108BD9-81ED-4DB2-BD59-A6C34878D82A}">
+                    <a16:rowId xmlns:a16="http://schemas.microsoft.com/office/drawing/2014/main" val="1763049831"/>
+                  </a:ext>
+                </a:extLst>
+              </a:tr>
+              <a:tr h="362703">
+                <a:tc>
+                  <a:txBody>
+                    <a:bodyPr/>
+                    <a:lstStyle/>
+                    <a:p>
+                      <a:pPr fontAlgn="base"/>
+                      <a:r>
+                        <a:rPr lang="en-IN" sz="1400" b="1" dirty="0">
+                          <a:effectLst/>
+                          <a:latin typeface="+mn-lt"/>
+                        </a:rPr>
+                        <a:t>Cloud Hosting</a:t>
+                      </a:r>
+                      <a:endParaRPr lang="en-IN" sz="1400" dirty="0">
+                        <a:effectLst/>
+                        <a:latin typeface="+mn-lt"/>
+                      </a:endParaRPr>
+                    </a:p>
+                  </a:txBody>
+                  <a:tcPr marL="70064" marR="70064" marT="35032" marB="35032" anchor="ctr"/>
+                </a:tc>
+                <a:tc>
+                  <a:txBody>
+                    <a:bodyPr/>
+                    <a:lstStyle/>
+                    <a:p>
+                      <a:pPr fontAlgn="base"/>
+                      <a:r>
+                        <a:rPr lang="en-GB" sz="1400">
+                          <a:effectLst/>
+                          <a:latin typeface="+mn-lt"/>
+                        </a:rPr>
+                        <a:t>Free tiers: </a:t>
+                      </a:r>
+                      <a:r>
+                        <a:rPr lang="en-GB" sz="1400" b="1">
+                          <a:effectLst/>
+                          <a:latin typeface="+mn-lt"/>
+                        </a:rPr>
+                        <a:t>Heroku, AWS, Vercel</a:t>
+                      </a:r>
+                      <a:endParaRPr lang="en-GB" sz="1400">
+                        <a:effectLst/>
+                        <a:latin typeface="+mn-lt"/>
+                      </a:endParaRPr>
+                    </a:p>
+                  </a:txBody>
+                  <a:tcPr marL="70064" marR="70064" marT="35032" marB="35032" anchor="ctr"/>
+                </a:tc>
+                <a:tc>
+                  <a:txBody>
+                    <a:bodyPr/>
+                    <a:lstStyle/>
+                    <a:p>
+                      <a:pPr fontAlgn="base"/>
+                      <a:r>
+                        <a:rPr lang="en-GB" sz="1400" dirty="0">
+                          <a:effectLst/>
+                          <a:latin typeface="+mn-lt"/>
+                        </a:rPr>
+                        <a:t>2,</a:t>
+                      </a:r>
+                      <a:r>
+                        <a:rPr lang="en-IN" sz="1400" dirty="0">
+                          <a:effectLst/>
+                          <a:latin typeface="+mn-lt"/>
+                        </a:rPr>
+                        <a:t>000/year</a:t>
+                      </a:r>
+                    </a:p>
+                  </a:txBody>
+                  <a:tcPr marL="70064" marR="70064" marT="35032" marB="35032" anchor="ctr"/>
+                </a:tc>
+                <a:extLst>
+                  <a:ext uri="{0D108BD9-81ED-4DB2-BD59-A6C34878D82A}">
+                    <a16:rowId xmlns:a16="http://schemas.microsoft.com/office/drawing/2014/main" val="3878278155"/>
+                  </a:ext>
+                </a:extLst>
+              </a:tr>
+              <a:tr h="512050">
+                <a:tc>
+                  <a:txBody>
+                    <a:bodyPr/>
+                    <a:lstStyle/>
+                    <a:p>
+                      <a:pPr fontAlgn="base"/>
+                      <a:r>
+                        <a:rPr lang="en-IN" sz="1400" b="1" dirty="0">
+                          <a:effectLst/>
+                          <a:latin typeface="+mn-lt"/>
+                        </a:rPr>
+                        <a:t>Blockchain Integration</a:t>
+                      </a:r>
+                      <a:endParaRPr lang="en-IN" sz="1400" dirty="0">
+                        <a:effectLst/>
+                        <a:latin typeface="+mn-lt"/>
+                      </a:endParaRPr>
+                    </a:p>
+                  </a:txBody>
+                  <a:tcPr marL="70064" marR="70064" marT="35032" marB="35032" anchor="ctr"/>
+                </a:tc>
+                <a:tc>
+                  <a:txBody>
+                    <a:bodyPr/>
+                    <a:lstStyle/>
+                    <a:p>
+                      <a:pPr fontAlgn="base"/>
+                      <a:r>
+                        <a:rPr lang="en-IN" sz="1400">
+                          <a:effectLst/>
+                          <a:latin typeface="+mn-lt"/>
+                        </a:rPr>
+                        <a:t>Free frameworks: </a:t>
+                      </a:r>
+                      <a:r>
+                        <a:rPr lang="en-IN" sz="1400" b="1">
+                          <a:effectLst/>
+                          <a:latin typeface="+mn-lt"/>
+                        </a:rPr>
+                        <a:t>Hyperledger</a:t>
+                      </a:r>
+                      <a:endParaRPr lang="en-IN" sz="1400">
+                        <a:effectLst/>
+                        <a:latin typeface="+mn-lt"/>
+                      </a:endParaRPr>
+                    </a:p>
+                  </a:txBody>
+                  <a:tcPr marL="70064" marR="70064" marT="35032" marB="35032" anchor="ctr"/>
+                </a:tc>
+                <a:tc>
+                  <a:txBody>
+                    <a:bodyPr/>
+                    <a:lstStyle/>
+                    <a:p>
+                      <a:pPr fontAlgn="base"/>
+                      <a:r>
+                        <a:rPr lang="en-IN" sz="1400">
+                          <a:effectLst/>
+                          <a:latin typeface="+mn-lt"/>
+                        </a:rPr>
+                        <a:t>0</a:t>
+                      </a:r>
+                    </a:p>
+                  </a:txBody>
+                  <a:tcPr marL="70064" marR="70064" marT="35032" marB="35032" anchor="ctr"/>
+                </a:tc>
+                <a:extLst>
+                  <a:ext uri="{0D108BD9-81ED-4DB2-BD59-A6C34878D82A}">
+                    <a16:rowId xmlns:a16="http://schemas.microsoft.com/office/drawing/2014/main" val="45945311"/>
+                  </a:ext>
+                </a:extLst>
+              </a:tr>
+              <a:tr h="453831">
+                <a:tc>
+                  <a:txBody>
+                    <a:bodyPr/>
+                    <a:lstStyle/>
+                    <a:p>
+                      <a:pPr fontAlgn="base"/>
+                      <a:r>
+                        <a:rPr lang="en-IN" sz="1400" b="1">
+                          <a:effectLst/>
+                          <a:latin typeface="+mn-lt"/>
+                        </a:rPr>
+                        <a:t>Database Management</a:t>
+                      </a:r>
+                      <a:endParaRPr lang="en-IN" sz="1400">
+                        <a:effectLst/>
+                        <a:latin typeface="+mn-lt"/>
+                      </a:endParaRPr>
+                    </a:p>
+                  </a:txBody>
+                  <a:tcPr marL="70064" marR="70064" marT="35032" marB="35032" anchor="ctr"/>
+                </a:tc>
+                <a:tc>
+                  <a:txBody>
+                    <a:bodyPr/>
+                    <a:lstStyle/>
+                    <a:p>
+                      <a:pPr fontAlgn="base"/>
+                      <a:r>
+                        <a:rPr lang="en-GB" sz="1400" b="1">
+                          <a:effectLst/>
+                          <a:latin typeface="+mn-lt"/>
+                        </a:rPr>
+                        <a:t>MongoDB Atlas Free Tier</a:t>
+                      </a:r>
+                      <a:r>
+                        <a:rPr lang="en-GB" sz="1400">
+                          <a:effectLst/>
+                          <a:latin typeface="+mn-lt"/>
+                        </a:rPr>
+                        <a:t> or </a:t>
+                      </a:r>
+                      <a:r>
+                        <a:rPr lang="en-GB" sz="1400" b="1">
+                          <a:effectLst/>
+                          <a:latin typeface="+mn-lt"/>
+                        </a:rPr>
+                        <a:t>PostgreSQL</a:t>
+                      </a:r>
+                      <a:endParaRPr lang="en-GB" sz="1400">
+                        <a:effectLst/>
+                        <a:latin typeface="+mn-lt"/>
+                      </a:endParaRPr>
+                    </a:p>
+                  </a:txBody>
+                  <a:tcPr marL="70064" marR="70064" marT="35032" marB="35032" anchor="ctr"/>
+                </a:tc>
+                <a:tc>
+                  <a:txBody>
+                    <a:bodyPr/>
+                    <a:lstStyle/>
+                    <a:p>
+                      <a:pPr fontAlgn="base"/>
+                      <a:r>
+                        <a:rPr lang="en-GB" sz="1400" dirty="0">
+                          <a:effectLst/>
+                          <a:latin typeface="+mn-lt"/>
+                        </a:rPr>
+                        <a:t>2,</a:t>
+                      </a:r>
+                      <a:r>
+                        <a:rPr lang="en-IN" sz="1400" dirty="0">
+                          <a:effectLst/>
+                          <a:latin typeface="+mn-lt"/>
+                        </a:rPr>
+                        <a:t>000/year</a:t>
+                      </a:r>
+                    </a:p>
+                  </a:txBody>
+                  <a:tcPr marL="70064" marR="70064" marT="35032" marB="35032" anchor="ctr"/>
+                </a:tc>
+                <a:extLst>
+                  <a:ext uri="{0D108BD9-81ED-4DB2-BD59-A6C34878D82A}">
+                    <a16:rowId xmlns:a16="http://schemas.microsoft.com/office/drawing/2014/main" val="1818966808"/>
+                  </a:ext>
+                </a:extLst>
+              </a:tr>
+              <a:tr h="362703">
+                <a:tc>
+                  <a:txBody>
+                    <a:bodyPr/>
+                    <a:lstStyle/>
+                    <a:p>
+                      <a:pPr fontAlgn="base"/>
+                      <a:r>
+                        <a:rPr lang="en-IN" sz="1400" b="1">
+                          <a:effectLst/>
+                          <a:latin typeface="+mn-lt"/>
+                        </a:rPr>
+                        <a:t>Testing &amp; Quality Assurance</a:t>
+                      </a:r>
+                      <a:endParaRPr lang="en-IN" sz="1400">
+                        <a:effectLst/>
+                        <a:latin typeface="+mn-lt"/>
+                      </a:endParaRPr>
+                    </a:p>
+                  </a:txBody>
+                  <a:tcPr marL="70064" marR="70064" marT="35032" marB="35032" anchor="ctr"/>
+                </a:tc>
+                <a:tc>
+                  <a:txBody>
+                    <a:bodyPr/>
+                    <a:lstStyle/>
+                    <a:p>
+                      <a:pPr fontAlgn="base"/>
+                      <a:r>
+                        <a:rPr lang="en-IN" sz="1400">
+                          <a:effectLst/>
+                          <a:latin typeface="+mn-lt"/>
+                        </a:rPr>
+                        <a:t>Tools like </a:t>
+                      </a:r>
+                      <a:r>
+                        <a:rPr lang="en-IN" sz="1400" b="1">
+                          <a:effectLst/>
+                          <a:latin typeface="+mn-lt"/>
+                        </a:rPr>
+                        <a:t>Postman, Selenium</a:t>
+                      </a:r>
+                      <a:endParaRPr lang="en-IN" sz="1400">
+                        <a:effectLst/>
+                        <a:latin typeface="+mn-lt"/>
+                      </a:endParaRPr>
+                    </a:p>
+                  </a:txBody>
+                  <a:tcPr marL="70064" marR="70064" marT="35032" marB="35032" anchor="ctr"/>
+                </a:tc>
+                <a:tc>
+                  <a:txBody>
+                    <a:bodyPr/>
+                    <a:lstStyle/>
+                    <a:p>
+                      <a:pPr fontAlgn="base"/>
+                      <a:r>
+                        <a:rPr lang="en-IN" sz="1400">
+                          <a:effectLst/>
+                          <a:latin typeface="+mn-lt"/>
+                        </a:rPr>
+                        <a:t>0</a:t>
+                      </a:r>
+                    </a:p>
+                  </a:txBody>
+                  <a:tcPr marL="70064" marR="70064" marT="35032" marB="35032" anchor="ctr"/>
+                </a:tc>
+                <a:extLst>
+                  <a:ext uri="{0D108BD9-81ED-4DB2-BD59-A6C34878D82A}">
+                    <a16:rowId xmlns:a16="http://schemas.microsoft.com/office/drawing/2014/main" val="1372865481"/>
+                  </a:ext>
+                </a:extLst>
+              </a:tr>
+              <a:tr h="453831">
+                <a:tc>
+                  <a:txBody>
+                    <a:bodyPr/>
+                    <a:lstStyle/>
+                    <a:p>
+                      <a:pPr fontAlgn="base"/>
+                      <a:r>
+                        <a:rPr lang="en-IN" sz="1400" b="1">
+                          <a:effectLst/>
+                          <a:latin typeface="+mn-lt"/>
+                        </a:rPr>
+                        <a:t>Domain Name</a:t>
+                      </a:r>
+                      <a:endParaRPr lang="en-IN" sz="1400">
+                        <a:effectLst/>
+                        <a:latin typeface="+mn-lt"/>
+                      </a:endParaRPr>
+                    </a:p>
+                  </a:txBody>
+                  <a:tcPr marL="70064" marR="70064" marT="35032" marB="35032" anchor="ctr"/>
+                </a:tc>
+                <a:tc>
+                  <a:txBody>
+                    <a:bodyPr/>
+                    <a:lstStyle/>
+                    <a:p>
+                      <a:pPr fontAlgn="base"/>
+                      <a:r>
+                        <a:rPr lang="en-IN" sz="1400">
+                          <a:effectLst/>
+                          <a:latin typeface="+mn-lt"/>
+                        </a:rPr>
+                        <a:t>Affordable providers like Namecheap</a:t>
+                      </a:r>
+                    </a:p>
+                  </a:txBody>
+                  <a:tcPr marL="70064" marR="70064" marT="35032" marB="35032" anchor="ctr"/>
+                </a:tc>
+                <a:tc>
+                  <a:txBody>
+                    <a:bodyPr/>
+                    <a:lstStyle/>
+                    <a:p>
+                      <a:pPr fontAlgn="base"/>
+                      <a:r>
+                        <a:rPr lang="en-IN" sz="1400">
+                          <a:effectLst/>
+                          <a:latin typeface="+mn-lt"/>
+                        </a:rPr>
+                        <a:t>500 - 1,000/year</a:t>
+                      </a:r>
+                    </a:p>
+                  </a:txBody>
+                  <a:tcPr marL="70064" marR="70064" marT="35032" marB="35032" anchor="ctr"/>
+                </a:tc>
+                <a:extLst>
+                  <a:ext uri="{0D108BD9-81ED-4DB2-BD59-A6C34878D82A}">
+                    <a16:rowId xmlns:a16="http://schemas.microsoft.com/office/drawing/2014/main" val="3403973524"/>
+                  </a:ext>
+                </a:extLst>
+              </a:tr>
+              <a:tr h="362703">
+                <a:tc>
+                  <a:txBody>
+                    <a:bodyPr/>
+                    <a:lstStyle/>
+                    <a:p>
+                      <a:pPr fontAlgn="base"/>
+                      <a:r>
+                        <a:rPr lang="en-GB" sz="1400" b="1">
+                          <a:effectLst/>
+                          <a:latin typeface="+mn-lt"/>
+                        </a:rPr>
+                        <a:t>Server Costs (after free tier)</a:t>
+                      </a:r>
+                      <a:endParaRPr lang="en-GB" sz="1400">
+                        <a:effectLst/>
+                        <a:latin typeface="+mn-lt"/>
+                      </a:endParaRPr>
+                    </a:p>
+                  </a:txBody>
+                  <a:tcPr marL="70064" marR="70064" marT="35032" marB="35032" anchor="ctr"/>
+                </a:tc>
+                <a:tc>
+                  <a:txBody>
+                    <a:bodyPr/>
+                    <a:lstStyle/>
+                    <a:p>
+                      <a:pPr fontAlgn="base"/>
+                      <a:r>
+                        <a:rPr lang="en-GB" sz="1400">
+                          <a:effectLst/>
+                          <a:latin typeface="+mn-lt"/>
+                        </a:rPr>
+                        <a:t>Minimal hosting fees after free tier</a:t>
+                      </a:r>
+                    </a:p>
+                  </a:txBody>
+                  <a:tcPr marL="70064" marR="70064" marT="35032" marB="35032" anchor="ctr"/>
+                </a:tc>
+                <a:tc>
+                  <a:txBody>
+                    <a:bodyPr/>
+                    <a:lstStyle/>
+                    <a:p>
+                      <a:pPr fontAlgn="base"/>
+                      <a:r>
+                        <a:rPr lang="en-IN" sz="1400">
+                          <a:effectLst/>
+                          <a:latin typeface="+mn-lt"/>
+                        </a:rPr>
+                        <a:t>1,000 - 3,000/year</a:t>
+                      </a:r>
+                    </a:p>
+                  </a:txBody>
+                  <a:tcPr marL="70064" marR="70064" marT="35032" marB="35032" anchor="ctr"/>
+                </a:tc>
+                <a:extLst>
+                  <a:ext uri="{0D108BD9-81ED-4DB2-BD59-A6C34878D82A}">
+                    <a16:rowId xmlns:a16="http://schemas.microsoft.com/office/drawing/2014/main" val="4269833572"/>
+                  </a:ext>
+                </a:extLst>
+              </a:tr>
+              <a:tr h="258918">
+                <a:tc>
+                  <a:txBody>
+                    <a:bodyPr/>
+                    <a:lstStyle/>
+                    <a:p>
+                      <a:pPr fontAlgn="base"/>
+                      <a:r>
+                        <a:rPr lang="en-IN" sz="1400" b="1">
+                          <a:effectLst/>
+                          <a:latin typeface="+mn-lt"/>
+                        </a:rPr>
+                        <a:t>Maintenance</a:t>
+                      </a:r>
+                      <a:endParaRPr lang="en-IN" sz="1400">
+                        <a:effectLst/>
+                        <a:latin typeface="+mn-lt"/>
+                      </a:endParaRPr>
+                    </a:p>
+                  </a:txBody>
+                  <a:tcPr marL="70064" marR="70064" marT="35032" marB="35032" anchor="ctr"/>
+                </a:tc>
+                <a:tc>
+                  <a:txBody>
+                    <a:bodyPr/>
+                    <a:lstStyle/>
+                    <a:p>
+                      <a:pPr fontAlgn="base"/>
+                      <a:r>
+                        <a:rPr lang="en-IN" sz="1400">
+                          <a:effectLst/>
+                          <a:latin typeface="+mn-lt"/>
+                        </a:rPr>
+                        <a:t>Self-maintained</a:t>
+                      </a:r>
+                    </a:p>
+                  </a:txBody>
+                  <a:tcPr marL="70064" marR="70064" marT="35032" marB="35032" anchor="ctr"/>
+                </a:tc>
+                <a:tc>
+                  <a:txBody>
+                    <a:bodyPr/>
+                    <a:lstStyle/>
+                    <a:p>
+                      <a:pPr fontAlgn="base"/>
+                      <a:r>
+                        <a:rPr lang="en-IN" sz="1400" dirty="0">
+                          <a:effectLst/>
+                          <a:latin typeface="+mn-lt"/>
+                        </a:rPr>
+                        <a:t>0</a:t>
+                      </a:r>
+                    </a:p>
+                  </a:txBody>
+                  <a:tcPr marL="70064" marR="70064" marT="35032" marB="35032" anchor="ctr"/>
+                </a:tc>
+                <a:extLst>
+                  <a:ext uri="{0D108BD9-81ED-4DB2-BD59-A6C34878D82A}">
+                    <a16:rowId xmlns:a16="http://schemas.microsoft.com/office/drawing/2014/main" val="1956320831"/>
+                  </a:ext>
+                </a:extLst>
+              </a:tr>
+            </a:tbl>
+          </a:graphicData>
+        </a:graphic>
+      </p:graphicFrame>
+    </p:spTree>
+    <p:extLst>
+      <p:ext uri="{BB962C8B-B14F-4D97-AF65-F5344CB8AC3E}">
+        <p14:creationId xmlns:p14="http://schemas.microsoft.com/office/powerpoint/2010/main" val="3120119541"/>
+      </p:ext>
+    </p:extLst>
+  </p:cSld>
+  <p:clrMapOvr>
+    <a:masterClrMapping/>
+  </p:clrMapOvr>
+</p:sld>
+</file>
+
+<file path=ppt/slides/slide12.xml><?xml version="1.0" encoding="utf-8"?>
+<p:sld xmlns:a="http://schemas.openxmlformats.org/drawingml/2006/main" xmlns:r="http://schemas.openxmlformats.org/officeDocument/2006/relationships" xmlns:p="http://schemas.openxmlformats.org/presentationml/2006/main">
+  <p:cSld>
+    <p:spTree>
+      <p:nvGrpSpPr>
+        <p:cNvPr id="1" name=""/>
+        <p:cNvGrpSpPr/>
+        <p:nvPr/>
+      </p:nvGrpSpPr>
+      <p:grpSpPr>
+        <a:xfrm>
+          <a:off x="0" y="0"/>
+          <a:ext cx="0" cy="0"/>
+          <a:chOff x="0" y="0"/>
+          <a:chExt cx="0" cy="0"/>
+        </a:xfrm>
+      </p:grpSpPr>
+      <p:sp>
+        <p:nvSpPr>
+          <p:cNvPr id="2" name="Title 1">
+            <a:extLst>
+              <a:ext uri="{FF2B5EF4-FFF2-40B4-BE49-F238E27FC236}">
+                <a16:creationId xmlns:a16="http://schemas.microsoft.com/office/drawing/2014/main" id="{8F7C98D4-CF48-00EA-1E5E-14178BC62886}"/>
+              </a:ext>
+            </a:extLst>
+          </p:cNvPr>
+          <p:cNvSpPr>
+            <a:spLocks noGrp="1"/>
+          </p:cNvSpPr>
+          <p:nvPr>
+            <p:ph type="title"/>
+          </p:nvPr>
+        </p:nvSpPr>
+        <p:spPr/>
+        <p:txBody>
+          <a:bodyPr/>
+          <a:lstStyle/>
+          <a:p>
+            <a:r>
+              <a:rPr lang="en-US" dirty="0">
+                <a:latin typeface="Calibri" panose="020F0502020204030204" pitchFamily="34" charset="0"/>
+              </a:rPr>
+              <a:t>Assumptions</a:t>
+            </a:r>
+            <a:endParaRPr lang="en-IN" dirty="0"/>
+          </a:p>
+        </p:txBody>
+      </p:sp>
+      <p:sp>
+        <p:nvSpPr>
+          <p:cNvPr id="3" name="Content Placeholder 2">
+            <a:extLst>
+              <a:ext uri="{FF2B5EF4-FFF2-40B4-BE49-F238E27FC236}">
+                <a16:creationId xmlns:a16="http://schemas.microsoft.com/office/drawing/2014/main" id="{E9BCFC67-F5AA-8E05-39EC-73CBF3865066}"/>
+              </a:ext>
+            </a:extLst>
+          </p:cNvPr>
+          <p:cNvSpPr>
+            <a:spLocks noGrp="1"/>
+          </p:cNvSpPr>
+          <p:nvPr>
+            <p:ph idx="1"/>
+          </p:nvPr>
+        </p:nvSpPr>
+        <p:spPr/>
+        <p:txBody>
+          <a:bodyPr>
+            <a:normAutofit fontScale="85000" lnSpcReduction="20000"/>
+          </a:bodyPr>
+          <a:lstStyle/>
+          <a:p>
+            <a:pPr algn="l"/>
+            <a:r>
+              <a:rPr lang="en-GB" sz="2400" b="1" i="0" dirty="0">
+                <a:solidFill>
+                  <a:schemeClr val="tx1"/>
+                </a:solidFill>
+                <a:effectLst/>
+              </a:rPr>
+              <a:t>Assumptions</a:t>
+            </a:r>
+          </a:p>
+          <a:p>
+            <a:pPr marL="514350" indent="-514350" algn="l">
+              <a:buFont typeface="+mj-lt"/>
+              <a:buAutoNum type="romanLcPeriod"/>
+            </a:pPr>
+            <a:r>
+              <a:rPr lang="en-GB" sz="2400" b="0" i="0" dirty="0">
+                <a:solidFill>
+                  <a:schemeClr val="tx1"/>
+                </a:solidFill>
+                <a:effectLst/>
+              </a:rPr>
+              <a:t>Users will engage due to incentives like eco-points.</a:t>
+            </a:r>
+          </a:p>
+          <a:p>
+            <a:pPr marL="514350" indent="-514350" algn="l">
+              <a:buFont typeface="+mj-lt"/>
+              <a:buAutoNum type="romanLcPeriod"/>
+            </a:pPr>
+            <a:r>
+              <a:rPr lang="en-GB" sz="2400" b="0" i="0" dirty="0">
+                <a:solidFill>
+                  <a:schemeClr val="tx1"/>
+                </a:solidFill>
+                <a:effectLst/>
+              </a:rPr>
+              <a:t>Free tools (React.js, Node.js, MongoDB) and free-tier hosting will suffice initially.</a:t>
+            </a:r>
+          </a:p>
+          <a:p>
+            <a:pPr marL="514350" indent="-514350" algn="l">
+              <a:buFont typeface="+mj-lt"/>
+              <a:buAutoNum type="romanLcPeriod"/>
+            </a:pPr>
+            <a:r>
+              <a:rPr lang="en-GB" sz="2400" b="0" i="0" dirty="0">
+                <a:solidFill>
+                  <a:schemeClr val="tx1"/>
+                </a:solidFill>
+                <a:effectLst/>
+              </a:rPr>
+              <a:t>Blockchain implementation will remain basic.</a:t>
+            </a:r>
+          </a:p>
+          <a:p>
+            <a:pPr marL="514350" indent="-514350" algn="l">
+              <a:buFont typeface="+mj-lt"/>
+              <a:buAutoNum type="romanLcPeriod"/>
+            </a:pPr>
+            <a:r>
+              <a:rPr lang="en-GB" sz="2400" b="0" i="0" dirty="0">
+                <a:solidFill>
+                  <a:schemeClr val="tx1"/>
+                </a:solidFill>
+                <a:effectLst/>
+              </a:rPr>
+              <a:t>Local recyclers will participate in the system.</a:t>
+            </a:r>
+          </a:p>
+          <a:p>
+            <a:pPr marL="514350" indent="-514350" algn="l">
+              <a:buFont typeface="+mj-lt"/>
+              <a:buAutoNum type="romanLcPeriod"/>
+            </a:pPr>
+            <a:r>
+              <a:rPr lang="en-GB" sz="2400" b="0" i="0" dirty="0">
+                <a:solidFill>
+                  <a:schemeClr val="tx1"/>
+                </a:solidFill>
+                <a:effectLst/>
+              </a:rPr>
+              <a:t>Maintenance costs will be minimal.</a:t>
+            </a:r>
+          </a:p>
+          <a:p>
+            <a:pPr algn="l"/>
+            <a:r>
+              <a:rPr lang="en-GB" sz="2400" b="1" i="0" dirty="0">
+                <a:solidFill>
+                  <a:schemeClr val="tx1"/>
+                </a:solidFill>
+                <a:effectLst/>
+              </a:rPr>
+              <a:t>Predicted Outcomes</a:t>
+            </a:r>
+          </a:p>
+          <a:p>
+            <a:pPr marL="514350" indent="-514350" algn="l">
+              <a:buFont typeface="+mj-lt"/>
+              <a:buAutoNum type="romanLcPeriod"/>
+            </a:pPr>
+            <a:r>
+              <a:rPr lang="en-GB" sz="2400" b="0" i="0" dirty="0">
+                <a:solidFill>
+                  <a:schemeClr val="tx1"/>
+                </a:solidFill>
+                <a:effectLst/>
+              </a:rPr>
+              <a:t>Increased recycling rates and reduced e-waste in landfills.</a:t>
+            </a:r>
+          </a:p>
+          <a:p>
+            <a:pPr marL="514350" indent="-514350" algn="l">
+              <a:buFont typeface="+mj-lt"/>
+              <a:buAutoNum type="romanLcPeriod"/>
+            </a:pPr>
+            <a:r>
+              <a:rPr lang="en-GB" sz="2400" b="0" i="0" dirty="0">
+                <a:solidFill>
+                  <a:schemeClr val="tx1"/>
+                </a:solidFill>
+                <a:effectLst/>
+              </a:rPr>
+              <a:t>Transparent tracking builds user trust.</a:t>
+            </a:r>
+          </a:p>
+          <a:p>
+            <a:pPr marL="514350" indent="-514350" algn="l">
+              <a:buFont typeface="+mj-lt"/>
+              <a:buAutoNum type="romanLcPeriod"/>
+            </a:pPr>
+            <a:r>
+              <a:rPr lang="en-GB" sz="2400" b="0" i="0" dirty="0">
+                <a:solidFill>
+                  <a:schemeClr val="tx1"/>
+                </a:solidFill>
+                <a:effectLst/>
+              </a:rPr>
+              <a:t>Sustainable user engagement via rewards and gamification.</a:t>
+            </a:r>
+          </a:p>
+          <a:p>
+            <a:pPr marL="514350" indent="-514350" algn="l">
+              <a:buFont typeface="+mj-lt"/>
+              <a:buAutoNum type="romanLcPeriod"/>
+            </a:pPr>
+            <a:r>
+              <a:rPr lang="en-GB" sz="2400" b="0" i="0" dirty="0">
+                <a:solidFill>
+                  <a:schemeClr val="tx1"/>
+                </a:solidFill>
+                <a:effectLst/>
+              </a:rPr>
+              <a:t>Cost-effective scalability supports future growth.</a:t>
+            </a:r>
+          </a:p>
+        </p:txBody>
+      </p:sp>
+    </p:spTree>
+    <p:extLst>
+      <p:ext uri="{BB962C8B-B14F-4D97-AF65-F5344CB8AC3E}">
+        <p14:creationId xmlns:p14="http://schemas.microsoft.com/office/powerpoint/2010/main" val="4115636624"/>
+      </p:ext>
+    </p:extLst>
+  </p:cSld>
+  <p:clrMapOvr>
+    <a:masterClrMapping/>
+  </p:clrMapOvr>
+</p:sld>
+</file>
+
+<file path=ppt/slides/slide13.xml><?xml version="1.0" encoding="utf-8"?>
+<p:sld xmlns:a="http://schemas.openxmlformats.org/drawingml/2006/main" xmlns:r="http://schemas.openxmlformats.org/officeDocument/2006/relationships" xmlns:p="http://schemas.openxmlformats.org/presentationml/2006/main">
+  <p:cSld>
+    <p:spTree>
+      <p:nvGrpSpPr>
+        <p:cNvPr id="1" name="">
+          <a:extLst>
+            <a:ext uri="{FF2B5EF4-FFF2-40B4-BE49-F238E27FC236}">
+              <a16:creationId xmlns:a16="http://schemas.microsoft.com/office/drawing/2014/main" id="{01D136F9-9A5C-C99B-E644-038C0A14BC1E}"/>
+            </a:ext>
+          </a:extLst>
+        </p:cNvPr>
+        <p:cNvGrpSpPr/>
+        <p:nvPr/>
+      </p:nvGrpSpPr>
+      <p:grpSpPr>
+        <a:xfrm>
+          <a:off x="0" y="0"/>
+          <a:ext cx="0" cy="0"/>
+          <a:chOff x="0" y="0"/>
+          <a:chExt cx="0" cy="0"/>
+        </a:xfrm>
+      </p:grpSpPr>
+      <p:sp>
+        <p:nvSpPr>
+          <p:cNvPr id="2" name="Title 1">
+            <a:extLst>
+              <a:ext uri="{FF2B5EF4-FFF2-40B4-BE49-F238E27FC236}">
+                <a16:creationId xmlns:a16="http://schemas.microsoft.com/office/drawing/2014/main" id="{CF98DBC5-EA84-F0AF-E66E-E758E814D2A9}"/>
+              </a:ext>
+            </a:extLst>
+          </p:cNvPr>
+          <p:cNvSpPr>
+            <a:spLocks noGrp="1"/>
+          </p:cNvSpPr>
+          <p:nvPr>
+            <p:ph type="title"/>
+          </p:nvPr>
+        </p:nvSpPr>
+        <p:spPr/>
+        <p:txBody>
+          <a:bodyPr/>
+          <a:lstStyle/>
+          <a:p>
+            <a:pPr algn="l"/>
+            <a:r>
+              <a:rPr lang="en-GB" b="1" i="0" dirty="0">
+                <a:solidFill>
+                  <a:schemeClr val="tx1"/>
+                </a:solidFill>
+                <a:effectLst/>
+                <a:latin typeface="ui-sans-serif"/>
+              </a:rPr>
+              <a:t>How the System Works</a:t>
+            </a:r>
+          </a:p>
+        </p:txBody>
+      </p:sp>
+      <p:sp>
+        <p:nvSpPr>
+          <p:cNvPr id="3" name="Content Placeholder 2">
+            <a:extLst>
+              <a:ext uri="{FF2B5EF4-FFF2-40B4-BE49-F238E27FC236}">
+                <a16:creationId xmlns:a16="http://schemas.microsoft.com/office/drawing/2014/main" id="{35174CC5-FCD3-0991-1D87-7C8BCC1EAF42}"/>
+              </a:ext>
+            </a:extLst>
+          </p:cNvPr>
+          <p:cNvSpPr>
+            <a:spLocks noGrp="1"/>
+          </p:cNvSpPr>
+          <p:nvPr>
+            <p:ph idx="1"/>
+          </p:nvPr>
+        </p:nvSpPr>
+        <p:spPr/>
+        <p:txBody>
+          <a:bodyPr>
+            <a:normAutofit lnSpcReduction="10000"/>
+          </a:bodyPr>
+          <a:lstStyle/>
+          <a:p>
+            <a:pPr algn="l">
+              <a:buFont typeface="+mj-lt"/>
+              <a:buAutoNum type="arabicPeriod"/>
+            </a:pPr>
+            <a:r>
+              <a:rPr lang="en-GB" b="1" i="0" dirty="0">
+                <a:solidFill>
+                  <a:schemeClr val="tx1"/>
+                </a:solidFill>
+                <a:effectLst/>
+              </a:rPr>
+              <a:t>QR Code Assignment</a:t>
+            </a:r>
+            <a:r>
+              <a:rPr lang="en-GB" b="0" i="0" dirty="0">
+                <a:solidFill>
+                  <a:schemeClr val="tx1"/>
+                </a:solidFill>
+                <a:effectLst/>
+              </a:rPr>
+              <a:t>:</a:t>
+            </a:r>
+          </a:p>
+          <a:p>
+            <a:pPr marL="742950" lvl="1" indent="-285750" algn="l">
+              <a:buFont typeface="+mj-lt"/>
+              <a:buAutoNum type="arabicPeriod"/>
+            </a:pPr>
+            <a:r>
+              <a:rPr lang="en-GB" b="0" i="0" dirty="0">
+                <a:solidFill>
+                  <a:schemeClr val="tx1"/>
+                </a:solidFill>
+                <a:effectLst/>
+              </a:rPr>
+              <a:t>Each device gets a </a:t>
+            </a:r>
+            <a:r>
+              <a:rPr lang="en-GB" b="1" i="0" dirty="0">
+                <a:solidFill>
+                  <a:schemeClr val="tx1"/>
+                </a:solidFill>
+                <a:effectLst/>
+              </a:rPr>
+              <a:t>unique QR code</a:t>
+            </a:r>
+            <a:r>
+              <a:rPr lang="en-GB" b="0" i="0" dirty="0">
+                <a:solidFill>
+                  <a:schemeClr val="tx1"/>
+                </a:solidFill>
+                <a:effectLst/>
+              </a:rPr>
+              <a:t> at manufacturing, storing details like materials, serial number, and disposal guidelines.</a:t>
+            </a:r>
+          </a:p>
+          <a:p>
+            <a:pPr algn="l">
+              <a:buFont typeface="+mj-lt"/>
+              <a:buAutoNum type="arabicPeriod"/>
+            </a:pPr>
+            <a:r>
+              <a:rPr lang="en-GB" b="1" i="0" dirty="0">
+                <a:solidFill>
+                  <a:schemeClr val="tx1"/>
+                </a:solidFill>
+                <a:effectLst/>
+              </a:rPr>
+              <a:t>User Interaction</a:t>
+            </a:r>
+            <a:r>
+              <a:rPr lang="en-GB" b="0" i="0" dirty="0">
+                <a:solidFill>
+                  <a:schemeClr val="tx1"/>
+                </a:solidFill>
+                <a:effectLst/>
+              </a:rPr>
+              <a:t>:</a:t>
+            </a:r>
+          </a:p>
+          <a:p>
+            <a:pPr marL="742950" lvl="1" indent="-285750" algn="l">
+              <a:buFont typeface="+mj-lt"/>
+              <a:buAutoNum type="arabicPeriod"/>
+            </a:pPr>
+            <a:r>
+              <a:rPr lang="en-GB" b="0" i="0" dirty="0">
+                <a:solidFill>
+                  <a:schemeClr val="tx1"/>
+                </a:solidFill>
+                <a:effectLst/>
+              </a:rPr>
+              <a:t>When the device reaches end-of-life, users scan the QR code using the app to find nearby drop-off points or schedule a pickup.</a:t>
+            </a:r>
+          </a:p>
+          <a:p>
+            <a:pPr algn="l">
+              <a:buFont typeface="+mj-lt"/>
+              <a:buAutoNum type="arabicPeriod"/>
+            </a:pPr>
+            <a:r>
+              <a:rPr lang="en-GB" b="1" i="0" dirty="0">
+                <a:solidFill>
+                  <a:schemeClr val="tx1"/>
+                </a:solidFill>
+                <a:effectLst/>
+              </a:rPr>
+              <a:t>Recycling Process</a:t>
+            </a:r>
+            <a:r>
+              <a:rPr lang="en-GB" b="0" i="0" dirty="0">
+                <a:solidFill>
+                  <a:schemeClr val="tx1"/>
+                </a:solidFill>
+                <a:effectLst/>
+              </a:rPr>
+              <a:t>:</a:t>
+            </a:r>
+          </a:p>
+          <a:p>
+            <a:pPr marL="742950" lvl="1" indent="-285750" algn="l">
+              <a:buFont typeface="+mj-lt"/>
+              <a:buAutoNum type="arabicPeriod"/>
+            </a:pPr>
+            <a:r>
+              <a:rPr lang="en-GB" b="0" i="0" dirty="0">
+                <a:solidFill>
+                  <a:schemeClr val="tx1"/>
+                </a:solidFill>
+                <a:effectLst/>
+              </a:rPr>
+              <a:t>At the recycling centre, the QR code is scanned, and the device's recycling journey is tracked via </a:t>
+            </a:r>
+            <a:r>
+              <a:rPr lang="en-GB" b="1" i="0" dirty="0">
+                <a:solidFill>
+                  <a:schemeClr val="tx1"/>
+                </a:solidFill>
+                <a:effectLst/>
+              </a:rPr>
+              <a:t>blockchain</a:t>
+            </a:r>
+            <a:r>
+              <a:rPr lang="en-GB" b="0" i="0" dirty="0">
+                <a:solidFill>
+                  <a:schemeClr val="tx1"/>
+                </a:solidFill>
+                <a:effectLst/>
+              </a:rPr>
+              <a:t>, ensuring transparency.</a:t>
+            </a:r>
+          </a:p>
+          <a:p>
+            <a:pPr algn="l">
+              <a:buFont typeface="+mj-lt"/>
+              <a:buAutoNum type="arabicPeriod"/>
+            </a:pPr>
+            <a:r>
+              <a:rPr lang="en-GB" b="1" i="0" dirty="0">
+                <a:solidFill>
+                  <a:schemeClr val="tx1"/>
+                </a:solidFill>
+                <a:effectLst/>
+              </a:rPr>
+              <a:t>Rewards</a:t>
+            </a:r>
+            <a:r>
+              <a:rPr lang="en-GB" b="0" i="0" dirty="0">
+                <a:solidFill>
+                  <a:schemeClr val="tx1"/>
+                </a:solidFill>
+                <a:effectLst/>
+              </a:rPr>
+              <a:t>:</a:t>
+            </a:r>
+          </a:p>
+          <a:p>
+            <a:pPr marL="742950" lvl="1" indent="-285750" algn="l">
+              <a:buFont typeface="+mj-lt"/>
+              <a:buAutoNum type="arabicPeriod"/>
+            </a:pPr>
+            <a:r>
+              <a:rPr lang="en-GB" b="0" i="0" dirty="0">
+                <a:solidFill>
+                  <a:schemeClr val="tx1"/>
+                </a:solidFill>
+                <a:effectLst/>
+              </a:rPr>
+              <a:t>Users earn </a:t>
+            </a:r>
+            <a:r>
+              <a:rPr lang="en-GB" b="1" i="0" dirty="0">
+                <a:solidFill>
+                  <a:schemeClr val="tx1"/>
+                </a:solidFill>
+                <a:effectLst/>
+              </a:rPr>
+              <a:t>eco-points</a:t>
+            </a:r>
+            <a:r>
+              <a:rPr lang="en-GB" b="0" i="0" dirty="0">
+                <a:solidFill>
+                  <a:schemeClr val="tx1"/>
+                </a:solidFill>
+                <a:effectLst/>
+              </a:rPr>
+              <a:t> for recycling, redeemable for discounts on eco-friendly products or services.</a:t>
+            </a:r>
+          </a:p>
+          <a:p>
+            <a:pPr algn="l">
+              <a:buFont typeface="+mj-lt"/>
+              <a:buAutoNum type="arabicPeriod"/>
+            </a:pPr>
+            <a:r>
+              <a:rPr lang="en-GB" b="1" i="0" dirty="0">
+                <a:solidFill>
+                  <a:schemeClr val="tx1"/>
+                </a:solidFill>
+                <a:effectLst/>
+              </a:rPr>
+              <a:t>Example</a:t>
+            </a:r>
+            <a:r>
+              <a:rPr lang="en-GB" b="0" i="0" dirty="0">
+                <a:solidFill>
+                  <a:schemeClr val="tx1"/>
+                </a:solidFill>
+                <a:effectLst/>
+              </a:rPr>
+              <a:t>:</a:t>
+            </a:r>
+          </a:p>
+          <a:p>
+            <a:pPr marL="742950" lvl="1" indent="-285750" algn="l">
+              <a:buFont typeface="+mj-lt"/>
+              <a:buAutoNum type="arabicPeriod"/>
+            </a:pPr>
+            <a:r>
+              <a:rPr lang="en-GB" b="0" i="0" dirty="0">
+                <a:solidFill>
+                  <a:schemeClr val="tx1"/>
+                </a:solidFill>
+                <a:effectLst/>
+              </a:rPr>
+              <a:t>John recycles his smartphone, tracks its process on the app, and redeems 50 points for a ₹100 discount on an eco-friendly product.</a:t>
+            </a:r>
+          </a:p>
+        </p:txBody>
+      </p:sp>
+    </p:spTree>
+    <p:extLst>
+      <p:ext uri="{BB962C8B-B14F-4D97-AF65-F5344CB8AC3E}">
+        <p14:creationId xmlns:p14="http://schemas.microsoft.com/office/powerpoint/2010/main" val="3201145446"/>
+      </p:ext>
+    </p:extLst>
+  </p:cSld>
+  <p:clrMapOvr>
+    <a:masterClrMapping/>
+  </p:clrMapOvr>
+</p:sld>
+</file>
+
+<file path=ppt/slides/slide14.xml><?xml version="1.0" encoding="utf-8"?>
+<p:sld xmlns:a="http://schemas.openxmlformats.org/drawingml/2006/main" xmlns:r="http://schemas.openxmlformats.org/officeDocument/2006/relationships" xmlns:p="http://schemas.openxmlformats.org/presentationml/2006/main">
+  <p:cSld>
+    <p:spTree>
+      <p:nvGrpSpPr>
+        <p:cNvPr id="1" name=""/>
+        <p:cNvGrpSpPr/>
+        <p:nvPr/>
+      </p:nvGrpSpPr>
+      <p:grpSpPr>
+        <a:xfrm>
+          <a:off x="0" y="0"/>
+          <a:ext cx="0" cy="0"/>
+          <a:chOff x="0" y="0"/>
+          <a:chExt cx="0" cy="0"/>
+        </a:xfrm>
+      </p:grpSpPr>
+      <p:sp>
+        <p:nvSpPr>
+          <p:cNvPr id="2" name="Title 1">
+            <a:extLst>
+              <a:ext uri="{FF2B5EF4-FFF2-40B4-BE49-F238E27FC236}">
+                <a16:creationId xmlns:a16="http://schemas.microsoft.com/office/drawing/2014/main" id="{8F7C98D4-CF48-00EA-1E5E-14178BC62886}"/>
+              </a:ext>
+            </a:extLst>
+          </p:cNvPr>
+          <p:cNvSpPr>
+            <a:spLocks noGrp="1"/>
+          </p:cNvSpPr>
+          <p:nvPr>
+            <p:ph type="title"/>
+          </p:nvPr>
+        </p:nvSpPr>
+        <p:spPr/>
+        <p:txBody>
+          <a:bodyPr/>
+          <a:lstStyle/>
+          <a:p>
+            <a:r>
               <a:rPr lang="en-IN" dirty="0"/>
               <a:t>References</a:t>
             </a:r>
@@ -29280,7 +30574,7 @@
           <a:bodyPr/>
           <a:lstStyle/>
           <a:p>
-            <a:endParaRPr lang="en-IN"/>
+            <a:endParaRPr lang="en-IN" dirty="0"/>
           </a:p>
         </p:txBody>
       </p:sp>
@@ -29297,7 +30591,7 @@
 </p:sld>
 </file>
 
-<file path=ppt/slides/slide12.xml><?xml version="1.0" encoding="utf-8"?>
+<file path=ppt/slides/slide15.xml><?xml version="1.0" encoding="utf-8"?>
 <p:sld xmlns:a="http://schemas.openxmlformats.org/drawingml/2006/main" xmlns:r="http://schemas.openxmlformats.org/officeDocument/2006/relationships" xmlns:p="http://schemas.openxmlformats.org/presentationml/2006/main">
   <p:cSld>
     <p:spTree>
@@ -29368,135 +30662,6 @@
     <p:extLst>
       <p:ext uri="{BB962C8B-B14F-4D97-AF65-F5344CB8AC3E}">
         <p14:creationId xmlns:p14="http://schemas.microsoft.com/office/powerpoint/2010/main" val="669049184"/>
-      </p:ext>
-    </p:extLst>
-  </p:cSld>
-  <p:clrMapOvr>
-    <a:masterClrMapping/>
-  </p:clrMapOvr>
-</p:sld>
-</file>
-
-<file path=ppt/slides/slide13.xml><?xml version="1.0" encoding="utf-8"?>
-<p:sld xmlns:a="http://schemas.openxmlformats.org/drawingml/2006/main" xmlns:r="http://schemas.openxmlformats.org/officeDocument/2006/relationships" xmlns:p="http://schemas.openxmlformats.org/presentationml/2006/main">
-  <p:cSld>
-    <p:spTree>
-      <p:nvGrpSpPr>
-        <p:cNvPr id="1" name=""/>
-        <p:cNvGrpSpPr/>
-        <p:nvPr/>
-      </p:nvGrpSpPr>
-      <p:grpSpPr>
-        <a:xfrm>
-          <a:off x="0" y="0"/>
-          <a:ext cx="0" cy="0"/>
-          <a:chOff x="0" y="0"/>
-          <a:chExt cx="0" cy="0"/>
-        </a:xfrm>
-      </p:grpSpPr>
-      <p:sp>
-        <p:nvSpPr>
-          <p:cNvPr id="2" name="Title 1">
-            <a:extLst>
-              <a:ext uri="{FF2B5EF4-FFF2-40B4-BE49-F238E27FC236}">
-                <a16:creationId xmlns:a16="http://schemas.microsoft.com/office/drawing/2014/main" id="{8F7C98D4-CF48-00EA-1E5E-14178BC62886}"/>
-              </a:ext>
-            </a:extLst>
-          </p:cNvPr>
-          <p:cNvSpPr>
-            <a:spLocks noGrp="1"/>
-          </p:cNvSpPr>
-          <p:nvPr>
-            <p:ph type="title"/>
-          </p:nvPr>
-        </p:nvSpPr>
-        <p:spPr/>
-        <p:txBody>
-          <a:bodyPr/>
-          <a:lstStyle/>
-          <a:p>
-            <a:r>
-              <a:rPr lang="en-IN" dirty="0"/>
-              <a:t>Guidelines </a:t>
-            </a:r>
-          </a:p>
-        </p:txBody>
-      </p:sp>
-      <p:sp>
-        <p:nvSpPr>
-          <p:cNvPr id="3" name="Content Placeholder 2">
-            <a:extLst>
-              <a:ext uri="{FF2B5EF4-FFF2-40B4-BE49-F238E27FC236}">
-                <a16:creationId xmlns:a16="http://schemas.microsoft.com/office/drawing/2014/main" id="{E9BCFC67-F5AA-8E05-39EC-73CBF3865066}"/>
-              </a:ext>
-            </a:extLst>
-          </p:cNvPr>
-          <p:cNvSpPr>
-            <a:spLocks noGrp="1"/>
-          </p:cNvSpPr>
-          <p:nvPr>
-            <p:ph idx="1"/>
-          </p:nvPr>
-        </p:nvSpPr>
-        <p:spPr/>
-        <p:txBody>
-          <a:bodyPr/>
-          <a:lstStyle/>
-          <a:p>
-            <a:r>
-              <a:rPr lang="en-IN" dirty="0"/>
-              <a:t>Do not use more than 15 slides.</a:t>
-            </a:r>
-          </a:p>
-          <a:p>
-            <a:r>
-              <a:rPr lang="en-IN" dirty="0"/>
-              <a:t>Do not give any theoretical fundamentals.</a:t>
-            </a:r>
-          </a:p>
-          <a:p>
-            <a:r>
-              <a:rPr lang="en-US" dirty="0"/>
-              <a:t>Illustrate with suitable means such as drawings, examples, algorithms, flow chart etc.</a:t>
-            </a:r>
-          </a:p>
-          <a:p>
-            <a:r>
-              <a:rPr lang="en-IN" dirty="0"/>
-              <a:t>Use a consistent format.</a:t>
-            </a:r>
-          </a:p>
-          <a:p>
-            <a:r>
-              <a:rPr lang="en-US" dirty="0"/>
-              <a:t>Check for spelling and grammar – ensure no errors (spell check). </a:t>
-            </a:r>
-          </a:p>
-          <a:p>
-            <a:r>
-              <a:rPr lang="en-US" dirty="0"/>
-              <a:t>Highlight the major advantages of the technique/method  proposed when compared with other techniques or conventional techniques.</a:t>
-            </a:r>
-            <a:endParaRPr lang="en-IN" dirty="0"/>
-          </a:p>
-          <a:p>
-            <a:r>
-              <a:rPr lang="en-IN" dirty="0"/>
-              <a:t>While uploading the PPT file, rename first 4 letters (i.e., 0000) with your PID nos.</a:t>
-            </a:r>
-          </a:p>
-          <a:p>
-            <a:pPr marL="0" indent="0">
-              <a:buNone/>
-            </a:pPr>
-            <a:endParaRPr lang="en-IN" dirty="0"/>
-          </a:p>
-        </p:txBody>
-      </p:sp>
-    </p:spTree>
-    <p:extLst>
-      <p:ext uri="{BB962C8B-B14F-4D97-AF65-F5344CB8AC3E}">
-        <p14:creationId xmlns:p14="http://schemas.microsoft.com/office/powerpoint/2010/main" val="3254291949"/>
       </p:ext>
     </p:extLst>
   </p:cSld>
@@ -29572,25 +30737,36 @@
           <a:bodyPr/>
           <a:lstStyle/>
           <a:p>
+            <a:pPr algn="just"/>
             <a:r>
               <a:rPr lang="en-GB" b="1" i="0" dirty="0">
                 <a:solidFill>
                   <a:schemeClr val="tx1"/>
                 </a:solidFill>
                 <a:effectLst/>
-                <a:latin typeface="ui-sans-serif"/>
               </a:rPr>
-              <a:t>E-waste management</a:t>
-            </a:r>
-            <a:r>
-              <a:rPr lang="en-GB" b="0" i="0" dirty="0">
+              <a:t>Electronic waste (E-waste) </a:t>
+            </a:r>
+            <a:r>
+              <a:rPr lang="en-GB" i="0" dirty="0">
                 <a:solidFill>
                   <a:schemeClr val="tx1"/>
                 </a:solidFill>
                 <a:effectLst/>
-                <a:latin typeface="ui-sans-serif"/>
               </a:rPr>
-              <a:t> is a critical global issue, with only </a:t>
+              <a:t>is a rapidly growing global issue due to the increasing pace of technological advancements and consumerism. </a:t>
+            </a:r>
+          </a:p>
+          <a:p>
+            <a:pPr algn="just"/>
+            <a:r>
+              <a:rPr lang="en-GB" i="0" dirty="0">
+                <a:solidFill>
+                  <a:schemeClr val="tx1"/>
+                </a:solidFill>
+                <a:effectLst/>
+              </a:rPr>
+              <a:t>Improper disposal of </a:t>
             </a:r>
             <a:r>
               <a:rPr lang="en-GB" b="1" i="0" dirty="0">
@@ -29598,19 +30774,17 @@
                   <a:schemeClr val="tx1"/>
                 </a:solidFill>
                 <a:effectLst/>
-                <a:latin typeface="ui-sans-serif"/>
               </a:rPr>
-              <a:t>20% of e-waste</a:t>
-            </a:r>
-            <a:r>
-              <a:rPr lang="en-GB" b="0" i="0" dirty="0">
+              <a:t>e-waste</a:t>
+            </a:r>
+            <a:r>
+              <a:rPr lang="en-GB" i="0" dirty="0">
                 <a:solidFill>
                   <a:schemeClr val="tx1"/>
                 </a:solidFill>
                 <a:effectLst/>
-                <a:latin typeface="ui-sans-serif"/>
               </a:rPr>
-              <a:t> properly recycled, causing severe </a:t>
+              <a:t> </a:t>
             </a:r>
             <a:r>
               <a:rPr lang="en-GB" b="1" i="0" dirty="0">
@@ -29618,19 +30792,17 @@
                   <a:schemeClr val="tx1"/>
                 </a:solidFill>
                 <a:effectLst/>
-                <a:latin typeface="ui-sans-serif"/>
               </a:rPr>
-              <a:t>environmental and health risks</a:t>
-            </a:r>
-            <a:r>
-              <a:rPr lang="en-GB" b="0" i="0" dirty="0">
+              <a:t>poses</a:t>
+            </a:r>
+            <a:r>
+              <a:rPr lang="en-GB" i="0" dirty="0">
                 <a:solidFill>
                   <a:schemeClr val="tx1"/>
                 </a:solidFill>
                 <a:effectLst/>
-                <a:latin typeface="ui-sans-serif"/>
               </a:rPr>
-              <a:t>. This challenge proposes a </a:t>
+              <a:t> </a:t>
             </a:r>
             <a:r>
               <a:rPr lang="en-GB" b="1" i="0" dirty="0">
@@ -29638,19 +30810,17 @@
                   <a:schemeClr val="tx1"/>
                 </a:solidFill>
                 <a:effectLst/>
-                <a:latin typeface="ui-sans-serif"/>
               </a:rPr>
-              <a:t>comprehensive system</a:t>
-            </a:r>
-            <a:r>
-              <a:rPr lang="en-GB" b="0" i="0" dirty="0">
+              <a:t>significant</a:t>
+            </a:r>
+            <a:r>
+              <a:rPr lang="en-GB" i="0" dirty="0">
                 <a:solidFill>
                   <a:schemeClr val="tx1"/>
                 </a:solidFill>
                 <a:effectLst/>
-                <a:latin typeface="ui-sans-serif"/>
               </a:rPr>
-              <a:t> integrating </a:t>
+              <a:t> </a:t>
             </a:r>
             <a:r>
               <a:rPr lang="en-GB" b="1" i="0" dirty="0">
@@ -29658,17 +30828,129 @@
                   <a:schemeClr val="tx1"/>
                 </a:solidFill>
                 <a:effectLst/>
-                <a:latin typeface="ui-sans-serif"/>
               </a:rPr>
-              <a:t>IoT</a:t>
-            </a:r>
-            <a:r>
-              <a:rPr lang="en-GB" b="0" i="0" dirty="0">
+              <a:t>risks</a:t>
+            </a:r>
+            <a:r>
+              <a:rPr lang="en-GB" i="0" dirty="0">
                 <a:solidFill>
                   <a:schemeClr val="tx1"/>
                 </a:solidFill>
                 <a:effectLst/>
-                <a:latin typeface="ui-sans-serif"/>
+              </a:rPr>
+              <a:t> to the environment and public health, as valuable materials are wasted and hazardous substances are released. </a:t>
+            </a:r>
+          </a:p>
+          <a:p>
+            <a:pPr algn="just"/>
+            <a:r>
+              <a:rPr lang="en-GB" i="0" dirty="0">
+                <a:solidFill>
+                  <a:schemeClr val="tx1"/>
+                </a:solidFill>
+                <a:effectLst/>
+              </a:rPr>
+              <a:t>Despite existing efforts, only a fraction of e-waste is effectively </a:t>
+            </a:r>
+            <a:r>
+              <a:rPr lang="en-GB" b="1" i="0" dirty="0">
+                <a:solidFill>
+                  <a:schemeClr val="tx1"/>
+                </a:solidFill>
+                <a:effectLst/>
+              </a:rPr>
+              <a:t>collected</a:t>
+            </a:r>
+            <a:r>
+              <a:rPr lang="en-GB" i="0" dirty="0">
+                <a:solidFill>
+                  <a:schemeClr val="tx1"/>
+                </a:solidFill>
+                <a:effectLst/>
+              </a:rPr>
+              <a:t>, </a:t>
+            </a:r>
+            <a:r>
+              <a:rPr lang="en-GB" b="1" i="0" dirty="0">
+                <a:solidFill>
+                  <a:schemeClr val="tx1"/>
+                </a:solidFill>
+                <a:effectLst/>
+              </a:rPr>
+              <a:t>tracked</a:t>
+            </a:r>
+            <a:r>
+              <a:rPr lang="en-GB" i="0" dirty="0">
+                <a:solidFill>
+                  <a:schemeClr val="tx1"/>
+                </a:solidFill>
+                <a:effectLst/>
+              </a:rPr>
+              <a:t>, and </a:t>
+            </a:r>
+            <a:r>
+              <a:rPr lang="en-GB" b="1" i="0" dirty="0">
+                <a:solidFill>
+                  <a:schemeClr val="tx1"/>
+                </a:solidFill>
+                <a:effectLst/>
+              </a:rPr>
+              <a:t>recycled</a:t>
+            </a:r>
+            <a:r>
+              <a:rPr lang="en-GB" i="0" dirty="0">
+                <a:solidFill>
+                  <a:schemeClr val="tx1"/>
+                </a:solidFill>
+                <a:effectLst/>
+              </a:rPr>
+              <a:t>.</a:t>
+            </a:r>
+          </a:p>
+          <a:p>
+            <a:pPr algn="just"/>
+            <a:r>
+              <a:rPr lang="en-GB" i="0" dirty="0">
+                <a:solidFill>
+                  <a:schemeClr val="tx1"/>
+                </a:solidFill>
+                <a:effectLst/>
+              </a:rPr>
+              <a:t> The challenge is to develop an innovative, scalable, and transparent e-waste tracking and management solution that ensures efficient collection, segregation, and recycling while addressing critical factors such as </a:t>
+            </a:r>
+            <a:r>
+              <a:rPr lang="en-GB" b="1" i="0" dirty="0">
+                <a:solidFill>
+                  <a:schemeClr val="tx1"/>
+                </a:solidFill>
+                <a:effectLst/>
+              </a:rPr>
+              <a:t>data</a:t>
+            </a:r>
+            <a:r>
+              <a:rPr lang="en-GB" i="0" dirty="0">
+                <a:solidFill>
+                  <a:schemeClr val="tx1"/>
+                </a:solidFill>
+                <a:effectLst/>
+              </a:rPr>
+              <a:t> </a:t>
+            </a:r>
+            <a:r>
+              <a:rPr lang="en-GB" b="1" i="0" dirty="0">
+                <a:solidFill>
+                  <a:schemeClr val="tx1"/>
+                </a:solidFill>
+                <a:effectLst/>
+              </a:rPr>
+              <a:t>privacy</a:t>
+            </a:r>
+            <a:r>
+              <a:rPr lang="en-GB" i="0" dirty="0">
+                <a:solidFill>
+                  <a:schemeClr val="tx1"/>
+                </a:solidFill>
+                <a:effectLst/>
               </a:rPr>
               <a:t>, </a:t>
             </a:r>
@@ -29678,17 +30960,33 @@
                   <a:schemeClr val="tx1"/>
                 </a:solidFill>
                 <a:effectLst/>
-                <a:latin typeface="ui-sans-serif"/>
               </a:rPr>
-              <a:t>GPS</a:t>
-            </a:r>
-            <a:r>
-              <a:rPr lang="en-GB" b="0" i="0" dirty="0">
+              <a:t>user</a:t>
+            </a:r>
+            <a:r>
+              <a:rPr lang="en-GB" i="0" dirty="0">
                 <a:solidFill>
                   <a:schemeClr val="tx1"/>
                 </a:solidFill>
                 <a:effectLst/>
-                <a:latin typeface="ui-sans-serif"/>
+              </a:rPr>
+              <a:t> </a:t>
+            </a:r>
+            <a:r>
+              <a:rPr lang="en-GB" b="1" i="0" dirty="0">
+                <a:solidFill>
+                  <a:schemeClr val="tx1"/>
+                </a:solidFill>
+                <a:effectLst/>
+              </a:rPr>
+              <a:t>engagement</a:t>
+            </a:r>
+            <a:r>
+              <a:rPr lang="en-GB" i="0" dirty="0">
+                <a:solidFill>
+                  <a:schemeClr val="tx1"/>
+                </a:solidFill>
+                <a:effectLst/>
               </a:rPr>
               <a:t>, and </a:t>
             </a:r>
@@ -29698,19 +30996,17 @@
                   <a:schemeClr val="tx1"/>
                 </a:solidFill>
                 <a:effectLst/>
-                <a:latin typeface="ui-sans-serif"/>
               </a:rPr>
-              <a:t>blockchain</a:t>
-            </a:r>
-            <a:r>
-              <a:rPr lang="en-GB" b="0" i="0" dirty="0">
+              <a:t>real-time</a:t>
+            </a:r>
+            <a:r>
+              <a:rPr lang="en-GB" i="0" dirty="0">
                 <a:solidFill>
                   <a:schemeClr val="tx1"/>
                 </a:solidFill>
                 <a:effectLst/>
-                <a:latin typeface="ui-sans-serif"/>
               </a:rPr>
-              <a:t> for </a:t>
+              <a:t> </a:t>
             </a:r>
             <a:r>
               <a:rPr lang="en-GB" b="1" i="0" dirty="0">
@@ -29718,237 +31014,15 @@
                   <a:schemeClr val="tx1"/>
                 </a:solidFill>
                 <a:effectLst/>
-                <a:latin typeface="ui-sans-serif"/>
               </a:rPr>
-              <a:t>real-time tracking</a:t>
-            </a:r>
-            <a:r>
-              <a:rPr lang="en-GB" b="0" i="0" dirty="0">
+              <a:t>monitoring</a:t>
+            </a:r>
+            <a:r>
+              <a:rPr lang="en-GB" i="0" dirty="0">
                 <a:solidFill>
                   <a:schemeClr val="tx1"/>
                 </a:solidFill>
                 <a:effectLst/>
-                <a:latin typeface="ui-sans-serif"/>
-              </a:rPr>
-              <a:t>, </a:t>
-            </a:r>
-            <a:r>
-              <a:rPr lang="en-GB" b="1" i="0" dirty="0">
-                <a:solidFill>
-                  <a:schemeClr val="tx1"/>
-                </a:solidFill>
-                <a:effectLst/>
-                <a:latin typeface="ui-sans-serif"/>
-              </a:rPr>
-              <a:t>AI</a:t>
-            </a:r>
-            <a:r>
-              <a:rPr lang="en-GB" b="0" i="0" dirty="0">
-                <a:solidFill>
-                  <a:schemeClr val="tx1"/>
-                </a:solidFill>
-                <a:effectLst/>
-                <a:latin typeface="ui-sans-serif"/>
-              </a:rPr>
-              <a:t> for </a:t>
-            </a:r>
-            <a:r>
-              <a:rPr lang="en-GB" b="1" i="0" dirty="0">
-                <a:solidFill>
-                  <a:schemeClr val="tx1"/>
-                </a:solidFill>
-                <a:effectLst/>
-                <a:latin typeface="ui-sans-serif"/>
-              </a:rPr>
-              <a:t>efficient segregation</a:t>
-            </a:r>
-            <a:r>
-              <a:rPr lang="en-GB" b="0" i="0" dirty="0">
-                <a:solidFill>
-                  <a:schemeClr val="tx1"/>
-                </a:solidFill>
-                <a:effectLst/>
-                <a:latin typeface="ui-sans-serif"/>
-              </a:rPr>
-              <a:t>, and collaboration with </a:t>
-            </a:r>
-            <a:r>
-              <a:rPr lang="en-GB" b="1" i="0" dirty="0">
-                <a:solidFill>
-                  <a:schemeClr val="tx1"/>
-                </a:solidFill>
-                <a:effectLst/>
-                <a:latin typeface="ui-sans-serif"/>
-              </a:rPr>
-              <a:t>certified vendors</a:t>
-            </a:r>
-            <a:r>
-              <a:rPr lang="en-GB" b="0" i="0" dirty="0">
-                <a:solidFill>
-                  <a:schemeClr val="tx1"/>
-                </a:solidFill>
-                <a:effectLst/>
-                <a:latin typeface="ui-sans-serif"/>
-              </a:rPr>
-              <a:t> for </a:t>
-            </a:r>
-            <a:r>
-              <a:rPr lang="en-GB" b="1" i="0" dirty="0">
-                <a:solidFill>
-                  <a:schemeClr val="tx1"/>
-                </a:solidFill>
-                <a:effectLst/>
-                <a:latin typeface="ui-sans-serif"/>
-              </a:rPr>
-              <a:t>responsible recycling</a:t>
-            </a:r>
-            <a:r>
-              <a:rPr lang="en-GB" b="0" i="0" dirty="0">
-                <a:solidFill>
-                  <a:schemeClr val="tx1"/>
-                </a:solidFill>
-                <a:effectLst/>
-                <a:latin typeface="ui-sans-serif"/>
-              </a:rPr>
-              <a:t>. The system also ensures </a:t>
-            </a:r>
-            <a:r>
-              <a:rPr lang="en-GB" b="1" i="0" dirty="0">
-                <a:solidFill>
-                  <a:schemeClr val="tx1"/>
-                </a:solidFill>
-                <a:effectLst/>
-                <a:latin typeface="ui-sans-serif"/>
-              </a:rPr>
-              <a:t>reverse supply chain tracking</a:t>
-            </a:r>
-            <a:r>
-              <a:rPr lang="en-GB" b="0" i="0" dirty="0">
-                <a:solidFill>
-                  <a:schemeClr val="tx1"/>
-                </a:solidFill>
-                <a:effectLst/>
-                <a:latin typeface="ui-sans-serif"/>
-              </a:rPr>
-              <a:t> to promote a </a:t>
-            </a:r>
-            <a:r>
-              <a:rPr lang="en-GB" b="1" i="0" dirty="0">
-                <a:solidFill>
-                  <a:schemeClr val="tx1"/>
-                </a:solidFill>
-                <a:effectLst/>
-                <a:latin typeface="ui-sans-serif"/>
-              </a:rPr>
-              <a:t>circular economy</a:t>
-            </a:r>
-            <a:r>
-              <a:rPr lang="en-GB" b="0" i="0" dirty="0">
-                <a:solidFill>
-                  <a:schemeClr val="tx1"/>
-                </a:solidFill>
-                <a:effectLst/>
-                <a:latin typeface="ui-sans-serif"/>
-              </a:rPr>
-              <a:t> while prioritizing </a:t>
-            </a:r>
-            <a:r>
-              <a:rPr lang="en-GB" b="1" i="0" dirty="0">
-                <a:solidFill>
-                  <a:schemeClr val="tx1"/>
-                </a:solidFill>
-                <a:effectLst/>
-                <a:latin typeface="ui-sans-serif"/>
-              </a:rPr>
-              <a:t>data privacy</a:t>
-            </a:r>
-            <a:r>
-              <a:rPr lang="en-GB" b="0" i="0" dirty="0">
-                <a:solidFill>
-                  <a:schemeClr val="tx1"/>
-                </a:solidFill>
-                <a:effectLst/>
-                <a:latin typeface="ui-sans-serif"/>
-              </a:rPr>
-              <a:t> and </a:t>
-            </a:r>
-            <a:r>
-              <a:rPr lang="en-GB" b="1" i="0" dirty="0">
-                <a:solidFill>
-                  <a:schemeClr val="tx1"/>
-                </a:solidFill>
-                <a:effectLst/>
-                <a:latin typeface="ui-sans-serif"/>
-              </a:rPr>
-              <a:t>security</a:t>
-            </a:r>
-            <a:r>
-              <a:rPr lang="en-GB" b="0" i="0" dirty="0">
-                <a:solidFill>
-                  <a:schemeClr val="tx1"/>
-                </a:solidFill>
-                <a:effectLst/>
-                <a:latin typeface="ui-sans-serif"/>
-              </a:rPr>
-              <a:t>. By leveraging </a:t>
-            </a:r>
-            <a:r>
-              <a:rPr lang="en-GB" b="1" i="0" dirty="0">
-                <a:solidFill>
-                  <a:schemeClr val="tx1"/>
-                </a:solidFill>
-                <a:effectLst/>
-                <a:latin typeface="ui-sans-serif"/>
-              </a:rPr>
-              <a:t>advanced technologies</a:t>
-            </a:r>
-            <a:r>
-              <a:rPr lang="en-GB" b="0" i="0" dirty="0">
-                <a:solidFill>
-                  <a:schemeClr val="tx1"/>
-                </a:solidFill>
-                <a:effectLst/>
-                <a:latin typeface="ui-sans-serif"/>
-              </a:rPr>
-              <a:t>, this solution aims to revolutionize </a:t>
-            </a:r>
-            <a:r>
-              <a:rPr lang="en-GB" b="1" i="0" dirty="0">
-                <a:solidFill>
-                  <a:schemeClr val="tx1"/>
-                </a:solidFill>
-                <a:effectLst/>
-                <a:latin typeface="ui-sans-serif"/>
-              </a:rPr>
-              <a:t>e-waste management</a:t>
-            </a:r>
-            <a:r>
-              <a:rPr lang="en-GB" b="0" i="0" dirty="0">
-                <a:solidFill>
-                  <a:schemeClr val="tx1"/>
-                </a:solidFill>
-                <a:effectLst/>
-                <a:latin typeface="ui-sans-serif"/>
-              </a:rPr>
-              <a:t> for a </a:t>
-            </a:r>
-            <a:r>
-              <a:rPr lang="en-GB" b="1" i="0" dirty="0">
-                <a:solidFill>
-                  <a:schemeClr val="tx1"/>
-                </a:solidFill>
-                <a:effectLst/>
-                <a:latin typeface="ui-sans-serif"/>
-              </a:rPr>
-              <a:t>sustainable future</a:t>
-            </a:r>
-            <a:r>
-              <a:rPr lang="en-GB" b="0" i="0" dirty="0">
-                <a:solidFill>
-                  <a:schemeClr val="tx1"/>
-                </a:solidFill>
-                <a:effectLst/>
-                <a:latin typeface="ui-sans-serif"/>
               </a:rPr>
               <a:t>.</a:t>
             </a:r>
@@ -30013,7 +31087,7 @@
           <a:p>
             <a:r>
               <a:rPr lang="en-IN" dirty="0"/>
-              <a:t>Concept / Solution</a:t>
+              <a:t>Concept / Solution - 1</a:t>
             </a:r>
           </a:p>
         </p:txBody>
@@ -30034,12 +31108,148 @@
             <p:ph idx="1"/>
           </p:nvPr>
         </p:nvSpPr>
-        <p:spPr/>
+        <p:spPr>
+          <a:xfrm>
+            <a:off x="348000" y="863448"/>
+            <a:ext cx="4369143" cy="2192460"/>
+          </a:xfrm>
+        </p:spPr>
         <p:txBody>
-          <a:bodyPr>
-            <a:normAutofit lnSpcReduction="10000"/>
+          <a:bodyPr numCol="1">
+            <a:noAutofit/>
           </a:bodyPr>
           <a:lstStyle/>
+          <a:p>
+            <a:pPr marL="0" indent="0" algn="just">
+              <a:buNone/>
+            </a:pPr>
+            <a:r>
+              <a:rPr lang="en-GB" b="1" i="0" dirty="0">
+                <a:solidFill>
+                  <a:schemeClr val="tx1"/>
+                </a:solidFill>
+                <a:effectLst/>
+              </a:rPr>
+              <a:t>Concept:</a:t>
+            </a:r>
+          </a:p>
+          <a:p>
+            <a:pPr algn="just">
+              <a:buFont typeface="Arial" panose="020B0604020202020204" pitchFamily="34" charset="0"/>
+              <a:buChar char="•"/>
+            </a:pPr>
+            <a:r>
+              <a:rPr lang="en-GB" b="0" i="0" dirty="0">
+                <a:solidFill>
+                  <a:schemeClr val="tx1"/>
+                </a:solidFill>
+                <a:effectLst/>
+              </a:rPr>
+              <a:t>The </a:t>
+            </a:r>
+            <a:r>
+              <a:rPr lang="en-GB" b="1" i="0" dirty="0">
+                <a:solidFill>
+                  <a:schemeClr val="tx1"/>
+                </a:solidFill>
+                <a:effectLst/>
+              </a:rPr>
+              <a:t>E-Waste Tracking and Management System</a:t>
+            </a:r>
+            <a:r>
+              <a:rPr lang="en-GB" b="0" i="0" dirty="0">
+                <a:solidFill>
+                  <a:schemeClr val="tx1"/>
+                </a:solidFill>
+                <a:effectLst/>
+              </a:rPr>
+              <a:t> addresses the growing challenge of electronic waste (e-waste) through an innovative, technology-driven approach.</a:t>
+            </a:r>
+          </a:p>
+          <a:p>
+            <a:pPr algn="just">
+              <a:buFont typeface="Arial" panose="020B0604020202020204" pitchFamily="34" charset="0"/>
+              <a:buChar char="•"/>
+            </a:pPr>
+            <a:r>
+              <a:rPr lang="en-GB" b="0" i="0" dirty="0">
+                <a:solidFill>
+                  <a:schemeClr val="tx1"/>
+                </a:solidFill>
+                <a:effectLst/>
+              </a:rPr>
+              <a:t>It integrates </a:t>
+            </a:r>
+            <a:r>
+              <a:rPr lang="en-GB" b="1" i="0" dirty="0">
+                <a:solidFill>
+                  <a:schemeClr val="tx1"/>
+                </a:solidFill>
+                <a:effectLst/>
+              </a:rPr>
+              <a:t>real-time monitoring</a:t>
+            </a:r>
+            <a:r>
+              <a:rPr lang="en-GB" b="0" i="0" dirty="0">
+                <a:solidFill>
+                  <a:schemeClr val="tx1"/>
+                </a:solidFill>
+                <a:effectLst/>
+              </a:rPr>
+              <a:t>, </a:t>
+            </a:r>
+            <a:r>
+              <a:rPr lang="en-GB" b="1" i="0" dirty="0">
+                <a:solidFill>
+                  <a:schemeClr val="tx1"/>
+                </a:solidFill>
+                <a:effectLst/>
+              </a:rPr>
+              <a:t>user engagement</a:t>
+            </a:r>
+            <a:r>
+              <a:rPr lang="en-GB" b="0" i="0" dirty="0">
+                <a:solidFill>
+                  <a:schemeClr val="tx1"/>
+                </a:solidFill>
+                <a:effectLst/>
+              </a:rPr>
+              <a:t>, and </a:t>
+            </a:r>
+            <a:r>
+              <a:rPr lang="en-GB" b="1" i="0" dirty="0">
+                <a:solidFill>
+                  <a:schemeClr val="tx1"/>
+                </a:solidFill>
+                <a:effectLst/>
+              </a:rPr>
+              <a:t>data analytics</a:t>
+            </a:r>
+            <a:r>
+              <a:rPr lang="en-GB" b="0" i="0" dirty="0">
+                <a:solidFill>
+                  <a:schemeClr val="tx1"/>
+                </a:solidFill>
+                <a:effectLst/>
+              </a:rPr>
+              <a:t> to manage e-waste effectively from its generation to final disposal.</a:t>
+            </a:r>
+          </a:p>
+          <a:p>
+            <a:pPr algn="just">
+              <a:buFont typeface="Arial" panose="020B0604020202020204" pitchFamily="34" charset="0"/>
+              <a:buChar char="•"/>
+            </a:pPr>
+            <a:r>
+              <a:rPr lang="en-GB" b="0" i="0" dirty="0">
+                <a:solidFill>
+                  <a:schemeClr val="tx1"/>
+                </a:solidFill>
+                <a:effectLst/>
+              </a:rPr>
+              <a:t>The system promotes transparency, user trust, and sustainability by leveraging advanced technologies and collaboration with certified recycling vendors.</a:t>
+            </a:r>
+          </a:p>
           <a:p>
             <a:pPr marL="0" indent="0" algn="l">
               <a:buNone/>
@@ -30050,323 +31260,9 @@
                   <a:schemeClr val="tx1"/>
                 </a:solidFill>
                 <a:effectLst/>
-                <a:latin typeface="ui-sans-serif"/>
               </a:rPr>
-              <a:t>Concept:</a:t>
-            </a:r>
-          </a:p>
-          <a:p>
-            <a:pPr algn="l"/>
-            <a:r>
-              <a:rPr lang="en-GB" b="0" i="0" dirty="0">
-                <a:solidFill>
-                  <a:schemeClr val="tx1"/>
-                </a:solidFill>
-                <a:effectLst/>
-                <a:latin typeface="ui-sans-serif"/>
-              </a:rPr>
-              <a:t>The concept revolves around addressing the growing issue of e-waste management by leveraging advanced technologies such as </a:t>
-            </a:r>
-            <a:r>
-              <a:rPr lang="en-GB" b="1" i="0" dirty="0">
-                <a:solidFill>
-                  <a:schemeClr val="tx1"/>
-                </a:solidFill>
-                <a:effectLst/>
-                <a:latin typeface="ui-sans-serif"/>
-              </a:rPr>
-              <a:t>IoT</a:t>
-            </a:r>
-            <a:r>
-              <a:rPr lang="en-GB" b="0" i="0" dirty="0">
-                <a:solidFill>
-                  <a:schemeClr val="tx1"/>
-                </a:solidFill>
-                <a:effectLst/>
-                <a:latin typeface="ui-sans-serif"/>
-              </a:rPr>
-              <a:t>, </a:t>
-            </a:r>
-            <a:r>
-              <a:rPr lang="en-GB" b="1" i="0" dirty="0">
-                <a:solidFill>
-                  <a:schemeClr val="tx1"/>
-                </a:solidFill>
-                <a:effectLst/>
-                <a:latin typeface="ui-sans-serif"/>
-              </a:rPr>
-              <a:t>blockchain</a:t>
-            </a:r>
-            <a:r>
-              <a:rPr lang="en-GB" b="0" i="0" dirty="0">
-                <a:solidFill>
-                  <a:schemeClr val="tx1"/>
-                </a:solidFill>
-                <a:effectLst/>
-                <a:latin typeface="ui-sans-serif"/>
-              </a:rPr>
-              <a:t>, and </a:t>
-            </a:r>
-            <a:r>
-              <a:rPr lang="en-GB" b="1" i="0" dirty="0">
-                <a:solidFill>
-                  <a:schemeClr val="tx1"/>
-                </a:solidFill>
-                <a:effectLst/>
-                <a:latin typeface="ui-sans-serif"/>
-              </a:rPr>
-              <a:t>AI</a:t>
-            </a:r>
-            <a:r>
-              <a:rPr lang="en-GB" b="0" i="0" dirty="0">
-                <a:solidFill>
-                  <a:schemeClr val="tx1"/>
-                </a:solidFill>
-                <a:effectLst/>
-                <a:latin typeface="ui-sans-serif"/>
-              </a:rPr>
-              <a:t>. The system aims to provide a transparent and efficient way to monitor, segregate, and recycle e-waste, ensuring traceability and promoting sustainability.</a:t>
-            </a:r>
-          </a:p>
-          <a:p>
-            <a:pPr marL="0" indent="0" algn="l">
-              <a:buNone/>
-            </a:pPr>
-            <a:r>
-              <a:rPr lang="en-GB" b="1" i="0" dirty="0">
-                <a:solidFill>
-                  <a:schemeClr val="tx1"/>
-                </a:solidFill>
-                <a:effectLst/>
-                <a:latin typeface="ui-sans-serif"/>
-              </a:rPr>
-              <a:t>Solution:</a:t>
-            </a:r>
-          </a:p>
-          <a:p>
-            <a:pPr algn="l"/>
-            <a:r>
-              <a:rPr lang="en-GB" b="0" i="0" dirty="0">
-                <a:solidFill>
-                  <a:schemeClr val="tx1"/>
-                </a:solidFill>
-                <a:effectLst/>
-                <a:latin typeface="ui-sans-serif"/>
-              </a:rPr>
-              <a:t>The solution involves creating a comprehensive e-waste management system that:</a:t>
-            </a:r>
-          </a:p>
-          <a:p>
-            <a:pPr lvl="1">
-              <a:buFont typeface="+mj-lt"/>
-              <a:buAutoNum type="arabicPeriod"/>
-            </a:pPr>
-            <a:r>
-              <a:rPr lang="en-GB" b="1" i="0" dirty="0">
-                <a:solidFill>
-                  <a:schemeClr val="tx1"/>
-                </a:solidFill>
-                <a:effectLst/>
-                <a:latin typeface="ui-sans-serif"/>
-              </a:rPr>
-              <a:t>Tracks e-waste</a:t>
-            </a:r>
-            <a:r>
-              <a:rPr lang="en-GB" b="0" i="0" dirty="0">
-                <a:solidFill>
-                  <a:schemeClr val="tx1"/>
-                </a:solidFill>
-                <a:effectLst/>
-                <a:latin typeface="ui-sans-serif"/>
-              </a:rPr>
-              <a:t> from generation to recycling using </a:t>
-            </a:r>
-            <a:r>
-              <a:rPr lang="en-GB" b="1" i="0" dirty="0">
-                <a:solidFill>
-                  <a:schemeClr val="tx1"/>
-                </a:solidFill>
-                <a:effectLst/>
-                <a:latin typeface="ui-sans-serif"/>
-              </a:rPr>
-              <a:t>IoT and blockchain</a:t>
-            </a:r>
-            <a:r>
-              <a:rPr lang="en-GB" b="0" i="0" dirty="0">
-                <a:solidFill>
-                  <a:schemeClr val="tx1"/>
-                </a:solidFill>
-                <a:effectLst/>
-                <a:latin typeface="ui-sans-serif"/>
-              </a:rPr>
-              <a:t>.</a:t>
-            </a:r>
-          </a:p>
-          <a:p>
-            <a:pPr lvl="1">
-              <a:buFont typeface="+mj-lt"/>
-              <a:buAutoNum type="arabicPeriod"/>
-            </a:pPr>
-            <a:r>
-              <a:rPr lang="en-GB" b="1" i="0" dirty="0">
-                <a:solidFill>
-                  <a:schemeClr val="tx1"/>
-                </a:solidFill>
-                <a:effectLst/>
-                <a:latin typeface="ui-sans-serif"/>
-              </a:rPr>
-              <a:t>Automates waste segregation</a:t>
-            </a:r>
-            <a:r>
-              <a:rPr lang="en-GB" b="0" i="0" dirty="0">
-                <a:solidFill>
-                  <a:schemeClr val="tx1"/>
-                </a:solidFill>
-                <a:effectLst/>
-                <a:latin typeface="ui-sans-serif"/>
-              </a:rPr>
-              <a:t> through </a:t>
-            </a:r>
-            <a:r>
-              <a:rPr lang="en-GB" b="1" i="0" dirty="0">
-                <a:solidFill>
-                  <a:schemeClr val="tx1"/>
-                </a:solidFill>
-                <a:effectLst/>
-                <a:latin typeface="ui-sans-serif"/>
-              </a:rPr>
-              <a:t>AI-driven classification</a:t>
-            </a:r>
-            <a:r>
-              <a:rPr lang="en-GB" b="0" i="0" dirty="0">
-                <a:solidFill>
-                  <a:schemeClr val="tx1"/>
-                </a:solidFill>
-                <a:effectLst/>
-                <a:latin typeface="ui-sans-serif"/>
-              </a:rPr>
-              <a:t>.</a:t>
-            </a:r>
-          </a:p>
-          <a:p>
-            <a:pPr lvl="1">
-              <a:buFont typeface="+mj-lt"/>
-              <a:buAutoNum type="arabicPeriod"/>
-            </a:pPr>
-            <a:r>
-              <a:rPr lang="en-GB" b="0" i="0" dirty="0">
-                <a:solidFill>
-                  <a:schemeClr val="tx1"/>
-                </a:solidFill>
-                <a:effectLst/>
-                <a:latin typeface="ui-sans-serif"/>
-              </a:rPr>
-              <a:t>Provides </a:t>
-            </a:r>
-            <a:r>
-              <a:rPr lang="en-GB" b="1" i="0" dirty="0">
-                <a:solidFill>
-                  <a:schemeClr val="tx1"/>
-                </a:solidFill>
-                <a:effectLst/>
-                <a:latin typeface="ui-sans-serif"/>
-              </a:rPr>
-              <a:t>real-time updates</a:t>
-            </a:r>
-            <a:r>
-              <a:rPr lang="en-GB" b="0" i="0" dirty="0">
-                <a:solidFill>
-                  <a:schemeClr val="tx1"/>
-                </a:solidFill>
-                <a:effectLst/>
-                <a:latin typeface="ui-sans-serif"/>
-              </a:rPr>
-              <a:t> on recycling metrics, including material purity and quantity.</a:t>
-            </a:r>
-          </a:p>
-          <a:p>
-            <a:pPr lvl="1">
-              <a:buFont typeface="+mj-lt"/>
-              <a:buAutoNum type="arabicPeriod"/>
-            </a:pPr>
-            <a:r>
-              <a:rPr lang="en-GB" b="0" i="0" dirty="0">
-                <a:solidFill>
-                  <a:schemeClr val="tx1"/>
-                </a:solidFill>
-                <a:effectLst/>
-                <a:latin typeface="ui-sans-serif"/>
-              </a:rPr>
-              <a:t>Ensures </a:t>
-            </a:r>
-            <a:r>
-              <a:rPr lang="en-GB" b="1" i="0" dirty="0">
-                <a:solidFill>
-                  <a:schemeClr val="tx1"/>
-                </a:solidFill>
-                <a:effectLst/>
-                <a:latin typeface="ui-sans-serif"/>
-              </a:rPr>
-              <a:t>data privacy and security</a:t>
-            </a:r>
-            <a:r>
-              <a:rPr lang="en-GB" b="0" i="0" dirty="0">
-                <a:solidFill>
-                  <a:schemeClr val="tx1"/>
-                </a:solidFill>
-                <a:effectLst/>
-                <a:latin typeface="ui-sans-serif"/>
-              </a:rPr>
-              <a:t> throughout the process.</a:t>
-            </a:r>
-          </a:p>
-          <a:p>
-            <a:pPr lvl="1">
-              <a:buFont typeface="+mj-lt"/>
-              <a:buAutoNum type="arabicPeriod"/>
-            </a:pPr>
-            <a:r>
-              <a:rPr lang="en-GB" b="0" i="0" dirty="0">
-                <a:solidFill>
-                  <a:schemeClr val="tx1"/>
-                </a:solidFill>
-                <a:effectLst/>
-                <a:latin typeface="ui-sans-serif"/>
-              </a:rPr>
-              <a:t>Promotes </a:t>
-            </a:r>
-            <a:r>
-              <a:rPr lang="en-GB" b="1" i="0" dirty="0">
-                <a:solidFill>
-                  <a:schemeClr val="tx1"/>
-                </a:solidFill>
-                <a:effectLst/>
-                <a:latin typeface="ui-sans-serif"/>
-              </a:rPr>
-              <a:t>a circular economy</a:t>
-            </a:r>
-            <a:r>
-              <a:rPr lang="en-GB" b="0" i="0" dirty="0">
-                <a:solidFill>
-                  <a:schemeClr val="tx1"/>
-                </a:solidFill>
-                <a:effectLst/>
-                <a:latin typeface="ui-sans-serif"/>
-              </a:rPr>
-              <a:t> by tracing recycled materials back to production or consumers.</a:t>
-            </a:r>
-          </a:p>
-          <a:p>
-            <a:pPr marL="342891" lvl="1" indent="0">
-              <a:buNone/>
-            </a:pPr>
-            <a:br>
-              <a:rPr lang="en-GB" dirty="0">
-                <a:solidFill>
-                  <a:schemeClr val="tx1"/>
-                </a:solidFill>
-              </a:rPr>
-            </a:br>
+              <a:t> </a:t>
+            </a:r>
             <a:endParaRPr lang="en-IN" dirty="0">
               <a:solidFill>
                 <a:schemeClr val="tx1"/>
@@ -30375,6 +31271,58 @@
           </a:p>
         </p:txBody>
       </p:sp>
+      <p:pic>
+        <p:nvPicPr>
+          <p:cNvPr id="1028" name="Picture 4" descr="Premium Vector | E-waste illustration design">
+            <a:extLst>
+              <a:ext uri="{FF2B5EF4-FFF2-40B4-BE49-F238E27FC236}">
+                <a16:creationId xmlns:a16="http://schemas.microsoft.com/office/drawing/2014/main" id="{7A5A759E-636B-58FE-A2C7-AD5C8BBA57F2}"/>
+              </a:ext>
+            </a:extLst>
+          </p:cNvPr>
+          <p:cNvPicPr>
+            <a:picLocks noChangeAspect="1" noChangeArrowheads="1"/>
+          </p:cNvPicPr>
+          <p:nvPr/>
+        </p:nvPicPr>
+        <p:blipFill>
+          <a:blip r:embed="rId2">
+            <a:extLst>
+              <a:ext uri="{28A0092B-C50C-407E-A947-70E740481C1C}">
+                <a14:useLocalDpi xmlns:a14="http://schemas.microsoft.com/office/drawing/2010/main" val="0"/>
+              </a:ext>
+            </a:extLst>
+          </a:blip>
+          <a:srcRect/>
+          <a:stretch>
+            <a:fillRect/>
+          </a:stretch>
+        </p:blipFill>
+        <p:spPr bwMode="auto">
+          <a:xfrm>
+            <a:off x="5072744" y="691979"/>
+            <a:ext cx="3850992" cy="3850992"/>
+          </a:xfrm>
+          <a:prstGeom prst="rect">
+            <a:avLst/>
+          </a:prstGeom>
+          <a:ln>
+            <a:noFill/>
+          </a:ln>
+          <a:effectLst>
+            <a:softEdge rad="112500"/>
+          </a:effectLst>
+          <a:extLst>
+            <a:ext uri="{909E8E84-426E-40DD-AFC4-6F175D3DCCD1}">
+              <a14:hiddenFill xmlns:a14="http://schemas.microsoft.com/office/drawing/2010/main">
+                <a:solidFill>
+                  <a:srgbClr val="FFFFFF"/>
+                </a:solidFill>
+              </a14:hiddenFill>
+            </a:ext>
+          </a:extLst>
+        </p:spPr>
+      </p:pic>
     </p:spTree>
     <p:extLst>
       <p:ext uri="{BB962C8B-B14F-4D97-AF65-F5344CB8AC3E}">
@@ -30389,6 +31337,492 @@
 </file>
 
 <file path=ppt/slides/slide4.xml><?xml version="1.0" encoding="utf-8"?>
+<p:sld xmlns:a="http://schemas.openxmlformats.org/drawingml/2006/main" xmlns:r="http://schemas.openxmlformats.org/officeDocument/2006/relationships" xmlns:p="http://schemas.openxmlformats.org/presentationml/2006/main">
+  <p:cSld>
+    <p:spTree>
+      <p:nvGrpSpPr>
+        <p:cNvPr id="1" name="">
+          <a:extLst>
+            <a:ext uri="{FF2B5EF4-FFF2-40B4-BE49-F238E27FC236}">
+              <a16:creationId xmlns:a16="http://schemas.microsoft.com/office/drawing/2014/main" id="{C5D7DFAB-A9FE-D9C6-7CFF-3B2352832563}"/>
+            </a:ext>
+          </a:extLst>
+        </p:cNvPr>
+        <p:cNvGrpSpPr/>
+        <p:nvPr/>
+      </p:nvGrpSpPr>
+      <p:grpSpPr>
+        <a:xfrm>
+          <a:off x="0" y="0"/>
+          <a:ext cx="0" cy="0"/>
+          <a:chOff x="0" y="0"/>
+          <a:chExt cx="0" cy="0"/>
+        </a:xfrm>
+      </p:grpSpPr>
+      <p:sp>
+        <p:nvSpPr>
+          <p:cNvPr id="2" name="Title 1">
+            <a:extLst>
+              <a:ext uri="{FF2B5EF4-FFF2-40B4-BE49-F238E27FC236}">
+                <a16:creationId xmlns:a16="http://schemas.microsoft.com/office/drawing/2014/main" id="{FEA6F424-66E1-E3FD-7E9C-07FAD94B1D67}"/>
+              </a:ext>
+            </a:extLst>
+          </p:cNvPr>
+          <p:cNvSpPr>
+            <a:spLocks noGrp="1"/>
+          </p:cNvSpPr>
+          <p:nvPr>
+            <p:ph type="title"/>
+          </p:nvPr>
+        </p:nvSpPr>
+        <p:spPr/>
+        <p:txBody>
+          <a:bodyPr/>
+          <a:lstStyle/>
+          <a:p>
+            <a:r>
+              <a:rPr lang="en-IN" dirty="0"/>
+              <a:t>Concept / Solution - 2</a:t>
+            </a:r>
+          </a:p>
+        </p:txBody>
+      </p:sp>
+      <p:sp>
+        <p:nvSpPr>
+          <p:cNvPr id="7" name="TextBox 6">
+            <a:extLst>
+              <a:ext uri="{FF2B5EF4-FFF2-40B4-BE49-F238E27FC236}">
+                <a16:creationId xmlns:a16="http://schemas.microsoft.com/office/drawing/2014/main" id="{A1CC58A3-F6BA-19EE-6801-8E8717248ACE}"/>
+              </a:ext>
+            </a:extLst>
+          </p:cNvPr>
+          <p:cNvSpPr txBox="1"/>
+          <p:nvPr/>
+        </p:nvSpPr>
+        <p:spPr>
+          <a:xfrm>
+            <a:off x="348000" y="842400"/>
+            <a:ext cx="8962572" cy="4247317"/>
+          </a:xfrm>
+          <a:prstGeom prst="rect">
+            <a:avLst/>
+          </a:prstGeom>
+          <a:noFill/>
+        </p:spPr>
+        <p:txBody>
+          <a:bodyPr wrap="square">
+            <a:spAutoFit/>
+          </a:bodyPr>
+          <a:lstStyle/>
+          <a:p>
+            <a:pPr marL="0" indent="0" algn="l">
+              <a:buNone/>
+            </a:pPr>
+            <a:r>
+              <a:rPr lang="en-GB" sz="1500" b="1" i="0" dirty="0">
+                <a:solidFill>
+                  <a:schemeClr val="tx1"/>
+                </a:solidFill>
+                <a:effectLst/>
+              </a:rPr>
+              <a:t>Solution:</a:t>
+            </a:r>
+          </a:p>
+          <a:p>
+            <a:pPr marL="400050" indent="-400050" algn="l">
+              <a:buFont typeface="+mj-lt"/>
+              <a:buAutoNum type="romanUcPeriod"/>
+            </a:pPr>
+            <a:r>
+              <a:rPr lang="en-GB" sz="1500" b="1" i="0" dirty="0">
+                <a:solidFill>
+                  <a:schemeClr val="tx1"/>
+                </a:solidFill>
+                <a:effectLst/>
+              </a:rPr>
+              <a:t>QR Code Integration</a:t>
+            </a:r>
+            <a:r>
+              <a:rPr lang="en-GB" sz="1500" b="0" i="0" dirty="0">
+                <a:solidFill>
+                  <a:schemeClr val="tx1"/>
+                </a:solidFill>
+                <a:effectLst/>
+              </a:rPr>
+              <a:t>:</a:t>
+            </a:r>
+            <a:br>
+              <a:rPr lang="en-GB" sz="1500" b="0" i="0" dirty="0">
+                <a:solidFill>
+                  <a:schemeClr val="tx1"/>
+                </a:solidFill>
+                <a:effectLst/>
+              </a:rPr>
+            </a:br>
+            <a:r>
+              <a:rPr lang="en-GB" sz="1500" b="0" i="0" dirty="0">
+                <a:solidFill>
+                  <a:schemeClr val="tx1"/>
+                </a:solidFill>
+                <a:effectLst/>
+              </a:rPr>
+              <a:t>Each device is assigned a </a:t>
+            </a:r>
+            <a:r>
+              <a:rPr lang="en-GB" sz="1500" b="1" i="0" dirty="0">
+                <a:solidFill>
+                  <a:schemeClr val="tx1"/>
+                </a:solidFill>
+                <a:effectLst/>
+              </a:rPr>
+              <a:t>unique QR code</a:t>
+            </a:r>
+            <a:r>
+              <a:rPr lang="en-GB" sz="1500" b="0" i="0" dirty="0">
+                <a:solidFill>
+                  <a:schemeClr val="tx1"/>
+                </a:solidFill>
+                <a:effectLst/>
+              </a:rPr>
+              <a:t> during manufacturing, containing details like material composition, lifecycle, and disposal guidelines.</a:t>
+            </a:r>
+          </a:p>
+          <a:p>
+            <a:pPr marL="400050" indent="-400050" algn="l">
+              <a:buFont typeface="+mj-lt"/>
+              <a:buAutoNum type="romanUcPeriod"/>
+            </a:pPr>
+            <a:r>
+              <a:rPr lang="en-GB" sz="1500" b="1" i="0" dirty="0">
+                <a:solidFill>
+                  <a:schemeClr val="tx1"/>
+                </a:solidFill>
+                <a:effectLst/>
+              </a:rPr>
+              <a:t>Mobile App Interaction</a:t>
+            </a:r>
+            <a:r>
+              <a:rPr lang="en-GB" sz="1500" b="0" i="0" dirty="0">
+                <a:solidFill>
+                  <a:schemeClr val="tx1"/>
+                </a:solidFill>
+                <a:effectLst/>
+              </a:rPr>
+              <a:t>:</a:t>
+            </a:r>
+            <a:br>
+              <a:rPr lang="en-GB" sz="1500" b="0" i="0" dirty="0">
+                <a:solidFill>
+                  <a:schemeClr val="tx1"/>
+                </a:solidFill>
+                <a:effectLst/>
+              </a:rPr>
+            </a:br>
+            <a:r>
+              <a:rPr lang="en-GB" sz="1500" b="0" i="0" dirty="0">
+                <a:solidFill>
+                  <a:schemeClr val="tx1"/>
+                </a:solidFill>
+                <a:effectLst/>
+              </a:rPr>
+              <a:t>Consumers use the </a:t>
+            </a:r>
+            <a:r>
+              <a:rPr lang="en-GB" sz="1500" b="1" i="0" dirty="0">
+                <a:solidFill>
+                  <a:schemeClr val="tx1"/>
+                </a:solidFill>
+                <a:effectLst/>
+              </a:rPr>
+              <a:t>E-Waste Manager App</a:t>
+            </a:r>
+            <a:r>
+              <a:rPr lang="en-GB" sz="1500" b="0" i="0" dirty="0">
+                <a:solidFill>
+                  <a:schemeClr val="tx1"/>
+                </a:solidFill>
+                <a:effectLst/>
+              </a:rPr>
+              <a:t> to scan the QR code, locate nearby drop-off points, or schedule pickups with certified recyclers.</a:t>
+            </a:r>
+          </a:p>
+          <a:p>
+            <a:pPr marL="400050" indent="-400050" algn="l">
+              <a:buFont typeface="+mj-lt"/>
+              <a:buAutoNum type="romanUcPeriod"/>
+            </a:pPr>
+            <a:r>
+              <a:rPr lang="en-GB" sz="1500" b="1" i="0" dirty="0">
+                <a:solidFill>
+                  <a:schemeClr val="tx1"/>
+                </a:solidFill>
+                <a:effectLst/>
+              </a:rPr>
+              <a:t>Recycling and Tracking</a:t>
+            </a:r>
+            <a:r>
+              <a:rPr lang="en-GB" sz="1500" b="0" i="0" dirty="0">
+                <a:solidFill>
+                  <a:schemeClr val="tx1"/>
+                </a:solidFill>
+                <a:effectLst/>
+              </a:rPr>
+              <a:t>:</a:t>
+            </a:r>
+            <a:br>
+              <a:rPr lang="en-GB" sz="1500" b="0" i="0" dirty="0">
+                <a:solidFill>
+                  <a:schemeClr val="tx1"/>
+                </a:solidFill>
+                <a:effectLst/>
+              </a:rPr>
+            </a:br>
+            <a:r>
+              <a:rPr lang="en-GB" sz="1500" b="0" i="0" dirty="0">
+                <a:solidFill>
+                  <a:schemeClr val="tx1"/>
+                </a:solidFill>
+                <a:effectLst/>
+              </a:rPr>
+              <a:t>At recycling centres, the QR code is scanned into a </a:t>
+            </a:r>
+            <a:r>
+              <a:rPr lang="en-GB" sz="1500" b="1" i="0" dirty="0">
+                <a:solidFill>
+                  <a:schemeClr val="tx1"/>
+                </a:solidFill>
+                <a:effectLst/>
+              </a:rPr>
+              <a:t>blockchain system</a:t>
+            </a:r>
+            <a:r>
+              <a:rPr lang="en-GB" sz="1500" b="0" i="0" dirty="0">
+                <a:solidFill>
+                  <a:schemeClr val="tx1"/>
+                </a:solidFill>
+                <a:effectLst/>
+              </a:rPr>
+              <a:t>, ensuring </a:t>
+            </a:r>
+            <a:r>
+              <a:rPr lang="en-GB" sz="1500" b="1" i="0" dirty="0">
+                <a:solidFill>
+                  <a:schemeClr val="tx1"/>
+                </a:solidFill>
+                <a:effectLst/>
+              </a:rPr>
+              <a:t>transparent tracking</a:t>
+            </a:r>
+            <a:r>
+              <a:rPr lang="en-GB" sz="1500" b="0" i="0" dirty="0">
+                <a:solidFill>
+                  <a:schemeClr val="tx1"/>
+                </a:solidFill>
+                <a:effectLst/>
+              </a:rPr>
+              <a:t> of dismantling and material reuse processes.</a:t>
+            </a:r>
+          </a:p>
+          <a:p>
+            <a:pPr marL="400050" indent="-400050" algn="l">
+              <a:buFont typeface="+mj-lt"/>
+              <a:buAutoNum type="romanUcPeriod"/>
+            </a:pPr>
+            <a:r>
+              <a:rPr lang="en-GB" sz="1500" b="1" i="0" dirty="0">
+                <a:solidFill>
+                  <a:schemeClr val="tx1"/>
+                </a:solidFill>
+                <a:effectLst/>
+              </a:rPr>
+              <a:t>Reward System</a:t>
+            </a:r>
+            <a:r>
+              <a:rPr lang="en-GB" sz="1500" b="0" i="0" dirty="0">
+                <a:solidFill>
+                  <a:schemeClr val="tx1"/>
+                </a:solidFill>
+                <a:effectLst/>
+              </a:rPr>
+              <a:t>:</a:t>
+            </a:r>
+            <a:br>
+              <a:rPr lang="en-GB" sz="1500" b="0" i="0" dirty="0">
+                <a:solidFill>
+                  <a:schemeClr val="tx1"/>
+                </a:solidFill>
+                <a:effectLst/>
+              </a:rPr>
+            </a:br>
+            <a:r>
+              <a:rPr lang="en-GB" sz="1500" b="0" i="0" dirty="0">
+                <a:solidFill>
+                  <a:schemeClr val="tx1"/>
+                </a:solidFill>
+                <a:effectLst/>
+              </a:rPr>
+              <a:t>Users earn </a:t>
+            </a:r>
+            <a:r>
+              <a:rPr lang="en-GB" sz="1500" b="1" i="0" dirty="0">
+                <a:solidFill>
+                  <a:schemeClr val="tx1"/>
+                </a:solidFill>
+                <a:effectLst/>
+              </a:rPr>
+              <a:t>eco-points</a:t>
+            </a:r>
+            <a:r>
+              <a:rPr lang="en-GB" sz="1500" b="0" i="0" dirty="0">
+                <a:solidFill>
+                  <a:schemeClr val="tx1"/>
+                </a:solidFill>
+                <a:effectLst/>
+              </a:rPr>
+              <a:t> for recycling, redeemable for discounts on eco-friendly products, motivating responsible disposal behaviour.</a:t>
+            </a:r>
+          </a:p>
+          <a:p>
+            <a:pPr marL="400050" indent="-400050" algn="l">
+              <a:buFont typeface="+mj-lt"/>
+              <a:buAutoNum type="romanUcPeriod"/>
+            </a:pPr>
+            <a:r>
+              <a:rPr lang="en-GB" sz="1500" b="1" i="0" dirty="0">
+                <a:solidFill>
+                  <a:schemeClr val="tx1"/>
+                </a:solidFill>
+                <a:effectLst/>
+              </a:rPr>
+              <a:t>Improvements</a:t>
+            </a:r>
+            <a:r>
+              <a:rPr lang="en-GB" sz="1500" b="0" i="0" dirty="0">
+                <a:solidFill>
+                  <a:schemeClr val="tx1"/>
+                </a:solidFill>
+                <a:effectLst/>
+              </a:rPr>
+              <a:t>:</a:t>
+            </a:r>
+          </a:p>
+          <a:p>
+            <a:pPr marL="800100" lvl="1" indent="-342900" algn="l">
+              <a:buFont typeface="+mj-lt"/>
+              <a:buAutoNum type="alphaLcParenR"/>
+            </a:pPr>
+            <a:r>
+              <a:rPr lang="en-GB" sz="1500" b="1" i="0" dirty="0">
+                <a:solidFill>
+                  <a:schemeClr val="tx1"/>
+                </a:solidFill>
+                <a:effectLst/>
+              </a:rPr>
+              <a:t>Standardized QR Codes</a:t>
+            </a:r>
+            <a:r>
+              <a:rPr lang="en-GB" sz="1500" b="0" i="0" dirty="0">
+                <a:solidFill>
+                  <a:schemeClr val="tx1"/>
+                </a:solidFill>
+                <a:effectLst/>
+              </a:rPr>
+              <a:t> for universal use.</a:t>
+            </a:r>
+          </a:p>
+          <a:p>
+            <a:pPr marL="800100" lvl="1" indent="-342900" algn="l">
+              <a:buFont typeface="+mj-lt"/>
+              <a:buAutoNum type="alphaLcParenR"/>
+            </a:pPr>
+            <a:r>
+              <a:rPr lang="en-GB" sz="1500" b="1" i="0" dirty="0">
+                <a:solidFill>
+                  <a:schemeClr val="tx1"/>
+                </a:solidFill>
+                <a:effectLst/>
+              </a:rPr>
+              <a:t>Smart Contracts</a:t>
+            </a:r>
+            <a:r>
+              <a:rPr lang="en-GB" sz="1500" b="0" i="0" dirty="0">
+                <a:solidFill>
+                  <a:schemeClr val="tx1"/>
+                </a:solidFill>
+                <a:effectLst/>
+              </a:rPr>
+              <a:t> to automate rewards.</a:t>
+            </a:r>
+          </a:p>
+          <a:p>
+            <a:pPr marL="800100" lvl="1" indent="-342900" algn="l">
+              <a:buFont typeface="+mj-lt"/>
+              <a:buAutoNum type="alphaLcParenR"/>
+            </a:pPr>
+            <a:r>
+              <a:rPr lang="en-GB" sz="1500" b="1" i="0" dirty="0">
+                <a:solidFill>
+                  <a:schemeClr val="tx1"/>
+                </a:solidFill>
+                <a:effectLst/>
+              </a:rPr>
+              <a:t>Gamification</a:t>
+            </a:r>
+            <a:r>
+              <a:rPr lang="en-GB" sz="1500" b="0" i="0" dirty="0">
+                <a:solidFill>
+                  <a:schemeClr val="tx1"/>
+                </a:solidFill>
+                <a:effectLst/>
+              </a:rPr>
+              <a:t> to encourage participation.</a:t>
+            </a:r>
+          </a:p>
+          <a:p>
+            <a:pPr marL="800100" lvl="1" indent="-342900" algn="l">
+              <a:buFont typeface="+mj-lt"/>
+              <a:buAutoNum type="alphaLcParenR"/>
+            </a:pPr>
+            <a:r>
+              <a:rPr lang="en-GB" sz="1500" b="1" i="0" dirty="0">
+                <a:solidFill>
+                  <a:schemeClr val="tx1"/>
+                </a:solidFill>
+                <a:effectLst/>
+              </a:rPr>
+              <a:t>Government Dashboards</a:t>
+            </a:r>
+            <a:r>
+              <a:rPr lang="en-GB" sz="1500" b="0" i="0" dirty="0">
+                <a:solidFill>
+                  <a:schemeClr val="tx1"/>
+                </a:solidFill>
+                <a:effectLst/>
+              </a:rPr>
+              <a:t> to monitor recycling rates and policies.</a:t>
+            </a:r>
+            <a:endParaRPr lang="en-IN" sz="1500" dirty="0">
+              <a:solidFill>
+                <a:schemeClr val="tx1"/>
+              </a:solidFill>
+            </a:endParaRPr>
+          </a:p>
+        </p:txBody>
+      </p:sp>
+    </p:spTree>
+    <p:extLst>
+      <p:ext uri="{BB962C8B-B14F-4D97-AF65-F5344CB8AC3E}">
+        <p14:creationId xmlns:p14="http://schemas.microsoft.com/office/powerpoint/2010/main" val="2947201192"/>
+      </p:ext>
+    </p:extLst>
+  </p:cSld>
+  <p:clrMapOvr>
+    <a:masterClrMapping/>
+  </p:clrMapOvr>
+</p:sld>
+</file>
+
+<file path=ppt/slides/slide5.xml><?xml version="1.0" encoding="utf-8"?>
 <p:sld xmlns:a="http://schemas.openxmlformats.org/drawingml/2006/main" xmlns:r="http://schemas.openxmlformats.org/officeDocument/2006/relationships" xmlns:p="http://schemas.openxmlformats.org/presentationml/2006/main">
   <p:cSld>
     <p:spTree>
@@ -30457,22 +31891,21 @@
           </a:bodyPr>
           <a:lstStyle/>
           <a:p>
-            <a:pPr algn="l"/>
+            <a:pPr algn="just"/>
             <a:r>
               <a:rPr lang="en-GB" b="1" i="0" dirty="0">
                 <a:solidFill>
                   <a:schemeClr val="tx1"/>
                 </a:solidFill>
                 <a:effectLst/>
-                <a:latin typeface="ui-sans-serif"/>
               </a:rPr>
-              <a:t>Pros of the Solution:</a:t>
-            </a:r>
-          </a:p>
-          <a:p>
-            <a:pPr lvl="1">
-              <a:buFont typeface="+mj-lt"/>
-              <a:buAutoNum type="arabicPeriod"/>
+              <a:t>Pros</a:t>
+            </a:r>
+          </a:p>
+          <a:p>
+            <a:pPr lvl="1" algn="just">
+              <a:buFont typeface="Arial" panose="020B0604020202020204" pitchFamily="34" charset="0"/>
+              <a:buChar char="•"/>
             </a:pPr>
             <a:r>
               <a:rPr lang="en-GB" b="1" i="0" dirty="0">
@@ -30480,9 +31913,8 @@
                   <a:schemeClr val="tx1"/>
                 </a:solidFill>
                 <a:effectLst/>
-                <a:latin typeface="ui-sans-serif"/>
               </a:rPr>
-              <a:t>Real-Time Monitoring</a:t>
+              <a:t>Transparency</a:t>
             </a:r>
             <a:r>
               <a:rPr lang="en-GB" b="0" i="0" dirty="0">
@@ -30490,15 +31922,14 @@
                   <a:schemeClr val="tx1"/>
                 </a:solidFill>
                 <a:effectLst/>
-                <a:latin typeface="ui-sans-serif"/>
               </a:rPr>
-              <a:t>: Accurate tracking of e-waste lifecycle using IoT and blockchain.</a:t>
-            </a:r>
-          </a:p>
-          <a:p>
-            <a:pPr lvl="1">
-              <a:buFont typeface="+mj-lt"/>
-              <a:buAutoNum type="arabicPeriod"/>
+              <a:t>: Blockchain ensures tamper-proof tracking.</a:t>
+            </a:r>
+          </a:p>
+          <a:p>
+            <a:pPr lvl="1" algn="just">
+              <a:buFont typeface="Arial" panose="020B0604020202020204" pitchFamily="34" charset="0"/>
+              <a:buChar char="•"/>
             </a:pPr>
             <a:r>
               <a:rPr lang="en-GB" b="1" i="0" dirty="0">
@@ -30506,9 +31937,8 @@
                   <a:schemeClr val="tx1"/>
                 </a:solidFill>
                 <a:effectLst/>
-                <a:latin typeface="ui-sans-serif"/>
               </a:rPr>
-              <a:t>Efficient Segregation</a:t>
+              <a:t>User Engagement</a:t>
             </a:r>
             <a:r>
               <a:rPr lang="en-GB" b="0" i="0" dirty="0">
@@ -30516,15 +31946,14 @@
                   <a:schemeClr val="tx1"/>
                 </a:solidFill>
                 <a:effectLst/>
-                <a:latin typeface="ui-sans-serif"/>
               </a:rPr>
-              <a:t>: AI ensures automated and precise classification of e-waste.</a:t>
-            </a:r>
-          </a:p>
-          <a:p>
-            <a:pPr lvl="1">
-              <a:buFont typeface="+mj-lt"/>
-              <a:buAutoNum type="arabicPeriod"/>
+              <a:t>: Rewards and gamification motivate recycling.</a:t>
+            </a:r>
+          </a:p>
+          <a:p>
+            <a:pPr lvl="1" algn="just">
+              <a:buFont typeface="Arial" panose="020B0604020202020204" pitchFamily="34" charset="0"/>
+              <a:buChar char="•"/>
             </a:pPr>
             <a:r>
               <a:rPr lang="en-GB" b="1" i="0" dirty="0">
@@ -30532,7 +31961,30 @@
                   <a:schemeClr val="tx1"/>
                 </a:solidFill>
                 <a:effectLst/>
-                <a:latin typeface="ui-sans-serif"/>
+              </a:rPr>
+              <a:t>Efficiency</a:t>
+            </a:r>
+            <a:r>
+              <a:rPr lang="en-GB" b="0" i="0" dirty="0">
+                <a:solidFill>
+                  <a:schemeClr val="tx1"/>
+                </a:solidFill>
+                <a:effectLst/>
+              </a:rPr>
+              <a:t>: AI automates waste segregation and collection logistics.</a:t>
+            </a:r>
+          </a:p>
+          <a:p>
+            <a:pPr lvl="1" algn="just">
+              <a:buFont typeface="Arial" panose="020B0604020202020204" pitchFamily="34" charset="0"/>
+              <a:buChar char="•"/>
+            </a:pPr>
+            <a:r>
+              <a:rPr lang="en-GB" b="1" i="0" dirty="0">
+                <a:solidFill>
+                  <a:schemeClr val="tx1"/>
+                </a:solidFill>
+                <a:effectLst/>
               </a:rPr>
               <a:t>Sustainability</a:t>
             </a:r>
@@ -30542,15 +31994,14 @@
                   <a:schemeClr val="tx1"/>
                 </a:solidFill>
                 <a:effectLst/>
-                <a:latin typeface="ui-sans-serif"/>
               </a:rPr>
-              <a:t>: Supports a circular economy by tracing recycled materials back into production.</a:t>
-            </a:r>
-          </a:p>
-          <a:p>
-            <a:pPr lvl="1">
-              <a:buFont typeface="+mj-lt"/>
-              <a:buAutoNum type="arabicPeriod"/>
+              <a:t>: Promotes a circular economy by reusing materials.</a:t>
+            </a:r>
+          </a:p>
+          <a:p>
+            <a:pPr lvl="1" algn="just">
+              <a:buFont typeface="Arial" panose="020B0604020202020204" pitchFamily="34" charset="0"/>
+              <a:buChar char="•"/>
             </a:pPr>
             <a:r>
               <a:rPr lang="en-GB" b="1" i="0" dirty="0">
@@ -30558,9 +32009,8 @@
                   <a:schemeClr val="tx1"/>
                 </a:solidFill>
                 <a:effectLst/>
-                <a:latin typeface="ui-sans-serif"/>
               </a:rPr>
-              <a:t>Transparency</a:t>
+              <a:t>Scalability</a:t>
             </a:r>
             <a:r>
               <a:rPr lang="en-GB" b="0" i="0" dirty="0">
@@ -30568,25 +32018,46 @@
                   <a:schemeClr val="tx1"/>
                 </a:solidFill>
                 <a:effectLst/>
-                <a:latin typeface="ui-sans-serif"/>
               </a:rPr>
-              <a:t>: Blockchain ensures accountability and prevents data tampering.</a:t>
-            </a:r>
-          </a:p>
-          <a:p>
-            <a:pPr lvl="1">
-              <a:buFont typeface="+mj-lt"/>
-              <a:buAutoNum type="arabicPeriod"/>
+              <a:t>: Mobile platforms and cloud infrastructure enable widespread adoption.</a:t>
+            </a:r>
+          </a:p>
+          <a:p>
+            <a:pPr marL="342891" lvl="1" indent="0" algn="just">
+              <a:buNone/>
             </a:pPr>
+            <a:endParaRPr lang="en-GB" b="0" i="0" dirty="0">
+              <a:solidFill>
+                <a:schemeClr val="tx1"/>
+              </a:solidFill>
+              <a:effectLst/>
+            </a:endParaRPr>
+          </a:p>
+          <a:p>
+            <a:pPr algn="just"/>
             <a:r>
               <a:rPr lang="en-GB" b="1" i="0" dirty="0">
                 <a:solidFill>
                   <a:schemeClr val="tx1"/>
                 </a:solidFill>
                 <a:effectLst/>
-                <a:latin typeface="ui-sans-serif"/>
               </a:rPr>
-              <a:t>User Engagement</a:t>
+              <a:t>Cons</a:t>
+            </a:r>
+          </a:p>
+          <a:p>
+            <a:pPr lvl="1" algn="just">
+              <a:buFont typeface="Arial" panose="020B0604020202020204" pitchFamily="34" charset="0"/>
+              <a:buChar char="•"/>
+            </a:pPr>
+            <a:r>
+              <a:rPr lang="en-GB" b="1" i="0" dirty="0">
+                <a:solidFill>
+                  <a:schemeClr val="tx1"/>
+                </a:solidFill>
+                <a:effectLst/>
+              </a:rPr>
+              <a:t>High Costs</a:t>
             </a:r>
             <a:r>
               <a:rPr lang="en-GB" b="0" i="0" dirty="0">
@@ -30594,28 +32065,38 @@
                   <a:schemeClr val="tx1"/>
                 </a:solidFill>
                 <a:effectLst/>
-                <a:latin typeface="ui-sans-serif"/>
               </a:rPr>
-              <a:t>: Intuitive platforms encourage participation in responsible e-waste disposal.</a:t>
-            </a:r>
-          </a:p>
-          <a:p>
-            <a:pPr algn="l"/>
+              <a:t>: Blockchain and AI implementation require significant investment.</a:t>
+            </a:r>
+          </a:p>
+          <a:p>
+            <a:pPr lvl="1" algn="just">
+              <a:buFont typeface="Arial" panose="020B0604020202020204" pitchFamily="34" charset="0"/>
+              <a:buChar char="•"/>
+            </a:pPr>
             <a:r>
               <a:rPr lang="en-GB" b="1" i="0" dirty="0">
                 <a:solidFill>
                   <a:schemeClr val="tx1"/>
                 </a:solidFill>
                 <a:effectLst/>
-                <a:latin typeface="ui-sans-serif"/>
               </a:rPr>
-              <a:t>Cons of the Solution:</a:t>
-            </a:r>
-          </a:p>
-          <a:p>
-            <a:pPr lvl="1">
-              <a:buFont typeface="+mj-lt"/>
-              <a:buAutoNum type="arabicPeriod"/>
+              <a:t>Complexity</a:t>
+            </a:r>
+            <a:r>
+              <a:rPr lang="en-GB" b="0" i="0" dirty="0">
+                <a:solidFill>
+                  <a:schemeClr val="tx1"/>
+                </a:solidFill>
+                <a:effectLst/>
+              </a:rPr>
+              <a:t>: Integrating multiple technologies can be challenging.</a:t>
+            </a:r>
+          </a:p>
+          <a:p>
+            <a:pPr lvl="1" algn="just">
+              <a:buFont typeface="Arial" panose="020B0604020202020204" pitchFamily="34" charset="0"/>
+              <a:buChar char="•"/>
             </a:pPr>
             <a:r>
               <a:rPr lang="en-GB" b="1" i="0" dirty="0">
@@ -30623,9 +32104,8 @@
                   <a:schemeClr val="tx1"/>
                 </a:solidFill>
                 <a:effectLst/>
-                <a:latin typeface="ui-sans-serif"/>
               </a:rPr>
-              <a:t>High Initial Cost</a:t>
+              <a:t>Adoption Barriers</a:t>
             </a:r>
             <a:r>
               <a:rPr lang="en-GB" b="0" i="0" dirty="0">
@@ -30633,15 +32113,14 @@
                   <a:schemeClr val="tx1"/>
                 </a:solidFill>
                 <a:effectLst/>
-                <a:latin typeface="ui-sans-serif"/>
               </a:rPr>
-              <a:t>: Implementation of IoT, blockchain, and AI requires significant investment.</a:t>
-            </a:r>
-          </a:p>
-          <a:p>
-            <a:pPr lvl="1">
-              <a:buFont typeface="+mj-lt"/>
-              <a:buAutoNum type="arabicPeriod"/>
+              <a:t>: Users may be reluctant due to lack of awareness.</a:t>
+            </a:r>
+          </a:p>
+          <a:p>
+            <a:pPr lvl="1" algn="just">
+              <a:buFont typeface="Arial" panose="020B0604020202020204" pitchFamily="34" charset="0"/>
+              <a:buChar char="•"/>
             </a:pPr>
             <a:r>
               <a:rPr lang="en-GB" b="1" i="0" dirty="0">
@@ -30649,9 +32128,8 @@
                   <a:schemeClr val="tx1"/>
                 </a:solidFill>
                 <a:effectLst/>
-                <a:latin typeface="ui-sans-serif"/>
               </a:rPr>
-              <a:t>Technical Complexity</a:t>
+              <a:t>Privacy Concerns</a:t>
             </a:r>
             <a:r>
               <a:rPr lang="en-GB" b="0" i="0" dirty="0">
@@ -30659,15 +32137,14 @@
                   <a:schemeClr val="tx1"/>
                 </a:solidFill>
                 <a:effectLst/>
-                <a:latin typeface="ui-sans-serif"/>
               </a:rPr>
-              <a:t>: Advanced technologies demand specialized expertise.</a:t>
-            </a:r>
-          </a:p>
-          <a:p>
-            <a:pPr lvl="1">
-              <a:buFont typeface="+mj-lt"/>
-              <a:buAutoNum type="arabicPeriod"/>
+              <a:t>: Data tracking may raise security issues.</a:t>
+            </a:r>
+          </a:p>
+          <a:p>
+            <a:pPr lvl="1" algn="just">
+              <a:buFont typeface="Arial" panose="020B0604020202020204" pitchFamily="34" charset="0"/>
+              <a:buChar char="•"/>
             </a:pPr>
             <a:r>
               <a:rPr lang="en-GB" b="1" i="0" dirty="0">
@@ -30675,9 +32152,8 @@
                   <a:schemeClr val="tx1"/>
                 </a:solidFill>
                 <a:effectLst/>
-                <a:latin typeface="ui-sans-serif"/>
               </a:rPr>
-              <a:t>Data Privacy Concerns</a:t>
+              <a:t>Dependency</a:t>
             </a:r>
             <a:r>
               <a:rPr lang="en-GB" b="0" i="0" dirty="0">
@@ -30685,64 +32161,12 @@
                   <a:schemeClr val="tx1"/>
                 </a:solidFill>
                 <a:effectLst/>
-                <a:latin typeface="ui-sans-serif"/>
               </a:rPr>
-              <a:t>: Managing sensitive data securely can be challenging.</a:t>
-            </a:r>
-          </a:p>
-          <a:p>
-            <a:pPr lvl="1">
-              <a:buFont typeface="+mj-lt"/>
-              <a:buAutoNum type="arabicPeriod"/>
-            </a:pPr>
-            <a:r>
-              <a:rPr lang="en-GB" b="1" i="0" dirty="0">
-                <a:solidFill>
-                  <a:schemeClr val="tx1"/>
-                </a:solidFill>
-                <a:effectLst/>
-                <a:latin typeface="ui-sans-serif"/>
-              </a:rPr>
-              <a:t>Dependency on Vendors</a:t>
-            </a:r>
-            <a:r>
-              <a:rPr lang="en-GB" b="0" i="0" dirty="0">
-                <a:solidFill>
-                  <a:schemeClr val="tx1"/>
-                </a:solidFill>
-                <a:effectLst/>
-                <a:latin typeface="ui-sans-serif"/>
-              </a:rPr>
-              <a:t>: Collaboration with certified recycling vendors is critical for success.</a:t>
-            </a:r>
-          </a:p>
-          <a:p>
-            <a:pPr lvl="1">
-              <a:buFont typeface="+mj-lt"/>
-              <a:buAutoNum type="arabicPeriod"/>
-            </a:pPr>
-            <a:r>
-              <a:rPr lang="en-GB" b="1" i="0" dirty="0">
-                <a:solidFill>
-                  <a:schemeClr val="tx1"/>
-                </a:solidFill>
-                <a:effectLst/>
-                <a:latin typeface="ui-sans-serif"/>
-              </a:rPr>
-              <a:t>Scalability Issues</a:t>
-            </a:r>
-            <a:r>
-              <a:rPr lang="en-GB" b="0" i="0" dirty="0">
-                <a:solidFill>
-                  <a:schemeClr val="tx1"/>
-                </a:solidFill>
-                <a:effectLst/>
-                <a:latin typeface="ui-sans-serif"/>
-              </a:rPr>
-              <a:t>: Handling large-scale systems as e-waste volumes increase may pose challenges.</a:t>
-            </a:r>
-          </a:p>
-          <a:p>
+              <a:t>: Success relies on availability of certified recyclers.</a:t>
+            </a:r>
+          </a:p>
+          <a:p>
+            <a:pPr algn="just"/>
             <a:endParaRPr lang="en-IN" dirty="0">
               <a:solidFill>
                 <a:schemeClr val="tx1"/>
@@ -30764,7 +32188,538 @@
 </p:sld>
 </file>
 
-<file path=ppt/slides/slide5.xml><?xml version="1.0" encoding="utf-8"?>
+<file path=ppt/slides/slide6.xml><?xml version="1.0" encoding="utf-8"?>
+<p:sld xmlns:a="http://schemas.openxmlformats.org/drawingml/2006/main" xmlns:r="http://schemas.openxmlformats.org/officeDocument/2006/relationships" xmlns:p="http://schemas.openxmlformats.org/presentationml/2006/main">
+  <p:cSld>
+    <p:spTree>
+      <p:nvGrpSpPr>
+        <p:cNvPr id="1" name=""/>
+        <p:cNvGrpSpPr/>
+        <p:nvPr/>
+      </p:nvGrpSpPr>
+      <p:grpSpPr>
+        <a:xfrm>
+          <a:off x="0" y="0"/>
+          <a:ext cx="0" cy="0"/>
+          <a:chOff x="0" y="0"/>
+          <a:chExt cx="0" cy="0"/>
+        </a:xfrm>
+      </p:grpSpPr>
+      <p:sp>
+        <p:nvSpPr>
+          <p:cNvPr id="2" name="Title 1">
+            <a:extLst>
+              <a:ext uri="{FF2B5EF4-FFF2-40B4-BE49-F238E27FC236}">
+                <a16:creationId xmlns:a16="http://schemas.microsoft.com/office/drawing/2014/main" id="{8F7C98D4-CF48-00EA-1E5E-14178BC62886}"/>
+              </a:ext>
+            </a:extLst>
+          </p:cNvPr>
+          <p:cNvSpPr>
+            <a:spLocks noGrp="1"/>
+          </p:cNvSpPr>
+          <p:nvPr>
+            <p:ph type="title"/>
+          </p:nvPr>
+        </p:nvSpPr>
+        <p:spPr/>
+        <p:txBody>
+          <a:bodyPr/>
+          <a:lstStyle/>
+          <a:p>
+            <a:r>
+              <a:rPr lang="en-IN" dirty="0"/>
+              <a:t>Technical Description</a:t>
+            </a:r>
+          </a:p>
+        </p:txBody>
+      </p:sp>
+      <p:sp>
+        <p:nvSpPr>
+          <p:cNvPr id="3" name="Content Placeholder 2">
+            <a:extLst>
+              <a:ext uri="{FF2B5EF4-FFF2-40B4-BE49-F238E27FC236}">
+                <a16:creationId xmlns:a16="http://schemas.microsoft.com/office/drawing/2014/main" id="{E9BCFC67-F5AA-8E05-39EC-73CBF3865066}"/>
+              </a:ext>
+            </a:extLst>
+          </p:cNvPr>
+          <p:cNvSpPr>
+            <a:spLocks noGrp="1"/>
+          </p:cNvSpPr>
+          <p:nvPr>
+            <p:ph idx="1"/>
+          </p:nvPr>
+        </p:nvSpPr>
+        <p:spPr>
+          <a:xfrm>
+            <a:off x="348000" y="878400"/>
+            <a:ext cx="5624629" cy="3806550"/>
+          </a:xfrm>
+        </p:spPr>
+        <p:txBody>
+          <a:bodyPr>
+            <a:noAutofit/>
+          </a:bodyPr>
+          <a:lstStyle/>
+          <a:p>
+            <a:pPr algn="l">
+              <a:buFont typeface="+mj-lt"/>
+              <a:buAutoNum type="arabicPeriod"/>
+            </a:pPr>
+            <a:r>
+              <a:rPr lang="en-IN" sz="1300" b="1" i="0" dirty="0">
+                <a:solidFill>
+                  <a:schemeClr val="tx1"/>
+                </a:solidFill>
+                <a:effectLst/>
+              </a:rPr>
+              <a:t>QR Code Assignment</a:t>
+            </a:r>
+            <a:r>
+              <a:rPr lang="en-IN" sz="1300" b="0" i="0" dirty="0">
+                <a:solidFill>
+                  <a:schemeClr val="tx1"/>
+                </a:solidFill>
+                <a:effectLst/>
+              </a:rPr>
+              <a:t>: Devices are tagged with QR codes at manufacturing, storing details like materials and lifecycle.</a:t>
+            </a:r>
+          </a:p>
+          <a:p>
+            <a:pPr algn="l">
+              <a:buFont typeface="+mj-lt"/>
+              <a:buAutoNum type="arabicPeriod"/>
+            </a:pPr>
+            <a:r>
+              <a:rPr lang="en-IN" sz="1300" b="1" i="0" dirty="0">
+                <a:solidFill>
+                  <a:schemeClr val="tx1"/>
+                </a:solidFill>
+                <a:effectLst/>
+              </a:rPr>
+              <a:t>User Interaction</a:t>
+            </a:r>
+            <a:r>
+              <a:rPr lang="en-IN" sz="1300" b="0" i="0" dirty="0">
+                <a:solidFill>
+                  <a:schemeClr val="tx1"/>
+                </a:solidFill>
+                <a:effectLst/>
+              </a:rPr>
+              <a:t>: Users use the </a:t>
+            </a:r>
+            <a:r>
+              <a:rPr lang="en-IN" sz="1300" b="1" i="0" dirty="0">
+                <a:solidFill>
+                  <a:schemeClr val="tx1"/>
+                </a:solidFill>
+                <a:effectLst/>
+              </a:rPr>
+              <a:t>web/mobile app</a:t>
+            </a:r>
+            <a:r>
+              <a:rPr lang="en-IN" sz="1300" b="0" i="0" dirty="0">
+                <a:solidFill>
+                  <a:schemeClr val="tx1"/>
+                </a:solidFill>
+                <a:effectLst/>
+              </a:rPr>
+              <a:t> to scan QR codes, locate drop-off points, or schedule pickups.</a:t>
+            </a:r>
+          </a:p>
+          <a:p>
+            <a:pPr algn="l">
+              <a:buFont typeface="+mj-lt"/>
+              <a:buAutoNum type="arabicPeriod"/>
+            </a:pPr>
+            <a:r>
+              <a:rPr lang="en-IN" sz="1300" b="1" i="0" dirty="0">
+                <a:solidFill>
+                  <a:schemeClr val="tx1"/>
+                </a:solidFill>
+                <a:effectLst/>
+              </a:rPr>
+              <a:t>Backend Services</a:t>
+            </a:r>
+            <a:r>
+              <a:rPr lang="en-IN" sz="1300" b="0" i="0" dirty="0">
+                <a:solidFill>
+                  <a:schemeClr val="tx1"/>
+                </a:solidFill>
+                <a:effectLst/>
+              </a:rPr>
+              <a:t>:</a:t>
+            </a:r>
+          </a:p>
+          <a:p>
+            <a:pPr marL="742950" lvl="1" indent="-285750" algn="l">
+              <a:buFont typeface="+mj-lt"/>
+              <a:buAutoNum type="arabicPeriod"/>
+            </a:pPr>
+            <a:r>
+              <a:rPr lang="en-IN" sz="1300" b="1" i="0" dirty="0">
+                <a:solidFill>
+                  <a:schemeClr val="tx1"/>
+                </a:solidFill>
+                <a:effectLst/>
+              </a:rPr>
+              <a:t>API Server</a:t>
+            </a:r>
+            <a:r>
+              <a:rPr lang="en-IN" sz="1300" b="0" i="0" dirty="0">
+                <a:solidFill>
+                  <a:schemeClr val="tx1"/>
+                </a:solidFill>
+                <a:effectLst/>
+              </a:rPr>
+              <a:t> connects users, blockchain, and databases.</a:t>
+            </a:r>
+          </a:p>
+          <a:p>
+            <a:pPr marL="742950" lvl="1" indent="-285750" algn="l">
+              <a:buFont typeface="+mj-lt"/>
+              <a:buAutoNum type="arabicPeriod"/>
+            </a:pPr>
+            <a:r>
+              <a:rPr lang="en-IN" sz="1300" b="1" i="0" dirty="0">
+                <a:solidFill>
+                  <a:schemeClr val="tx1"/>
+                </a:solidFill>
+                <a:effectLst/>
+              </a:rPr>
+              <a:t>AI Services</a:t>
+            </a:r>
+            <a:r>
+              <a:rPr lang="en-IN" sz="1300" b="0" i="0" dirty="0">
+                <a:solidFill>
+                  <a:schemeClr val="tx1"/>
+                </a:solidFill>
+                <a:effectLst/>
+              </a:rPr>
+              <a:t> classify e-waste and analyse recycling trends.</a:t>
+            </a:r>
+          </a:p>
+          <a:p>
+            <a:pPr algn="l">
+              <a:buFont typeface="+mj-lt"/>
+              <a:buAutoNum type="arabicPeriod"/>
+            </a:pPr>
+            <a:r>
+              <a:rPr lang="en-IN" sz="1300" b="1" i="0" dirty="0">
+                <a:solidFill>
+                  <a:schemeClr val="tx1"/>
+                </a:solidFill>
+                <a:effectLst/>
+              </a:rPr>
+              <a:t>Recycling and Blockchain Tracking</a:t>
+            </a:r>
+            <a:r>
+              <a:rPr lang="en-IN" sz="1300" b="0" i="0" dirty="0">
+                <a:solidFill>
+                  <a:schemeClr val="tx1"/>
+                </a:solidFill>
+                <a:effectLst/>
+              </a:rPr>
+              <a:t>:</a:t>
+            </a:r>
+          </a:p>
+          <a:p>
+            <a:pPr marL="742950" lvl="1" indent="-285750" algn="l">
+              <a:buFont typeface="+mj-lt"/>
+              <a:buAutoNum type="arabicPeriod"/>
+            </a:pPr>
+            <a:r>
+              <a:rPr lang="en-IN" sz="1300" b="0" i="0" dirty="0">
+                <a:solidFill>
+                  <a:schemeClr val="tx1"/>
+                </a:solidFill>
+                <a:effectLst/>
+              </a:rPr>
+              <a:t>QR codes are logged in the </a:t>
+            </a:r>
+            <a:r>
+              <a:rPr lang="en-IN" sz="1300" b="1" i="0" dirty="0">
+                <a:solidFill>
+                  <a:schemeClr val="tx1"/>
+                </a:solidFill>
+                <a:effectLst/>
+              </a:rPr>
+              <a:t>blockchain</a:t>
+            </a:r>
+            <a:r>
+              <a:rPr lang="en-IN" sz="1300" b="0" i="0" dirty="0">
+                <a:solidFill>
+                  <a:schemeClr val="tx1"/>
+                </a:solidFill>
+                <a:effectLst/>
+              </a:rPr>
+              <a:t>, ensuring transparency in recycling steps.</a:t>
+            </a:r>
+          </a:p>
+          <a:p>
+            <a:pPr algn="l">
+              <a:buFont typeface="+mj-lt"/>
+              <a:buAutoNum type="arabicPeriod"/>
+            </a:pPr>
+            <a:r>
+              <a:rPr lang="en-IN" sz="1300" b="1" i="0" dirty="0">
+                <a:solidFill>
+                  <a:schemeClr val="tx1"/>
+                </a:solidFill>
+                <a:effectLst/>
+              </a:rPr>
+              <a:t>Cloud Infrastructure</a:t>
+            </a:r>
+            <a:r>
+              <a:rPr lang="en-IN" sz="1300" b="0" i="0" dirty="0">
+                <a:solidFill>
+                  <a:schemeClr val="tx1"/>
+                </a:solidFill>
+                <a:effectLst/>
+              </a:rPr>
+              <a:t>: </a:t>
+            </a:r>
+            <a:r>
+              <a:rPr lang="en-IN" sz="1300" b="1" i="0" dirty="0">
+                <a:solidFill>
+                  <a:schemeClr val="tx1"/>
+                </a:solidFill>
+                <a:effectLst/>
+              </a:rPr>
+              <a:t>AWS S3</a:t>
+            </a:r>
+            <a:r>
+              <a:rPr lang="en-IN" sz="1300" b="0" i="0" dirty="0">
+                <a:solidFill>
+                  <a:schemeClr val="tx1"/>
+                </a:solidFill>
+                <a:effectLst/>
+              </a:rPr>
+              <a:t> and </a:t>
+            </a:r>
+            <a:r>
+              <a:rPr lang="en-IN" sz="1300" b="1" i="0" dirty="0">
+                <a:solidFill>
+                  <a:schemeClr val="tx1"/>
+                </a:solidFill>
+                <a:effectLst/>
+              </a:rPr>
+              <a:t>Lambda</a:t>
+            </a:r>
+            <a:r>
+              <a:rPr lang="en-IN" sz="1300" b="0" i="0" dirty="0">
+                <a:solidFill>
+                  <a:schemeClr val="tx1"/>
+                </a:solidFill>
+                <a:effectLst/>
+              </a:rPr>
+              <a:t> handle data storage and processing.</a:t>
+            </a:r>
+          </a:p>
+          <a:p>
+            <a:pPr algn="l">
+              <a:buFont typeface="+mj-lt"/>
+              <a:buAutoNum type="arabicPeriod"/>
+            </a:pPr>
+            <a:r>
+              <a:rPr lang="en-IN" sz="1300" b="1" i="0" dirty="0">
+                <a:solidFill>
+                  <a:schemeClr val="tx1"/>
+                </a:solidFill>
+                <a:effectLst/>
+              </a:rPr>
+              <a:t>Vendor Services</a:t>
+            </a:r>
+            <a:r>
+              <a:rPr lang="en-IN" sz="1300" b="0" i="0" dirty="0">
+                <a:solidFill>
+                  <a:schemeClr val="tx1"/>
+                </a:solidFill>
+                <a:effectLst/>
+              </a:rPr>
+              <a:t>: Recyclers log metrics like material purity via integrated APIs.</a:t>
+            </a:r>
+          </a:p>
+          <a:p>
+            <a:pPr algn="l">
+              <a:buFont typeface="+mj-lt"/>
+              <a:buAutoNum type="arabicPeriod"/>
+            </a:pPr>
+            <a:r>
+              <a:rPr lang="en-IN" sz="1300" b="1" i="0" dirty="0">
+                <a:solidFill>
+                  <a:schemeClr val="tx1"/>
+                </a:solidFill>
+                <a:effectLst/>
+              </a:rPr>
+              <a:t>Data Management</a:t>
+            </a:r>
+            <a:r>
+              <a:rPr lang="en-IN" sz="1300" b="0" i="0" dirty="0">
+                <a:solidFill>
+                  <a:schemeClr val="tx1"/>
+                </a:solidFill>
+                <a:effectLst/>
+              </a:rPr>
+              <a:t>: </a:t>
+            </a:r>
+            <a:r>
+              <a:rPr lang="en-IN" sz="1300" b="1" i="0" dirty="0">
+                <a:solidFill>
+                  <a:schemeClr val="tx1"/>
+                </a:solidFill>
+                <a:effectLst/>
+              </a:rPr>
+              <a:t>PostgreSQL</a:t>
+            </a:r>
+            <a:r>
+              <a:rPr lang="en-IN" sz="1300" b="0" i="0" dirty="0">
+                <a:solidFill>
+                  <a:schemeClr val="tx1"/>
+                </a:solidFill>
+                <a:effectLst/>
+              </a:rPr>
+              <a:t> and </a:t>
+            </a:r>
+            <a:r>
+              <a:rPr lang="en-IN" sz="1300" b="1" i="0" dirty="0">
+                <a:solidFill>
+                  <a:schemeClr val="tx1"/>
+                </a:solidFill>
+                <a:effectLst/>
+              </a:rPr>
+              <a:t>MongoDB</a:t>
+            </a:r>
+            <a:r>
+              <a:rPr lang="en-IN" sz="1300" b="0" i="0" dirty="0">
+                <a:solidFill>
+                  <a:schemeClr val="tx1"/>
+                </a:solidFill>
+                <a:effectLst/>
+              </a:rPr>
+              <a:t> store structured and unstructured data.</a:t>
+            </a:r>
+          </a:p>
+          <a:p>
+            <a:pPr algn="l">
+              <a:buFont typeface="+mj-lt"/>
+              <a:buAutoNum type="arabicPeriod"/>
+            </a:pPr>
+            <a:r>
+              <a:rPr lang="en-GB" sz="1300" b="1" i="0" dirty="0">
+                <a:solidFill>
+                  <a:schemeClr val="tx1"/>
+                </a:solidFill>
+                <a:effectLst/>
+              </a:rPr>
+              <a:t>Reward System Integration</a:t>
+            </a:r>
+            <a:r>
+              <a:rPr lang="en-GB" sz="1300" b="0" i="0" dirty="0">
+                <a:solidFill>
+                  <a:schemeClr val="tx1"/>
+                </a:solidFill>
+                <a:effectLst/>
+              </a:rPr>
+              <a:t>:</a:t>
+            </a:r>
+          </a:p>
+          <a:p>
+            <a:pPr marL="742950" lvl="1" indent="-285750" algn="l">
+              <a:buFont typeface="Arial" panose="020B0604020202020204" pitchFamily="34" charset="0"/>
+              <a:buChar char="•"/>
+            </a:pPr>
+            <a:r>
+              <a:rPr lang="en-GB" sz="1300" b="0" i="0" dirty="0">
+                <a:solidFill>
+                  <a:schemeClr val="tx1"/>
+                </a:solidFill>
+                <a:effectLst/>
+              </a:rPr>
+              <a:t>Implements a </a:t>
+            </a:r>
+            <a:r>
+              <a:rPr lang="en-GB" sz="1300" b="1" i="0" dirty="0">
+                <a:solidFill>
+                  <a:schemeClr val="tx1"/>
+                </a:solidFill>
+                <a:effectLst/>
+              </a:rPr>
+              <a:t>smart contract system</a:t>
+            </a:r>
+            <a:r>
+              <a:rPr lang="en-GB" sz="1300" b="0" i="0" dirty="0">
+                <a:solidFill>
+                  <a:schemeClr val="tx1"/>
+                </a:solidFill>
+                <a:effectLst/>
+              </a:rPr>
+              <a:t> for automating reward distribution, ensuring accurate eco-point allocation for users.</a:t>
+            </a:r>
+          </a:p>
+          <a:p>
+            <a:pPr algn="l">
+              <a:buFont typeface="+mj-lt"/>
+              <a:buAutoNum type="arabicPeriod"/>
+            </a:pPr>
+            <a:endParaRPr lang="en-IN" sz="1300" b="1" i="0" dirty="0">
+              <a:solidFill>
+                <a:schemeClr val="tx1"/>
+              </a:solidFill>
+              <a:effectLst/>
+            </a:endParaRPr>
+          </a:p>
+        </p:txBody>
+      </p:sp>
+      <p:pic>
+        <p:nvPicPr>
+          <p:cNvPr id="8" name="Picture 7">
+            <a:extLst>
+              <a:ext uri="{FF2B5EF4-FFF2-40B4-BE49-F238E27FC236}">
+                <a16:creationId xmlns:a16="http://schemas.microsoft.com/office/drawing/2014/main" id="{D662F132-A3CA-BBC9-A609-F43D6892CCD7}"/>
+              </a:ext>
+            </a:extLst>
+          </p:cNvPr>
+          <p:cNvPicPr>
+            <a:picLocks noChangeAspect="1"/>
+          </p:cNvPicPr>
+          <p:nvPr/>
+        </p:nvPicPr>
+        <p:blipFill>
+          <a:blip r:embed="rId2">
+            <a:extLst>
+              <a:ext uri="{28A0092B-C50C-407E-A947-70E740481C1C}">
+                <a14:useLocalDpi xmlns:a14="http://schemas.microsoft.com/office/drawing/2010/main" val="0"/>
+              </a:ext>
+            </a:extLst>
+          </a:blip>
+          <a:stretch>
+            <a:fillRect/>
+          </a:stretch>
+        </p:blipFill>
+        <p:spPr>
+          <a:xfrm>
+            <a:off x="4680857" y="640941"/>
+            <a:ext cx="4530094" cy="2729503"/>
+          </a:xfrm>
+          <a:prstGeom prst="rect">
+            <a:avLst/>
+          </a:prstGeom>
+        </p:spPr>
+      </p:pic>
+    </p:spTree>
+    <p:extLst>
+      <p:ext uri="{BB962C8B-B14F-4D97-AF65-F5344CB8AC3E}">
+        <p14:creationId xmlns:p14="http://schemas.microsoft.com/office/powerpoint/2010/main" val="2906993622"/>
+      </p:ext>
+    </p:extLst>
+  </p:cSld>
+  <p:clrMapOvr>
+    <a:masterClrMapping/>
+  </p:clrMapOvr>
+</p:sld>
+</file>
+
+<file path=ppt/slides/slide7.xml><?xml version="1.0" encoding="utf-8"?>
 <p:sld xmlns:a="http://schemas.openxmlformats.org/drawingml/2006/main" xmlns:r="http://schemas.openxmlformats.org/officeDocument/2006/relationships" xmlns:p="http://schemas.openxmlformats.org/presentationml/2006/main">
   <p:cSld>
     <p:spTree>
@@ -30810,382 +32765,8 @@
           <a:p>
             <a:r>
               <a:rPr lang="en-IN" dirty="0"/>
-              <a:t>Technical Description</a:t>
-            </a:r>
-          </a:p>
-        </p:txBody>
-      </p:sp>
-      <p:sp>
-        <p:nvSpPr>
-          <p:cNvPr id="3" name="Content Placeholder 2">
-            <a:extLst>
-              <a:ext uri="{FF2B5EF4-FFF2-40B4-BE49-F238E27FC236}">
-                <a16:creationId xmlns:a16="http://schemas.microsoft.com/office/drawing/2014/main" id="{6ED4C5CA-71BA-6B93-3A51-E8DFDA5A97E0}"/>
-              </a:ext>
-            </a:extLst>
-          </p:cNvPr>
-          <p:cNvSpPr>
-            <a:spLocks noGrp="1"/>
-          </p:cNvSpPr>
-          <p:nvPr>
-            <p:ph idx="1"/>
-          </p:nvPr>
-        </p:nvSpPr>
-        <p:spPr>
-          <a:xfrm>
-            <a:off x="348000" y="878400"/>
-            <a:ext cx="4412686" cy="3806550"/>
-          </a:xfrm>
-        </p:spPr>
-        <p:txBody>
-          <a:bodyPr>
-            <a:noAutofit/>
-          </a:bodyPr>
-          <a:lstStyle/>
-          <a:p>
-            <a:pPr algn="l">
-              <a:buFont typeface="+mj-lt"/>
-              <a:buAutoNum type="arabicPeriod"/>
-            </a:pPr>
-            <a:r>
-              <a:rPr lang="en-GB" sz="1100" b="1" i="0" dirty="0">
-                <a:solidFill>
-                  <a:schemeClr val="tx1"/>
-                </a:solidFill>
-                <a:effectLst/>
-                <a:latin typeface="ui-sans-serif"/>
-              </a:rPr>
-              <a:t>IoT (Internet of Things)</a:t>
-            </a:r>
-            <a:r>
-              <a:rPr lang="en-GB" sz="1100" b="0" i="0" dirty="0">
-                <a:solidFill>
-                  <a:schemeClr val="tx1"/>
-                </a:solidFill>
-                <a:effectLst/>
-                <a:latin typeface="ui-sans-serif"/>
-              </a:rPr>
-              <a:t>:</a:t>
-            </a:r>
-          </a:p>
-          <a:p>
-            <a:pPr marL="742950" lvl="1" indent="-285750" algn="l">
-              <a:buFont typeface="+mj-lt"/>
-              <a:buAutoNum type="arabicPeriod"/>
-            </a:pPr>
-            <a:r>
-              <a:rPr lang="en-GB" sz="1100" b="1" i="0" dirty="0">
-                <a:solidFill>
-                  <a:schemeClr val="tx1"/>
-                </a:solidFill>
-                <a:effectLst/>
-                <a:latin typeface="ui-sans-serif"/>
-              </a:rPr>
-              <a:t>Tracking and Monitoring</a:t>
-            </a:r>
-            <a:r>
-              <a:rPr lang="en-GB" sz="1100" b="0" i="0" dirty="0">
-                <a:solidFill>
-                  <a:schemeClr val="tx1"/>
-                </a:solidFill>
-                <a:effectLst/>
-                <a:latin typeface="ui-sans-serif"/>
-              </a:rPr>
-              <a:t>: IoT devices (sensors, GPS) are used to monitor e-waste from generation to disposal, ensuring real-time tracking and location-based updates.</a:t>
-            </a:r>
-          </a:p>
-          <a:p>
-            <a:pPr marL="742950" lvl="1" indent="-285750" algn="l">
-              <a:buFont typeface="+mj-lt"/>
-              <a:buAutoNum type="arabicPeriod"/>
-            </a:pPr>
-            <a:r>
-              <a:rPr lang="en-GB" sz="1100" b="1" i="0" dirty="0">
-                <a:solidFill>
-                  <a:schemeClr val="tx1"/>
-                </a:solidFill>
-                <a:effectLst/>
-                <a:latin typeface="ui-sans-serif"/>
-              </a:rPr>
-              <a:t>Data Collection</a:t>
-            </a:r>
-            <a:r>
-              <a:rPr lang="en-GB" sz="1100" b="0" i="0" dirty="0">
-                <a:solidFill>
-                  <a:schemeClr val="tx1"/>
-                </a:solidFill>
-                <a:effectLst/>
-                <a:latin typeface="ui-sans-serif"/>
-              </a:rPr>
-              <a:t>: IoT enables data collection on various e-waste parameters such as type, weight, and condition of the e-waste, which is then transmitted to the central platform.</a:t>
-            </a:r>
-          </a:p>
-          <a:p>
-            <a:pPr algn="l">
-              <a:buFont typeface="+mj-lt"/>
-              <a:buAutoNum type="arabicPeriod"/>
-            </a:pPr>
-            <a:r>
-              <a:rPr lang="en-GB" sz="1100" b="1" i="0" dirty="0">
-                <a:solidFill>
-                  <a:schemeClr val="tx1"/>
-                </a:solidFill>
-                <a:effectLst/>
-                <a:latin typeface="ui-sans-serif"/>
-              </a:rPr>
-              <a:t>Blockchain</a:t>
-            </a:r>
-            <a:r>
-              <a:rPr lang="en-GB" sz="1100" b="0" i="0" dirty="0">
-                <a:solidFill>
-                  <a:schemeClr val="tx1"/>
-                </a:solidFill>
-                <a:effectLst/>
-                <a:latin typeface="ui-sans-serif"/>
-              </a:rPr>
-              <a:t>:</a:t>
-            </a:r>
-          </a:p>
-          <a:p>
-            <a:pPr marL="742950" lvl="1" indent="-285750" algn="l">
-              <a:buFont typeface="+mj-lt"/>
-              <a:buAutoNum type="arabicPeriod"/>
-            </a:pPr>
-            <a:r>
-              <a:rPr lang="en-GB" sz="1100" b="1" i="0" dirty="0">
-                <a:solidFill>
-                  <a:schemeClr val="tx1"/>
-                </a:solidFill>
-                <a:effectLst/>
-                <a:latin typeface="ui-sans-serif"/>
-              </a:rPr>
-              <a:t>Data Security</a:t>
-            </a:r>
-            <a:r>
-              <a:rPr lang="en-GB" sz="1100" b="0" i="0" dirty="0">
-                <a:solidFill>
-                  <a:schemeClr val="tx1"/>
-                </a:solidFill>
-                <a:effectLst/>
-                <a:latin typeface="ui-sans-serif"/>
-              </a:rPr>
-              <a:t>: Blockchain ensures that data related to e-waste collection, recycling, and disposal is immutable and secure, preventing tampering.</a:t>
-            </a:r>
-          </a:p>
-          <a:p>
-            <a:pPr marL="742950" lvl="1" indent="-285750" algn="l">
-              <a:buFont typeface="+mj-lt"/>
-              <a:buAutoNum type="arabicPeriod"/>
-            </a:pPr>
-            <a:r>
-              <a:rPr lang="en-GB" sz="1100" b="1" i="0" dirty="0">
-                <a:solidFill>
-                  <a:schemeClr val="tx1"/>
-                </a:solidFill>
-                <a:effectLst/>
-                <a:latin typeface="ui-sans-serif"/>
-              </a:rPr>
-              <a:t>Traceability</a:t>
-            </a:r>
-            <a:r>
-              <a:rPr lang="en-GB" sz="1100" b="0" i="0" dirty="0">
-                <a:solidFill>
-                  <a:schemeClr val="tx1"/>
-                </a:solidFill>
-                <a:effectLst/>
-                <a:latin typeface="ui-sans-serif"/>
-              </a:rPr>
-              <a:t>: All actions performed on the e-waste are recorded on the blockchain ledger, providing transparency and traceability from generation to recycling.</a:t>
-            </a:r>
-          </a:p>
-          <a:p>
-            <a:pPr marL="742950" lvl="1" indent="-285750" algn="l">
-              <a:buFont typeface="+mj-lt"/>
-              <a:buAutoNum type="arabicPeriod"/>
-            </a:pPr>
-            <a:r>
-              <a:rPr lang="en-GB" sz="1100" b="1" i="0" dirty="0">
-                <a:solidFill>
-                  <a:schemeClr val="tx1"/>
-                </a:solidFill>
-                <a:effectLst/>
-                <a:latin typeface="ui-sans-serif"/>
-              </a:rPr>
-              <a:t>Smart Contracts</a:t>
-            </a:r>
-            <a:r>
-              <a:rPr lang="en-GB" sz="1100" b="0" i="0" dirty="0">
-                <a:solidFill>
-                  <a:schemeClr val="tx1"/>
-                </a:solidFill>
-                <a:effectLst/>
-                <a:latin typeface="ui-sans-serif"/>
-              </a:rPr>
-              <a:t>: Used to automate agreements between stakeholders (e.g., recycling vendors), ensuring compliance with regulations.</a:t>
-            </a:r>
-          </a:p>
-          <a:p>
-            <a:pPr algn="l">
-              <a:buFont typeface="+mj-lt"/>
-              <a:buAutoNum type="arabicPeriod"/>
-            </a:pPr>
-            <a:r>
-              <a:rPr lang="en-GB" sz="1100" b="1" i="0" dirty="0">
-                <a:solidFill>
-                  <a:schemeClr val="tx1"/>
-                </a:solidFill>
-                <a:effectLst/>
-                <a:latin typeface="ui-sans-serif"/>
-              </a:rPr>
-              <a:t>AI (Artificial Intelligence)</a:t>
-            </a:r>
-            <a:r>
-              <a:rPr lang="en-GB" sz="1100" b="0" i="0" dirty="0">
-                <a:solidFill>
-                  <a:schemeClr val="tx1"/>
-                </a:solidFill>
-                <a:effectLst/>
-                <a:latin typeface="ui-sans-serif"/>
-              </a:rPr>
-              <a:t>:</a:t>
-            </a:r>
-          </a:p>
-          <a:p>
-            <a:pPr marL="742950" lvl="1" indent="-285750" algn="l">
-              <a:buFont typeface="+mj-lt"/>
-              <a:buAutoNum type="arabicPeriod"/>
-            </a:pPr>
-            <a:r>
-              <a:rPr lang="en-GB" sz="1100" b="1" i="0" dirty="0">
-                <a:solidFill>
-                  <a:schemeClr val="tx1"/>
-                </a:solidFill>
-                <a:effectLst/>
-                <a:latin typeface="ui-sans-serif"/>
-              </a:rPr>
-              <a:t>Automated Classification</a:t>
-            </a:r>
-            <a:r>
-              <a:rPr lang="en-GB" sz="1100" b="0" i="0" dirty="0">
-                <a:solidFill>
-                  <a:schemeClr val="tx1"/>
-                </a:solidFill>
-                <a:effectLst/>
-                <a:latin typeface="ui-sans-serif"/>
-              </a:rPr>
-              <a:t>: AI algorithms automatically classify e-waste based on material type, hazard levels, and recycling potential.</a:t>
-            </a:r>
-          </a:p>
-          <a:p>
-            <a:pPr marL="742950" lvl="1" indent="-285750" algn="l">
-              <a:buFont typeface="+mj-lt"/>
-              <a:buAutoNum type="arabicPeriod"/>
-            </a:pPr>
-            <a:r>
-              <a:rPr lang="en-GB" sz="1100" b="1" i="0" dirty="0">
-                <a:solidFill>
-                  <a:schemeClr val="tx1"/>
-                </a:solidFill>
-                <a:effectLst/>
-                <a:latin typeface="ui-sans-serif"/>
-              </a:rPr>
-              <a:t>Predictive Analytics</a:t>
-            </a:r>
-            <a:r>
-              <a:rPr lang="en-GB" sz="1100" b="0" i="0" dirty="0">
-                <a:solidFill>
-                  <a:schemeClr val="tx1"/>
-                </a:solidFill>
-                <a:effectLst/>
-                <a:latin typeface="ui-sans-serif"/>
-              </a:rPr>
-              <a:t>: Machine learning models analyse trends in e-waste generation and recycling, offering insights for optimization and future improvements.</a:t>
-            </a:r>
-          </a:p>
-          <a:p>
-            <a:pPr algn="l">
-              <a:buFont typeface="+mj-lt"/>
-              <a:buAutoNum type="arabicPeriod"/>
-            </a:pPr>
-            <a:r>
-              <a:rPr lang="en-GB" sz="1100" b="1" i="0" dirty="0">
-                <a:solidFill>
-                  <a:schemeClr val="tx1"/>
-                </a:solidFill>
-                <a:effectLst/>
-                <a:latin typeface="ui-sans-serif"/>
-              </a:rPr>
-              <a:t>Mobile/Web Interface</a:t>
-            </a:r>
-            <a:r>
-              <a:rPr lang="en-GB" sz="1100" b="0" i="0" dirty="0">
-                <a:solidFill>
-                  <a:schemeClr val="tx1"/>
-                </a:solidFill>
-                <a:effectLst/>
-                <a:latin typeface="ui-sans-serif"/>
-              </a:rPr>
-              <a:t>:</a:t>
-            </a:r>
-          </a:p>
-          <a:p>
-            <a:pPr marL="742950" lvl="1" indent="-285750" algn="l">
-              <a:buFont typeface="+mj-lt"/>
-              <a:buAutoNum type="arabicPeriod"/>
-            </a:pPr>
-            <a:r>
-              <a:rPr lang="en-GB" sz="1100" b="1" i="0" dirty="0">
-                <a:solidFill>
-                  <a:schemeClr val="tx1"/>
-                </a:solidFill>
-                <a:effectLst/>
-                <a:latin typeface="ui-sans-serif"/>
-              </a:rPr>
-              <a:t>User Engagement</a:t>
-            </a:r>
-            <a:r>
-              <a:rPr lang="en-GB" sz="1100" b="0" i="0" dirty="0">
-                <a:solidFill>
-                  <a:schemeClr val="tx1"/>
-                </a:solidFill>
-                <a:effectLst/>
-                <a:latin typeface="ui-sans-serif"/>
-              </a:rPr>
-              <a:t>: An intuitive mobile/web platform allows users to schedule pickups, report e-waste, and track recycling progress.</a:t>
-            </a:r>
-          </a:p>
-          <a:p>
-            <a:pPr marL="742950" lvl="1" indent="-285750" algn="l">
-              <a:buFont typeface="+mj-lt"/>
-              <a:buAutoNum type="arabicPeriod"/>
-            </a:pPr>
-            <a:r>
-              <a:rPr lang="en-GB" sz="1100" b="1" i="0" dirty="0">
-                <a:solidFill>
-                  <a:schemeClr val="tx1"/>
-                </a:solidFill>
-                <a:effectLst/>
-                <a:latin typeface="ui-sans-serif"/>
-              </a:rPr>
-              <a:t>Community Interaction</a:t>
-            </a:r>
-            <a:r>
-              <a:rPr lang="en-GB" sz="1100" b="0" i="0" dirty="0">
-                <a:solidFill>
-                  <a:schemeClr val="tx1"/>
-                </a:solidFill>
-                <a:effectLst/>
-                <a:latin typeface="ui-sans-serif"/>
-              </a:rPr>
-              <a:t>: The platform includes community forums for knowledge-sharing and collaboration on best practices for e-waste disposal.</a:t>
-            </a:r>
-          </a:p>
-          <a:p>
-            <a:endParaRPr lang="en-IN" sz="1100" dirty="0">
-              <a:solidFill>
-                <a:schemeClr val="tx1"/>
-              </a:solidFill>
-            </a:endParaRPr>
+              <a:t>Technical Description-Summary</a:t>
+            </a:r>
           </a:p>
         </p:txBody>
       </p:sp>
@@ -31204,14 +32785,14 @@
           <p:nvPr>
             <p:extLst>
               <p:ext uri="{D42A27DB-BD31-4B8C-83A1-F6EECF244321}">
-                <p14:modId xmlns:p14="http://schemas.microsoft.com/office/powerpoint/2010/main" val="4111921939"/>
+                <p14:modId xmlns:p14="http://schemas.microsoft.com/office/powerpoint/2010/main" val="3080522472"/>
               </p:ext>
             </p:extLst>
           </p:nvPr>
         </p:nvGraphicFramePr>
         <p:xfrm>
-          <a:off x="5043126" y="715866"/>
-          <a:ext cx="3839274" cy="3985640"/>
+          <a:off x="1447653" y="1009029"/>
+          <a:ext cx="6248694" cy="3901436"/>
         </p:xfrm>
         <a:graphic>
           <a:graphicData uri="http://schemas.openxmlformats.org/drawingml/2006/table">
@@ -31220,14 +32801,14 @@
                 <a:tableStyleId>{5940675A-B579-460E-94D1-54222C63F5DA}</a:tableStyleId>
               </a:tblPr>
               <a:tblGrid>
-                <a:gridCol w="1919637">
+                <a:gridCol w="1546065">
                   <a:extLst>
                     <a:ext uri="{9D8B030D-6E8A-4147-A177-3AD203B41FA5}">
                       <a16:colId xmlns:a16="http://schemas.microsoft.com/office/drawing/2014/main" val="4173543661"/>
                     </a:ext>
                   </a:extLst>
                 </a:gridCol>
-                <a:gridCol w="1919637">
+                <a:gridCol w="4702629">
                   <a:extLst>
                     <a:ext uri="{9D8B030D-6E8A-4147-A177-3AD203B41FA5}">
                       <a16:colId xmlns:a16="http://schemas.microsoft.com/office/drawing/2014/main" val="879341844"/>
@@ -31235,15 +32816,15 @@
                   </a:extLst>
                 </a:gridCol>
               </a:tblGrid>
-              <a:tr h="210949">
+              <a:tr h="231750">
                 <a:tc>
                   <a:txBody>
                     <a:bodyPr/>
                     <a:lstStyle/>
                     <a:p>
-                      <a:pPr fontAlgn="b"/>
+                      <a:pPr algn="just" fontAlgn="b"/>
                       <a:r>
-                        <a:rPr lang="en-IN" sz="1000" b="1">
+                        <a:rPr lang="en-IN" sz="1200" b="1" dirty="0">
                           <a:effectLst/>
                         </a:rPr>
                         <a:t>Component</a:t>
@@ -31257,9 +32838,9 @@
                     <a:bodyPr/>
                     <a:lstStyle/>
                     <a:p>
-                      <a:pPr fontAlgn="b"/>
+                      <a:pPr algn="just" fontAlgn="b"/>
                       <a:r>
-                        <a:rPr lang="en-IN" sz="1000" b="1">
+                        <a:rPr lang="en-IN" sz="1200" b="1" dirty="0">
                           <a:effectLst/>
                         </a:rPr>
                         <a:t>Technology &amp; Purpose</a:t>
@@ -31274,20 +32855,20 @@
                   </a:ext>
                 </a:extLst>
               </a:tr>
-              <a:tr h="358614">
+              <a:tr h="395502">
                 <a:tc>
                   <a:txBody>
                     <a:bodyPr/>
                     <a:lstStyle/>
                     <a:p>
-                      <a:pPr fontAlgn="base"/>
+                      <a:pPr algn="just" fontAlgn="base"/>
                       <a:r>
-                        <a:rPr lang="en-IN" sz="1000" b="1">
+                        <a:rPr lang="en-IN" sz="1200" b="1" dirty="0">
                           <a:effectLst/>
                         </a:rPr>
                         <a:t>Frontend</a:t>
                       </a:r>
-                      <a:endParaRPr lang="en-IN" sz="1000">
+                      <a:endParaRPr lang="en-IN" sz="1200" dirty="0">
                         <a:effectLst/>
                       </a:endParaRPr>
                     </a:p>
@@ -31299,12 +32880,12 @@
                     <a:bodyPr/>
                     <a:lstStyle/>
                     <a:p>
-                      <a:pPr fontAlgn="base"/>
+                      <a:pPr algn="just" fontAlgn="base"/>
                       <a:r>
-                        <a:rPr lang="en-GB" sz="1000">
+                        <a:rPr lang="en-GB" sz="1200" dirty="0">
                           <a:effectLst/>
                         </a:rPr>
-                        <a:t>React.js / Angular: Dynamic UI for web applications.</a:t>
+                        <a:t>React.js : Dynamic UI for web applications.</a:t>
                       </a:r>
                     </a:p>
                   </a:txBody>
@@ -31316,20 +32897,20 @@
                   </a:ext>
                 </a:extLst>
               </a:tr>
-              <a:tr h="358614">
+              <a:tr h="395502">
                 <a:tc>
                   <a:txBody>
                     <a:bodyPr/>
                     <a:lstStyle/>
                     <a:p>
-                      <a:pPr fontAlgn="base"/>
+                      <a:pPr algn="just" fontAlgn="base"/>
                       <a:r>
-                        <a:rPr lang="en-IN" sz="1000" b="1">
+                        <a:rPr lang="en-IN" sz="1200" b="1">
                           <a:effectLst/>
                         </a:rPr>
                         <a:t>Mobile App</a:t>
                       </a:r>
-                      <a:endParaRPr lang="en-IN" sz="1000">
+                      <a:endParaRPr lang="en-IN" sz="1200">
                         <a:effectLst/>
                       </a:endParaRPr>
                     </a:p>
@@ -31341,9 +32922,9 @@
                     <a:bodyPr/>
                     <a:lstStyle/>
                     <a:p>
-                      <a:pPr fontAlgn="base"/>
+                      <a:pPr algn="just" fontAlgn="base"/>
                       <a:r>
-                        <a:rPr lang="en-GB" sz="1000" dirty="0">
+                        <a:rPr lang="en-GB" sz="1200" dirty="0">
                           <a:effectLst/>
                         </a:rPr>
                         <a:t>React Native: Cross-platform mobile app.</a:t>
@@ -31358,20 +32939,20 @@
                   </a:ext>
                 </a:extLst>
               </a:tr>
-              <a:tr h="358614">
+              <a:tr h="559254">
                 <a:tc>
                   <a:txBody>
                     <a:bodyPr/>
                     <a:lstStyle/>
                     <a:p>
-                      <a:pPr fontAlgn="base"/>
+                      <a:pPr algn="just" fontAlgn="base"/>
                       <a:r>
-                        <a:rPr lang="en-IN" sz="1000" b="1">
+                        <a:rPr lang="en-IN" sz="1200" b="1" dirty="0">
                           <a:effectLst/>
                         </a:rPr>
                         <a:t>Backend</a:t>
                       </a:r>
-                      <a:endParaRPr lang="en-IN" sz="1000">
+                      <a:endParaRPr lang="en-IN" sz="1200" dirty="0">
                         <a:effectLst/>
                       </a:endParaRPr>
                     </a:p>
@@ -31383,9 +32964,9 @@
                     <a:bodyPr/>
                     <a:lstStyle/>
                     <a:p>
-                      <a:pPr fontAlgn="base"/>
+                      <a:pPr algn="just" fontAlgn="base"/>
                       <a:r>
-                        <a:rPr lang="en-GB" sz="1000">
+                        <a:rPr lang="en-GB" sz="1200">
                           <a:effectLst/>
                         </a:rPr>
                         <a:t>Node.js (Express) / Django: Scalable backend for requests and APIs.</a:t>
@@ -31400,20 +32981,20 @@
                   </a:ext>
                 </a:extLst>
               </a:tr>
-              <a:tr h="506278">
+              <a:tr h="559254">
                 <a:tc>
                   <a:txBody>
                     <a:bodyPr/>
                     <a:lstStyle/>
                     <a:p>
-                      <a:pPr fontAlgn="base"/>
+                      <a:pPr algn="just" fontAlgn="base"/>
                       <a:r>
-                        <a:rPr lang="en-IN" sz="1000" b="1">
+                        <a:rPr lang="en-IN" sz="1200" b="1">
                           <a:effectLst/>
                         </a:rPr>
                         <a:t>Database</a:t>
                       </a:r>
-                      <a:endParaRPr lang="en-IN" sz="1000">
+                      <a:endParaRPr lang="en-IN" sz="1200">
                         <a:effectLst/>
                       </a:endParaRPr>
                     </a:p>
@@ -31425,9 +33006,9 @@
                     <a:bodyPr/>
                     <a:lstStyle/>
                     <a:p>
-                      <a:pPr fontAlgn="base"/>
+                      <a:pPr algn="just" fontAlgn="base"/>
                       <a:r>
-                        <a:rPr lang="en-GB" sz="1000">
+                        <a:rPr lang="en-GB" sz="1200">
                           <a:effectLst/>
                         </a:rPr>
                         <a:t>PostgreSQL / MongoDB: Data storage for structured and unstructured data.</a:t>
@@ -31442,20 +33023,20 @@
                   </a:ext>
                 </a:extLst>
               </a:tr>
-              <a:tr h="506278">
+              <a:tr h="559254">
                 <a:tc>
                   <a:txBody>
                     <a:bodyPr/>
                     <a:lstStyle/>
                     <a:p>
-                      <a:pPr fontAlgn="base"/>
+                      <a:pPr algn="just" fontAlgn="base"/>
                       <a:r>
-                        <a:rPr lang="en-IN" sz="1000" b="1">
+                        <a:rPr lang="en-IN" sz="1200" b="1">
                           <a:effectLst/>
                         </a:rPr>
                         <a:t>Blockchain</a:t>
                       </a:r>
-                      <a:endParaRPr lang="en-IN" sz="1000">
+                      <a:endParaRPr lang="en-IN" sz="1200">
                         <a:effectLst/>
                       </a:endParaRPr>
                     </a:p>
@@ -31467,9 +33048,9 @@
                     <a:bodyPr/>
                     <a:lstStyle/>
                     <a:p>
-                      <a:pPr fontAlgn="base"/>
+                      <a:pPr algn="just" fontAlgn="base"/>
                       <a:r>
-                        <a:rPr lang="en-GB" sz="1000">
+                        <a:rPr lang="en-GB" sz="1200">
                           <a:effectLst/>
                         </a:rPr>
                         <a:t>Ethereum / Hyperledger: Transparency and traceability with smart contracts.</a:t>
@@ -31484,20 +33065,20 @@
                   </a:ext>
                 </a:extLst>
               </a:tr>
-              <a:tr h="358614">
+              <a:tr h="395502">
                 <a:tc>
                   <a:txBody>
                     <a:bodyPr/>
                     <a:lstStyle/>
                     <a:p>
-                      <a:pPr fontAlgn="base"/>
+                      <a:pPr algn="just" fontAlgn="base"/>
                       <a:r>
-                        <a:rPr lang="en-IN" sz="1000" b="1">
+                        <a:rPr lang="en-IN" sz="1200" b="1" dirty="0">
                           <a:effectLst/>
                         </a:rPr>
-                        <a:t>IoT</a:t>
+                        <a:t>Cloud</a:t>
                       </a:r>
-                      <a:endParaRPr lang="en-IN" sz="1000">
+                      <a:endParaRPr lang="en-IN" sz="1200" dirty="0">
                         <a:effectLst/>
                       </a:endParaRPr>
                     </a:p>
@@ -31509,51 +33090,9 @@
                     <a:bodyPr/>
                     <a:lstStyle/>
                     <a:p>
-                      <a:pPr fontAlgn="base"/>
+                      <a:pPr algn="just" fontAlgn="base"/>
                       <a:r>
-                        <a:rPr lang="en-IN" sz="1000">
-                          <a:effectLst/>
-                        </a:rPr>
-                        <a:t>Raspberry Pi / Arduino: Collect real-time e-waste data.</a:t>
-                      </a:r>
-                    </a:p>
-                  </a:txBody>
-                  <a:tcPr marL="63285" marR="63285" marT="31642" marB="31642" anchor="ctr"/>
-                </a:tc>
-                <a:extLst>
-                  <a:ext uri="{0D108BD9-81ED-4DB2-BD59-A6C34878D82A}">
-                    <a16:rowId xmlns:a16="http://schemas.microsoft.com/office/drawing/2014/main" val="1659068344"/>
-                  </a:ext>
-                </a:extLst>
-              </a:tr>
-              <a:tr h="358614">
-                <a:tc>
-                  <a:txBody>
-                    <a:bodyPr/>
-                    <a:lstStyle/>
-                    <a:p>
-                      <a:pPr fontAlgn="base"/>
-                      <a:r>
-                        <a:rPr lang="en-IN" sz="1000" b="1">
-                          <a:effectLst/>
-                        </a:rPr>
-                        <a:t>Cloud</a:t>
-                      </a:r>
-                      <a:endParaRPr lang="en-IN" sz="1000">
-                        <a:effectLst/>
-                      </a:endParaRPr>
-                    </a:p>
-                  </a:txBody>
-                  <a:tcPr marL="63285" marR="63285" marT="31642" marB="31642" anchor="ctr"/>
-                </a:tc>
-                <a:tc>
-                  <a:txBody>
-                    <a:bodyPr/>
-                    <a:lstStyle/>
-                    <a:p>
-                      <a:pPr fontAlgn="base"/>
-                      <a:r>
-                        <a:rPr lang="en-GB" sz="1000">
+                        <a:rPr lang="en-GB" sz="1200" dirty="0">
                           <a:effectLst/>
                         </a:rPr>
                         <a:t>AWS / Google Cloud: Scalable cloud storage and computing.</a:t>
@@ -31568,20 +33107,20 @@
                   </a:ext>
                 </a:extLst>
               </a:tr>
-              <a:tr h="358614">
+              <a:tr h="395502">
                 <a:tc>
                   <a:txBody>
                     <a:bodyPr/>
                     <a:lstStyle/>
                     <a:p>
-                      <a:pPr fontAlgn="base"/>
+                      <a:pPr algn="just" fontAlgn="base"/>
                       <a:r>
-                        <a:rPr lang="en-IN" sz="1000" b="1">
+                        <a:rPr lang="en-IN" sz="1200" b="1">
                           <a:effectLst/>
                         </a:rPr>
                         <a:t>Real-Time</a:t>
                       </a:r>
-                      <a:endParaRPr lang="en-IN" sz="1000">
+                      <a:endParaRPr lang="en-IN" sz="1200">
                         <a:effectLst/>
                       </a:endParaRPr>
                     </a:p>
@@ -31593,9 +33132,9 @@
                     <a:bodyPr/>
                     <a:lstStyle/>
                     <a:p>
-                      <a:pPr fontAlgn="base"/>
+                      <a:pPr algn="just" fontAlgn="base"/>
                       <a:r>
-                        <a:rPr lang="en-IN" sz="1000">
+                        <a:rPr lang="en-IN" sz="1200">
                           <a:effectLst/>
                         </a:rPr>
                         <a:t>Firebase / WebSocket: Real-time notifications.</a:t>
@@ -31610,20 +33149,20 @@
                   </a:ext>
                 </a:extLst>
               </a:tr>
-              <a:tr h="358614">
+              <a:tr h="395502">
                 <a:tc>
                   <a:txBody>
                     <a:bodyPr/>
                     <a:lstStyle/>
                     <a:p>
-                      <a:pPr fontAlgn="base"/>
+                      <a:pPr algn="just" fontAlgn="base"/>
                       <a:r>
-                        <a:rPr lang="en-IN" sz="1000" b="1">
+                        <a:rPr lang="en-IN" sz="1200" b="1" dirty="0">
                           <a:effectLst/>
                         </a:rPr>
                         <a:t>AI &amp; ML</a:t>
                       </a:r>
-                      <a:endParaRPr lang="en-IN" sz="1000">
+                      <a:endParaRPr lang="en-IN" sz="1200" dirty="0">
                         <a:effectLst/>
                       </a:endParaRPr>
                     </a:p>
@@ -31635,21 +33174,21 @@
                     <a:bodyPr/>
                     <a:lstStyle/>
                     <a:p>
-                      <a:pPr fontAlgn="base"/>
+                      <a:pPr algn="just" fontAlgn="base"/>
                       <a:r>
-                        <a:rPr lang="en-GB" sz="1000" dirty="0">
+                        <a:rPr lang="en-GB" sz="1200" dirty="0">
                           <a:effectLst/>
                         </a:rPr>
                         <a:t>TensorFlow / </a:t>
                       </a:r>
                       <a:r>
-                        <a:rPr lang="en-GB" sz="1000" dirty="0" err="1">
+                        <a:rPr lang="en-GB" sz="1200" dirty="0" err="1">
                           <a:effectLst/>
                         </a:rPr>
                         <a:t>PyTorch</a:t>
                       </a:r>
                       <a:r>
-                        <a:rPr lang="en-GB" sz="1000" dirty="0">
+                        <a:rPr lang="en-GB" sz="1200" dirty="0">
                           <a:effectLst/>
                         </a:rPr>
                         <a:t>: AI for classification and optimization.</a:t>
@@ -31787,12 +33326,18 @@
 </p:sld>
 </file>
 
-<file path=ppt/slides/slide6.xml><?xml version="1.0" encoding="utf-8"?>
+<file path=ppt/slides/slide8.xml><?xml version="1.0" encoding="utf-8"?>
 <p:sld xmlns:a="http://schemas.openxmlformats.org/drawingml/2006/main" xmlns:r="http://schemas.openxmlformats.org/officeDocument/2006/relationships" xmlns:p="http://schemas.openxmlformats.org/presentationml/2006/main">
   <p:cSld>
     <p:spTree>
       <p:nvGrpSpPr>
-        <p:cNvPr id="1" name=""/>
+        <p:cNvPr id="1" name="">
+          <a:extLst>
+            <a:ext uri="{FF2B5EF4-FFF2-40B4-BE49-F238E27FC236}">
+              <a16:creationId xmlns:a16="http://schemas.microsoft.com/office/drawing/2014/main" id="{9D63F90B-2416-7672-FE66-D775EB5CE4AB}"/>
+            </a:ext>
+          </a:extLst>
+        </p:cNvPr>
         <p:cNvGrpSpPr/>
         <p:nvPr/>
       </p:nvGrpSpPr>
@@ -31809,7 +33354,7 @@
           <p:cNvPr id="2" name="Title 1">
             <a:extLst>
               <a:ext uri="{FF2B5EF4-FFF2-40B4-BE49-F238E27FC236}">
-                <a16:creationId xmlns:a16="http://schemas.microsoft.com/office/drawing/2014/main" id="{8F7C98D4-CF48-00EA-1E5E-14178BC62886}"/>
+                <a16:creationId xmlns:a16="http://schemas.microsoft.com/office/drawing/2014/main" id="{AB125F46-7671-A4F6-AE5B-89E64BD63322}"/>
               </a:ext>
             </a:extLst>
           </p:cNvPr>
@@ -31827,7 +33372,7 @@
           <a:p>
             <a:r>
               <a:rPr lang="en-IN" dirty="0"/>
-              <a:t>Technical Description</a:t>
+              <a:t>Implementation Plan</a:t>
             </a:r>
           </a:p>
         </p:txBody>
@@ -31837,537 +33382,7 @@
           <p:cNvPr id="3" name="Content Placeholder 2">
             <a:extLst>
               <a:ext uri="{FF2B5EF4-FFF2-40B4-BE49-F238E27FC236}">
-                <a16:creationId xmlns:a16="http://schemas.microsoft.com/office/drawing/2014/main" id="{E9BCFC67-F5AA-8E05-39EC-73CBF3865066}"/>
-              </a:ext>
-            </a:extLst>
-          </p:cNvPr>
-          <p:cNvSpPr>
-            <a:spLocks noGrp="1"/>
-          </p:cNvSpPr>
-          <p:nvPr>
-            <p:ph idx="1"/>
-          </p:nvPr>
-        </p:nvSpPr>
-        <p:spPr>
-          <a:xfrm>
-            <a:off x="348000" y="1051200"/>
-            <a:ext cx="4855371" cy="3806550"/>
-          </a:xfrm>
-        </p:spPr>
-        <p:txBody>
-          <a:bodyPr>
-            <a:normAutofit/>
-          </a:bodyPr>
-          <a:lstStyle/>
-          <a:p>
-            <a:pPr algn="l">
-              <a:buFont typeface="+mj-lt"/>
-              <a:buAutoNum type="arabicPeriod"/>
-            </a:pPr>
-            <a:r>
-              <a:rPr lang="en-GB" sz="1400" b="1" i="0" dirty="0">
-                <a:solidFill>
-                  <a:schemeClr val="tx1"/>
-                </a:solidFill>
-                <a:effectLst/>
-                <a:latin typeface="ui-sans-serif"/>
-              </a:rPr>
-              <a:t>Recycling Vendors</a:t>
-            </a:r>
-            <a:r>
-              <a:rPr lang="en-GB" sz="1400" b="0" i="0" dirty="0">
-                <a:solidFill>
-                  <a:schemeClr val="tx1"/>
-                </a:solidFill>
-                <a:effectLst/>
-                <a:latin typeface="ui-sans-serif"/>
-              </a:rPr>
-              <a:t>: Interacts via the </a:t>
-            </a:r>
-            <a:r>
-              <a:rPr lang="en-GB" sz="1400" b="1" i="0" dirty="0">
-                <a:solidFill>
-                  <a:schemeClr val="tx1"/>
-                </a:solidFill>
-                <a:effectLst/>
-                <a:latin typeface="ui-sans-serif"/>
-              </a:rPr>
-              <a:t>Vendor API</a:t>
-            </a:r>
-            <a:r>
-              <a:rPr lang="en-GB" sz="1400" b="0" i="0" dirty="0">
-                <a:solidFill>
-                  <a:schemeClr val="tx1"/>
-                </a:solidFill>
-                <a:effectLst/>
-                <a:latin typeface="ui-sans-serif"/>
-              </a:rPr>
-              <a:t> and shares data through the </a:t>
-            </a:r>
-            <a:r>
-              <a:rPr lang="en-GB" sz="1400" b="1" i="0" dirty="0">
-                <a:solidFill>
-                  <a:schemeClr val="tx1"/>
-                </a:solidFill>
-                <a:effectLst/>
-                <a:latin typeface="ui-sans-serif"/>
-              </a:rPr>
-              <a:t>Metrics Service</a:t>
-            </a:r>
-            <a:r>
-              <a:rPr lang="en-GB" sz="1400" b="0" i="0" dirty="0">
-                <a:solidFill>
-                  <a:schemeClr val="tx1"/>
-                </a:solidFill>
-                <a:effectLst/>
-                <a:latin typeface="ui-sans-serif"/>
-              </a:rPr>
-              <a:t> for tracking e-waste.</a:t>
-            </a:r>
-          </a:p>
-          <a:p>
-            <a:pPr algn="l">
-              <a:buFont typeface="+mj-lt"/>
-              <a:buAutoNum type="arabicPeriod"/>
-            </a:pPr>
-            <a:r>
-              <a:rPr lang="en-GB" sz="1400" b="1" i="0" dirty="0">
-                <a:solidFill>
-                  <a:schemeClr val="tx1"/>
-                </a:solidFill>
-                <a:effectLst/>
-                <a:latin typeface="ui-sans-serif"/>
-              </a:rPr>
-              <a:t>Reverse Supply Chain</a:t>
-            </a:r>
-            <a:r>
-              <a:rPr lang="en-GB" sz="1400" b="0" i="0" dirty="0">
-                <a:solidFill>
-                  <a:schemeClr val="tx1"/>
-                </a:solidFill>
-                <a:effectLst/>
-                <a:latin typeface="ui-sans-serif"/>
-              </a:rPr>
-              <a:t>: Uses the </a:t>
-            </a:r>
-            <a:r>
-              <a:rPr lang="en-GB" sz="1400" b="1" i="0" dirty="0">
-                <a:solidFill>
-                  <a:schemeClr val="tx1"/>
-                </a:solidFill>
-                <a:effectLst/>
-                <a:latin typeface="ui-sans-serif"/>
-              </a:rPr>
-              <a:t>Tracking Service</a:t>
-            </a:r>
-            <a:r>
-              <a:rPr lang="en-GB" sz="1400" b="0" i="0" dirty="0">
-                <a:solidFill>
-                  <a:schemeClr val="tx1"/>
-                </a:solidFill>
-                <a:effectLst/>
-                <a:latin typeface="ui-sans-serif"/>
-              </a:rPr>
-              <a:t> to trace recycled materials back to production.</a:t>
-            </a:r>
-          </a:p>
-          <a:p>
-            <a:pPr algn="l">
-              <a:buFont typeface="+mj-lt"/>
-              <a:buAutoNum type="arabicPeriod"/>
-            </a:pPr>
-            <a:r>
-              <a:rPr lang="en-GB" sz="1400" b="1" i="0" dirty="0">
-                <a:solidFill>
-                  <a:schemeClr val="tx1"/>
-                </a:solidFill>
-                <a:effectLst/>
-                <a:latin typeface="ui-sans-serif"/>
-              </a:rPr>
-              <a:t>AWS Cloud</a:t>
-            </a:r>
-            <a:r>
-              <a:rPr lang="en-GB" sz="1400" b="0" i="0" dirty="0">
-                <a:solidFill>
-                  <a:schemeClr val="tx1"/>
-                </a:solidFill>
-                <a:effectLst/>
-                <a:latin typeface="ui-sans-serif"/>
-              </a:rPr>
-              <a:t>: </a:t>
-            </a:r>
-            <a:r>
-              <a:rPr lang="en-GB" sz="1400" b="1" i="0" dirty="0">
-                <a:solidFill>
-                  <a:schemeClr val="tx1"/>
-                </a:solidFill>
-                <a:effectLst/>
-                <a:latin typeface="ui-sans-serif"/>
-              </a:rPr>
-              <a:t>AWS S3</a:t>
-            </a:r>
-            <a:r>
-              <a:rPr lang="en-GB" sz="1400" b="0" i="0" dirty="0">
-                <a:solidFill>
-                  <a:schemeClr val="tx1"/>
-                </a:solidFill>
-                <a:effectLst/>
-                <a:latin typeface="ui-sans-serif"/>
-              </a:rPr>
-              <a:t> stores data, and </a:t>
-            </a:r>
-            <a:r>
-              <a:rPr lang="en-GB" sz="1400" b="1" i="0" dirty="0">
-                <a:solidFill>
-                  <a:schemeClr val="tx1"/>
-                </a:solidFill>
-                <a:effectLst/>
-                <a:latin typeface="ui-sans-serif"/>
-              </a:rPr>
-              <a:t>AWS Lambda</a:t>
-            </a:r>
-            <a:r>
-              <a:rPr lang="en-GB" sz="1400" b="0" i="0" dirty="0">
-                <a:solidFill>
-                  <a:schemeClr val="tx1"/>
-                </a:solidFill>
-                <a:effectLst/>
-                <a:latin typeface="ui-sans-serif"/>
-              </a:rPr>
-              <a:t> executes backend functions dynamically.</a:t>
-            </a:r>
-          </a:p>
-          <a:p>
-            <a:pPr algn="l">
-              <a:buFont typeface="+mj-lt"/>
-              <a:buAutoNum type="arabicPeriod"/>
-            </a:pPr>
-            <a:r>
-              <a:rPr lang="en-GB" sz="1400" b="1" i="0" dirty="0">
-                <a:solidFill>
-                  <a:schemeClr val="tx1"/>
-                </a:solidFill>
-                <a:effectLst/>
-                <a:latin typeface="ui-sans-serif"/>
-              </a:rPr>
-              <a:t>Backend</a:t>
-            </a:r>
-            <a:r>
-              <a:rPr lang="en-GB" sz="1400" b="0" i="0" dirty="0">
-                <a:solidFill>
-                  <a:schemeClr val="tx1"/>
-                </a:solidFill>
-                <a:effectLst/>
-                <a:latin typeface="ui-sans-serif"/>
-              </a:rPr>
-              <a:t>: </a:t>
-            </a:r>
-            <a:r>
-              <a:rPr lang="en-GB" sz="1400" b="1" i="0" dirty="0">
-                <a:solidFill>
-                  <a:schemeClr val="tx1"/>
-                </a:solidFill>
-                <a:effectLst/>
-                <a:latin typeface="ui-sans-serif"/>
-              </a:rPr>
-              <a:t>API Server</a:t>
-            </a:r>
-            <a:r>
-              <a:rPr lang="en-GB" sz="1400" b="0" i="0" dirty="0">
-                <a:solidFill>
-                  <a:schemeClr val="tx1"/>
-                </a:solidFill>
-                <a:effectLst/>
-                <a:latin typeface="ui-sans-serif"/>
-              </a:rPr>
-              <a:t> connects frontend and backend, with services for real-time updates, data analytics, and AI classification of e-waste.</a:t>
-            </a:r>
-          </a:p>
-          <a:p>
-            <a:pPr algn="l">
-              <a:buFont typeface="+mj-lt"/>
-              <a:buAutoNum type="arabicPeriod"/>
-            </a:pPr>
-            <a:r>
-              <a:rPr lang="en-GB" sz="1400" b="1" i="0" dirty="0">
-                <a:solidFill>
-                  <a:schemeClr val="tx1"/>
-                </a:solidFill>
-                <a:effectLst/>
-                <a:latin typeface="ui-sans-serif"/>
-              </a:rPr>
-              <a:t>Frontend</a:t>
-            </a:r>
-            <a:r>
-              <a:rPr lang="en-GB" sz="1400" b="0" i="0" dirty="0">
-                <a:solidFill>
-                  <a:schemeClr val="tx1"/>
-                </a:solidFill>
-                <a:effectLst/>
-                <a:latin typeface="ui-sans-serif"/>
-              </a:rPr>
-              <a:t>: Provides </a:t>
-            </a:r>
-            <a:r>
-              <a:rPr lang="en-GB" sz="1400" b="1" i="0" dirty="0">
-                <a:solidFill>
-                  <a:schemeClr val="tx1"/>
-                </a:solidFill>
-                <a:effectLst/>
-                <a:latin typeface="ui-sans-serif"/>
-              </a:rPr>
-              <a:t>Web</a:t>
-            </a:r>
-            <a:r>
-              <a:rPr lang="en-GB" sz="1400" b="0" i="0" dirty="0">
-                <a:solidFill>
-                  <a:schemeClr val="tx1"/>
-                </a:solidFill>
-                <a:effectLst/>
-                <a:latin typeface="ui-sans-serif"/>
-              </a:rPr>
-              <a:t> and </a:t>
-            </a:r>
-            <a:r>
-              <a:rPr lang="en-GB" sz="1400" b="1" i="0" dirty="0">
-                <a:solidFill>
-                  <a:schemeClr val="tx1"/>
-                </a:solidFill>
-                <a:effectLst/>
-                <a:latin typeface="ui-sans-serif"/>
-              </a:rPr>
-              <a:t>Mobile Interfaces</a:t>
-            </a:r>
-            <a:r>
-              <a:rPr lang="en-GB" sz="1400" b="0" i="0" dirty="0">
-                <a:solidFill>
-                  <a:schemeClr val="tx1"/>
-                </a:solidFill>
-                <a:effectLst/>
-                <a:latin typeface="ui-sans-serif"/>
-              </a:rPr>
-              <a:t> for user interaction.</a:t>
-            </a:r>
-          </a:p>
-          <a:p>
-            <a:pPr algn="l">
-              <a:buFont typeface="+mj-lt"/>
-              <a:buAutoNum type="arabicPeriod"/>
-            </a:pPr>
-            <a:r>
-              <a:rPr lang="en-GB" sz="1400" b="1" i="0" dirty="0">
-                <a:solidFill>
-                  <a:schemeClr val="tx1"/>
-                </a:solidFill>
-                <a:effectLst/>
-                <a:latin typeface="ui-sans-serif"/>
-              </a:rPr>
-              <a:t>User Engagement</a:t>
-            </a:r>
-            <a:r>
-              <a:rPr lang="en-GB" sz="1400" b="0" i="0" dirty="0">
-                <a:solidFill>
-                  <a:schemeClr val="tx1"/>
-                </a:solidFill>
-                <a:effectLst/>
-                <a:latin typeface="ui-sans-serif"/>
-              </a:rPr>
-              <a:t>: Includes </a:t>
-            </a:r>
-            <a:r>
-              <a:rPr lang="en-GB" sz="1400" b="1" i="0" dirty="0">
-                <a:solidFill>
-                  <a:schemeClr val="tx1"/>
-                </a:solidFill>
-                <a:effectLst/>
-                <a:latin typeface="ui-sans-serif"/>
-              </a:rPr>
-              <a:t>Community Forums</a:t>
-            </a:r>
-            <a:r>
-              <a:rPr lang="en-GB" sz="1400" b="0" i="0" dirty="0">
-                <a:solidFill>
-                  <a:schemeClr val="tx1"/>
-                </a:solidFill>
-                <a:effectLst/>
-                <a:latin typeface="ui-sans-serif"/>
-              </a:rPr>
-              <a:t> to promote knowledge sharing.</a:t>
-            </a:r>
-          </a:p>
-          <a:p>
-            <a:pPr algn="l">
-              <a:buFont typeface="+mj-lt"/>
-              <a:buAutoNum type="arabicPeriod"/>
-            </a:pPr>
-            <a:r>
-              <a:rPr lang="en-GB" sz="1400" b="1" i="0" dirty="0">
-                <a:solidFill>
-                  <a:schemeClr val="tx1"/>
-                </a:solidFill>
-                <a:effectLst/>
-                <a:latin typeface="ui-sans-serif"/>
-              </a:rPr>
-              <a:t>Data Management</a:t>
-            </a:r>
-            <a:r>
-              <a:rPr lang="en-GB" sz="1400" b="0" i="0" dirty="0">
-                <a:solidFill>
-                  <a:schemeClr val="tx1"/>
-                </a:solidFill>
-                <a:effectLst/>
-                <a:latin typeface="ui-sans-serif"/>
-              </a:rPr>
-              <a:t>: Uses </a:t>
-            </a:r>
-            <a:r>
-              <a:rPr lang="en-GB" sz="1400" b="1" i="0" dirty="0">
-                <a:solidFill>
-                  <a:schemeClr val="tx1"/>
-                </a:solidFill>
-                <a:effectLst/>
-                <a:latin typeface="ui-sans-serif"/>
-              </a:rPr>
-              <a:t>PostgreSQL</a:t>
-            </a:r>
-            <a:r>
-              <a:rPr lang="en-GB" sz="1400" b="0" i="0" dirty="0">
-                <a:solidFill>
-                  <a:schemeClr val="tx1"/>
-                </a:solidFill>
-                <a:effectLst/>
-                <a:latin typeface="ui-sans-serif"/>
-              </a:rPr>
-              <a:t> for structured data and </a:t>
-            </a:r>
-            <a:r>
-              <a:rPr lang="en-GB" sz="1400" b="1" i="0" dirty="0">
-                <a:solidFill>
-                  <a:schemeClr val="tx1"/>
-                </a:solidFill>
-                <a:effectLst/>
-                <a:latin typeface="ui-sans-serif"/>
-              </a:rPr>
-              <a:t>MongoDB</a:t>
-            </a:r>
-            <a:r>
-              <a:rPr lang="en-GB" sz="1400" b="0" i="0" dirty="0">
-                <a:solidFill>
-                  <a:schemeClr val="tx1"/>
-                </a:solidFill>
-                <a:effectLst/>
-                <a:latin typeface="ui-sans-serif"/>
-              </a:rPr>
-              <a:t> for unstructured data storage.</a:t>
-            </a:r>
-          </a:p>
-        </p:txBody>
-      </p:sp>
-      <p:pic>
-        <p:nvPicPr>
-          <p:cNvPr id="4" name="Picture 3">
-            <a:extLst>
-              <a:ext uri="{FF2B5EF4-FFF2-40B4-BE49-F238E27FC236}">
-                <a16:creationId xmlns:a16="http://schemas.microsoft.com/office/drawing/2014/main" id="{E8F50EB7-FCCB-3670-7874-5FA7DBF74591}"/>
-              </a:ext>
-            </a:extLst>
-          </p:cNvPr>
-          <p:cNvPicPr>
-            <a:picLocks noChangeAspect="1"/>
-          </p:cNvPicPr>
-          <p:nvPr/>
-        </p:nvPicPr>
-        <p:blipFill>
-          <a:blip r:embed="rId2">
-            <a:extLst>
-              <a:ext uri="{28A0092B-C50C-407E-A947-70E740481C1C}">
-                <a14:useLocalDpi xmlns:a14="http://schemas.microsoft.com/office/drawing/2010/main" val="0"/>
-              </a:ext>
-            </a:extLst>
-          </a:blip>
-          <a:srcRect/>
-          <a:stretch>
-            <a:fillRect/>
-          </a:stretch>
-        </p:blipFill>
-        <p:spPr bwMode="auto">
-          <a:xfrm>
-            <a:off x="5859109" y="958307"/>
-            <a:ext cx="2936891" cy="3992336"/>
-          </a:xfrm>
-          <a:prstGeom prst="rect">
-            <a:avLst/>
-          </a:prstGeom>
-          <a:noFill/>
-          <a:ln>
-            <a:noFill/>
-          </a:ln>
-        </p:spPr>
-      </p:pic>
-    </p:spTree>
-    <p:extLst>
-      <p:ext uri="{BB962C8B-B14F-4D97-AF65-F5344CB8AC3E}">
-        <p14:creationId xmlns:p14="http://schemas.microsoft.com/office/powerpoint/2010/main" val="2906993622"/>
-      </p:ext>
-    </p:extLst>
-  </p:cSld>
-  <p:clrMapOvr>
-    <a:masterClrMapping/>
-  </p:clrMapOvr>
-</p:sld>
-</file>
-
-<file path=ppt/slides/slide7.xml><?xml version="1.0" encoding="utf-8"?>
-<p:sld xmlns:a="http://schemas.openxmlformats.org/drawingml/2006/main" xmlns:r="http://schemas.openxmlformats.org/officeDocument/2006/relationships" xmlns:p="http://schemas.openxmlformats.org/presentationml/2006/main">
-  <p:cSld>
-    <p:spTree>
-      <p:nvGrpSpPr>
-        <p:cNvPr id="1" name=""/>
-        <p:cNvGrpSpPr/>
-        <p:nvPr/>
-      </p:nvGrpSpPr>
-      <p:grpSpPr>
-        <a:xfrm>
-          <a:off x="0" y="0"/>
-          <a:ext cx="0" cy="0"/>
-          <a:chOff x="0" y="0"/>
-          <a:chExt cx="0" cy="0"/>
-        </a:xfrm>
-      </p:grpSpPr>
-      <p:sp>
-        <p:nvSpPr>
-          <p:cNvPr id="2" name="Title 1">
-            <a:extLst>
-              <a:ext uri="{FF2B5EF4-FFF2-40B4-BE49-F238E27FC236}">
-                <a16:creationId xmlns:a16="http://schemas.microsoft.com/office/drawing/2014/main" id="{8F7C98D4-CF48-00EA-1E5E-14178BC62886}"/>
-              </a:ext>
-            </a:extLst>
-          </p:cNvPr>
-          <p:cNvSpPr>
-            <a:spLocks noGrp="1"/>
-          </p:cNvSpPr>
-          <p:nvPr>
-            <p:ph type="title"/>
-          </p:nvPr>
-        </p:nvSpPr>
-        <p:spPr/>
-        <p:txBody>
-          <a:bodyPr/>
-          <a:lstStyle/>
-          <a:p>
-            <a:r>
-              <a:rPr lang="en-IN" dirty="0"/>
-              <a:t>Implementation Plan</a:t>
-            </a:r>
-          </a:p>
-        </p:txBody>
-      </p:sp>
-      <p:sp>
-        <p:nvSpPr>
-          <p:cNvPr id="3" name="Content Placeholder 2">
-            <a:extLst>
-              <a:ext uri="{FF2B5EF4-FFF2-40B4-BE49-F238E27FC236}">
-                <a16:creationId xmlns:a16="http://schemas.microsoft.com/office/drawing/2014/main" id="{E9BCFC67-F5AA-8E05-39EC-73CBF3865066}"/>
+                <a16:creationId xmlns:a16="http://schemas.microsoft.com/office/drawing/2014/main" id="{547DFECF-53F4-65D1-B704-BE645C71D133}"/>
               </a:ext>
             </a:extLst>
           </p:cNvPr>
@@ -32381,593 +33396,257 @@
         <p:spPr>
           <a:xfrm>
             <a:off x="348000" y="878400"/>
-            <a:ext cx="8534400" cy="3979350"/>
+            <a:ext cx="8534400" cy="4204140"/>
           </a:xfrm>
         </p:spPr>
         <p:txBody>
-          <a:bodyPr numCol="2">
+          <a:bodyPr numCol="1">
             <a:noAutofit/>
           </a:bodyPr>
           <a:lstStyle/>
           <a:p>
-            <a:pPr algn="l"/>
-            <a:r>
-              <a:rPr lang="en-IN" sz="1200" b="1" i="0" dirty="0">
+            <a:pPr marL="0" indent="0" algn="l">
+              <a:buNone/>
+            </a:pPr>
+            <a:r>
+              <a:rPr lang="en-GB" b="1" i="0" dirty="0">
                 <a:solidFill>
                   <a:schemeClr val="tx1"/>
                 </a:solidFill>
                 <a:effectLst/>
-                <a:latin typeface="ui-sans-serif"/>
               </a:rPr>
-              <a:t>Planning:</a:t>
-            </a:r>
-          </a:p>
-          <a:p>
-            <a:pPr algn="l">
-              <a:buFont typeface="Arial" panose="020B0604020202020204" pitchFamily="34" charset="0"/>
-              <a:buChar char="•"/>
-            </a:pPr>
-            <a:r>
-              <a:rPr lang="en-IN" sz="1200" b="1" i="0" dirty="0">
-                <a:solidFill>
-                  <a:schemeClr val="tx1"/>
-                </a:solidFill>
-                <a:effectLst/>
-                <a:latin typeface="ui-sans-serif"/>
-              </a:rPr>
-              <a:t>Define Objectives</a:t>
-            </a:r>
-            <a:r>
-              <a:rPr lang="en-IN" sz="1200" b="0" i="0" dirty="0">
-                <a:solidFill>
-                  <a:schemeClr val="tx1"/>
-                </a:solidFill>
-                <a:effectLst/>
-                <a:latin typeface="ui-sans-serif"/>
-              </a:rPr>
-              <a:t>: Set the goals for e-waste tracking (e.g., real-time monitoring, efficient recycling).</a:t>
-            </a:r>
-          </a:p>
-          <a:p>
-            <a:pPr algn="l">
-              <a:buFont typeface="Arial" panose="020B0604020202020204" pitchFamily="34" charset="0"/>
-              <a:buChar char="•"/>
-            </a:pPr>
-            <a:r>
-              <a:rPr lang="en-IN" sz="1200" b="1" i="0" dirty="0">
-                <a:solidFill>
-                  <a:schemeClr val="tx1"/>
-                </a:solidFill>
-                <a:effectLst/>
-                <a:latin typeface="ui-sans-serif"/>
-              </a:rPr>
-              <a:t>Identify Technologies</a:t>
-            </a:r>
-            <a:r>
-              <a:rPr lang="en-IN" sz="1200" b="0" i="0" dirty="0">
-                <a:solidFill>
-                  <a:schemeClr val="tx1"/>
-                </a:solidFill>
-                <a:effectLst/>
-                <a:latin typeface="ui-sans-serif"/>
-              </a:rPr>
-              <a:t>: Decide on technologies (IoT, AI, Blockchain, Cloud).</a:t>
-            </a:r>
-          </a:p>
-          <a:p>
-            <a:pPr algn="l">
-              <a:buFont typeface="Arial" panose="020B0604020202020204" pitchFamily="34" charset="0"/>
-              <a:buChar char="•"/>
-            </a:pPr>
-            <a:r>
-              <a:rPr lang="en-IN" sz="1200" b="1" i="0" dirty="0">
-                <a:solidFill>
-                  <a:schemeClr val="tx1"/>
-                </a:solidFill>
-                <a:effectLst/>
-                <a:latin typeface="ui-sans-serif"/>
-              </a:rPr>
-              <a:t>Set Ethical Guidelines</a:t>
-            </a:r>
-            <a:r>
-              <a:rPr lang="en-IN" sz="1200" b="0" i="0" dirty="0">
-                <a:solidFill>
-                  <a:schemeClr val="tx1"/>
-                </a:solidFill>
-                <a:effectLst/>
-                <a:latin typeface="ui-sans-serif"/>
-              </a:rPr>
-              <a:t>: Establish data privacy and security standards with stakeholders.</a:t>
-            </a:r>
-          </a:p>
-          <a:p>
-            <a:pPr algn="l"/>
-            <a:r>
-              <a:rPr lang="en-IN" sz="1200" b="1" i="0" dirty="0">
-                <a:solidFill>
-                  <a:schemeClr val="tx1"/>
-                </a:solidFill>
-                <a:effectLst/>
-                <a:latin typeface="ui-sans-serif"/>
-              </a:rPr>
-              <a:t>Data Collection:</a:t>
-            </a:r>
-          </a:p>
-          <a:p>
-            <a:pPr algn="l">
-              <a:buFont typeface="Arial" panose="020B0604020202020204" pitchFamily="34" charset="0"/>
-              <a:buChar char="•"/>
-            </a:pPr>
-            <a:r>
-              <a:rPr lang="en-IN" sz="1200" b="1" i="0" dirty="0">
-                <a:solidFill>
-                  <a:schemeClr val="tx1"/>
-                </a:solidFill>
-                <a:effectLst/>
-                <a:latin typeface="ui-sans-serif"/>
-              </a:rPr>
-              <a:t>Gather Data</a:t>
-            </a:r>
-            <a:r>
-              <a:rPr lang="en-IN" sz="1200" b="0" i="0" dirty="0">
-                <a:solidFill>
-                  <a:schemeClr val="tx1"/>
-                </a:solidFill>
-                <a:effectLst/>
-                <a:latin typeface="ui-sans-serif"/>
-              </a:rPr>
-              <a:t>: Collect e-waste data from sensors, vendors, and public databases.</a:t>
-            </a:r>
-          </a:p>
-          <a:p>
-            <a:pPr algn="l">
-              <a:buFont typeface="Arial" panose="020B0604020202020204" pitchFamily="34" charset="0"/>
-              <a:buChar char="•"/>
-            </a:pPr>
-            <a:r>
-              <a:rPr lang="en-IN" sz="1200" b="1" i="0" dirty="0">
-                <a:solidFill>
-                  <a:schemeClr val="tx1"/>
-                </a:solidFill>
-                <a:effectLst/>
-                <a:latin typeface="ui-sans-serif"/>
-              </a:rPr>
-              <a:t>Categorize Data</a:t>
-            </a:r>
-            <a:r>
-              <a:rPr lang="en-IN" sz="1200" b="0" i="0" dirty="0">
-                <a:solidFill>
-                  <a:schemeClr val="tx1"/>
-                </a:solidFill>
-                <a:effectLst/>
-                <a:latin typeface="ui-sans-serif"/>
-              </a:rPr>
-              <a:t>: Classify e-waste into categories (e.g., materials, hazardous levels) and annotate data for training.</a:t>
-            </a:r>
-          </a:p>
-          <a:p>
-            <a:pPr algn="l"/>
-            <a:r>
-              <a:rPr lang="en-IN" sz="1200" b="1" i="0" dirty="0">
-                <a:solidFill>
-                  <a:schemeClr val="tx1"/>
-                </a:solidFill>
-                <a:effectLst/>
-                <a:latin typeface="ui-sans-serif"/>
-              </a:rPr>
-              <a:t>Preprocessing:</a:t>
-            </a:r>
-          </a:p>
-          <a:p>
-            <a:pPr algn="l">
-              <a:buFont typeface="Arial" panose="020B0604020202020204" pitchFamily="34" charset="0"/>
-              <a:buChar char="•"/>
-            </a:pPr>
-            <a:r>
-              <a:rPr lang="en-IN" sz="1200" b="1" i="0" dirty="0">
-                <a:solidFill>
-                  <a:schemeClr val="tx1"/>
-                </a:solidFill>
-                <a:effectLst/>
-                <a:latin typeface="ui-sans-serif"/>
-              </a:rPr>
-              <a:t>Clean Data</a:t>
-            </a:r>
-            <a:r>
-              <a:rPr lang="en-IN" sz="1200" b="0" i="0" dirty="0">
-                <a:solidFill>
-                  <a:schemeClr val="tx1"/>
-                </a:solidFill>
-                <a:effectLst/>
-                <a:latin typeface="ui-sans-serif"/>
-              </a:rPr>
-              <a:t>: Remove inconsistencies and irrelevant information.</a:t>
-            </a:r>
-          </a:p>
-          <a:p>
-            <a:pPr algn="l">
-              <a:buFont typeface="Arial" panose="020B0604020202020204" pitchFamily="34" charset="0"/>
-              <a:buChar char="•"/>
-            </a:pPr>
-            <a:r>
-              <a:rPr lang="en-IN" sz="1200" b="1" i="0" dirty="0">
-                <a:solidFill>
-                  <a:schemeClr val="tx1"/>
-                </a:solidFill>
-                <a:effectLst/>
-                <a:latin typeface="ui-sans-serif"/>
-              </a:rPr>
-              <a:t>Normalize and Split</a:t>
-            </a:r>
-            <a:r>
-              <a:rPr lang="en-IN" sz="1200" b="0" i="0" dirty="0">
-                <a:solidFill>
-                  <a:schemeClr val="tx1"/>
-                </a:solidFill>
-                <a:effectLst/>
-                <a:latin typeface="ui-sans-serif"/>
-              </a:rPr>
-              <a:t>: Prepare data by normalizing values and splitting into training, validation, and testing datasets (e.g., 70% training, 20% validation, 10% testing).</a:t>
-            </a:r>
-          </a:p>
-          <a:p>
-            <a:pPr algn="l">
-              <a:buFont typeface="Arial" panose="020B0604020202020204" pitchFamily="34" charset="0"/>
-              <a:buChar char="•"/>
-            </a:pPr>
-            <a:endParaRPr lang="en-IN" sz="1200" b="0" i="0" dirty="0">
+              <a:t>Phase 1: Planning and Design</a:t>
+            </a:r>
+            <a:endParaRPr lang="en-GB" b="0" i="0" dirty="0">
               <a:solidFill>
                 <a:schemeClr val="tx1"/>
               </a:solidFill>
               <a:effectLst/>
-              <a:latin typeface="ui-sans-serif"/>
             </a:endParaRPr>
           </a:p>
           <a:p>
-            <a:pPr algn="l">
-              <a:buFont typeface="Arial" panose="020B0604020202020204" pitchFamily="34" charset="0"/>
-              <a:buChar char="•"/>
+            <a:pPr marL="857250" lvl="1" indent="-400050" algn="l">
+              <a:buFont typeface="+mj-lt"/>
+              <a:buAutoNum type="romanUcPeriod"/>
             </a:pPr>
-            <a:endParaRPr lang="en-IN" sz="1200" b="0" i="0" dirty="0">
+            <a:r>
+              <a:rPr lang="en-GB" b="0" i="0" dirty="0">
+                <a:solidFill>
+                  <a:schemeClr val="tx1"/>
+                </a:solidFill>
+                <a:effectLst/>
+              </a:rPr>
+              <a:t>Define project scope, goals, and deliverables.</a:t>
+            </a:r>
+          </a:p>
+          <a:p>
+            <a:pPr marL="857250" lvl="1" indent="-400050" algn="l">
+              <a:buFont typeface="+mj-lt"/>
+              <a:buAutoNum type="romanUcPeriod"/>
+            </a:pPr>
+            <a:r>
+              <a:rPr lang="en-GB" b="0" i="0" dirty="0">
+                <a:solidFill>
+                  <a:schemeClr val="tx1"/>
+                </a:solidFill>
+                <a:effectLst/>
+              </a:rPr>
+              <a:t>Create system architecture and wireframes for the app and website.</a:t>
+            </a:r>
+          </a:p>
+          <a:p>
+            <a:pPr marL="857250" lvl="1" indent="-400050" algn="l">
+              <a:buFont typeface="+mj-lt"/>
+              <a:buAutoNum type="romanUcPeriod"/>
+            </a:pPr>
+            <a:r>
+              <a:rPr lang="en-GB" b="0" i="0" dirty="0">
+                <a:solidFill>
+                  <a:schemeClr val="tx1"/>
+                </a:solidFill>
+                <a:effectLst/>
+              </a:rPr>
+              <a:t>Choose tools and technologies (React.js, Node.js/Django, MongoDB, Blockchain).</a:t>
+            </a:r>
+          </a:p>
+          <a:p>
+            <a:pPr marL="0" indent="0" algn="l">
+              <a:buNone/>
+            </a:pPr>
+            <a:r>
+              <a:rPr lang="en-GB" b="1" i="0" dirty="0">
+                <a:solidFill>
+                  <a:schemeClr val="tx1"/>
+                </a:solidFill>
+                <a:effectLst/>
+              </a:rPr>
+              <a:t>Phase 2: Development</a:t>
+            </a:r>
+            <a:endParaRPr lang="en-GB" b="0" i="0" dirty="0">
               <a:solidFill>
                 <a:schemeClr val="tx1"/>
               </a:solidFill>
               <a:effectLst/>
-              <a:latin typeface="ui-sans-serif"/>
             </a:endParaRPr>
           </a:p>
           <a:p>
-            <a:pPr algn="l"/>
-            <a:r>
-              <a:rPr lang="en-IN" sz="1200" b="1" i="0" dirty="0">
+            <a:pPr marL="857250" lvl="1" indent="-400050" algn="l">
+              <a:buFont typeface="+mj-lt"/>
+              <a:buAutoNum type="romanUcPeriod"/>
+            </a:pPr>
+            <a:r>
+              <a:rPr lang="en-GB" b="1" i="0" dirty="0">
                 <a:solidFill>
                   <a:schemeClr val="tx1"/>
                 </a:solidFill>
                 <a:effectLst/>
-                <a:latin typeface="ui-sans-serif"/>
               </a:rPr>
-              <a:t>Model Training:</a:t>
-            </a:r>
-          </a:p>
-          <a:p>
-            <a:pPr algn="l">
-              <a:buFont typeface="Arial" panose="020B0604020202020204" pitchFamily="34" charset="0"/>
-              <a:buChar char="•"/>
+              <a:t>Frontend Development</a:t>
+            </a:r>
+            <a:r>
+              <a:rPr lang="en-GB" b="0" i="0" dirty="0">
+                <a:solidFill>
+                  <a:schemeClr val="tx1"/>
+                </a:solidFill>
+                <a:effectLst/>
+              </a:rPr>
+              <a:t>: Build user-friendly mobile and web interfaces.</a:t>
+            </a:r>
+          </a:p>
+          <a:p>
+            <a:pPr marL="857250" lvl="1" indent="-400050" algn="l">
+              <a:buFont typeface="+mj-lt"/>
+              <a:buAutoNum type="romanUcPeriod"/>
             </a:pPr>
             <a:r>
-              <a:rPr lang="en-IN" sz="1200" b="1" i="0" dirty="0">
+              <a:rPr lang="en-GB" b="1" i="0" dirty="0">
                 <a:solidFill>
                   <a:schemeClr val="tx1"/>
                 </a:solidFill>
                 <a:effectLst/>
-                <a:latin typeface="ui-sans-serif"/>
               </a:rPr>
-              <a:t>Real-Time Monitoring</a:t>
-            </a:r>
-            <a:r>
-              <a:rPr lang="en-IN" sz="1200" b="0" i="0" dirty="0">
+              <a:t>Backend Development</a:t>
+            </a:r>
+            <a:r>
+              <a:rPr lang="en-GB" b="0" i="0" dirty="0">
                 <a:solidFill>
                   <a:schemeClr val="tx1"/>
                 </a:solidFill>
                 <a:effectLst/>
-                <a:latin typeface="ui-sans-serif"/>
               </a:rPr>
-              <a:t>: Train models for detecting e-waste condition using IoT data.</a:t>
-            </a:r>
-          </a:p>
-          <a:p>
-            <a:pPr algn="l">
-              <a:buFont typeface="Arial" panose="020B0604020202020204" pitchFamily="34" charset="0"/>
-              <a:buChar char="•"/>
+              <a:t>: Implement APIs for QR code generation, user authentication, and recycling tracking.</a:t>
+            </a:r>
+          </a:p>
+          <a:p>
+            <a:pPr marL="857250" lvl="1" indent="-400050" algn="l">
+              <a:buFont typeface="+mj-lt"/>
+              <a:buAutoNum type="romanUcPeriod"/>
             </a:pPr>
             <a:r>
-              <a:rPr lang="en-IN" sz="1200" b="1" i="0" dirty="0">
+              <a:rPr lang="en-GB" b="1" i="0" dirty="0">
                 <a:solidFill>
                   <a:schemeClr val="tx1"/>
                 </a:solidFill>
                 <a:effectLst/>
-                <a:latin typeface="ui-sans-serif"/>
               </a:rPr>
-              <a:t>Classification Service</a:t>
-            </a:r>
-            <a:r>
-              <a:rPr lang="en-IN" sz="1200" b="0" i="0" dirty="0">
+              <a:t>Blockchain Setup</a:t>
+            </a:r>
+            <a:r>
+              <a:rPr lang="en-GB" b="0" i="0" dirty="0">
                 <a:solidFill>
                   <a:schemeClr val="tx1"/>
                 </a:solidFill>
                 <a:effectLst/>
-                <a:latin typeface="ui-sans-serif"/>
               </a:rPr>
-              <a:t>: Fine-tune AI models for automated waste classification.</a:t>
-            </a:r>
-          </a:p>
-          <a:p>
-            <a:pPr algn="l">
-              <a:buFont typeface="Arial" panose="020B0604020202020204" pitchFamily="34" charset="0"/>
-              <a:buChar char="•"/>
+              <a:t>: Configure a basic blockchain for tracking e-waste recycling processes.</a:t>
+            </a:r>
+          </a:p>
+          <a:p>
+            <a:pPr marL="857250" lvl="1" indent="-400050" algn="l">
+              <a:buFont typeface="+mj-lt"/>
+              <a:buAutoNum type="romanUcPeriod"/>
             </a:pPr>
             <a:r>
-              <a:rPr lang="en-IN" sz="1200" b="1" i="0" dirty="0">
+              <a:rPr lang="en-GB" b="1" i="0" dirty="0">
                 <a:solidFill>
                   <a:schemeClr val="tx1"/>
                 </a:solidFill>
                 <a:effectLst/>
-                <a:latin typeface="ui-sans-serif"/>
               </a:rPr>
-              <a:t>Blockchain Integration</a:t>
-            </a:r>
-            <a:r>
-              <a:rPr lang="en-IN" sz="1200" b="0" i="0" dirty="0">
+              <a:t>Database Management</a:t>
+            </a:r>
+            <a:r>
+              <a:rPr lang="en-GB" b="0" i="0" dirty="0">
                 <a:solidFill>
                   <a:schemeClr val="tx1"/>
                 </a:solidFill>
                 <a:effectLst/>
-                <a:latin typeface="ui-sans-serif"/>
               </a:rPr>
-              <a:t>: Implement smart contracts to track e-waste lifecycle.</a:t>
-            </a:r>
-          </a:p>
-          <a:p>
-            <a:pPr algn="l">
-              <a:buFont typeface="Arial" panose="020B0604020202020204" pitchFamily="34" charset="0"/>
-              <a:buChar char="•"/>
+              <a:t>: Set up PostgreSQL/MongoDB for storing user and recycling data.</a:t>
+            </a:r>
+          </a:p>
+          <a:p>
+            <a:pPr marL="0" indent="0" algn="l">
+              <a:buNone/>
             </a:pPr>
             <a:r>
-              <a:rPr lang="en-IN" sz="1200" b="1" i="0" dirty="0">
+              <a:rPr lang="en-GB" b="1" i="0" dirty="0">
                 <a:solidFill>
                   <a:schemeClr val="tx1"/>
                 </a:solidFill>
                 <a:effectLst/>
-                <a:latin typeface="ui-sans-serif"/>
               </a:rPr>
-              <a:t>Train Models</a:t>
-            </a:r>
-            <a:r>
-              <a:rPr lang="en-IN" sz="1200" b="0" i="0" dirty="0">
-                <a:solidFill>
-                  <a:schemeClr val="tx1"/>
-                </a:solidFill>
-                <a:effectLst/>
-                <a:latin typeface="ui-sans-serif"/>
-              </a:rPr>
-              <a:t>: Use GPUs/TPUs to train models and validate using performance metrics (accuracy, F1-score).</a:t>
-            </a:r>
-          </a:p>
-          <a:p>
-            <a:pPr algn="l"/>
-            <a:r>
-              <a:rPr lang="en-IN" sz="1200" b="1" i="0" dirty="0">
-                <a:solidFill>
-                  <a:schemeClr val="tx1"/>
-                </a:solidFill>
-                <a:effectLst/>
-                <a:latin typeface="ui-sans-serif"/>
-              </a:rPr>
-              <a:t>Deployment:</a:t>
-            </a:r>
-          </a:p>
-          <a:p>
-            <a:pPr algn="l">
-              <a:buFont typeface="Arial" panose="020B0604020202020204" pitchFamily="34" charset="0"/>
-              <a:buChar char="•"/>
-            </a:pPr>
-            <a:r>
-              <a:rPr lang="en-IN" sz="1200" b="1" i="0" dirty="0">
-                <a:solidFill>
-                  <a:schemeClr val="tx1"/>
-                </a:solidFill>
-                <a:effectLst/>
-                <a:latin typeface="ui-sans-serif"/>
-              </a:rPr>
-              <a:t>Deploy Models</a:t>
-            </a:r>
-            <a:r>
-              <a:rPr lang="en-IN" sz="1200" b="0" i="0" dirty="0">
-                <a:solidFill>
-                  <a:schemeClr val="tx1"/>
-                </a:solidFill>
-                <a:effectLst/>
-                <a:latin typeface="ui-sans-serif"/>
-              </a:rPr>
-              <a:t>: Use </a:t>
-            </a:r>
-            <a:r>
-              <a:rPr lang="en-IN" sz="1200" b="1" i="0" dirty="0">
-                <a:solidFill>
-                  <a:schemeClr val="tx1"/>
-                </a:solidFill>
-                <a:effectLst/>
-                <a:latin typeface="ui-sans-serif"/>
-              </a:rPr>
-              <a:t>TensorFlow</a:t>
-            </a:r>
-            <a:r>
-              <a:rPr lang="en-IN" sz="1200" b="0" i="0" dirty="0">
-                <a:solidFill>
-                  <a:schemeClr val="tx1"/>
-                </a:solidFill>
-                <a:effectLst/>
-                <a:latin typeface="ui-sans-serif"/>
-              </a:rPr>
-              <a:t> or </a:t>
-            </a:r>
-            <a:r>
-              <a:rPr lang="en-IN" sz="1200" b="1" i="0" dirty="0" err="1">
-                <a:solidFill>
-                  <a:schemeClr val="tx1"/>
-                </a:solidFill>
-                <a:effectLst/>
-                <a:latin typeface="ui-sans-serif"/>
-              </a:rPr>
-              <a:t>PyTorch</a:t>
-            </a:r>
-            <a:r>
-              <a:rPr lang="en-IN" sz="1200" b="0" i="0" dirty="0">
-                <a:solidFill>
-                  <a:schemeClr val="tx1"/>
-                </a:solidFill>
-                <a:effectLst/>
-                <a:latin typeface="ui-sans-serif"/>
-              </a:rPr>
-              <a:t> to deploy models on cloud infrastructure (AWS, Google Cloud).</a:t>
-            </a:r>
-          </a:p>
-          <a:p>
-            <a:pPr algn="l">
-              <a:buFont typeface="Arial" panose="020B0604020202020204" pitchFamily="34" charset="0"/>
-              <a:buChar char="•"/>
-            </a:pPr>
-            <a:r>
-              <a:rPr lang="en-IN" sz="1200" b="1" i="0" dirty="0">
-                <a:solidFill>
-                  <a:schemeClr val="tx1"/>
-                </a:solidFill>
-                <a:effectLst/>
-                <a:latin typeface="ui-sans-serif"/>
-              </a:rPr>
-              <a:t>Scalability</a:t>
-            </a:r>
-            <a:r>
-              <a:rPr lang="en-IN" sz="1200" b="0" i="0" dirty="0">
-                <a:solidFill>
-                  <a:schemeClr val="tx1"/>
-                </a:solidFill>
-                <a:effectLst/>
-                <a:latin typeface="ui-sans-serif"/>
-              </a:rPr>
-              <a:t>: Ensure the system can scale using services like </a:t>
-            </a:r>
-            <a:r>
-              <a:rPr lang="en-IN" sz="1200" b="1" i="0" dirty="0">
-                <a:solidFill>
-                  <a:schemeClr val="tx1"/>
-                </a:solidFill>
-                <a:effectLst/>
-                <a:latin typeface="ui-sans-serif"/>
-              </a:rPr>
-              <a:t>AWS Lambda</a:t>
-            </a:r>
-            <a:r>
-              <a:rPr lang="en-IN" sz="1200" b="0" i="0" dirty="0">
-                <a:solidFill>
-                  <a:schemeClr val="tx1"/>
-                </a:solidFill>
-                <a:effectLst/>
-                <a:latin typeface="ui-sans-serif"/>
-              </a:rPr>
-              <a:t> or </a:t>
-            </a:r>
-            <a:r>
-              <a:rPr lang="en-IN" sz="1200" b="1" i="0" dirty="0">
-                <a:solidFill>
-                  <a:schemeClr val="tx1"/>
-                </a:solidFill>
-                <a:effectLst/>
-                <a:latin typeface="ui-sans-serif"/>
-              </a:rPr>
-              <a:t>Kubernetes</a:t>
-            </a:r>
-            <a:r>
-              <a:rPr lang="en-IN" sz="1200" b="0" i="0" dirty="0">
-                <a:solidFill>
-                  <a:schemeClr val="tx1"/>
-                </a:solidFill>
-                <a:effectLst/>
-                <a:latin typeface="ui-sans-serif"/>
-              </a:rPr>
-              <a:t>.</a:t>
-            </a:r>
-          </a:p>
-          <a:p>
-            <a:pPr algn="l"/>
-            <a:r>
-              <a:rPr lang="en-IN" sz="1200" b="1" i="0" dirty="0">
-                <a:solidFill>
-                  <a:schemeClr val="tx1"/>
-                </a:solidFill>
-                <a:effectLst/>
-                <a:latin typeface="ui-sans-serif"/>
-              </a:rPr>
-              <a:t>Continuous Improvement:</a:t>
-            </a:r>
-          </a:p>
-          <a:p>
-            <a:pPr algn="l">
-              <a:buFont typeface="Arial" panose="020B0604020202020204" pitchFamily="34" charset="0"/>
-              <a:buChar char="•"/>
-            </a:pPr>
-            <a:r>
-              <a:rPr lang="en-IN" sz="1200" b="1" i="0" dirty="0">
-                <a:solidFill>
-                  <a:schemeClr val="tx1"/>
-                </a:solidFill>
-                <a:effectLst/>
-                <a:latin typeface="ui-sans-serif"/>
-              </a:rPr>
-              <a:t>Retrain Models</a:t>
-            </a:r>
-            <a:r>
-              <a:rPr lang="en-IN" sz="1200" b="0" i="0" dirty="0">
-                <a:solidFill>
-                  <a:schemeClr val="tx1"/>
-                </a:solidFill>
-                <a:effectLst/>
-                <a:latin typeface="ui-sans-serif"/>
-              </a:rPr>
-              <a:t>: Continuously update models using feedback and new data.</a:t>
-            </a:r>
-          </a:p>
-          <a:p>
-            <a:pPr algn="l">
-              <a:buFont typeface="Arial" panose="020B0604020202020204" pitchFamily="34" charset="0"/>
-              <a:buChar char="•"/>
-            </a:pPr>
-            <a:r>
-              <a:rPr lang="en-IN" sz="1200" b="1" i="0" dirty="0">
-                <a:solidFill>
-                  <a:schemeClr val="tx1"/>
-                </a:solidFill>
-                <a:effectLst/>
-                <a:latin typeface="ui-sans-serif"/>
-              </a:rPr>
-              <a:t>Monitor Performance</a:t>
-            </a:r>
-            <a:r>
-              <a:rPr lang="en-IN" sz="1200" b="0" i="0" dirty="0">
-                <a:solidFill>
-                  <a:schemeClr val="tx1"/>
-                </a:solidFill>
-                <a:effectLst/>
-                <a:latin typeface="ui-sans-serif"/>
-              </a:rPr>
-              <a:t>: Track system performance and optimize based on usage metrics.</a:t>
-            </a:r>
-          </a:p>
-          <a:p>
-            <a:endParaRPr lang="en-IN" sz="1200" dirty="0">
+              <a:t>Phase 3: Integration and Testing</a:t>
+            </a:r>
+            <a:endParaRPr lang="en-GB" b="0" i="0" dirty="0">
               <a:solidFill>
                 <a:schemeClr val="tx1"/>
               </a:solidFill>
+              <a:effectLst/>
+            </a:endParaRPr>
+          </a:p>
+          <a:p>
+            <a:pPr marL="857250" lvl="1" indent="-400050" algn="l">
+              <a:buFont typeface="+mj-lt"/>
+              <a:buAutoNum type="romanUcPeriod"/>
+            </a:pPr>
+            <a:r>
+              <a:rPr lang="en-GB" b="0" i="0" dirty="0">
+                <a:solidFill>
+                  <a:schemeClr val="tx1"/>
+                </a:solidFill>
+                <a:effectLst/>
+              </a:rPr>
+              <a:t>Integrate the frontend, backend, and blockchain components.</a:t>
+            </a:r>
+          </a:p>
+          <a:p>
+            <a:pPr marL="857250" lvl="1" indent="-400050" algn="l">
+              <a:buFont typeface="+mj-lt"/>
+              <a:buAutoNum type="romanUcPeriod"/>
+            </a:pPr>
+            <a:r>
+              <a:rPr lang="en-GB" b="0" i="0" dirty="0">
+                <a:solidFill>
+                  <a:schemeClr val="tx1"/>
+                </a:solidFill>
+                <a:effectLst/>
+              </a:rPr>
+              <a:t>Test for functionality, security, and scalability using tools like Postman and Selenium</a:t>
+            </a:r>
+            <a:r>
+              <a:rPr lang="en-GB" dirty="0">
+                <a:solidFill>
+                  <a:schemeClr val="tx1"/>
+                </a:solidFill>
+              </a:rPr>
+              <a:t>.</a:t>
+            </a:r>
+            <a:endParaRPr lang="en-GB" b="0" i="0" dirty="0">
+              <a:solidFill>
+                <a:schemeClr val="tx1"/>
+              </a:solidFill>
+              <a:effectLst/>
             </a:endParaRPr>
           </a:p>
         </p:txBody>
@@ -32975,305 +33654,7 @@
     </p:spTree>
     <p:extLst>
       <p:ext uri="{BB962C8B-B14F-4D97-AF65-F5344CB8AC3E}">
-        <p14:creationId xmlns:p14="http://schemas.microsoft.com/office/powerpoint/2010/main" val="1503041079"/>
-      </p:ext>
-    </p:extLst>
-  </p:cSld>
-  <p:clrMapOvr>
-    <a:masterClrMapping/>
-  </p:clrMapOvr>
-</p:sld>
-</file>
-
-<file path=ppt/slides/slide8.xml><?xml version="1.0" encoding="utf-8"?>
-<p:sld xmlns:a="http://schemas.openxmlformats.org/drawingml/2006/main" xmlns:r="http://schemas.openxmlformats.org/officeDocument/2006/relationships" xmlns:p="http://schemas.openxmlformats.org/presentationml/2006/main">
-  <p:cSld>
-    <p:spTree>
-      <p:nvGrpSpPr>
-        <p:cNvPr id="1" name=""/>
-        <p:cNvGrpSpPr/>
-        <p:nvPr/>
-      </p:nvGrpSpPr>
-      <p:grpSpPr>
-        <a:xfrm>
-          <a:off x="0" y="0"/>
-          <a:ext cx="0" cy="0"/>
-          <a:chOff x="0" y="0"/>
-          <a:chExt cx="0" cy="0"/>
-        </a:xfrm>
-      </p:grpSpPr>
-      <p:sp>
-        <p:nvSpPr>
-          <p:cNvPr id="2" name="Title 1">
-            <a:extLst>
-              <a:ext uri="{FF2B5EF4-FFF2-40B4-BE49-F238E27FC236}">
-                <a16:creationId xmlns:a16="http://schemas.microsoft.com/office/drawing/2014/main" id="{8F7C98D4-CF48-00EA-1E5E-14178BC62886}"/>
-              </a:ext>
-            </a:extLst>
-          </p:cNvPr>
-          <p:cNvSpPr>
-            <a:spLocks noGrp="1"/>
-          </p:cNvSpPr>
-          <p:nvPr>
-            <p:ph type="title"/>
-          </p:nvPr>
-        </p:nvSpPr>
-        <p:spPr/>
-        <p:txBody>
-          <a:bodyPr/>
-          <a:lstStyle/>
-          <a:p>
-            <a:r>
-              <a:rPr lang="en-US" dirty="0"/>
-              <a:t>Validation / Testing / Analysis</a:t>
-            </a:r>
-            <a:endParaRPr lang="en-IN" dirty="0"/>
-          </a:p>
-        </p:txBody>
-      </p:sp>
-      <p:sp>
-        <p:nvSpPr>
-          <p:cNvPr id="3" name="Content Placeholder 2">
-            <a:extLst>
-              <a:ext uri="{FF2B5EF4-FFF2-40B4-BE49-F238E27FC236}">
-                <a16:creationId xmlns:a16="http://schemas.microsoft.com/office/drawing/2014/main" id="{E9BCFC67-F5AA-8E05-39EC-73CBF3865066}"/>
-              </a:ext>
-            </a:extLst>
-          </p:cNvPr>
-          <p:cNvSpPr>
-            <a:spLocks noGrp="1"/>
-          </p:cNvSpPr>
-          <p:nvPr>
-            <p:ph idx="1"/>
-          </p:nvPr>
-        </p:nvSpPr>
-        <p:spPr/>
-        <p:txBody>
-          <a:bodyPr>
-            <a:normAutofit/>
-          </a:bodyPr>
-          <a:lstStyle/>
-          <a:p>
-            <a:pPr algn="l">
-              <a:buFont typeface="+mj-lt"/>
-              <a:buAutoNum type="arabicPeriod"/>
-            </a:pPr>
-            <a:r>
-              <a:rPr lang="en-GB" b="1" i="0" dirty="0">
-                <a:solidFill>
-                  <a:schemeClr val="tx1"/>
-                </a:solidFill>
-                <a:effectLst/>
-                <a:latin typeface="ui-sans-serif"/>
-              </a:rPr>
-              <a:t>Unit Testing</a:t>
-            </a:r>
-            <a:r>
-              <a:rPr lang="en-GB" b="0" i="0" dirty="0">
-                <a:solidFill>
-                  <a:schemeClr val="tx1"/>
-                </a:solidFill>
-                <a:effectLst/>
-                <a:latin typeface="ui-sans-serif"/>
-              </a:rPr>
-              <a:t>: Test individual components (IoT, AI, blockchain) for correct functionality.</a:t>
-            </a:r>
-          </a:p>
-          <a:p>
-            <a:pPr algn="l">
-              <a:buFont typeface="+mj-lt"/>
-              <a:buAutoNum type="arabicPeriod"/>
-            </a:pPr>
-            <a:r>
-              <a:rPr lang="en-GB" b="1" i="0" dirty="0">
-                <a:solidFill>
-                  <a:schemeClr val="tx1"/>
-                </a:solidFill>
-                <a:effectLst/>
-                <a:latin typeface="ui-sans-serif"/>
-              </a:rPr>
-              <a:t>Integration Testing</a:t>
-            </a:r>
-            <a:r>
-              <a:rPr lang="en-GB" b="0" i="0" dirty="0">
-                <a:solidFill>
-                  <a:schemeClr val="tx1"/>
-                </a:solidFill>
-                <a:effectLst/>
-                <a:latin typeface="ui-sans-serif"/>
-              </a:rPr>
-              <a:t>: Ensure smooth interaction between frontend, backend, and cloud systems.</a:t>
-            </a:r>
-          </a:p>
-          <a:p>
-            <a:pPr algn="l">
-              <a:buFont typeface="+mj-lt"/>
-              <a:buAutoNum type="arabicPeriod"/>
-            </a:pPr>
-            <a:r>
-              <a:rPr lang="en-GB" b="1" i="0" dirty="0">
-                <a:solidFill>
-                  <a:schemeClr val="tx1"/>
-                </a:solidFill>
-                <a:effectLst/>
-                <a:latin typeface="ui-sans-serif"/>
-              </a:rPr>
-              <a:t>Model Evaluation</a:t>
-            </a:r>
-            <a:r>
-              <a:rPr lang="en-GB" b="0" i="0" dirty="0">
-                <a:solidFill>
-                  <a:schemeClr val="tx1"/>
-                </a:solidFill>
-                <a:effectLst/>
-                <a:latin typeface="ui-sans-serif"/>
-              </a:rPr>
-              <a:t>: Measure AI model accuracy (precision, recall, F1-score) for waste classification.</a:t>
-            </a:r>
-          </a:p>
-          <a:p>
-            <a:pPr algn="l">
-              <a:buFont typeface="+mj-lt"/>
-              <a:buAutoNum type="arabicPeriod"/>
-            </a:pPr>
-            <a:r>
-              <a:rPr lang="en-GB" b="1" i="0" dirty="0">
-                <a:solidFill>
-                  <a:schemeClr val="tx1"/>
-                </a:solidFill>
-                <a:effectLst/>
-                <a:latin typeface="ui-sans-serif"/>
-              </a:rPr>
-              <a:t>End-to-End Testing</a:t>
-            </a:r>
-            <a:r>
-              <a:rPr lang="en-GB" b="0" i="0" dirty="0">
-                <a:solidFill>
-                  <a:schemeClr val="tx1"/>
-                </a:solidFill>
-                <a:effectLst/>
-                <a:latin typeface="ui-sans-serif"/>
-              </a:rPr>
-              <a:t>: Simulate the full data flow from e-waste collection to recycling.</a:t>
-            </a:r>
-          </a:p>
-          <a:p>
-            <a:pPr algn="l">
-              <a:buFont typeface="+mj-lt"/>
-              <a:buAutoNum type="arabicPeriod"/>
-            </a:pPr>
-            <a:r>
-              <a:rPr lang="en-GB" b="1" i="0" dirty="0">
-                <a:solidFill>
-                  <a:schemeClr val="tx1"/>
-                </a:solidFill>
-                <a:effectLst/>
-                <a:latin typeface="ui-sans-serif"/>
-              </a:rPr>
-              <a:t>User Testing</a:t>
-            </a:r>
-            <a:r>
-              <a:rPr lang="en-GB" b="0" i="0" dirty="0">
-                <a:solidFill>
-                  <a:schemeClr val="tx1"/>
-                </a:solidFill>
-                <a:effectLst/>
-                <a:latin typeface="ui-sans-serif"/>
-              </a:rPr>
-              <a:t>: Validate ease of use and performance with real users.</a:t>
-            </a:r>
-          </a:p>
-          <a:p>
-            <a:pPr algn="l">
-              <a:buFont typeface="+mj-lt"/>
-              <a:buAutoNum type="arabicPeriod"/>
-            </a:pPr>
-            <a:r>
-              <a:rPr lang="en-GB" b="1" i="0" dirty="0">
-                <a:solidFill>
-                  <a:schemeClr val="tx1"/>
-                </a:solidFill>
-                <a:effectLst/>
-                <a:latin typeface="ui-sans-serif"/>
-              </a:rPr>
-              <a:t>Performance Testing</a:t>
-            </a:r>
-            <a:r>
-              <a:rPr lang="en-GB" b="0" i="0" dirty="0">
-                <a:solidFill>
-                  <a:schemeClr val="tx1"/>
-                </a:solidFill>
-                <a:effectLst/>
-                <a:latin typeface="ui-sans-serif"/>
-              </a:rPr>
-              <a:t>: Stress-test system for scalability and response time under load.</a:t>
-            </a:r>
-          </a:p>
-          <a:p>
-            <a:pPr algn="l">
-              <a:buFont typeface="+mj-lt"/>
-              <a:buAutoNum type="arabicPeriod"/>
-            </a:pPr>
-            <a:r>
-              <a:rPr lang="en-GB" b="1" i="0" dirty="0">
-                <a:solidFill>
-                  <a:schemeClr val="tx1"/>
-                </a:solidFill>
-                <a:effectLst/>
-                <a:latin typeface="ui-sans-serif"/>
-              </a:rPr>
-              <a:t>Security Testing</a:t>
-            </a:r>
-            <a:r>
-              <a:rPr lang="en-GB" b="0" i="0" dirty="0">
-                <a:solidFill>
-                  <a:schemeClr val="tx1"/>
-                </a:solidFill>
-                <a:effectLst/>
-                <a:latin typeface="ui-sans-serif"/>
-              </a:rPr>
-              <a:t>: Assess data privacy, blockchain security, and overall system vulnerability.</a:t>
-            </a:r>
-          </a:p>
-          <a:p>
-            <a:pPr algn="l">
-              <a:buFont typeface="+mj-lt"/>
-              <a:buAutoNum type="arabicPeriod"/>
-            </a:pPr>
-            <a:r>
-              <a:rPr lang="en-GB" b="1" i="0" dirty="0">
-                <a:solidFill>
-                  <a:schemeClr val="tx1"/>
-                </a:solidFill>
-                <a:effectLst/>
-                <a:latin typeface="ui-sans-serif"/>
-              </a:rPr>
-              <a:t>Continuous Monitoring</a:t>
-            </a:r>
-            <a:r>
-              <a:rPr lang="en-GB" b="0" i="0" dirty="0">
-                <a:solidFill>
-                  <a:schemeClr val="tx1"/>
-                </a:solidFill>
-                <a:effectLst/>
-                <a:latin typeface="ui-sans-serif"/>
-              </a:rPr>
-              <a:t>: Monitor system performance post-deployment and improve based on feedback.</a:t>
-            </a:r>
-          </a:p>
-          <a:p>
-            <a:endParaRPr lang="en-IN" dirty="0">
-              <a:solidFill>
-                <a:schemeClr val="tx1"/>
-              </a:solidFill>
-            </a:endParaRPr>
-          </a:p>
-        </p:txBody>
-      </p:sp>
-    </p:spTree>
-    <p:extLst>
-      <p:ext uri="{BB962C8B-B14F-4D97-AF65-F5344CB8AC3E}">
-        <p14:creationId xmlns:p14="http://schemas.microsoft.com/office/powerpoint/2010/main" val="2288670748"/>
+        <p14:creationId xmlns:p14="http://schemas.microsoft.com/office/powerpoint/2010/main" val="2157770028"/>
       </p:ext>
     </p:extLst>
   </p:cSld>
@@ -33322,445 +33703,243 @@
           <a:lstStyle/>
           <a:p>
             <a:r>
-              <a:rPr lang="en-US" dirty="0">
-                <a:latin typeface="Calibri" panose="020F0502020204030204" pitchFamily="34" charset="0"/>
-              </a:rPr>
-              <a:t>Cost Estimate</a:t>
-            </a:r>
-            <a:endParaRPr lang="en-IN" dirty="0"/>
+              <a:rPr lang="en-IN" dirty="0"/>
+              <a:t>Implementation Plan</a:t>
+            </a:r>
           </a:p>
         </p:txBody>
       </p:sp>
-      <p:graphicFrame>
-        <p:nvGraphicFramePr>
-          <p:cNvPr id="4" name="Content Placeholder 3">
+      <p:sp>
+        <p:nvSpPr>
+          <p:cNvPr id="3" name="Content Placeholder 2">
             <a:extLst>
               <a:ext uri="{FF2B5EF4-FFF2-40B4-BE49-F238E27FC236}">
-                <a16:creationId xmlns:a16="http://schemas.microsoft.com/office/drawing/2014/main" id="{4C1EBE04-BCA4-73CC-24B2-3D90651CE3B7}"/>
+                <a16:creationId xmlns:a16="http://schemas.microsoft.com/office/drawing/2014/main" id="{E9BCFC67-F5AA-8E05-39EC-73CBF3865066}"/>
               </a:ext>
             </a:extLst>
           </p:cNvPr>
-          <p:cNvGraphicFramePr>
-            <a:graphicFrameLocks noGrp="1"/>
-          </p:cNvGraphicFramePr>
+          <p:cNvSpPr>
+            <a:spLocks noGrp="1"/>
+          </p:cNvSpPr>
           <p:nvPr>
             <p:ph idx="1"/>
-            <p:extLst>
-              <p:ext uri="{D42A27DB-BD31-4B8C-83A1-F6EECF244321}">
-                <p14:modId xmlns:p14="http://schemas.microsoft.com/office/powerpoint/2010/main" val="3416442404"/>
-              </p:ext>
-            </p:extLst>
           </p:nvPr>
-        </p:nvGraphicFramePr>
-        <p:xfrm>
-          <a:off x="1841183" y="1582737"/>
-          <a:ext cx="5547360" cy="2743200"/>
-        </p:xfrm>
-        <a:graphic>
-          <a:graphicData uri="http://schemas.openxmlformats.org/drawingml/2006/table">
-            <a:tbl>
-              <a:tblPr>
-                <a:tableStyleId>{5940675A-B579-460E-94D1-54222C63F5DA}</a:tableStyleId>
-              </a:tblPr>
-              <a:tblGrid>
-                <a:gridCol w="2773680">
-                  <a:extLst>
-                    <a:ext uri="{9D8B030D-6E8A-4147-A177-3AD203B41FA5}">
-                      <a16:colId xmlns:a16="http://schemas.microsoft.com/office/drawing/2014/main" val="950135619"/>
-                    </a:ext>
-                  </a:extLst>
-                </a:gridCol>
-                <a:gridCol w="2773680">
-                  <a:extLst>
-                    <a:ext uri="{9D8B030D-6E8A-4147-A177-3AD203B41FA5}">
-                      <a16:colId xmlns:a16="http://schemas.microsoft.com/office/drawing/2014/main" val="3448304833"/>
-                    </a:ext>
-                  </a:extLst>
-                </a:gridCol>
-              </a:tblGrid>
-              <a:tr h="0">
-                <a:tc>
-                  <a:txBody>
-                    <a:bodyPr/>
-                    <a:lstStyle/>
-                    <a:p>
-                      <a:pPr fontAlgn="b"/>
-                      <a:r>
-                        <a:rPr lang="en-IN" b="1" dirty="0">
-                          <a:effectLst/>
-                        </a:rPr>
-                        <a:t>Category</a:t>
-                      </a:r>
-                    </a:p>
-                  </a:txBody>
-                  <a:tcPr anchor="b"/>
-                </a:tc>
-                <a:tc>
-                  <a:txBody>
-                    <a:bodyPr/>
-                    <a:lstStyle/>
-                    <a:p>
-                      <a:pPr fontAlgn="b"/>
-                      <a:r>
-                        <a:rPr lang="en-IN" b="1">
-                          <a:effectLst/>
-                        </a:rPr>
-                        <a:t>Estimated Cost</a:t>
-                      </a:r>
-                    </a:p>
-                  </a:txBody>
-                  <a:tcPr anchor="b"/>
-                </a:tc>
-                <a:extLst>
-                  <a:ext uri="{0D108BD9-81ED-4DB2-BD59-A6C34878D82A}">
-                    <a16:rowId xmlns:a16="http://schemas.microsoft.com/office/drawing/2014/main" val="954606068"/>
-                  </a:ext>
-                </a:extLst>
-              </a:tr>
-              <a:tr h="0">
-                <a:tc>
-                  <a:txBody>
-                    <a:bodyPr/>
-                    <a:lstStyle/>
-                    <a:p>
-                      <a:pPr fontAlgn="base"/>
-                      <a:r>
-                        <a:rPr lang="en-IN" b="1">
-                          <a:effectLst/>
-                        </a:rPr>
-                        <a:t>Development Costs</a:t>
-                      </a:r>
-                      <a:endParaRPr lang="en-IN">
-                        <a:effectLst/>
-                      </a:endParaRPr>
-                    </a:p>
-                  </a:txBody>
-                  <a:tcPr anchor="ctr"/>
-                </a:tc>
-                <a:tc>
-                  <a:txBody>
-                    <a:bodyPr/>
-                    <a:lstStyle/>
-                    <a:p>
-                      <a:pPr fontAlgn="base"/>
-                      <a:r>
-                        <a:rPr lang="en-IN">
-                          <a:effectLst/>
-                        </a:rPr>
-                        <a:t>$50,000</a:t>
-                      </a:r>
-                    </a:p>
-                  </a:txBody>
-                  <a:tcPr anchor="ctr"/>
-                </a:tc>
-                <a:extLst>
-                  <a:ext uri="{0D108BD9-81ED-4DB2-BD59-A6C34878D82A}">
-                    <a16:rowId xmlns:a16="http://schemas.microsoft.com/office/drawing/2014/main" val="3054479862"/>
-                  </a:ext>
-                </a:extLst>
-              </a:tr>
-              <a:tr h="0">
-                <a:tc>
-                  <a:txBody>
-                    <a:bodyPr/>
-                    <a:lstStyle/>
-                    <a:p>
-                      <a:pPr fontAlgn="base"/>
-                      <a:r>
-                        <a:rPr lang="en-IN" b="1">
-                          <a:effectLst/>
-                        </a:rPr>
-                        <a:t>Cloud Infrastructure</a:t>
-                      </a:r>
-                      <a:endParaRPr lang="en-IN">
-                        <a:effectLst/>
-                      </a:endParaRPr>
-                    </a:p>
-                  </a:txBody>
-                  <a:tcPr anchor="ctr"/>
-                </a:tc>
-                <a:tc>
-                  <a:txBody>
-                    <a:bodyPr/>
-                    <a:lstStyle/>
-                    <a:p>
-                      <a:pPr fontAlgn="base"/>
-                      <a:r>
-                        <a:rPr lang="en-IN">
-                          <a:effectLst/>
-                        </a:rPr>
-                        <a:t>$20,000/year</a:t>
-                      </a:r>
-                    </a:p>
-                  </a:txBody>
-                  <a:tcPr anchor="ctr"/>
-                </a:tc>
-                <a:extLst>
-                  <a:ext uri="{0D108BD9-81ED-4DB2-BD59-A6C34878D82A}">
-                    <a16:rowId xmlns:a16="http://schemas.microsoft.com/office/drawing/2014/main" val="1646100359"/>
-                  </a:ext>
-                </a:extLst>
-              </a:tr>
-              <a:tr h="0">
-                <a:tc>
-                  <a:txBody>
-                    <a:bodyPr/>
-                    <a:lstStyle/>
-                    <a:p>
-                      <a:pPr fontAlgn="base"/>
-                      <a:r>
-                        <a:rPr lang="en-IN" b="1">
-                          <a:effectLst/>
-                        </a:rPr>
-                        <a:t>IoT Devices</a:t>
-                      </a:r>
-                      <a:endParaRPr lang="en-IN">
-                        <a:effectLst/>
-                      </a:endParaRPr>
-                    </a:p>
-                  </a:txBody>
-                  <a:tcPr anchor="ctr"/>
-                </a:tc>
-                <a:tc>
-                  <a:txBody>
-                    <a:bodyPr/>
-                    <a:lstStyle/>
-                    <a:p>
-                      <a:pPr fontAlgn="base"/>
-                      <a:r>
-                        <a:rPr lang="en-IN">
-                          <a:effectLst/>
-                        </a:rPr>
-                        <a:t>$5,000</a:t>
-                      </a:r>
-                    </a:p>
-                  </a:txBody>
-                  <a:tcPr anchor="ctr"/>
-                </a:tc>
-                <a:extLst>
-                  <a:ext uri="{0D108BD9-81ED-4DB2-BD59-A6C34878D82A}">
-                    <a16:rowId xmlns:a16="http://schemas.microsoft.com/office/drawing/2014/main" val="2380421744"/>
-                  </a:ext>
-                </a:extLst>
-              </a:tr>
-              <a:tr h="0">
-                <a:tc>
-                  <a:txBody>
-                    <a:bodyPr/>
-                    <a:lstStyle/>
-                    <a:p>
-                      <a:pPr fontAlgn="base"/>
-                      <a:r>
-                        <a:rPr lang="en-IN" b="1">
-                          <a:effectLst/>
-                        </a:rPr>
-                        <a:t>Blockchain Implementation</a:t>
-                      </a:r>
-                      <a:endParaRPr lang="en-IN">
-                        <a:effectLst/>
-                      </a:endParaRPr>
-                    </a:p>
-                  </a:txBody>
-                  <a:tcPr anchor="ctr"/>
-                </a:tc>
-                <a:tc>
-                  <a:txBody>
-                    <a:bodyPr/>
-                    <a:lstStyle/>
-                    <a:p>
-                      <a:pPr fontAlgn="base"/>
-                      <a:r>
-                        <a:rPr lang="en-IN">
-                          <a:effectLst/>
-                        </a:rPr>
-                        <a:t>$10,000</a:t>
-                      </a:r>
-                    </a:p>
-                  </a:txBody>
-                  <a:tcPr anchor="ctr"/>
-                </a:tc>
-                <a:extLst>
-                  <a:ext uri="{0D108BD9-81ED-4DB2-BD59-A6C34878D82A}">
-                    <a16:rowId xmlns:a16="http://schemas.microsoft.com/office/drawing/2014/main" val="1295463846"/>
-                  </a:ext>
-                </a:extLst>
-              </a:tr>
-              <a:tr h="0">
-                <a:tc>
-                  <a:txBody>
-                    <a:bodyPr/>
-                    <a:lstStyle/>
-                    <a:p>
-                      <a:pPr fontAlgn="base"/>
-                      <a:r>
-                        <a:rPr lang="en-IN" b="1">
-                          <a:effectLst/>
-                        </a:rPr>
-                        <a:t>AI Model Training &amp; Tuning</a:t>
-                      </a:r>
-                      <a:endParaRPr lang="en-IN">
-                        <a:effectLst/>
-                      </a:endParaRPr>
-                    </a:p>
-                  </a:txBody>
-                  <a:tcPr anchor="ctr"/>
-                </a:tc>
-                <a:tc>
-                  <a:txBody>
-                    <a:bodyPr/>
-                    <a:lstStyle/>
-                    <a:p>
-                      <a:pPr fontAlgn="base"/>
-                      <a:r>
-                        <a:rPr lang="en-IN">
-                          <a:effectLst/>
-                        </a:rPr>
-                        <a:t>$15,000</a:t>
-                      </a:r>
-                    </a:p>
-                  </a:txBody>
-                  <a:tcPr anchor="ctr"/>
-                </a:tc>
-                <a:extLst>
-                  <a:ext uri="{0D108BD9-81ED-4DB2-BD59-A6C34878D82A}">
-                    <a16:rowId xmlns:a16="http://schemas.microsoft.com/office/drawing/2014/main" val="904818162"/>
-                  </a:ext>
-                </a:extLst>
-              </a:tr>
-              <a:tr h="0">
-                <a:tc>
-                  <a:txBody>
-                    <a:bodyPr/>
-                    <a:lstStyle/>
-                    <a:p>
-                      <a:pPr fontAlgn="base"/>
-                      <a:r>
-                        <a:rPr lang="en-IN" b="1">
-                          <a:effectLst/>
-                        </a:rPr>
-                        <a:t>Testing &amp; Validation</a:t>
-                      </a:r>
-                      <a:endParaRPr lang="en-IN">
-                        <a:effectLst/>
-                      </a:endParaRPr>
-                    </a:p>
-                  </a:txBody>
-                  <a:tcPr anchor="ctr"/>
-                </a:tc>
-                <a:tc>
-                  <a:txBody>
-                    <a:bodyPr/>
-                    <a:lstStyle/>
-                    <a:p>
-                      <a:pPr fontAlgn="base"/>
-                      <a:r>
-                        <a:rPr lang="en-IN">
-                          <a:effectLst/>
-                        </a:rPr>
-                        <a:t>$8,000</a:t>
-                      </a:r>
-                    </a:p>
-                  </a:txBody>
-                  <a:tcPr anchor="ctr"/>
-                </a:tc>
-                <a:extLst>
-                  <a:ext uri="{0D108BD9-81ED-4DB2-BD59-A6C34878D82A}">
-                    <a16:rowId xmlns:a16="http://schemas.microsoft.com/office/drawing/2014/main" val="1421004416"/>
-                  </a:ext>
-                </a:extLst>
-              </a:tr>
-              <a:tr h="0">
-                <a:tc>
-                  <a:txBody>
-                    <a:bodyPr/>
-                    <a:lstStyle/>
-                    <a:p>
-                      <a:pPr fontAlgn="base"/>
-                      <a:r>
-                        <a:rPr lang="en-IN" b="1">
-                          <a:effectLst/>
-                        </a:rPr>
-                        <a:t>Maintenance &amp; Support</a:t>
-                      </a:r>
-                      <a:endParaRPr lang="en-IN">
-                        <a:effectLst/>
-                      </a:endParaRPr>
-                    </a:p>
-                  </a:txBody>
-                  <a:tcPr anchor="ctr"/>
-                </a:tc>
-                <a:tc>
-                  <a:txBody>
-                    <a:bodyPr/>
-                    <a:lstStyle/>
-                    <a:p>
-                      <a:pPr fontAlgn="base"/>
-                      <a:r>
-                        <a:rPr lang="en-IN">
-                          <a:effectLst/>
-                        </a:rPr>
-                        <a:t>$15,000/year</a:t>
-                      </a:r>
-                    </a:p>
-                  </a:txBody>
-                  <a:tcPr anchor="ctr"/>
-                </a:tc>
-                <a:extLst>
-                  <a:ext uri="{0D108BD9-81ED-4DB2-BD59-A6C34878D82A}">
-                    <a16:rowId xmlns:a16="http://schemas.microsoft.com/office/drawing/2014/main" val="686694372"/>
-                  </a:ext>
-                </a:extLst>
-              </a:tr>
-              <a:tr h="0">
-                <a:tc>
-                  <a:txBody>
-                    <a:bodyPr/>
-                    <a:lstStyle/>
-                    <a:p>
-                      <a:pPr fontAlgn="base"/>
-                      <a:r>
-                        <a:rPr lang="en-IN" b="1">
-                          <a:effectLst/>
-                        </a:rPr>
-                        <a:t>Security &amp; Compliance</a:t>
-                      </a:r>
-                      <a:endParaRPr lang="en-IN">
-                        <a:effectLst/>
-                      </a:endParaRPr>
-                    </a:p>
-                  </a:txBody>
-                  <a:tcPr anchor="ctr"/>
-                </a:tc>
-                <a:tc>
-                  <a:txBody>
-                    <a:bodyPr/>
-                    <a:lstStyle/>
-                    <a:p>
-                      <a:pPr fontAlgn="base"/>
-                      <a:r>
-                        <a:rPr lang="en-IN" dirty="0">
-                          <a:effectLst/>
-                        </a:rPr>
-                        <a:t>$5,000</a:t>
-                      </a:r>
-                    </a:p>
-                  </a:txBody>
-                  <a:tcPr anchor="ctr"/>
-                </a:tc>
-                <a:extLst>
-                  <a:ext uri="{0D108BD9-81ED-4DB2-BD59-A6C34878D82A}">
-                    <a16:rowId xmlns:a16="http://schemas.microsoft.com/office/drawing/2014/main" val="2795842612"/>
-                  </a:ext>
-                </a:extLst>
-              </a:tr>
-            </a:tbl>
-          </a:graphicData>
-        </a:graphic>
-      </p:graphicFrame>
+        </p:nvSpPr>
+        <p:spPr>
+          <a:xfrm>
+            <a:off x="348000" y="878400"/>
+            <a:ext cx="8324286" cy="4204140"/>
+          </a:xfrm>
+        </p:spPr>
+        <p:txBody>
+          <a:bodyPr numCol="1">
+            <a:noAutofit/>
+          </a:bodyPr>
+          <a:lstStyle/>
+          <a:p>
+            <a:pPr marL="0" indent="0" algn="just">
+              <a:buNone/>
+            </a:pPr>
+            <a:endParaRPr lang="en-GB" sz="1600" b="0" i="0" dirty="0">
+              <a:solidFill>
+                <a:schemeClr val="tx1"/>
+              </a:solidFill>
+              <a:effectLst/>
+            </a:endParaRPr>
+          </a:p>
+          <a:p>
+            <a:pPr marL="0" indent="0" algn="just">
+              <a:buNone/>
+            </a:pPr>
+            <a:r>
+              <a:rPr lang="en-GB" b="1" i="0" dirty="0">
+                <a:solidFill>
+                  <a:schemeClr val="tx1"/>
+                </a:solidFill>
+                <a:effectLst/>
+              </a:rPr>
+              <a:t>Phase 4: Launch</a:t>
+            </a:r>
+            <a:endParaRPr lang="en-GB" b="0" i="0" dirty="0">
+              <a:solidFill>
+                <a:schemeClr val="tx1"/>
+              </a:solidFill>
+              <a:effectLst/>
+            </a:endParaRPr>
+          </a:p>
+          <a:p>
+            <a:pPr marL="857250" lvl="1" indent="-400050" algn="just">
+              <a:buFont typeface="+mj-lt"/>
+              <a:buAutoNum type="romanUcPeriod"/>
+              <a:tabLst>
+                <a:tab pos="180975" algn="l"/>
+                <a:tab pos="4035425" algn="l"/>
+              </a:tabLst>
+            </a:pPr>
+            <a:r>
+              <a:rPr lang="en-GB" b="0" i="0" dirty="0">
+                <a:solidFill>
+                  <a:schemeClr val="tx1"/>
+                </a:solidFill>
+                <a:effectLst/>
+              </a:rPr>
+              <a:t>Deploy the system on free-tier cloud hosting (AWS, Heroku, or </a:t>
+            </a:r>
+            <a:r>
+              <a:rPr lang="en-GB" b="0" i="0" dirty="0" err="1">
+                <a:solidFill>
+                  <a:schemeClr val="tx1"/>
+                </a:solidFill>
+                <a:effectLst/>
+              </a:rPr>
+              <a:t>Vercel</a:t>
+            </a:r>
+            <a:r>
+              <a:rPr lang="en-GB" b="0" i="0" dirty="0">
+                <a:solidFill>
+                  <a:schemeClr val="tx1"/>
+                </a:solidFill>
+                <a:effectLst/>
+              </a:rPr>
+              <a:t>).</a:t>
+            </a:r>
+          </a:p>
+          <a:p>
+            <a:pPr marL="857250" lvl="1" indent="-400050" algn="just">
+              <a:buFont typeface="+mj-lt"/>
+              <a:buAutoNum type="romanUcPeriod"/>
+            </a:pPr>
+            <a:r>
+              <a:rPr lang="en-GB" b="0" i="0" dirty="0">
+                <a:solidFill>
+                  <a:schemeClr val="tx1"/>
+                </a:solidFill>
+                <a:effectLst/>
+              </a:rPr>
+              <a:t>Release the mobile app on Android (Play Store) initially for wide accessibility.</a:t>
+            </a:r>
+          </a:p>
+          <a:p>
+            <a:pPr marL="0" indent="0" algn="just">
+              <a:buNone/>
+            </a:pPr>
+            <a:r>
+              <a:rPr lang="en-GB" b="1" i="0" dirty="0">
+                <a:solidFill>
+                  <a:schemeClr val="tx1"/>
+                </a:solidFill>
+                <a:effectLst/>
+              </a:rPr>
+              <a:t>Phase 5: User Engagement and Scaling</a:t>
+            </a:r>
+            <a:endParaRPr lang="en-GB" b="0" i="0" dirty="0">
+              <a:solidFill>
+                <a:schemeClr val="tx1"/>
+              </a:solidFill>
+              <a:effectLst/>
+            </a:endParaRPr>
+          </a:p>
+          <a:p>
+            <a:pPr marL="857250" lvl="1" indent="-400050" algn="just">
+              <a:buFont typeface="+mj-lt"/>
+              <a:buAutoNum type="romanUcPeriod"/>
+            </a:pPr>
+            <a:r>
+              <a:rPr lang="en-GB" b="0" i="0" dirty="0">
+                <a:solidFill>
+                  <a:schemeClr val="tx1"/>
+                </a:solidFill>
+                <a:effectLst/>
+              </a:rPr>
+              <a:t>Launch marketing campaigns to drive user adoption.</a:t>
+            </a:r>
+          </a:p>
+          <a:p>
+            <a:pPr marL="857250" lvl="1" indent="-400050" algn="just">
+              <a:buFont typeface="+mj-lt"/>
+              <a:buAutoNum type="romanUcPeriod"/>
+            </a:pPr>
+            <a:r>
+              <a:rPr lang="en-GB" b="0" i="0" dirty="0">
+                <a:solidFill>
+                  <a:schemeClr val="tx1"/>
+                </a:solidFill>
+                <a:effectLst/>
+              </a:rPr>
+              <a:t>Partner with local recycling vendors for operational support.</a:t>
+            </a:r>
+          </a:p>
+          <a:p>
+            <a:pPr marL="857250" lvl="1" indent="-400050" algn="just">
+              <a:buFont typeface="+mj-lt"/>
+              <a:buAutoNum type="romanUcPeriod"/>
+            </a:pPr>
+            <a:r>
+              <a:rPr lang="en-GB" b="0" i="0" dirty="0">
+                <a:solidFill>
+                  <a:schemeClr val="tx1"/>
+                </a:solidFill>
+                <a:effectLst/>
+              </a:rPr>
+              <a:t>Monitor system usage and scale resources as needed.</a:t>
+            </a:r>
+          </a:p>
+          <a:p>
+            <a:pPr marL="0" indent="0" algn="just">
+              <a:buNone/>
+            </a:pPr>
+            <a:r>
+              <a:rPr lang="en-GB" b="1" i="0" dirty="0">
+                <a:solidFill>
+                  <a:schemeClr val="tx1"/>
+                </a:solidFill>
+                <a:effectLst/>
+              </a:rPr>
+              <a:t>Phase 6: Maintenance and Updates</a:t>
+            </a:r>
+            <a:endParaRPr lang="en-GB" b="0" i="0" dirty="0">
+              <a:solidFill>
+                <a:schemeClr val="tx1"/>
+              </a:solidFill>
+              <a:effectLst/>
+            </a:endParaRPr>
+          </a:p>
+          <a:p>
+            <a:pPr marL="857250" lvl="1" indent="-400050" algn="just">
+              <a:buFont typeface="+mj-lt"/>
+              <a:buAutoNum type="romanUcPeriod"/>
+            </a:pPr>
+            <a:r>
+              <a:rPr lang="en-GB" b="0" i="0" dirty="0">
+                <a:solidFill>
+                  <a:schemeClr val="tx1"/>
+                </a:solidFill>
+                <a:effectLst/>
+              </a:rPr>
+              <a:t>Regularly update the app and system based on user feedback.</a:t>
+            </a:r>
+          </a:p>
+          <a:p>
+            <a:pPr marL="857250" lvl="1" indent="-400050" algn="just">
+              <a:buFont typeface="+mj-lt"/>
+              <a:buAutoNum type="romanUcPeriod"/>
+            </a:pPr>
+            <a:r>
+              <a:rPr lang="en-GB" b="0" i="0" dirty="0">
+                <a:solidFill>
+                  <a:schemeClr val="tx1"/>
+                </a:solidFill>
+                <a:effectLst/>
+              </a:rPr>
+              <a:t>Add advanced features like AI-based classification and smart contracts for automation.</a:t>
+            </a:r>
+          </a:p>
+        </p:txBody>
+      </p:sp>
     </p:spTree>
     <p:extLst>
       <p:ext uri="{BB962C8B-B14F-4D97-AF65-F5344CB8AC3E}">
-        <p14:creationId xmlns:p14="http://schemas.microsoft.com/office/powerpoint/2010/main" val="3120119541"/>
+        <p14:creationId xmlns:p14="http://schemas.microsoft.com/office/powerpoint/2010/main" val="1503041079"/>
       </p:ext>
     </p:extLst>
   </p:cSld>
